--- a/0060_serial/rtl/schematic/pll_test.pptx
+++ b/0060_serial/rtl/schematic/pll_test.pptx
@@ -3921,17 +3921,7 @@
                 <a:latin typeface="Courier New" panose="02070309020205020404" pitchFamily="49" charset="0"/>
                 <a:cs typeface="Courier New" panose="02070309020205020404" pitchFamily="49" charset="0"/>
               </a:rPr>
-              <a:t>#(.BW(12</a:t>
-            </a:r>
-            <a:r>
-              <a:rPr lang="en-US" sz="900" dirty="0">
-                <a:solidFill>
-                  <a:srgbClr val="000000"/>
-                </a:solidFill>
-                <a:latin typeface="Courier New" panose="02070309020205020404" pitchFamily="49" charset="0"/>
-                <a:cs typeface="Courier New" panose="02070309020205020404" pitchFamily="49" charset="0"/>
-              </a:rPr>
-              <a:t>), .RV(1’b1))</a:t>
+              <a:t>#(.BW(12), .RV(1’b1))</a:t>
             </a:r>
           </a:p>
           <a:p>
@@ -4913,17 +4903,7 @@
                 <a:latin typeface="Courier New" panose="02070309020205020404" pitchFamily="49" charset="0"/>
                 <a:cs typeface="Courier New" panose="02070309020205020404" pitchFamily="49" charset="0"/>
               </a:rPr>
-              <a:t>#(.BW(12</a:t>
-            </a:r>
-            <a:r>
-              <a:rPr lang="en-US" sz="900" dirty="0">
-                <a:solidFill>
-                  <a:srgbClr val="000000"/>
-                </a:solidFill>
-                <a:latin typeface="Courier New" panose="02070309020205020404" pitchFamily="49" charset="0"/>
-                <a:cs typeface="Courier New" panose="02070309020205020404" pitchFamily="49" charset="0"/>
-              </a:rPr>
-              <a:t>), .RV(1’b1))</a:t>
+              <a:t>#(.BW(12), .RV(1’b1))</a:t>
             </a:r>
           </a:p>
           <a:p>
@@ -6438,6 +6418,2356 @@
           <a:p>
             <a:pPr algn="r"/>
             <a:r>
+              <a:rPr lang="en-US" sz="900" dirty="0" smtClean="0">
+                <a:solidFill>
+                  <a:srgbClr val="000000"/>
+                </a:solidFill>
+                <a:latin typeface="Courier New" panose="02070309020205020404" pitchFamily="49" charset="0"/>
+                <a:cs typeface="Courier New" panose="02070309020205020404" pitchFamily="49" charset="0"/>
+              </a:rPr>
+              <a:t>CLKD</a:t>
+            </a:r>
+            <a:endParaRPr lang="en-US" sz="900" dirty="0">
+              <a:solidFill>
+                <a:srgbClr val="000000"/>
+              </a:solidFill>
+              <a:latin typeface="Courier New" panose="02070309020205020404" pitchFamily="49" charset="0"/>
+              <a:cs typeface="Courier New" panose="02070309020205020404" pitchFamily="49" charset="0"/>
+            </a:endParaRPr>
+          </a:p>
+        </p:txBody>
+      </p:sp>
+      <p:sp>
+        <p:nvSpPr>
+          <p:cNvPr id="812" name="Rectangle 811"/>
+          <p:cNvSpPr/>
+          <p:nvPr/>
+        </p:nvSpPr>
+        <p:spPr>
+          <a:xfrm>
+            <a:off x="8991600" y="4495800"/>
+            <a:ext cx="1371600" cy="3200400"/>
+          </a:xfrm>
+          <a:prstGeom prst="rect">
+            <a:avLst/>
+          </a:prstGeom>
+          <a:noFill/>
+          <a:ln w="12700">
+            <a:solidFill>
+              <a:srgbClr val="000000"/>
+            </a:solidFill>
+          </a:ln>
+        </p:spPr>
+        <p:style>
+          <a:lnRef idx="2">
+            <a:schemeClr val="accent1">
+              <a:shade val="50000"/>
+            </a:schemeClr>
+          </a:lnRef>
+          <a:fillRef idx="1">
+            <a:schemeClr val="accent1"/>
+          </a:fillRef>
+          <a:effectRef idx="0">
+            <a:schemeClr val="accent1"/>
+          </a:effectRef>
+          <a:fontRef idx="minor">
+            <a:schemeClr val="lt1"/>
+          </a:fontRef>
+        </p:style>
+        <p:txBody>
+          <a:bodyPr lIns="45720" rIns="45720" rtlCol="0" anchor="t"/>
+          <a:lstStyle/>
+          <a:p>
+            <a:r>
+              <a:rPr lang="en-US" sz="900" dirty="0">
+                <a:solidFill>
+                  <a:schemeClr val="tx1"/>
+                </a:solidFill>
+                <a:latin typeface="Courier New" panose="02070309020205020404" pitchFamily="49" charset="0"/>
+                <a:cs typeface="Courier New" panose="02070309020205020404" pitchFamily="49" charset="0"/>
+              </a:rPr>
+              <a:t>blink_7seg</a:t>
+            </a:r>
+          </a:p>
+        </p:txBody>
+      </p:sp>
+      <p:sp>
+        <p:nvSpPr>
+          <p:cNvPr id="813" name="Rectangle 812"/>
+          <p:cNvSpPr/>
+          <p:nvPr/>
+        </p:nvSpPr>
+        <p:spPr>
+          <a:xfrm>
+            <a:off x="8991600" y="5943600"/>
+            <a:ext cx="457200" cy="152400"/>
+          </a:xfrm>
+          <a:prstGeom prst="rect">
+            <a:avLst/>
+          </a:prstGeom>
+          <a:noFill/>
+          <a:ln>
+            <a:noFill/>
+          </a:ln>
+        </p:spPr>
+        <p:style>
+          <a:lnRef idx="2">
+            <a:schemeClr val="accent1">
+              <a:shade val="50000"/>
+            </a:schemeClr>
+          </a:lnRef>
+          <a:fillRef idx="1">
+            <a:schemeClr val="accent1"/>
+          </a:fillRef>
+          <a:effectRef idx="0">
+            <a:schemeClr val="accent1"/>
+          </a:effectRef>
+          <a:fontRef idx="minor">
+            <a:schemeClr val="lt1"/>
+          </a:fontRef>
+        </p:style>
+        <p:txBody>
+          <a:bodyPr wrap="none" lIns="45720" rIns="45720" rtlCol="0" anchor="ctr"/>
+          <a:lstStyle/>
+          <a:p>
+            <a:r>
+              <a:rPr lang="en-US" sz="900" dirty="0">
+                <a:solidFill>
+                  <a:srgbClr val="000000"/>
+                </a:solidFill>
+                <a:latin typeface="Courier New" panose="02070309020205020404" pitchFamily="49" charset="0"/>
+                <a:cs typeface="Courier New" panose="02070309020205020404" pitchFamily="49" charset="0"/>
+              </a:rPr>
+              <a:t>DIGIT1</a:t>
+            </a:r>
+          </a:p>
+        </p:txBody>
+      </p:sp>
+      <p:sp>
+        <p:nvSpPr>
+          <p:cNvPr id="837" name="Rectangle 836"/>
+          <p:cNvSpPr/>
+          <p:nvPr/>
+        </p:nvSpPr>
+        <p:spPr>
+          <a:xfrm>
+            <a:off x="8991600" y="6400800"/>
+            <a:ext cx="457200" cy="152400"/>
+          </a:xfrm>
+          <a:prstGeom prst="rect">
+            <a:avLst/>
+          </a:prstGeom>
+          <a:noFill/>
+          <a:ln>
+            <a:noFill/>
+          </a:ln>
+        </p:spPr>
+        <p:style>
+          <a:lnRef idx="2">
+            <a:schemeClr val="accent1">
+              <a:shade val="50000"/>
+            </a:schemeClr>
+          </a:lnRef>
+          <a:fillRef idx="1">
+            <a:schemeClr val="accent1"/>
+          </a:fillRef>
+          <a:effectRef idx="0">
+            <a:schemeClr val="accent1"/>
+          </a:effectRef>
+          <a:fontRef idx="minor">
+            <a:schemeClr val="lt1"/>
+          </a:fontRef>
+        </p:style>
+        <p:txBody>
+          <a:bodyPr wrap="none" lIns="45720" rIns="45720" rtlCol="0" anchor="ctr"/>
+          <a:lstStyle/>
+          <a:p>
+            <a:r>
+              <a:rPr lang="en-US" sz="900" dirty="0">
+                <a:solidFill>
+                  <a:srgbClr val="000000"/>
+                </a:solidFill>
+                <a:latin typeface="Courier New" panose="02070309020205020404" pitchFamily="49" charset="0"/>
+                <a:cs typeface="Courier New" panose="02070309020205020404" pitchFamily="49" charset="0"/>
+              </a:rPr>
+              <a:t>DIGIT0</a:t>
+            </a:r>
+          </a:p>
+        </p:txBody>
+      </p:sp>
+      <p:cxnSp>
+        <p:nvCxnSpPr>
+          <p:cNvPr id="838" name="Straight Connector 837"/>
+          <p:cNvCxnSpPr>
+            <a:stCxn id="764" idx="3"/>
+            <a:endCxn id="837" idx="1"/>
+          </p:cNvCxnSpPr>
+          <p:nvPr/>
+        </p:nvCxnSpPr>
+        <p:spPr>
+          <a:xfrm>
+            <a:off x="6248400" y="6477000"/>
+            <a:ext cx="2743200" cy="0"/>
+          </a:xfrm>
+          <a:prstGeom prst="line">
+            <a:avLst/>
+          </a:prstGeom>
+          <a:ln w="12700">
+            <a:solidFill>
+              <a:srgbClr val="000000"/>
+            </a:solidFill>
+            <a:headEnd type="none" w="med" len="med"/>
+            <a:tailEnd type="triangle" w="med" len="med"/>
+          </a:ln>
+        </p:spPr>
+        <p:style>
+          <a:lnRef idx="1">
+            <a:schemeClr val="accent1"/>
+          </a:lnRef>
+          <a:fillRef idx="0">
+            <a:schemeClr val="accent1"/>
+          </a:fillRef>
+          <a:effectRef idx="0">
+            <a:schemeClr val="accent1"/>
+          </a:effectRef>
+          <a:fontRef idx="minor">
+            <a:schemeClr val="tx1"/>
+          </a:fontRef>
+        </p:style>
+      </p:cxnSp>
+      <p:cxnSp>
+        <p:nvCxnSpPr>
+          <p:cNvPr id="857" name="Straight Connector 856"/>
+          <p:cNvCxnSpPr/>
+          <p:nvPr/>
+        </p:nvCxnSpPr>
+        <p:spPr>
+          <a:xfrm>
+            <a:off x="8610600" y="6400800"/>
+            <a:ext cx="76200" cy="76200"/>
+          </a:xfrm>
+          <a:prstGeom prst="line">
+            <a:avLst/>
+          </a:prstGeom>
+          <a:ln w="12700">
+            <a:solidFill>
+              <a:srgbClr val="000000"/>
+            </a:solidFill>
+            <a:headEnd type="none" w="med" len="med"/>
+            <a:tailEnd type="none" w="med" len="med"/>
+          </a:ln>
+        </p:spPr>
+        <p:style>
+          <a:lnRef idx="1">
+            <a:schemeClr val="accent1"/>
+          </a:lnRef>
+          <a:fillRef idx="0">
+            <a:schemeClr val="accent1"/>
+          </a:fillRef>
+          <a:effectRef idx="0">
+            <a:schemeClr val="accent1"/>
+          </a:effectRef>
+          <a:fontRef idx="minor">
+            <a:schemeClr val="tx1"/>
+          </a:fontRef>
+        </p:style>
+      </p:cxnSp>
+      <p:cxnSp>
+        <p:nvCxnSpPr>
+          <p:cNvPr id="858" name="Straight Connector 857"/>
+          <p:cNvCxnSpPr/>
+          <p:nvPr/>
+        </p:nvCxnSpPr>
+        <p:spPr>
+          <a:xfrm>
+            <a:off x="8610600" y="6248400"/>
+            <a:ext cx="0" cy="152400"/>
+          </a:xfrm>
+          <a:prstGeom prst="line">
+            <a:avLst/>
+          </a:prstGeom>
+          <a:ln w="12700">
+            <a:solidFill>
+              <a:srgbClr val="000000"/>
+            </a:solidFill>
+            <a:headEnd type="none" w="med" len="med"/>
+            <a:tailEnd type="none" w="med" len="med"/>
+          </a:ln>
+        </p:spPr>
+        <p:style>
+          <a:lnRef idx="1">
+            <a:schemeClr val="accent1"/>
+          </a:lnRef>
+          <a:fillRef idx="0">
+            <a:schemeClr val="accent1"/>
+          </a:fillRef>
+          <a:effectRef idx="0">
+            <a:schemeClr val="accent1"/>
+          </a:effectRef>
+          <a:fontRef idx="minor">
+            <a:schemeClr val="tx1"/>
+          </a:fontRef>
+        </p:style>
+      </p:cxnSp>
+      <p:cxnSp>
+        <p:nvCxnSpPr>
+          <p:cNvPr id="859" name="Straight Connector 858"/>
+          <p:cNvCxnSpPr/>
+          <p:nvPr/>
+        </p:nvCxnSpPr>
+        <p:spPr>
+          <a:xfrm flipH="1">
+            <a:off x="8305800" y="6248400"/>
+            <a:ext cx="304800" cy="0"/>
+          </a:xfrm>
+          <a:prstGeom prst="line">
+            <a:avLst/>
+          </a:prstGeom>
+          <a:ln w="12700">
+            <a:solidFill>
+              <a:srgbClr val="000000"/>
+            </a:solidFill>
+            <a:headEnd type="none" w="med" len="med"/>
+            <a:tailEnd type="none" w="med" len="med"/>
+          </a:ln>
+        </p:spPr>
+        <p:style>
+          <a:lnRef idx="1">
+            <a:schemeClr val="accent1"/>
+          </a:lnRef>
+          <a:fillRef idx="0">
+            <a:schemeClr val="accent1"/>
+          </a:fillRef>
+          <a:effectRef idx="0">
+            <a:schemeClr val="accent1"/>
+          </a:effectRef>
+          <a:fontRef idx="minor">
+            <a:schemeClr val="tx1"/>
+          </a:fontRef>
+        </p:style>
+      </p:cxnSp>
+      <p:cxnSp>
+        <p:nvCxnSpPr>
+          <p:cNvPr id="860" name="Straight Connector 859"/>
+          <p:cNvCxnSpPr>
+            <a:stCxn id="760" idx="3"/>
+            <a:endCxn id="813" idx="1"/>
+          </p:cNvCxnSpPr>
+          <p:nvPr/>
+        </p:nvCxnSpPr>
+        <p:spPr>
+          <a:xfrm>
+            <a:off x="6248400" y="6019800"/>
+            <a:ext cx="2743200" cy="0"/>
+          </a:xfrm>
+          <a:prstGeom prst="line">
+            <a:avLst/>
+          </a:prstGeom>
+          <a:ln w="12700">
+            <a:solidFill>
+              <a:srgbClr val="000000"/>
+            </a:solidFill>
+            <a:headEnd type="none" w="med" len="med"/>
+            <a:tailEnd type="triangle" w="med" len="med"/>
+          </a:ln>
+        </p:spPr>
+        <p:style>
+          <a:lnRef idx="1">
+            <a:schemeClr val="accent1"/>
+          </a:lnRef>
+          <a:fillRef idx="0">
+            <a:schemeClr val="accent1"/>
+          </a:fillRef>
+          <a:effectRef idx="0">
+            <a:schemeClr val="accent1"/>
+          </a:effectRef>
+          <a:fontRef idx="minor">
+            <a:schemeClr val="tx1"/>
+          </a:fontRef>
+        </p:style>
+      </p:cxnSp>
+      <p:cxnSp>
+        <p:nvCxnSpPr>
+          <p:cNvPr id="861" name="Straight Connector 860"/>
+          <p:cNvCxnSpPr/>
+          <p:nvPr/>
+        </p:nvCxnSpPr>
+        <p:spPr>
+          <a:xfrm>
+            <a:off x="8610600" y="5943600"/>
+            <a:ext cx="76200" cy="76200"/>
+          </a:xfrm>
+          <a:prstGeom prst="line">
+            <a:avLst/>
+          </a:prstGeom>
+          <a:ln w="12700">
+            <a:solidFill>
+              <a:srgbClr val="000000"/>
+            </a:solidFill>
+            <a:headEnd type="none" w="med" len="med"/>
+            <a:tailEnd type="none" w="med" len="med"/>
+          </a:ln>
+        </p:spPr>
+        <p:style>
+          <a:lnRef idx="1">
+            <a:schemeClr val="accent1"/>
+          </a:lnRef>
+          <a:fillRef idx="0">
+            <a:schemeClr val="accent1"/>
+          </a:fillRef>
+          <a:effectRef idx="0">
+            <a:schemeClr val="accent1"/>
+          </a:effectRef>
+          <a:fontRef idx="minor">
+            <a:schemeClr val="tx1"/>
+          </a:fontRef>
+        </p:style>
+      </p:cxnSp>
+      <p:cxnSp>
+        <p:nvCxnSpPr>
+          <p:cNvPr id="862" name="Straight Connector 861"/>
+          <p:cNvCxnSpPr/>
+          <p:nvPr/>
+        </p:nvCxnSpPr>
+        <p:spPr>
+          <a:xfrm>
+            <a:off x="8610600" y="5791200"/>
+            <a:ext cx="0" cy="152400"/>
+          </a:xfrm>
+          <a:prstGeom prst="line">
+            <a:avLst/>
+          </a:prstGeom>
+          <a:ln w="12700">
+            <a:solidFill>
+              <a:srgbClr val="000000"/>
+            </a:solidFill>
+            <a:headEnd type="none" w="med" len="med"/>
+            <a:tailEnd type="none" w="med" len="med"/>
+          </a:ln>
+        </p:spPr>
+        <p:style>
+          <a:lnRef idx="1">
+            <a:schemeClr val="accent1"/>
+          </a:lnRef>
+          <a:fillRef idx="0">
+            <a:schemeClr val="accent1"/>
+          </a:fillRef>
+          <a:effectRef idx="0">
+            <a:schemeClr val="accent1"/>
+          </a:effectRef>
+          <a:fontRef idx="minor">
+            <a:schemeClr val="tx1"/>
+          </a:fontRef>
+        </p:style>
+      </p:cxnSp>
+      <p:cxnSp>
+        <p:nvCxnSpPr>
+          <p:cNvPr id="863" name="Straight Connector 862"/>
+          <p:cNvCxnSpPr/>
+          <p:nvPr/>
+        </p:nvCxnSpPr>
+        <p:spPr>
+          <a:xfrm flipH="1">
+            <a:off x="8305800" y="5791200"/>
+            <a:ext cx="304800" cy="0"/>
+          </a:xfrm>
+          <a:prstGeom prst="line">
+            <a:avLst/>
+          </a:prstGeom>
+          <a:ln w="12700">
+            <a:solidFill>
+              <a:srgbClr val="000000"/>
+            </a:solidFill>
+            <a:headEnd type="none" w="med" len="med"/>
+            <a:tailEnd type="none" w="med" len="med"/>
+          </a:ln>
+        </p:spPr>
+        <p:style>
+          <a:lnRef idx="1">
+            <a:schemeClr val="accent1"/>
+          </a:lnRef>
+          <a:fillRef idx="0">
+            <a:schemeClr val="accent1"/>
+          </a:fillRef>
+          <a:effectRef idx="0">
+            <a:schemeClr val="accent1"/>
+          </a:effectRef>
+          <a:fontRef idx="minor">
+            <a:schemeClr val="tx1"/>
+          </a:fontRef>
+        </p:style>
+      </p:cxnSp>
+      <p:sp>
+        <p:nvSpPr>
+          <p:cNvPr id="864" name="Rectangle 863"/>
+          <p:cNvSpPr/>
+          <p:nvPr/>
+        </p:nvSpPr>
+        <p:spPr>
+          <a:xfrm>
+            <a:off x="8153400" y="6096000"/>
+            <a:ext cx="457200" cy="152400"/>
+          </a:xfrm>
+          <a:prstGeom prst="rect">
+            <a:avLst/>
+          </a:prstGeom>
+          <a:noFill/>
+          <a:ln>
+            <a:noFill/>
+          </a:ln>
+        </p:spPr>
+        <p:style>
+          <a:lnRef idx="2">
+            <a:schemeClr val="accent1">
+              <a:shade val="50000"/>
+            </a:schemeClr>
+          </a:lnRef>
+          <a:fillRef idx="1">
+            <a:schemeClr val="accent1"/>
+          </a:fillRef>
+          <a:effectRef idx="0">
+            <a:schemeClr val="accent1"/>
+          </a:effectRef>
+          <a:fontRef idx="minor">
+            <a:schemeClr val="lt1"/>
+          </a:fontRef>
+        </p:style>
+        <p:txBody>
+          <a:bodyPr wrap="none" lIns="45720" rIns="45720" rtlCol="0" anchor="ctr"/>
+          <a:lstStyle/>
+          <a:p>
+            <a:r>
+              <a:rPr lang="en-US" sz="900" dirty="0">
+                <a:solidFill>
+                  <a:srgbClr val="000000"/>
+                </a:solidFill>
+                <a:latin typeface="Courier New" panose="02070309020205020404" pitchFamily="49" charset="0"/>
+                <a:cs typeface="Courier New" panose="02070309020205020404" pitchFamily="49" charset="0"/>
+              </a:rPr>
+              <a:t>1’b0</a:t>
+            </a:r>
+          </a:p>
+        </p:txBody>
+      </p:sp>
+      <p:sp>
+        <p:nvSpPr>
+          <p:cNvPr id="865" name="Rectangle 864"/>
+          <p:cNvSpPr/>
+          <p:nvPr/>
+        </p:nvSpPr>
+        <p:spPr>
+          <a:xfrm>
+            <a:off x="8153400" y="5638800"/>
+            <a:ext cx="457200" cy="152400"/>
+          </a:xfrm>
+          <a:prstGeom prst="rect">
+            <a:avLst/>
+          </a:prstGeom>
+          <a:noFill/>
+          <a:ln>
+            <a:noFill/>
+          </a:ln>
+        </p:spPr>
+        <p:style>
+          <a:lnRef idx="2">
+            <a:schemeClr val="accent1">
+              <a:shade val="50000"/>
+            </a:schemeClr>
+          </a:lnRef>
+          <a:fillRef idx="1">
+            <a:schemeClr val="accent1"/>
+          </a:fillRef>
+          <a:effectRef idx="0">
+            <a:schemeClr val="accent1"/>
+          </a:effectRef>
+          <a:fontRef idx="minor">
+            <a:schemeClr val="lt1"/>
+          </a:fontRef>
+        </p:style>
+        <p:txBody>
+          <a:bodyPr wrap="none" lIns="45720" rIns="45720" rtlCol="0" anchor="ctr"/>
+          <a:lstStyle/>
+          <a:p>
+            <a:r>
+              <a:rPr lang="en-US" sz="900" dirty="0">
+                <a:solidFill>
+                  <a:srgbClr val="000000"/>
+                </a:solidFill>
+                <a:latin typeface="Courier New" panose="02070309020205020404" pitchFamily="49" charset="0"/>
+                <a:cs typeface="Courier New" panose="02070309020205020404" pitchFamily="49" charset="0"/>
+              </a:rPr>
+              <a:t>1’b0</a:t>
+            </a:r>
+          </a:p>
+        </p:txBody>
+      </p:sp>
+      <p:cxnSp>
+        <p:nvCxnSpPr>
+          <p:cNvPr id="869" name="Straight Connector 868"/>
+          <p:cNvCxnSpPr/>
+          <p:nvPr/>
+        </p:nvCxnSpPr>
+        <p:spPr>
+          <a:xfrm flipV="1">
+            <a:off x="6324600" y="6400800"/>
+            <a:ext cx="152400" cy="152400"/>
+          </a:xfrm>
+          <a:prstGeom prst="line">
+            <a:avLst/>
+          </a:prstGeom>
+          <a:ln w="12700">
+            <a:solidFill>
+              <a:srgbClr val="000000"/>
+            </a:solidFill>
+            <a:headEnd type="none" w="med" len="med"/>
+            <a:tailEnd type="none" w="med" len="med"/>
+          </a:ln>
+        </p:spPr>
+        <p:style>
+          <a:lnRef idx="1">
+            <a:schemeClr val="accent1"/>
+          </a:lnRef>
+          <a:fillRef idx="0">
+            <a:schemeClr val="accent1"/>
+          </a:fillRef>
+          <a:effectRef idx="0">
+            <a:schemeClr val="accent1"/>
+          </a:effectRef>
+          <a:fontRef idx="minor">
+            <a:schemeClr val="tx1"/>
+          </a:fontRef>
+        </p:style>
+      </p:cxnSp>
+      <p:sp>
+        <p:nvSpPr>
+          <p:cNvPr id="870" name="Rectangle 869"/>
+          <p:cNvSpPr/>
+          <p:nvPr/>
+        </p:nvSpPr>
+        <p:spPr>
+          <a:xfrm>
+            <a:off x="6324600" y="6324600"/>
+            <a:ext cx="152400" cy="76200"/>
+          </a:xfrm>
+          <a:prstGeom prst="rect">
+            <a:avLst/>
+          </a:prstGeom>
+          <a:noFill/>
+          <a:ln>
+            <a:noFill/>
+          </a:ln>
+        </p:spPr>
+        <p:style>
+          <a:lnRef idx="2">
+            <a:schemeClr val="accent1">
+              <a:shade val="50000"/>
+            </a:schemeClr>
+          </a:lnRef>
+          <a:fillRef idx="1">
+            <a:schemeClr val="accent1"/>
+          </a:fillRef>
+          <a:effectRef idx="0">
+            <a:schemeClr val="accent1"/>
+          </a:effectRef>
+          <a:fontRef idx="minor">
+            <a:schemeClr val="lt1"/>
+          </a:fontRef>
+        </p:style>
+        <p:txBody>
+          <a:bodyPr wrap="none" lIns="45720" rIns="45720" rtlCol="0" anchor="ctr"/>
+          <a:lstStyle/>
+          <a:p>
+            <a:pPr algn="ctr"/>
+            <a:r>
+              <a:rPr lang="en-US" sz="900" dirty="0">
+                <a:solidFill>
+                  <a:srgbClr val="000000"/>
+                </a:solidFill>
+                <a:latin typeface="Courier New" panose="02070309020205020404" pitchFamily="49" charset="0"/>
+                <a:cs typeface="Courier New" panose="02070309020205020404" pitchFamily="49" charset="0"/>
+              </a:rPr>
+              <a:t>7</a:t>
+            </a:r>
+          </a:p>
+        </p:txBody>
+      </p:sp>
+      <p:cxnSp>
+        <p:nvCxnSpPr>
+          <p:cNvPr id="871" name="Straight Connector 870"/>
+          <p:cNvCxnSpPr/>
+          <p:nvPr/>
+        </p:nvCxnSpPr>
+        <p:spPr>
+          <a:xfrm flipV="1">
+            <a:off x="6324600" y="5943600"/>
+            <a:ext cx="152400" cy="152400"/>
+          </a:xfrm>
+          <a:prstGeom prst="line">
+            <a:avLst/>
+          </a:prstGeom>
+          <a:ln w="12700">
+            <a:solidFill>
+              <a:srgbClr val="000000"/>
+            </a:solidFill>
+            <a:headEnd type="none" w="med" len="med"/>
+            <a:tailEnd type="none" w="med" len="med"/>
+          </a:ln>
+        </p:spPr>
+        <p:style>
+          <a:lnRef idx="1">
+            <a:schemeClr val="accent1"/>
+          </a:lnRef>
+          <a:fillRef idx="0">
+            <a:schemeClr val="accent1"/>
+          </a:fillRef>
+          <a:effectRef idx="0">
+            <a:schemeClr val="accent1"/>
+          </a:effectRef>
+          <a:fontRef idx="minor">
+            <a:schemeClr val="tx1"/>
+          </a:fontRef>
+        </p:style>
+      </p:cxnSp>
+      <p:sp>
+        <p:nvSpPr>
+          <p:cNvPr id="872" name="Rectangle 871"/>
+          <p:cNvSpPr/>
+          <p:nvPr/>
+        </p:nvSpPr>
+        <p:spPr>
+          <a:xfrm>
+            <a:off x="6324600" y="5867400"/>
+            <a:ext cx="152400" cy="76200"/>
+          </a:xfrm>
+          <a:prstGeom prst="rect">
+            <a:avLst/>
+          </a:prstGeom>
+          <a:noFill/>
+          <a:ln>
+            <a:noFill/>
+          </a:ln>
+        </p:spPr>
+        <p:style>
+          <a:lnRef idx="2">
+            <a:schemeClr val="accent1">
+              <a:shade val="50000"/>
+            </a:schemeClr>
+          </a:lnRef>
+          <a:fillRef idx="1">
+            <a:schemeClr val="accent1"/>
+          </a:fillRef>
+          <a:effectRef idx="0">
+            <a:schemeClr val="accent1"/>
+          </a:effectRef>
+          <a:fontRef idx="minor">
+            <a:schemeClr val="lt1"/>
+          </a:fontRef>
+        </p:style>
+        <p:txBody>
+          <a:bodyPr wrap="none" lIns="45720" rIns="45720" rtlCol="0" anchor="ctr"/>
+          <a:lstStyle/>
+          <a:p>
+            <a:pPr algn="ctr"/>
+            <a:r>
+              <a:rPr lang="en-US" sz="900" dirty="0">
+                <a:solidFill>
+                  <a:srgbClr val="000000"/>
+                </a:solidFill>
+                <a:latin typeface="Courier New" panose="02070309020205020404" pitchFamily="49" charset="0"/>
+                <a:cs typeface="Courier New" panose="02070309020205020404" pitchFamily="49" charset="0"/>
+              </a:rPr>
+              <a:t>7</a:t>
+            </a:r>
+          </a:p>
+        </p:txBody>
+      </p:sp>
+      <p:sp>
+        <p:nvSpPr>
+          <p:cNvPr id="873" name="Rectangle 872"/>
+          <p:cNvSpPr/>
+          <p:nvPr/>
+        </p:nvSpPr>
+        <p:spPr>
+          <a:xfrm>
+            <a:off x="6553200" y="5867400"/>
+            <a:ext cx="457200" cy="152400"/>
+          </a:xfrm>
+          <a:prstGeom prst="rect">
+            <a:avLst/>
+          </a:prstGeom>
+          <a:noFill/>
+          <a:ln>
+            <a:noFill/>
+          </a:ln>
+        </p:spPr>
+        <p:style>
+          <a:lnRef idx="2">
+            <a:schemeClr val="accent1">
+              <a:shade val="50000"/>
+            </a:schemeClr>
+          </a:lnRef>
+          <a:fillRef idx="1">
+            <a:schemeClr val="accent1"/>
+          </a:fillRef>
+          <a:effectRef idx="0">
+            <a:schemeClr val="accent1"/>
+          </a:effectRef>
+          <a:fontRef idx="minor">
+            <a:schemeClr val="lt1"/>
+          </a:fontRef>
+        </p:style>
+        <p:txBody>
+          <a:bodyPr wrap="none" lIns="45720" rIns="45720" rtlCol="0" anchor="ctr"/>
+          <a:lstStyle/>
+          <a:p>
+            <a:r>
+              <a:rPr lang="en-US" sz="900" dirty="0">
+                <a:solidFill>
+                  <a:srgbClr val="000000"/>
+                </a:solidFill>
+                <a:latin typeface="Courier New" panose="02070309020205020404" pitchFamily="49" charset="0"/>
+                <a:cs typeface="Courier New" panose="02070309020205020404" pitchFamily="49" charset="0"/>
+              </a:rPr>
+              <a:t>digit1</a:t>
+            </a:r>
+          </a:p>
+        </p:txBody>
+      </p:sp>
+      <p:sp>
+        <p:nvSpPr>
+          <p:cNvPr id="874" name="Rectangle 873"/>
+          <p:cNvSpPr/>
+          <p:nvPr/>
+        </p:nvSpPr>
+        <p:spPr>
+          <a:xfrm>
+            <a:off x="6553200" y="6324600"/>
+            <a:ext cx="457200" cy="152400"/>
+          </a:xfrm>
+          <a:prstGeom prst="rect">
+            <a:avLst/>
+          </a:prstGeom>
+          <a:noFill/>
+          <a:ln>
+            <a:noFill/>
+          </a:ln>
+        </p:spPr>
+        <p:style>
+          <a:lnRef idx="2">
+            <a:schemeClr val="accent1">
+              <a:shade val="50000"/>
+            </a:schemeClr>
+          </a:lnRef>
+          <a:fillRef idx="1">
+            <a:schemeClr val="accent1"/>
+          </a:fillRef>
+          <a:effectRef idx="0">
+            <a:schemeClr val="accent1"/>
+          </a:effectRef>
+          <a:fontRef idx="minor">
+            <a:schemeClr val="lt1"/>
+          </a:fontRef>
+        </p:style>
+        <p:txBody>
+          <a:bodyPr wrap="none" lIns="45720" rIns="45720" rtlCol="0" anchor="ctr"/>
+          <a:lstStyle/>
+          <a:p>
+            <a:r>
+              <a:rPr lang="en-US" sz="900" dirty="0">
+                <a:solidFill>
+                  <a:srgbClr val="000000"/>
+                </a:solidFill>
+                <a:latin typeface="Courier New" panose="02070309020205020404" pitchFamily="49" charset="0"/>
+                <a:cs typeface="Courier New" panose="02070309020205020404" pitchFamily="49" charset="0"/>
+              </a:rPr>
+              <a:t>digit0</a:t>
+            </a:r>
+          </a:p>
+        </p:txBody>
+      </p:sp>
+      <p:sp>
+        <p:nvSpPr>
+          <p:cNvPr id="875" name="Rectangle 874"/>
+          <p:cNvSpPr/>
+          <p:nvPr/>
+        </p:nvSpPr>
+        <p:spPr>
+          <a:xfrm>
+            <a:off x="8991600" y="5257800"/>
+            <a:ext cx="457200" cy="152400"/>
+          </a:xfrm>
+          <a:prstGeom prst="rect">
+            <a:avLst/>
+          </a:prstGeom>
+          <a:noFill/>
+          <a:ln>
+            <a:noFill/>
+          </a:ln>
+        </p:spPr>
+        <p:style>
+          <a:lnRef idx="2">
+            <a:schemeClr val="accent1">
+              <a:shade val="50000"/>
+            </a:schemeClr>
+          </a:lnRef>
+          <a:fillRef idx="1">
+            <a:schemeClr val="accent1"/>
+          </a:fillRef>
+          <a:effectRef idx="0">
+            <a:schemeClr val="accent1"/>
+          </a:effectRef>
+          <a:fontRef idx="minor">
+            <a:schemeClr val="lt1"/>
+          </a:fontRef>
+        </p:style>
+        <p:txBody>
+          <a:bodyPr wrap="none" lIns="45720" rIns="45720" rtlCol="0" anchor="ctr"/>
+          <a:lstStyle/>
+          <a:p>
+            <a:r>
+              <a:rPr lang="en-US" sz="900" dirty="0">
+                <a:solidFill>
+                  <a:srgbClr val="000000"/>
+                </a:solidFill>
+                <a:latin typeface="Courier New" panose="02070309020205020404" pitchFamily="49" charset="0"/>
+                <a:cs typeface="Courier New" panose="02070309020205020404" pitchFamily="49" charset="0"/>
+              </a:rPr>
+              <a:t>DIGIT3</a:t>
+            </a:r>
+          </a:p>
+        </p:txBody>
+      </p:sp>
+      <p:sp>
+        <p:nvSpPr>
+          <p:cNvPr id="876" name="Rectangle 875"/>
+          <p:cNvSpPr/>
+          <p:nvPr/>
+        </p:nvSpPr>
+        <p:spPr>
+          <a:xfrm>
+            <a:off x="8991600" y="5486400"/>
+            <a:ext cx="457200" cy="152400"/>
+          </a:xfrm>
+          <a:prstGeom prst="rect">
+            <a:avLst/>
+          </a:prstGeom>
+          <a:noFill/>
+          <a:ln>
+            <a:noFill/>
+          </a:ln>
+        </p:spPr>
+        <p:style>
+          <a:lnRef idx="2">
+            <a:schemeClr val="accent1">
+              <a:shade val="50000"/>
+            </a:schemeClr>
+          </a:lnRef>
+          <a:fillRef idx="1">
+            <a:schemeClr val="accent1"/>
+          </a:fillRef>
+          <a:effectRef idx="0">
+            <a:schemeClr val="accent1"/>
+          </a:effectRef>
+          <a:fontRef idx="minor">
+            <a:schemeClr val="lt1"/>
+          </a:fontRef>
+        </p:style>
+        <p:txBody>
+          <a:bodyPr wrap="none" lIns="45720" rIns="45720" rtlCol="0" anchor="ctr"/>
+          <a:lstStyle/>
+          <a:p>
+            <a:r>
+              <a:rPr lang="en-US" sz="900" dirty="0">
+                <a:solidFill>
+                  <a:srgbClr val="000000"/>
+                </a:solidFill>
+                <a:latin typeface="Courier New" panose="02070309020205020404" pitchFamily="49" charset="0"/>
+                <a:cs typeface="Courier New" panose="02070309020205020404" pitchFamily="49" charset="0"/>
+              </a:rPr>
+              <a:t>DIGIT2</a:t>
+            </a:r>
+          </a:p>
+        </p:txBody>
+      </p:sp>
+      <p:cxnSp>
+        <p:nvCxnSpPr>
+          <p:cNvPr id="877" name="Straight Connector 876"/>
+          <p:cNvCxnSpPr>
+            <a:stCxn id="878" idx="3"/>
+            <a:endCxn id="876" idx="1"/>
+          </p:cNvCxnSpPr>
+          <p:nvPr/>
+        </p:nvCxnSpPr>
+        <p:spPr>
+          <a:xfrm>
+            <a:off x="8686800" y="5562600"/>
+            <a:ext cx="304800" cy="0"/>
+          </a:xfrm>
+          <a:prstGeom prst="line">
+            <a:avLst/>
+          </a:prstGeom>
+          <a:ln w="12700">
+            <a:solidFill>
+              <a:srgbClr val="000000"/>
+            </a:solidFill>
+            <a:headEnd type="none" w="med" len="med"/>
+            <a:tailEnd type="triangle" w="med" len="med"/>
+          </a:ln>
+        </p:spPr>
+        <p:style>
+          <a:lnRef idx="1">
+            <a:schemeClr val="accent1"/>
+          </a:lnRef>
+          <a:fillRef idx="0">
+            <a:schemeClr val="accent1"/>
+          </a:fillRef>
+          <a:effectRef idx="0">
+            <a:schemeClr val="accent1"/>
+          </a:effectRef>
+          <a:fontRef idx="minor">
+            <a:schemeClr val="tx1"/>
+          </a:fontRef>
+        </p:style>
+      </p:cxnSp>
+      <p:sp>
+        <p:nvSpPr>
+          <p:cNvPr id="878" name="Rectangle 877"/>
+          <p:cNvSpPr/>
+          <p:nvPr/>
+        </p:nvSpPr>
+        <p:spPr>
+          <a:xfrm>
+            <a:off x="8229600" y="5486400"/>
+            <a:ext cx="457200" cy="152400"/>
+          </a:xfrm>
+          <a:prstGeom prst="rect">
+            <a:avLst/>
+          </a:prstGeom>
+          <a:noFill/>
+          <a:ln>
+            <a:noFill/>
+          </a:ln>
+        </p:spPr>
+        <p:style>
+          <a:lnRef idx="2">
+            <a:schemeClr val="accent1">
+              <a:shade val="50000"/>
+            </a:schemeClr>
+          </a:lnRef>
+          <a:fillRef idx="1">
+            <a:schemeClr val="accent1"/>
+          </a:fillRef>
+          <a:effectRef idx="0">
+            <a:schemeClr val="accent1"/>
+          </a:effectRef>
+          <a:fontRef idx="minor">
+            <a:schemeClr val="lt1"/>
+          </a:fontRef>
+        </p:style>
+        <p:txBody>
+          <a:bodyPr wrap="none" lIns="45720" rIns="45720" rtlCol="0" anchor="ctr"/>
+          <a:lstStyle/>
+          <a:p>
+            <a:pPr algn="r"/>
+            <a:r>
+              <a:rPr lang="en-US" sz="900" dirty="0">
+                <a:solidFill>
+                  <a:srgbClr val="000000"/>
+                </a:solidFill>
+                <a:latin typeface="Courier New" panose="02070309020205020404" pitchFamily="49" charset="0"/>
+                <a:cs typeface="Courier New" panose="02070309020205020404" pitchFamily="49" charset="0"/>
+              </a:rPr>
+              <a:t>8’d0</a:t>
+            </a:r>
+          </a:p>
+        </p:txBody>
+      </p:sp>
+      <p:cxnSp>
+        <p:nvCxnSpPr>
+          <p:cNvPr id="879" name="Straight Connector 878"/>
+          <p:cNvCxnSpPr>
+            <a:stCxn id="880" idx="3"/>
+            <a:endCxn id="875" idx="1"/>
+          </p:cNvCxnSpPr>
+          <p:nvPr/>
+        </p:nvCxnSpPr>
+        <p:spPr>
+          <a:xfrm>
+            <a:off x="8686800" y="5334000"/>
+            <a:ext cx="304800" cy="0"/>
+          </a:xfrm>
+          <a:prstGeom prst="line">
+            <a:avLst/>
+          </a:prstGeom>
+          <a:ln w="12700">
+            <a:solidFill>
+              <a:srgbClr val="000000"/>
+            </a:solidFill>
+            <a:headEnd type="none" w="med" len="med"/>
+            <a:tailEnd type="triangle" w="med" len="med"/>
+          </a:ln>
+        </p:spPr>
+        <p:style>
+          <a:lnRef idx="1">
+            <a:schemeClr val="accent1"/>
+          </a:lnRef>
+          <a:fillRef idx="0">
+            <a:schemeClr val="accent1"/>
+          </a:fillRef>
+          <a:effectRef idx="0">
+            <a:schemeClr val="accent1"/>
+          </a:effectRef>
+          <a:fontRef idx="minor">
+            <a:schemeClr val="tx1"/>
+          </a:fontRef>
+        </p:style>
+      </p:cxnSp>
+      <p:sp>
+        <p:nvSpPr>
+          <p:cNvPr id="880" name="Rectangle 879"/>
+          <p:cNvSpPr/>
+          <p:nvPr/>
+        </p:nvSpPr>
+        <p:spPr>
+          <a:xfrm>
+            <a:off x="8229600" y="5257800"/>
+            <a:ext cx="457200" cy="152400"/>
+          </a:xfrm>
+          <a:prstGeom prst="rect">
+            <a:avLst/>
+          </a:prstGeom>
+          <a:noFill/>
+          <a:ln>
+            <a:noFill/>
+          </a:ln>
+        </p:spPr>
+        <p:style>
+          <a:lnRef idx="2">
+            <a:schemeClr val="accent1">
+              <a:shade val="50000"/>
+            </a:schemeClr>
+          </a:lnRef>
+          <a:fillRef idx="1">
+            <a:schemeClr val="accent1"/>
+          </a:fillRef>
+          <a:effectRef idx="0">
+            <a:schemeClr val="accent1"/>
+          </a:effectRef>
+          <a:fontRef idx="minor">
+            <a:schemeClr val="lt1"/>
+          </a:fontRef>
+        </p:style>
+        <p:txBody>
+          <a:bodyPr wrap="none" lIns="45720" rIns="45720" rtlCol="0" anchor="ctr"/>
+          <a:lstStyle/>
+          <a:p>
+            <a:pPr algn="r"/>
+            <a:r>
+              <a:rPr lang="en-US" sz="900" dirty="0">
+                <a:solidFill>
+                  <a:srgbClr val="000000"/>
+                </a:solidFill>
+                <a:latin typeface="Courier New" panose="02070309020205020404" pitchFamily="49" charset="0"/>
+                <a:cs typeface="Courier New" panose="02070309020205020404" pitchFamily="49" charset="0"/>
+              </a:rPr>
+              <a:t>8’d0</a:t>
+            </a:r>
+          </a:p>
+        </p:txBody>
+      </p:sp>
+      <p:sp>
+        <p:nvSpPr>
+          <p:cNvPr id="881" name="Rectangle 880"/>
+          <p:cNvSpPr/>
+          <p:nvPr/>
+        </p:nvSpPr>
+        <p:spPr>
+          <a:xfrm>
+            <a:off x="8991600" y="4343400"/>
+            <a:ext cx="457200" cy="152400"/>
+          </a:xfrm>
+          <a:prstGeom prst="rect">
+            <a:avLst/>
+          </a:prstGeom>
+          <a:noFill/>
+          <a:ln>
+            <a:noFill/>
+          </a:ln>
+        </p:spPr>
+        <p:style>
+          <a:lnRef idx="2">
+            <a:schemeClr val="accent1">
+              <a:shade val="50000"/>
+            </a:schemeClr>
+          </a:lnRef>
+          <a:fillRef idx="1">
+            <a:schemeClr val="accent1"/>
+          </a:fillRef>
+          <a:effectRef idx="0">
+            <a:schemeClr val="accent1"/>
+          </a:effectRef>
+          <a:fontRef idx="minor">
+            <a:schemeClr val="lt1"/>
+          </a:fontRef>
+        </p:style>
+        <p:txBody>
+          <a:bodyPr wrap="none" lIns="45720" rIns="45720" rtlCol="0" anchor="ctr"/>
+          <a:lstStyle/>
+          <a:p>
+            <a:r>
+              <a:rPr lang="en-US" sz="900" dirty="0">
+                <a:solidFill>
+                  <a:srgbClr val="000000"/>
+                </a:solidFill>
+                <a:latin typeface="Courier New" panose="02070309020205020404" pitchFamily="49" charset="0"/>
+                <a:cs typeface="Courier New" panose="02070309020205020404" pitchFamily="49" charset="0"/>
+              </a:rPr>
+              <a:t>#(.BW(6)) i_blink_7seg</a:t>
+            </a:r>
+          </a:p>
+        </p:txBody>
+      </p:sp>
+      <p:sp>
+        <p:nvSpPr>
+          <p:cNvPr id="882" name="Rectangle 881"/>
+          <p:cNvSpPr/>
+          <p:nvPr/>
+        </p:nvSpPr>
+        <p:spPr>
+          <a:xfrm>
+            <a:off x="8991600" y="4876800"/>
+            <a:ext cx="457200" cy="152400"/>
+          </a:xfrm>
+          <a:prstGeom prst="rect">
+            <a:avLst/>
+          </a:prstGeom>
+          <a:noFill/>
+          <a:ln>
+            <a:noFill/>
+          </a:ln>
+        </p:spPr>
+        <p:style>
+          <a:lnRef idx="2">
+            <a:schemeClr val="accent1">
+              <a:shade val="50000"/>
+            </a:schemeClr>
+          </a:lnRef>
+          <a:fillRef idx="1">
+            <a:schemeClr val="accent1"/>
+          </a:fillRef>
+          <a:effectRef idx="0">
+            <a:schemeClr val="accent1"/>
+          </a:effectRef>
+          <a:fontRef idx="minor">
+            <a:schemeClr val="lt1"/>
+          </a:fontRef>
+        </p:style>
+        <p:txBody>
+          <a:bodyPr wrap="none" lIns="45720" rIns="45720" rtlCol="0" anchor="ctr"/>
+          <a:lstStyle/>
+          <a:p>
+            <a:r>
+              <a:rPr lang="en-US" sz="900" dirty="0">
+                <a:solidFill>
+                  <a:srgbClr val="000000"/>
+                </a:solidFill>
+                <a:latin typeface="Courier New" panose="02070309020205020404" pitchFamily="49" charset="0"/>
+                <a:cs typeface="Courier New" panose="02070309020205020404" pitchFamily="49" charset="0"/>
+              </a:rPr>
+              <a:t>TIMEOUT</a:t>
+            </a:r>
+          </a:p>
+        </p:txBody>
+      </p:sp>
+      <p:cxnSp>
+        <p:nvCxnSpPr>
+          <p:cNvPr id="883" name="Straight Connector 882"/>
+          <p:cNvCxnSpPr>
+            <a:stCxn id="884" idx="3"/>
+            <a:endCxn id="882" idx="1"/>
+          </p:cNvCxnSpPr>
+          <p:nvPr/>
+        </p:nvCxnSpPr>
+        <p:spPr>
+          <a:xfrm>
+            <a:off x="8686800" y="4953000"/>
+            <a:ext cx="304800" cy="0"/>
+          </a:xfrm>
+          <a:prstGeom prst="line">
+            <a:avLst/>
+          </a:prstGeom>
+          <a:ln w="12700">
+            <a:solidFill>
+              <a:srgbClr val="000000"/>
+            </a:solidFill>
+            <a:headEnd type="none" w="med" len="med"/>
+            <a:tailEnd type="triangle" w="med" len="med"/>
+          </a:ln>
+        </p:spPr>
+        <p:style>
+          <a:lnRef idx="1">
+            <a:schemeClr val="accent1"/>
+          </a:lnRef>
+          <a:fillRef idx="0">
+            <a:schemeClr val="accent1"/>
+          </a:fillRef>
+          <a:effectRef idx="0">
+            <a:schemeClr val="accent1"/>
+          </a:effectRef>
+          <a:fontRef idx="minor">
+            <a:schemeClr val="tx1"/>
+          </a:fontRef>
+        </p:style>
+      </p:cxnSp>
+      <p:sp>
+        <p:nvSpPr>
+          <p:cNvPr id="884" name="Rectangle 883"/>
+          <p:cNvSpPr/>
+          <p:nvPr/>
+        </p:nvSpPr>
+        <p:spPr>
+          <a:xfrm>
+            <a:off x="8229600" y="4876800"/>
+            <a:ext cx="457200" cy="152400"/>
+          </a:xfrm>
+          <a:prstGeom prst="rect">
+            <a:avLst/>
+          </a:prstGeom>
+          <a:noFill/>
+          <a:ln>
+            <a:noFill/>
+          </a:ln>
+        </p:spPr>
+        <p:style>
+          <a:lnRef idx="2">
+            <a:schemeClr val="accent1">
+              <a:shade val="50000"/>
+            </a:schemeClr>
+          </a:lnRef>
+          <a:fillRef idx="1">
+            <a:schemeClr val="accent1"/>
+          </a:fillRef>
+          <a:effectRef idx="0">
+            <a:schemeClr val="accent1"/>
+          </a:effectRef>
+          <a:fontRef idx="minor">
+            <a:schemeClr val="lt1"/>
+          </a:fontRef>
+        </p:style>
+        <p:txBody>
+          <a:bodyPr wrap="none" lIns="45720" rIns="45720" rtlCol="0" anchor="ctr"/>
+          <a:lstStyle/>
+          <a:p>
+            <a:pPr algn="r"/>
+            <a:r>
+              <a:rPr lang="en-US" sz="900" dirty="0">
+                <a:solidFill>
+                  <a:srgbClr val="000000"/>
+                </a:solidFill>
+                <a:latin typeface="Courier New" panose="02070309020205020404" pitchFamily="49" charset="0"/>
+                <a:cs typeface="Courier New" panose="02070309020205020404" pitchFamily="49" charset="0"/>
+              </a:rPr>
+              <a:t>6’d49</a:t>
+            </a:r>
+          </a:p>
+        </p:txBody>
+      </p:sp>
+      <p:sp>
+        <p:nvSpPr>
+          <p:cNvPr id="885" name="Rectangle 884"/>
+          <p:cNvSpPr/>
+          <p:nvPr/>
+        </p:nvSpPr>
+        <p:spPr>
+          <a:xfrm>
+            <a:off x="9906000" y="6400800"/>
+            <a:ext cx="457200" cy="152400"/>
+          </a:xfrm>
+          <a:prstGeom prst="rect">
+            <a:avLst/>
+          </a:prstGeom>
+          <a:noFill/>
+          <a:ln>
+            <a:noFill/>
+          </a:ln>
+        </p:spPr>
+        <p:style>
+          <a:lnRef idx="2">
+            <a:schemeClr val="accent1">
+              <a:shade val="50000"/>
+            </a:schemeClr>
+          </a:lnRef>
+          <a:fillRef idx="1">
+            <a:schemeClr val="accent1"/>
+          </a:fillRef>
+          <a:effectRef idx="0">
+            <a:schemeClr val="accent1"/>
+          </a:effectRef>
+          <a:fontRef idx="minor">
+            <a:schemeClr val="lt1"/>
+          </a:fontRef>
+        </p:style>
+        <p:txBody>
+          <a:bodyPr wrap="none" lIns="45720" rIns="45720" rtlCol="0" anchor="ctr"/>
+          <a:lstStyle/>
+          <a:p>
+            <a:pPr algn="r"/>
+            <a:r>
+              <a:rPr lang="en-US" sz="900" dirty="0">
+                <a:solidFill>
+                  <a:srgbClr val="000000"/>
+                </a:solidFill>
+                <a:latin typeface="Courier New" panose="02070309020205020404" pitchFamily="49" charset="0"/>
+                <a:cs typeface="Courier New" panose="02070309020205020404" pitchFamily="49" charset="0"/>
+              </a:rPr>
+              <a:t>DIGIT</a:t>
+            </a:r>
+          </a:p>
+        </p:txBody>
+      </p:sp>
+      <p:sp>
+        <p:nvSpPr>
+          <p:cNvPr id="886" name="Rectangle 885"/>
+          <p:cNvSpPr/>
+          <p:nvPr/>
+        </p:nvSpPr>
+        <p:spPr>
+          <a:xfrm>
+            <a:off x="9906000" y="5943600"/>
+            <a:ext cx="457200" cy="152400"/>
+          </a:xfrm>
+          <a:prstGeom prst="rect">
+            <a:avLst/>
+          </a:prstGeom>
+          <a:noFill/>
+          <a:ln>
+            <a:noFill/>
+          </a:ln>
+        </p:spPr>
+        <p:style>
+          <a:lnRef idx="2">
+            <a:schemeClr val="accent1">
+              <a:shade val="50000"/>
+            </a:schemeClr>
+          </a:lnRef>
+          <a:fillRef idx="1">
+            <a:schemeClr val="accent1"/>
+          </a:fillRef>
+          <a:effectRef idx="0">
+            <a:schemeClr val="accent1"/>
+          </a:effectRef>
+          <a:fontRef idx="minor">
+            <a:schemeClr val="lt1"/>
+          </a:fontRef>
+        </p:style>
+        <p:txBody>
+          <a:bodyPr wrap="none" lIns="45720" rIns="45720" rtlCol="0" anchor="ctr"/>
+          <a:lstStyle/>
+          <a:p>
+            <a:pPr algn="r"/>
+            <a:r>
+              <a:rPr lang="en-US" sz="900" dirty="0">
+                <a:solidFill>
+                  <a:srgbClr val="000000"/>
+                </a:solidFill>
+                <a:latin typeface="Courier New" panose="02070309020205020404" pitchFamily="49" charset="0"/>
+                <a:cs typeface="Courier New" panose="02070309020205020404" pitchFamily="49" charset="0"/>
+              </a:rPr>
+              <a:t>DIGIT_SEL</a:t>
+            </a:r>
+          </a:p>
+        </p:txBody>
+      </p:sp>
+      <p:sp>
+        <p:nvSpPr>
+          <p:cNvPr id="887" name="Rectangle 886"/>
+          <p:cNvSpPr/>
+          <p:nvPr/>
+        </p:nvSpPr>
+        <p:spPr>
+          <a:xfrm>
+            <a:off x="8991600" y="6858000"/>
+            <a:ext cx="457200" cy="152400"/>
+          </a:xfrm>
+          <a:prstGeom prst="rect">
+            <a:avLst/>
+          </a:prstGeom>
+          <a:noFill/>
+          <a:ln>
+            <a:noFill/>
+          </a:ln>
+        </p:spPr>
+        <p:style>
+          <a:lnRef idx="2">
+            <a:schemeClr val="accent1">
+              <a:shade val="50000"/>
+            </a:schemeClr>
+          </a:lnRef>
+          <a:fillRef idx="1">
+            <a:schemeClr val="accent1"/>
+          </a:fillRef>
+          <a:effectRef idx="0">
+            <a:schemeClr val="accent1"/>
+          </a:effectRef>
+          <a:fontRef idx="minor">
+            <a:schemeClr val="lt1"/>
+          </a:fontRef>
+        </p:style>
+        <p:txBody>
+          <a:bodyPr wrap="none" lIns="45720" rIns="45720" rtlCol="0" anchor="ctr"/>
+          <a:lstStyle/>
+          <a:p>
+            <a:r>
+              <a:rPr lang="en-US" sz="900" dirty="0">
+                <a:solidFill>
+                  <a:srgbClr val="000000"/>
+                </a:solidFill>
+                <a:latin typeface="Courier New" panose="02070309020205020404" pitchFamily="49" charset="0"/>
+                <a:cs typeface="Courier New" panose="02070309020205020404" pitchFamily="49" charset="0"/>
+              </a:rPr>
+              <a:t>RSTX</a:t>
+            </a:r>
+          </a:p>
+        </p:txBody>
+      </p:sp>
+      <p:sp>
+        <p:nvSpPr>
+          <p:cNvPr id="888" name="Rectangle 887"/>
+          <p:cNvSpPr/>
+          <p:nvPr/>
+        </p:nvSpPr>
+        <p:spPr>
+          <a:xfrm>
+            <a:off x="8991600" y="7086600"/>
+            <a:ext cx="457200" cy="152400"/>
+          </a:xfrm>
+          <a:prstGeom prst="rect">
+            <a:avLst/>
+          </a:prstGeom>
+          <a:noFill/>
+          <a:ln>
+            <a:noFill/>
+          </a:ln>
+        </p:spPr>
+        <p:style>
+          <a:lnRef idx="2">
+            <a:schemeClr val="accent1">
+              <a:shade val="50000"/>
+            </a:schemeClr>
+          </a:lnRef>
+          <a:fillRef idx="1">
+            <a:schemeClr val="accent1"/>
+          </a:fillRef>
+          <a:effectRef idx="0">
+            <a:schemeClr val="accent1"/>
+          </a:effectRef>
+          <a:fontRef idx="minor">
+            <a:schemeClr val="lt1"/>
+          </a:fontRef>
+        </p:style>
+        <p:txBody>
+          <a:bodyPr wrap="none" lIns="45720" rIns="45720" rtlCol="0" anchor="ctr"/>
+          <a:lstStyle/>
+          <a:p>
+            <a:r>
+              <a:rPr lang="en-US" sz="900" dirty="0">
+                <a:solidFill>
+                  <a:srgbClr val="000000"/>
+                </a:solidFill>
+                <a:latin typeface="Courier New" panose="02070309020205020404" pitchFamily="49" charset="0"/>
+                <a:cs typeface="Courier New" panose="02070309020205020404" pitchFamily="49" charset="0"/>
+              </a:rPr>
+              <a:t>CLK</a:t>
+            </a:r>
+          </a:p>
+        </p:txBody>
+      </p:sp>
+      <p:cxnSp>
+        <p:nvCxnSpPr>
+          <p:cNvPr id="889" name="Straight Connector 888"/>
+          <p:cNvCxnSpPr/>
+          <p:nvPr/>
+        </p:nvCxnSpPr>
+        <p:spPr>
+          <a:xfrm flipH="1" flipV="1">
+            <a:off x="8991600" y="7162800"/>
+            <a:ext cx="76200" cy="76200"/>
+          </a:xfrm>
+          <a:prstGeom prst="line">
+            <a:avLst/>
+          </a:prstGeom>
+          <a:ln w="12700">
+            <a:solidFill>
+              <a:srgbClr val="000000"/>
+            </a:solidFill>
+            <a:headEnd type="none" w="med" len="med"/>
+            <a:tailEnd type="none" w="med" len="med"/>
+          </a:ln>
+        </p:spPr>
+        <p:style>
+          <a:lnRef idx="1">
+            <a:schemeClr val="accent1"/>
+          </a:lnRef>
+          <a:fillRef idx="0">
+            <a:schemeClr val="accent1"/>
+          </a:fillRef>
+          <a:effectRef idx="0">
+            <a:schemeClr val="accent1"/>
+          </a:effectRef>
+          <a:fontRef idx="minor">
+            <a:schemeClr val="tx1"/>
+          </a:fontRef>
+        </p:style>
+      </p:cxnSp>
+      <p:cxnSp>
+        <p:nvCxnSpPr>
+          <p:cNvPr id="890" name="Straight Connector 889"/>
+          <p:cNvCxnSpPr/>
+          <p:nvPr/>
+        </p:nvCxnSpPr>
+        <p:spPr>
+          <a:xfrm flipH="1">
+            <a:off x="8991600" y="7239000"/>
+            <a:ext cx="76200" cy="76200"/>
+          </a:xfrm>
+          <a:prstGeom prst="line">
+            <a:avLst/>
+          </a:prstGeom>
+          <a:ln w="12700">
+            <a:solidFill>
+              <a:srgbClr val="000000"/>
+            </a:solidFill>
+            <a:headEnd type="none" w="med" len="med"/>
+            <a:tailEnd type="none" w="med" len="med"/>
+          </a:ln>
+        </p:spPr>
+        <p:style>
+          <a:lnRef idx="1">
+            <a:schemeClr val="accent1"/>
+          </a:lnRef>
+          <a:fillRef idx="0">
+            <a:schemeClr val="accent1"/>
+          </a:fillRef>
+          <a:effectRef idx="0">
+            <a:schemeClr val="accent1"/>
+          </a:effectRef>
+          <a:fontRef idx="minor">
+            <a:schemeClr val="tx1"/>
+          </a:fontRef>
+        </p:style>
+      </p:cxnSp>
+      <p:sp>
+        <p:nvSpPr>
+          <p:cNvPr id="894" name="Pentagon 893"/>
+          <p:cNvSpPr/>
+          <p:nvPr/>
+        </p:nvSpPr>
+        <p:spPr>
+          <a:xfrm>
+            <a:off x="228600" y="8534400"/>
+            <a:ext cx="228600" cy="152400"/>
+          </a:xfrm>
+          <a:prstGeom prst="homePlate">
+            <a:avLst/>
+          </a:prstGeom>
+          <a:noFill/>
+          <a:ln w="12700">
+            <a:solidFill>
+              <a:schemeClr val="tx1"/>
+            </a:solidFill>
+          </a:ln>
+        </p:spPr>
+        <p:style>
+          <a:lnRef idx="2">
+            <a:schemeClr val="accent1">
+              <a:shade val="50000"/>
+            </a:schemeClr>
+          </a:lnRef>
+          <a:fillRef idx="1">
+            <a:schemeClr val="accent1"/>
+          </a:fillRef>
+          <a:effectRef idx="0">
+            <a:schemeClr val="accent1"/>
+          </a:effectRef>
+          <a:fontRef idx="minor">
+            <a:schemeClr val="lt1"/>
+          </a:fontRef>
+        </p:style>
+        <p:txBody>
+          <a:bodyPr rot="0" spcFirstLastPara="0" vertOverflow="overflow" horzOverflow="overflow" vert="horz" wrap="square" lIns="91440" tIns="45720" rIns="91440" bIns="45720" numCol="1" spcCol="0" rtlCol="0" fromWordArt="0" anchor="ctr" anchorCtr="0" forceAA="0" compatLnSpc="1">
+            <a:prstTxWarp prst="textNoShape">
+              <a:avLst/>
+            </a:prstTxWarp>
+            <a:noAutofit/>
+          </a:bodyPr>
+          <a:lstStyle/>
+          <a:p>
+            <a:pPr algn="ctr"/>
+            <a:endParaRPr lang="en-US" sz="3730"/>
+          </a:p>
+        </p:txBody>
+      </p:sp>
+      <p:cxnSp>
+        <p:nvCxnSpPr>
+          <p:cNvPr id="895" name="Straight Connector 894"/>
+          <p:cNvCxnSpPr/>
+          <p:nvPr/>
+        </p:nvCxnSpPr>
+        <p:spPr>
+          <a:xfrm flipV="1">
+            <a:off x="533400" y="8534400"/>
+            <a:ext cx="152400" cy="152400"/>
+          </a:xfrm>
+          <a:prstGeom prst="line">
+            <a:avLst/>
+          </a:prstGeom>
+          <a:ln w="12700">
+            <a:solidFill>
+              <a:srgbClr val="000000"/>
+            </a:solidFill>
+            <a:headEnd type="none" w="med" len="med"/>
+            <a:tailEnd type="none" w="med" len="med"/>
+          </a:ln>
+        </p:spPr>
+        <p:style>
+          <a:lnRef idx="1">
+            <a:schemeClr val="accent1"/>
+          </a:lnRef>
+          <a:fillRef idx="0">
+            <a:schemeClr val="accent1"/>
+          </a:fillRef>
+          <a:effectRef idx="0">
+            <a:schemeClr val="accent1"/>
+          </a:effectRef>
+          <a:fontRef idx="minor">
+            <a:schemeClr val="tx1"/>
+          </a:fontRef>
+        </p:style>
+      </p:cxnSp>
+      <p:sp>
+        <p:nvSpPr>
+          <p:cNvPr id="896" name="Rectangle 895"/>
+          <p:cNvSpPr/>
+          <p:nvPr/>
+        </p:nvSpPr>
+        <p:spPr>
+          <a:xfrm>
+            <a:off x="533400" y="8458200"/>
+            <a:ext cx="152400" cy="76200"/>
+          </a:xfrm>
+          <a:prstGeom prst="rect">
+            <a:avLst/>
+          </a:prstGeom>
+          <a:noFill/>
+          <a:ln>
+            <a:noFill/>
+          </a:ln>
+        </p:spPr>
+        <p:style>
+          <a:lnRef idx="2">
+            <a:schemeClr val="accent1">
+              <a:shade val="50000"/>
+            </a:schemeClr>
+          </a:lnRef>
+          <a:fillRef idx="1">
+            <a:schemeClr val="accent1"/>
+          </a:fillRef>
+          <a:effectRef idx="0">
+            <a:schemeClr val="accent1"/>
+          </a:effectRef>
+          <a:fontRef idx="minor">
+            <a:schemeClr val="lt1"/>
+          </a:fontRef>
+        </p:style>
+        <p:txBody>
+          <a:bodyPr wrap="none" lIns="45720" rIns="45720" rtlCol="0" anchor="ctr"/>
+          <a:lstStyle/>
+          <a:p>
+            <a:pPr algn="ctr"/>
+            <a:r>
+              <a:rPr lang="en-US" sz="900" dirty="0">
+                <a:solidFill>
+                  <a:srgbClr val="000000"/>
+                </a:solidFill>
+                <a:latin typeface="Courier New" panose="02070309020205020404" pitchFamily="49" charset="0"/>
+                <a:cs typeface="Courier New" panose="02070309020205020404" pitchFamily="49" charset="0"/>
+              </a:rPr>
+              <a:t>1</a:t>
+            </a:r>
+          </a:p>
+        </p:txBody>
+      </p:sp>
+      <p:cxnSp>
+        <p:nvCxnSpPr>
+          <p:cNvPr id="897" name="Straight Connector 896"/>
+          <p:cNvCxnSpPr>
+            <a:endCxn id="894" idx="3"/>
+          </p:cNvCxnSpPr>
+          <p:nvPr/>
+        </p:nvCxnSpPr>
+        <p:spPr>
+          <a:xfrm flipH="1">
+            <a:off x="457200" y="8610600"/>
+            <a:ext cx="7315200" cy="0"/>
+          </a:xfrm>
+          <a:prstGeom prst="line">
+            <a:avLst/>
+          </a:prstGeom>
+          <a:ln w="12700">
+            <a:solidFill>
+              <a:srgbClr val="000000"/>
+            </a:solidFill>
+            <a:headEnd type="none" w="med" len="med"/>
+            <a:tailEnd type="none" w="med" len="med"/>
+          </a:ln>
+        </p:spPr>
+        <p:style>
+          <a:lnRef idx="1">
+            <a:schemeClr val="accent1"/>
+          </a:lnRef>
+          <a:fillRef idx="0">
+            <a:schemeClr val="accent1"/>
+          </a:fillRef>
+          <a:effectRef idx="0">
+            <a:schemeClr val="accent1"/>
+          </a:effectRef>
+          <a:fontRef idx="minor">
+            <a:schemeClr val="tx1"/>
+          </a:fontRef>
+        </p:style>
+      </p:cxnSp>
+      <p:cxnSp>
+        <p:nvCxnSpPr>
+          <p:cNvPr id="898" name="Straight Connector 897"/>
+          <p:cNvCxnSpPr/>
+          <p:nvPr/>
+        </p:nvCxnSpPr>
+        <p:spPr>
+          <a:xfrm flipH="1">
+            <a:off x="7772400" y="3048000"/>
+            <a:ext cx="1219200" cy="0"/>
+          </a:xfrm>
+          <a:prstGeom prst="line">
+            <a:avLst/>
+          </a:prstGeom>
+          <a:ln w="12700">
+            <a:solidFill>
+              <a:srgbClr val="000000"/>
+            </a:solidFill>
+            <a:headEnd type="none" w="med" len="med"/>
+            <a:tailEnd type="none" w="med" len="med"/>
+          </a:ln>
+        </p:spPr>
+        <p:style>
+          <a:lnRef idx="1">
+            <a:schemeClr val="accent1"/>
+          </a:lnRef>
+          <a:fillRef idx="0">
+            <a:schemeClr val="accent1"/>
+          </a:fillRef>
+          <a:effectRef idx="0">
+            <a:schemeClr val="accent1"/>
+          </a:effectRef>
+          <a:fontRef idx="minor">
+            <a:schemeClr val="tx1"/>
+          </a:fontRef>
+        </p:style>
+      </p:cxnSp>
+      <p:cxnSp>
+        <p:nvCxnSpPr>
+          <p:cNvPr id="899" name="Straight Connector 898"/>
+          <p:cNvCxnSpPr/>
+          <p:nvPr/>
+        </p:nvCxnSpPr>
+        <p:spPr>
+          <a:xfrm>
+            <a:off x="7772400" y="3048000"/>
+            <a:ext cx="0" cy="5562600"/>
+          </a:xfrm>
+          <a:prstGeom prst="line">
+            <a:avLst/>
+          </a:prstGeom>
+          <a:ln w="12700">
+            <a:solidFill>
+              <a:srgbClr val="000000"/>
+            </a:solidFill>
+            <a:headEnd type="none" w="med" len="med"/>
+            <a:tailEnd type="none" w="med" len="med"/>
+          </a:ln>
+        </p:spPr>
+        <p:style>
+          <a:lnRef idx="1">
+            <a:schemeClr val="accent1"/>
+          </a:lnRef>
+          <a:fillRef idx="0">
+            <a:schemeClr val="accent1"/>
+          </a:fillRef>
+          <a:effectRef idx="0">
+            <a:schemeClr val="accent1"/>
+          </a:effectRef>
+          <a:fontRef idx="minor">
+            <a:schemeClr val="tx1"/>
+          </a:fontRef>
+        </p:style>
+      </p:cxnSp>
+      <p:cxnSp>
+        <p:nvCxnSpPr>
+          <p:cNvPr id="900" name="Straight Connector 899"/>
+          <p:cNvCxnSpPr/>
+          <p:nvPr/>
+        </p:nvCxnSpPr>
+        <p:spPr>
+          <a:xfrm flipH="1">
+            <a:off x="4572000" y="7239000"/>
+            <a:ext cx="304800" cy="0"/>
+          </a:xfrm>
+          <a:prstGeom prst="line">
+            <a:avLst/>
+          </a:prstGeom>
+          <a:ln w="12700">
+            <a:solidFill>
+              <a:srgbClr val="000000"/>
+            </a:solidFill>
+            <a:headEnd type="none" w="med" len="med"/>
+            <a:tailEnd type="none" w="med" len="med"/>
+          </a:ln>
+        </p:spPr>
+        <p:style>
+          <a:lnRef idx="1">
+            <a:schemeClr val="accent1"/>
+          </a:lnRef>
+          <a:fillRef idx="0">
+            <a:schemeClr val="accent1"/>
+          </a:fillRef>
+          <a:effectRef idx="0">
+            <a:schemeClr val="accent1"/>
+          </a:effectRef>
+          <a:fontRef idx="minor">
+            <a:schemeClr val="tx1"/>
+          </a:fontRef>
+        </p:style>
+      </p:cxnSp>
+      <p:cxnSp>
+        <p:nvCxnSpPr>
+          <p:cNvPr id="901" name="Straight Connector 900"/>
+          <p:cNvCxnSpPr/>
+          <p:nvPr/>
+        </p:nvCxnSpPr>
+        <p:spPr>
+          <a:xfrm flipV="1">
+            <a:off x="4572000" y="7239000"/>
+            <a:ext cx="0" cy="762000"/>
+          </a:xfrm>
+          <a:prstGeom prst="line">
+            <a:avLst/>
+          </a:prstGeom>
+          <a:ln w="12700">
+            <a:solidFill>
+              <a:srgbClr val="000000"/>
+            </a:solidFill>
+            <a:headEnd type="oval" w="med" len="med"/>
+            <a:tailEnd type="none" w="med" len="med"/>
+          </a:ln>
+        </p:spPr>
+        <p:style>
+          <a:lnRef idx="1">
+            <a:schemeClr val="accent1"/>
+          </a:lnRef>
+          <a:fillRef idx="0">
+            <a:schemeClr val="accent1"/>
+          </a:fillRef>
+          <a:effectRef idx="0">
+            <a:schemeClr val="accent1"/>
+          </a:effectRef>
+          <a:fontRef idx="minor">
+            <a:schemeClr val="tx1"/>
+          </a:fontRef>
+        </p:style>
+      </p:cxnSp>
+      <p:cxnSp>
+        <p:nvCxnSpPr>
+          <p:cNvPr id="902" name="Straight Connector 901"/>
+          <p:cNvCxnSpPr/>
+          <p:nvPr/>
+        </p:nvCxnSpPr>
+        <p:spPr>
+          <a:xfrm flipH="1">
+            <a:off x="1524000" y="5638800"/>
+            <a:ext cx="152400" cy="0"/>
+          </a:xfrm>
+          <a:prstGeom prst="line">
+            <a:avLst/>
+          </a:prstGeom>
+          <a:ln w="12700">
+            <a:solidFill>
+              <a:srgbClr val="000000"/>
+            </a:solidFill>
+            <a:headEnd type="none" w="med" len="med"/>
+            <a:tailEnd type="none" w="med" len="med"/>
+          </a:ln>
+        </p:spPr>
+        <p:style>
+          <a:lnRef idx="1">
+            <a:schemeClr val="accent1"/>
+          </a:lnRef>
+          <a:fillRef idx="0">
+            <a:schemeClr val="accent1"/>
+          </a:fillRef>
+          <a:effectRef idx="0">
+            <a:schemeClr val="accent1"/>
+          </a:effectRef>
+          <a:fontRef idx="minor">
+            <a:schemeClr val="tx1"/>
+          </a:fontRef>
+        </p:style>
+      </p:cxnSp>
+      <p:cxnSp>
+        <p:nvCxnSpPr>
+          <p:cNvPr id="903" name="Straight Connector 902"/>
+          <p:cNvCxnSpPr/>
+          <p:nvPr/>
+        </p:nvCxnSpPr>
+        <p:spPr>
+          <a:xfrm flipV="1">
+            <a:off x="1524000" y="5638800"/>
+            <a:ext cx="0" cy="2971800"/>
+          </a:xfrm>
+          <a:prstGeom prst="line">
+            <a:avLst/>
+          </a:prstGeom>
+          <a:ln w="12700">
+            <a:solidFill>
+              <a:srgbClr val="000000"/>
+            </a:solidFill>
+            <a:headEnd type="oval" w="med" len="med"/>
+            <a:tailEnd type="none" w="med" len="med"/>
+          </a:ln>
+        </p:spPr>
+        <p:style>
+          <a:lnRef idx="1">
+            <a:schemeClr val="accent1"/>
+          </a:lnRef>
+          <a:fillRef idx="0">
+            <a:schemeClr val="accent1"/>
+          </a:fillRef>
+          <a:effectRef idx="0">
+            <a:schemeClr val="accent1"/>
+          </a:effectRef>
+          <a:fontRef idx="minor">
+            <a:schemeClr val="tx1"/>
+          </a:fontRef>
+        </p:style>
+      </p:cxnSp>
+      <p:cxnSp>
+        <p:nvCxnSpPr>
+          <p:cNvPr id="904" name="Straight Connector 903"/>
+          <p:cNvCxnSpPr/>
+          <p:nvPr/>
+        </p:nvCxnSpPr>
+        <p:spPr>
+          <a:xfrm>
+            <a:off x="1524000" y="7467600"/>
+            <a:ext cx="152400" cy="0"/>
+          </a:xfrm>
+          <a:prstGeom prst="line">
+            <a:avLst/>
+          </a:prstGeom>
+          <a:ln w="12700">
+            <a:solidFill>
+              <a:srgbClr val="000000"/>
+            </a:solidFill>
+            <a:headEnd type="oval" w="med" len="med"/>
+            <a:tailEnd type="none" w="med" len="med"/>
+          </a:ln>
+        </p:spPr>
+        <p:style>
+          <a:lnRef idx="1">
+            <a:schemeClr val="accent1"/>
+          </a:lnRef>
+          <a:fillRef idx="0">
+            <a:schemeClr val="accent1"/>
+          </a:fillRef>
+          <a:effectRef idx="0">
+            <a:schemeClr val="accent1"/>
+          </a:effectRef>
+          <a:fontRef idx="minor">
+            <a:schemeClr val="tx1"/>
+          </a:fontRef>
+        </p:style>
+      </p:cxnSp>
+      <p:sp>
+        <p:nvSpPr>
+          <p:cNvPr id="905" name="Rectangle 904"/>
+          <p:cNvSpPr/>
+          <p:nvPr/>
+        </p:nvSpPr>
+        <p:spPr>
+          <a:xfrm>
+            <a:off x="838200" y="8458200"/>
+            <a:ext cx="457200" cy="152400"/>
+          </a:xfrm>
+          <a:prstGeom prst="rect">
+            <a:avLst/>
+          </a:prstGeom>
+          <a:noFill/>
+          <a:ln>
+            <a:noFill/>
+          </a:ln>
+        </p:spPr>
+        <p:style>
+          <a:lnRef idx="2">
+            <a:schemeClr val="accent1">
+              <a:shade val="50000"/>
+            </a:schemeClr>
+          </a:lnRef>
+          <a:fillRef idx="1">
+            <a:schemeClr val="accent1"/>
+          </a:fillRef>
+          <a:effectRef idx="0">
+            <a:schemeClr val="accent1"/>
+          </a:effectRef>
+          <a:fontRef idx="minor">
+            <a:schemeClr val="lt1"/>
+          </a:fontRef>
+        </p:style>
+        <p:txBody>
+          <a:bodyPr wrap="none" lIns="45720" rIns="45720" rtlCol="0" anchor="ctr"/>
+          <a:lstStyle/>
+          <a:p>
+            <a:r>
+              <a:rPr lang="en-US" sz="900" dirty="0">
+                <a:solidFill>
+                  <a:srgbClr val="000000"/>
+                </a:solidFill>
+                <a:latin typeface="Courier New" panose="02070309020205020404" pitchFamily="49" charset="0"/>
+                <a:cs typeface="Courier New" panose="02070309020205020404" pitchFamily="49" charset="0"/>
+              </a:rPr>
+              <a:t>CLK</a:t>
+            </a:r>
+          </a:p>
+        </p:txBody>
+      </p:sp>
+      <p:sp>
+        <p:nvSpPr>
+          <p:cNvPr id="906" name="Pentagon 905"/>
+          <p:cNvSpPr/>
+          <p:nvPr/>
+        </p:nvSpPr>
+        <p:spPr>
+          <a:xfrm>
+            <a:off x="12496800" y="4038600"/>
+            <a:ext cx="228600" cy="152400"/>
+          </a:xfrm>
+          <a:prstGeom prst="homePlate">
+            <a:avLst/>
+          </a:prstGeom>
+          <a:noFill/>
+          <a:ln w="12700">
+            <a:solidFill>
+              <a:schemeClr val="tx1"/>
+            </a:solidFill>
+          </a:ln>
+        </p:spPr>
+        <p:style>
+          <a:lnRef idx="2">
+            <a:schemeClr val="accent1">
+              <a:shade val="50000"/>
+            </a:schemeClr>
+          </a:lnRef>
+          <a:fillRef idx="1">
+            <a:schemeClr val="accent1"/>
+          </a:fillRef>
+          <a:effectRef idx="0">
+            <a:schemeClr val="accent1"/>
+          </a:effectRef>
+          <a:fontRef idx="minor">
+            <a:schemeClr val="lt1"/>
+          </a:fontRef>
+        </p:style>
+        <p:txBody>
+          <a:bodyPr rot="0" spcFirstLastPara="0" vertOverflow="overflow" horzOverflow="overflow" vert="horz" wrap="square" lIns="91440" tIns="45720" rIns="91440" bIns="45720" numCol="1" spcCol="0" rtlCol="0" fromWordArt="0" anchor="ctr" anchorCtr="0" forceAA="0" compatLnSpc="1">
+            <a:prstTxWarp prst="textNoShape">
+              <a:avLst/>
+            </a:prstTxWarp>
+            <a:noAutofit/>
+          </a:bodyPr>
+          <a:lstStyle/>
+          <a:p>
+            <a:pPr algn="ctr"/>
+            <a:endParaRPr lang="en-US" sz="3730"/>
+          </a:p>
+        </p:txBody>
+      </p:sp>
+      <p:cxnSp>
+        <p:nvCxnSpPr>
+          <p:cNvPr id="907" name="Straight Connector 906"/>
+          <p:cNvCxnSpPr>
+            <a:stCxn id="906" idx="1"/>
+            <a:endCxn id="811" idx="3"/>
+          </p:cNvCxnSpPr>
+          <p:nvPr/>
+        </p:nvCxnSpPr>
+        <p:spPr>
+          <a:xfrm flipH="1">
+            <a:off x="6248400" y="4114800"/>
+            <a:ext cx="6248400" cy="0"/>
+          </a:xfrm>
+          <a:prstGeom prst="line">
+            <a:avLst/>
+          </a:prstGeom>
+          <a:ln w="12700">
+            <a:solidFill>
+              <a:srgbClr val="000000"/>
+            </a:solidFill>
+            <a:headEnd type="none" w="med" len="med"/>
+            <a:tailEnd type="none" w="med" len="med"/>
+          </a:ln>
+        </p:spPr>
+        <p:style>
+          <a:lnRef idx="1">
+            <a:schemeClr val="accent1"/>
+          </a:lnRef>
+          <a:fillRef idx="0">
+            <a:schemeClr val="accent1"/>
+          </a:fillRef>
+          <a:effectRef idx="0">
+            <a:schemeClr val="accent1"/>
+          </a:effectRef>
+          <a:fontRef idx="minor">
+            <a:schemeClr val="tx1"/>
+          </a:fontRef>
+        </p:style>
+      </p:cxnSp>
+      <p:cxnSp>
+        <p:nvCxnSpPr>
+          <p:cNvPr id="908" name="Straight Connector 907"/>
+          <p:cNvCxnSpPr/>
+          <p:nvPr/>
+        </p:nvCxnSpPr>
+        <p:spPr>
+          <a:xfrm flipV="1">
+            <a:off x="12268200" y="4038600"/>
+            <a:ext cx="152400" cy="152400"/>
+          </a:xfrm>
+          <a:prstGeom prst="line">
+            <a:avLst/>
+          </a:prstGeom>
+          <a:ln w="12700">
+            <a:solidFill>
+              <a:srgbClr val="000000"/>
+            </a:solidFill>
+            <a:headEnd type="none" w="med" len="med"/>
+            <a:tailEnd type="none" w="med" len="med"/>
+          </a:ln>
+        </p:spPr>
+        <p:style>
+          <a:lnRef idx="1">
+            <a:schemeClr val="accent1"/>
+          </a:lnRef>
+          <a:fillRef idx="0">
+            <a:schemeClr val="accent1"/>
+          </a:fillRef>
+          <a:effectRef idx="0">
+            <a:schemeClr val="accent1"/>
+          </a:effectRef>
+          <a:fontRef idx="minor">
+            <a:schemeClr val="tx1"/>
+          </a:fontRef>
+        </p:style>
+      </p:cxnSp>
+      <p:sp>
+        <p:nvSpPr>
+          <p:cNvPr id="909" name="Rectangle 908"/>
+          <p:cNvSpPr/>
+          <p:nvPr/>
+        </p:nvSpPr>
+        <p:spPr>
+          <a:xfrm>
+            <a:off x="12268200" y="3962400"/>
+            <a:ext cx="152400" cy="76200"/>
+          </a:xfrm>
+          <a:prstGeom prst="rect">
+            <a:avLst/>
+          </a:prstGeom>
+          <a:noFill/>
+          <a:ln>
+            <a:noFill/>
+          </a:ln>
+        </p:spPr>
+        <p:style>
+          <a:lnRef idx="2">
+            <a:schemeClr val="accent1">
+              <a:shade val="50000"/>
+            </a:schemeClr>
+          </a:lnRef>
+          <a:fillRef idx="1">
+            <a:schemeClr val="accent1"/>
+          </a:fillRef>
+          <a:effectRef idx="0">
+            <a:schemeClr val="accent1"/>
+          </a:effectRef>
+          <a:fontRef idx="minor">
+            <a:schemeClr val="lt1"/>
+          </a:fontRef>
+        </p:style>
+        <p:txBody>
+          <a:bodyPr wrap="none" lIns="45720" rIns="45720" rtlCol="0" anchor="ctr"/>
+          <a:lstStyle/>
+          <a:p>
+            <a:pPr algn="ctr"/>
+            <a:r>
+              <a:rPr lang="en-US" sz="900" dirty="0">
+                <a:solidFill>
+                  <a:srgbClr val="000000"/>
+                </a:solidFill>
+                <a:latin typeface="Courier New" panose="02070309020205020404" pitchFamily="49" charset="0"/>
+                <a:cs typeface="Courier New" panose="02070309020205020404" pitchFamily="49" charset="0"/>
+              </a:rPr>
+              <a:t>1</a:t>
+            </a:r>
+          </a:p>
+        </p:txBody>
+      </p:sp>
+      <p:sp>
+        <p:nvSpPr>
+          <p:cNvPr id="910" name="Rectangle 909"/>
+          <p:cNvSpPr/>
+          <p:nvPr/>
+        </p:nvSpPr>
+        <p:spPr>
+          <a:xfrm>
+            <a:off x="11430000" y="3962400"/>
+            <a:ext cx="457200" cy="152400"/>
+          </a:xfrm>
+          <a:prstGeom prst="rect">
+            <a:avLst/>
+          </a:prstGeom>
+          <a:noFill/>
+          <a:ln>
+            <a:noFill/>
+          </a:ln>
+        </p:spPr>
+        <p:style>
+          <a:lnRef idx="2">
+            <a:schemeClr val="accent1">
+              <a:shade val="50000"/>
+            </a:schemeClr>
+          </a:lnRef>
+          <a:fillRef idx="1">
+            <a:schemeClr val="accent1"/>
+          </a:fillRef>
+          <a:effectRef idx="0">
+            <a:schemeClr val="accent1"/>
+          </a:effectRef>
+          <a:fontRef idx="minor">
+            <a:schemeClr val="lt1"/>
+          </a:fontRef>
+        </p:style>
+        <p:txBody>
+          <a:bodyPr wrap="none" lIns="45720" rIns="45720" rtlCol="0" anchor="ctr"/>
+          <a:lstStyle/>
+          <a:p>
+            <a:r>
               <a:rPr lang="en-US" sz="900" dirty="0">
                 <a:solidFill>
                   <a:srgbClr val="000000"/>
@@ -6452,23 +8782,149 @@
       </p:sp>
       <p:sp>
         <p:nvSpPr>
-          <p:cNvPr id="812" name="Rectangle 811"/>
+          <p:cNvPr id="911" name="Pentagon 910"/>
           <p:cNvSpPr/>
           <p:nvPr/>
         </p:nvSpPr>
         <p:spPr>
           <a:xfrm>
-            <a:off x="8991600" y="4495800"/>
-            <a:ext cx="1371600" cy="3200400"/>
-          </a:xfrm>
-          <a:prstGeom prst="rect">
+            <a:off x="12496800" y="5943600"/>
+            <a:ext cx="228600" cy="152400"/>
+          </a:xfrm>
+          <a:prstGeom prst="homePlate">
             <a:avLst/>
           </a:prstGeom>
           <a:noFill/>
+          <a:ln w="12700">
+            <a:solidFill>
+              <a:schemeClr val="tx1"/>
+            </a:solidFill>
+          </a:ln>
+        </p:spPr>
+        <p:style>
+          <a:lnRef idx="2">
+            <a:schemeClr val="accent1">
+              <a:shade val="50000"/>
+            </a:schemeClr>
+          </a:lnRef>
+          <a:fillRef idx="1">
+            <a:schemeClr val="accent1"/>
+          </a:fillRef>
+          <a:effectRef idx="0">
+            <a:schemeClr val="accent1"/>
+          </a:effectRef>
+          <a:fontRef idx="minor">
+            <a:schemeClr val="lt1"/>
+          </a:fontRef>
+        </p:style>
+        <p:txBody>
+          <a:bodyPr rot="0" spcFirstLastPara="0" vertOverflow="overflow" horzOverflow="overflow" vert="horz" wrap="square" lIns="91440" tIns="45720" rIns="91440" bIns="45720" numCol="1" spcCol="0" rtlCol="0" fromWordArt="0" anchor="ctr" anchorCtr="0" forceAA="0" compatLnSpc="1">
+            <a:prstTxWarp prst="textNoShape">
+              <a:avLst/>
+            </a:prstTxWarp>
+            <a:noAutofit/>
+          </a:bodyPr>
+          <a:lstStyle/>
+          <a:p>
+            <a:pPr algn="ctr"/>
+            <a:endParaRPr lang="en-US" sz="3730"/>
+          </a:p>
+        </p:txBody>
+      </p:sp>
+      <p:cxnSp>
+        <p:nvCxnSpPr>
+          <p:cNvPr id="912" name="Straight Connector 911"/>
+          <p:cNvCxnSpPr>
+            <a:stCxn id="911" idx="1"/>
+            <a:endCxn id="886" idx="3"/>
+          </p:cNvCxnSpPr>
+          <p:nvPr/>
+        </p:nvCxnSpPr>
+        <p:spPr>
+          <a:xfrm flipH="1">
+            <a:off x="10363200" y="6019800"/>
+            <a:ext cx="2133600" cy="0"/>
+          </a:xfrm>
+          <a:prstGeom prst="line">
+            <a:avLst/>
+          </a:prstGeom>
           <a:ln w="12700">
             <a:solidFill>
               <a:srgbClr val="000000"/>
             </a:solidFill>
+            <a:headEnd type="none" w="med" len="med"/>
+            <a:tailEnd type="none" w="med" len="med"/>
+          </a:ln>
+        </p:spPr>
+        <p:style>
+          <a:lnRef idx="1">
+            <a:schemeClr val="accent1"/>
+          </a:lnRef>
+          <a:fillRef idx="0">
+            <a:schemeClr val="accent1"/>
+          </a:fillRef>
+          <a:effectRef idx="0">
+            <a:schemeClr val="accent1"/>
+          </a:effectRef>
+          <a:fontRef idx="minor">
+            <a:schemeClr val="tx1"/>
+          </a:fontRef>
+        </p:style>
+      </p:cxnSp>
+      <p:cxnSp>
+        <p:nvCxnSpPr>
+          <p:cNvPr id="913" name="Straight Connector 912"/>
+          <p:cNvCxnSpPr/>
+          <p:nvPr/>
+        </p:nvCxnSpPr>
+        <p:spPr>
+          <a:xfrm flipV="1">
+            <a:off x="12268200" y="5943600"/>
+            <a:ext cx="152400" cy="152400"/>
+          </a:xfrm>
+          <a:prstGeom prst="line">
+            <a:avLst/>
+          </a:prstGeom>
+          <a:ln w="12700">
+            <a:solidFill>
+              <a:srgbClr val="000000"/>
+            </a:solidFill>
+            <a:headEnd type="none" w="med" len="med"/>
+            <a:tailEnd type="none" w="med" len="med"/>
+          </a:ln>
+        </p:spPr>
+        <p:style>
+          <a:lnRef idx="1">
+            <a:schemeClr val="accent1"/>
+          </a:lnRef>
+          <a:fillRef idx="0">
+            <a:schemeClr val="accent1"/>
+          </a:fillRef>
+          <a:effectRef idx="0">
+            <a:schemeClr val="accent1"/>
+          </a:effectRef>
+          <a:fontRef idx="minor">
+            <a:schemeClr val="tx1"/>
+          </a:fontRef>
+        </p:style>
+      </p:cxnSp>
+      <p:sp>
+        <p:nvSpPr>
+          <p:cNvPr id="914" name="Rectangle 913"/>
+          <p:cNvSpPr/>
+          <p:nvPr/>
+        </p:nvSpPr>
+        <p:spPr>
+          <a:xfrm>
+            <a:off x="12268200" y="5867400"/>
+            <a:ext cx="152400" cy="76200"/>
+          </a:xfrm>
+          <a:prstGeom prst="rect">
+            <a:avLst/>
+          </a:prstGeom>
+          <a:noFill/>
+          <a:ln>
+            <a:noFill/>
           </a:ln>
         </p:spPr>
         <p:style>
@@ -6488,61 +8944,10 @@
           </a:fontRef>
         </p:style>
         <p:txBody>
-          <a:bodyPr lIns="45720" rIns="45720" rtlCol="0" anchor="t"/>
-          <a:lstStyle/>
-          <a:p>
-            <a:r>
-              <a:rPr lang="en-US" sz="900" dirty="0">
-                <a:solidFill>
-                  <a:schemeClr val="tx1"/>
-                </a:solidFill>
-                <a:latin typeface="Courier New" panose="02070309020205020404" pitchFamily="49" charset="0"/>
-                <a:cs typeface="Courier New" panose="02070309020205020404" pitchFamily="49" charset="0"/>
-              </a:rPr>
-              <a:t>blink_7seg</a:t>
-            </a:r>
-          </a:p>
-        </p:txBody>
-      </p:sp>
-      <p:sp>
-        <p:nvSpPr>
-          <p:cNvPr id="813" name="Rectangle 812"/>
-          <p:cNvSpPr/>
-          <p:nvPr/>
-        </p:nvSpPr>
-        <p:spPr>
-          <a:xfrm>
-            <a:off x="8991600" y="5943600"/>
-            <a:ext cx="457200" cy="152400"/>
-          </a:xfrm>
-          <a:prstGeom prst="rect">
-            <a:avLst/>
-          </a:prstGeom>
-          <a:noFill/>
-          <a:ln>
-            <a:noFill/>
-          </a:ln>
-        </p:spPr>
-        <p:style>
-          <a:lnRef idx="2">
-            <a:schemeClr val="accent1">
-              <a:shade val="50000"/>
-            </a:schemeClr>
-          </a:lnRef>
-          <a:fillRef idx="1">
-            <a:schemeClr val="accent1"/>
-          </a:fillRef>
-          <a:effectRef idx="0">
-            <a:schemeClr val="accent1"/>
-          </a:effectRef>
-          <a:fontRef idx="minor">
-            <a:schemeClr val="lt1"/>
-          </a:fontRef>
-        </p:style>
-        <p:txBody>
           <a:bodyPr wrap="none" lIns="45720" rIns="45720" rtlCol="0" anchor="ctr"/>
           <a:lstStyle/>
           <a:p>
+            <a:pPr algn="ctr"/>
             <a:r>
               <a:rPr lang="en-US" sz="900" dirty="0">
                 <a:solidFill>
@@ -6551,20 +8956,20 @@
                 <a:latin typeface="Courier New" panose="02070309020205020404" pitchFamily="49" charset="0"/>
                 <a:cs typeface="Courier New" panose="02070309020205020404" pitchFamily="49" charset="0"/>
               </a:rPr>
-              <a:t>DIGIT1</a:t>
-            </a:r>
-          </a:p>
-        </p:txBody>
-      </p:sp>
-      <p:sp>
-        <p:nvSpPr>
-          <p:cNvPr id="837" name="Rectangle 836"/>
+              <a:t>4</a:t>
+            </a:r>
+          </a:p>
+        </p:txBody>
+      </p:sp>
+      <p:sp>
+        <p:nvSpPr>
+          <p:cNvPr id="915" name="Rectangle 914"/>
           <p:cNvSpPr/>
           <p:nvPr/>
         </p:nvSpPr>
         <p:spPr>
           <a:xfrm>
-            <a:off x="8991600" y="6400800"/>
+            <a:off x="11430000" y="5867400"/>
             <a:ext cx="457200" cy="152400"/>
           </a:xfrm>
           <a:prstGeom prst="rect">
@@ -6603,61 +9008,75 @@
                 <a:latin typeface="Courier New" panose="02070309020205020404" pitchFamily="49" charset="0"/>
                 <a:cs typeface="Courier New" panose="02070309020205020404" pitchFamily="49" charset="0"/>
               </a:rPr>
-              <a:t>DIGIT0</a:t>
-            </a:r>
+              <a:t>DIGIT_SEL</a:t>
+            </a:r>
+          </a:p>
+        </p:txBody>
+      </p:sp>
+      <p:sp>
+        <p:nvSpPr>
+          <p:cNvPr id="916" name="Pentagon 915"/>
+          <p:cNvSpPr/>
+          <p:nvPr/>
+        </p:nvSpPr>
+        <p:spPr>
+          <a:xfrm>
+            <a:off x="12496800" y="6400800"/>
+            <a:ext cx="228600" cy="152400"/>
+          </a:xfrm>
+          <a:prstGeom prst="homePlate">
+            <a:avLst/>
+          </a:prstGeom>
+          <a:noFill/>
+          <a:ln w="12700">
+            <a:solidFill>
+              <a:schemeClr val="tx1"/>
+            </a:solidFill>
+          </a:ln>
+        </p:spPr>
+        <p:style>
+          <a:lnRef idx="2">
+            <a:schemeClr val="accent1">
+              <a:shade val="50000"/>
+            </a:schemeClr>
+          </a:lnRef>
+          <a:fillRef idx="1">
+            <a:schemeClr val="accent1"/>
+          </a:fillRef>
+          <a:effectRef idx="0">
+            <a:schemeClr val="accent1"/>
+          </a:effectRef>
+          <a:fontRef idx="minor">
+            <a:schemeClr val="lt1"/>
+          </a:fontRef>
+        </p:style>
+        <p:txBody>
+          <a:bodyPr rot="0" spcFirstLastPara="0" vertOverflow="overflow" horzOverflow="overflow" vert="horz" wrap="square" lIns="91440" tIns="45720" rIns="91440" bIns="45720" numCol="1" spcCol="0" rtlCol="0" fromWordArt="0" anchor="ctr" anchorCtr="0" forceAA="0" compatLnSpc="1">
+            <a:prstTxWarp prst="textNoShape">
+              <a:avLst/>
+            </a:prstTxWarp>
+            <a:noAutofit/>
+          </a:bodyPr>
+          <a:lstStyle/>
+          <a:p>
+            <a:pPr algn="ctr"/>
+            <a:endParaRPr lang="en-US" sz="3730"/>
           </a:p>
         </p:txBody>
       </p:sp>
       <p:cxnSp>
         <p:nvCxnSpPr>
-          <p:cNvPr id="838" name="Straight Connector 837"/>
+          <p:cNvPr id="917" name="Straight Connector 916"/>
           <p:cNvCxnSpPr>
-            <a:stCxn id="764" idx="3"/>
-            <a:endCxn id="837" idx="1"/>
+            <a:stCxn id="916" idx="1"/>
+            <a:endCxn id="885" idx="3"/>
           </p:cNvCxnSpPr>
           <p:nvPr/>
         </p:nvCxnSpPr>
         <p:spPr>
-          <a:xfrm>
-            <a:off x="6248400" y="6477000"/>
-            <a:ext cx="2743200" cy="0"/>
-          </a:xfrm>
-          <a:prstGeom prst="line">
-            <a:avLst/>
-          </a:prstGeom>
-          <a:ln w="12700">
-            <a:solidFill>
-              <a:srgbClr val="000000"/>
-            </a:solidFill>
-            <a:headEnd type="none" w="med" len="med"/>
-            <a:tailEnd type="triangle" w="med" len="med"/>
-          </a:ln>
-        </p:spPr>
-        <p:style>
-          <a:lnRef idx="1">
-            <a:schemeClr val="accent1"/>
-          </a:lnRef>
-          <a:fillRef idx="0">
-            <a:schemeClr val="accent1"/>
-          </a:fillRef>
-          <a:effectRef idx="0">
-            <a:schemeClr val="accent1"/>
-          </a:effectRef>
-          <a:fontRef idx="minor">
-            <a:schemeClr val="tx1"/>
-          </a:fontRef>
-        </p:style>
-      </p:cxnSp>
-      <p:cxnSp>
-        <p:nvCxnSpPr>
-          <p:cNvPr id="857" name="Straight Connector 856"/>
-          <p:cNvCxnSpPr/>
-          <p:nvPr/>
-        </p:nvCxnSpPr>
-        <p:spPr>
-          <a:xfrm>
-            <a:off x="8610600" y="6400800"/>
-            <a:ext cx="76200" cy="76200"/>
+          <a:xfrm flipH="1">
+            <a:off x="10363200" y="6477000"/>
+            <a:ext cx="2133600" cy="0"/>
           </a:xfrm>
           <a:prstGeom prst="line">
             <a:avLst/>
@@ -6687,14 +9106,14 @@
       </p:cxnSp>
       <p:cxnSp>
         <p:nvCxnSpPr>
-          <p:cNvPr id="858" name="Straight Connector 857"/>
+          <p:cNvPr id="918" name="Straight Connector 917"/>
           <p:cNvCxnSpPr/>
           <p:nvPr/>
         </p:nvCxnSpPr>
         <p:spPr>
-          <a:xfrm>
-            <a:off x="8610600" y="6248400"/>
-            <a:ext cx="0" cy="152400"/>
+          <a:xfrm flipV="1">
+            <a:off x="12268200" y="6400800"/>
+            <a:ext cx="152400" cy="152400"/>
           </a:xfrm>
           <a:prstGeom prst="line">
             <a:avLst/>
@@ -6722,204 +9141,16 @@
           </a:fontRef>
         </p:style>
       </p:cxnSp>
-      <p:cxnSp>
-        <p:nvCxnSpPr>
-          <p:cNvPr id="859" name="Straight Connector 858"/>
-          <p:cNvCxnSpPr/>
-          <p:nvPr/>
-        </p:nvCxnSpPr>
-        <p:spPr>
-          <a:xfrm flipH="1">
-            <a:off x="8305800" y="6248400"/>
-            <a:ext cx="304800" cy="0"/>
-          </a:xfrm>
-          <a:prstGeom prst="line">
-            <a:avLst/>
-          </a:prstGeom>
-          <a:ln w="12700">
-            <a:solidFill>
-              <a:srgbClr val="000000"/>
-            </a:solidFill>
-            <a:headEnd type="none" w="med" len="med"/>
-            <a:tailEnd type="none" w="med" len="med"/>
-          </a:ln>
-        </p:spPr>
-        <p:style>
-          <a:lnRef idx="1">
-            <a:schemeClr val="accent1"/>
-          </a:lnRef>
-          <a:fillRef idx="0">
-            <a:schemeClr val="accent1"/>
-          </a:fillRef>
-          <a:effectRef idx="0">
-            <a:schemeClr val="accent1"/>
-          </a:effectRef>
-          <a:fontRef idx="minor">
-            <a:schemeClr val="tx1"/>
-          </a:fontRef>
-        </p:style>
-      </p:cxnSp>
-      <p:cxnSp>
-        <p:nvCxnSpPr>
-          <p:cNvPr id="860" name="Straight Connector 859"/>
-          <p:cNvCxnSpPr>
-            <a:stCxn id="760" idx="3"/>
-            <a:endCxn id="813" idx="1"/>
-          </p:cNvCxnSpPr>
-          <p:nvPr/>
-        </p:nvCxnSpPr>
-        <p:spPr>
-          <a:xfrm>
-            <a:off x="6248400" y="6019800"/>
-            <a:ext cx="2743200" cy="0"/>
-          </a:xfrm>
-          <a:prstGeom prst="line">
-            <a:avLst/>
-          </a:prstGeom>
-          <a:ln w="12700">
-            <a:solidFill>
-              <a:srgbClr val="000000"/>
-            </a:solidFill>
-            <a:headEnd type="none" w="med" len="med"/>
-            <a:tailEnd type="triangle" w="med" len="med"/>
-          </a:ln>
-        </p:spPr>
-        <p:style>
-          <a:lnRef idx="1">
-            <a:schemeClr val="accent1"/>
-          </a:lnRef>
-          <a:fillRef idx="0">
-            <a:schemeClr val="accent1"/>
-          </a:fillRef>
-          <a:effectRef idx="0">
-            <a:schemeClr val="accent1"/>
-          </a:effectRef>
-          <a:fontRef idx="minor">
-            <a:schemeClr val="tx1"/>
-          </a:fontRef>
-        </p:style>
-      </p:cxnSp>
-      <p:cxnSp>
-        <p:nvCxnSpPr>
-          <p:cNvPr id="861" name="Straight Connector 860"/>
-          <p:cNvCxnSpPr/>
-          <p:nvPr/>
-        </p:nvCxnSpPr>
-        <p:spPr>
-          <a:xfrm>
-            <a:off x="8610600" y="5943600"/>
-            <a:ext cx="76200" cy="76200"/>
-          </a:xfrm>
-          <a:prstGeom prst="line">
-            <a:avLst/>
-          </a:prstGeom>
-          <a:ln w="12700">
-            <a:solidFill>
-              <a:srgbClr val="000000"/>
-            </a:solidFill>
-            <a:headEnd type="none" w="med" len="med"/>
-            <a:tailEnd type="none" w="med" len="med"/>
-          </a:ln>
-        </p:spPr>
-        <p:style>
-          <a:lnRef idx="1">
-            <a:schemeClr val="accent1"/>
-          </a:lnRef>
-          <a:fillRef idx="0">
-            <a:schemeClr val="accent1"/>
-          </a:fillRef>
-          <a:effectRef idx="0">
-            <a:schemeClr val="accent1"/>
-          </a:effectRef>
-          <a:fontRef idx="minor">
-            <a:schemeClr val="tx1"/>
-          </a:fontRef>
-        </p:style>
-      </p:cxnSp>
-      <p:cxnSp>
-        <p:nvCxnSpPr>
-          <p:cNvPr id="862" name="Straight Connector 861"/>
-          <p:cNvCxnSpPr/>
-          <p:nvPr/>
-        </p:nvCxnSpPr>
-        <p:spPr>
-          <a:xfrm>
-            <a:off x="8610600" y="5791200"/>
-            <a:ext cx="0" cy="152400"/>
-          </a:xfrm>
-          <a:prstGeom prst="line">
-            <a:avLst/>
-          </a:prstGeom>
-          <a:ln w="12700">
-            <a:solidFill>
-              <a:srgbClr val="000000"/>
-            </a:solidFill>
-            <a:headEnd type="none" w="med" len="med"/>
-            <a:tailEnd type="none" w="med" len="med"/>
-          </a:ln>
-        </p:spPr>
-        <p:style>
-          <a:lnRef idx="1">
-            <a:schemeClr val="accent1"/>
-          </a:lnRef>
-          <a:fillRef idx="0">
-            <a:schemeClr val="accent1"/>
-          </a:fillRef>
-          <a:effectRef idx="0">
-            <a:schemeClr val="accent1"/>
-          </a:effectRef>
-          <a:fontRef idx="minor">
-            <a:schemeClr val="tx1"/>
-          </a:fontRef>
-        </p:style>
-      </p:cxnSp>
-      <p:cxnSp>
-        <p:nvCxnSpPr>
-          <p:cNvPr id="863" name="Straight Connector 862"/>
-          <p:cNvCxnSpPr/>
-          <p:nvPr/>
-        </p:nvCxnSpPr>
-        <p:spPr>
-          <a:xfrm flipH="1">
-            <a:off x="8305800" y="5791200"/>
-            <a:ext cx="304800" cy="0"/>
-          </a:xfrm>
-          <a:prstGeom prst="line">
-            <a:avLst/>
-          </a:prstGeom>
-          <a:ln w="12700">
-            <a:solidFill>
-              <a:srgbClr val="000000"/>
-            </a:solidFill>
-            <a:headEnd type="none" w="med" len="med"/>
-            <a:tailEnd type="none" w="med" len="med"/>
-          </a:ln>
-        </p:spPr>
-        <p:style>
-          <a:lnRef idx="1">
-            <a:schemeClr val="accent1"/>
-          </a:lnRef>
-          <a:fillRef idx="0">
-            <a:schemeClr val="accent1"/>
-          </a:fillRef>
-          <a:effectRef idx="0">
-            <a:schemeClr val="accent1"/>
-          </a:effectRef>
-          <a:fontRef idx="minor">
-            <a:schemeClr val="tx1"/>
-          </a:fontRef>
-        </p:style>
-      </p:cxnSp>
-      <p:sp>
-        <p:nvSpPr>
-          <p:cNvPr id="864" name="Rectangle 863"/>
+      <p:sp>
+        <p:nvSpPr>
+          <p:cNvPr id="919" name="Rectangle 918"/>
           <p:cNvSpPr/>
           <p:nvPr/>
         </p:nvSpPr>
         <p:spPr>
           <a:xfrm>
-            <a:off x="8153400" y="6096000"/>
-            <a:ext cx="457200" cy="152400"/>
+            <a:off x="12268200" y="6324600"/>
+            <a:ext cx="152400" cy="76200"/>
           </a:xfrm>
           <a:prstGeom prst="rect">
             <a:avLst/>
@@ -6949,6 +9180,7 @@
           <a:bodyPr wrap="none" lIns="45720" rIns="45720" rtlCol="0" anchor="ctr"/>
           <a:lstStyle/>
           <a:p>
+            <a:pPr algn="ctr"/>
             <a:r>
               <a:rPr lang="en-US" sz="900" dirty="0">
                 <a:solidFill>
@@ -6957,27 +9189,20 @@
                 <a:latin typeface="Courier New" panose="02070309020205020404" pitchFamily="49" charset="0"/>
                 <a:cs typeface="Courier New" panose="02070309020205020404" pitchFamily="49" charset="0"/>
               </a:rPr>
-              <a:t>1’b0</a:t>
-            </a:r>
-            <a:endParaRPr lang="en-US" sz="900" dirty="0">
-              <a:solidFill>
-                <a:srgbClr val="000000"/>
-              </a:solidFill>
-              <a:latin typeface="Courier New" panose="02070309020205020404" pitchFamily="49" charset="0"/>
-              <a:cs typeface="Courier New" panose="02070309020205020404" pitchFamily="49" charset="0"/>
-            </a:endParaRPr>
-          </a:p>
-        </p:txBody>
-      </p:sp>
-      <p:sp>
-        <p:nvSpPr>
-          <p:cNvPr id="865" name="Rectangle 864"/>
+              <a:t>8</a:t>
+            </a:r>
+          </a:p>
+        </p:txBody>
+      </p:sp>
+      <p:sp>
+        <p:nvSpPr>
+          <p:cNvPr id="920" name="Rectangle 919"/>
           <p:cNvSpPr/>
           <p:nvPr/>
         </p:nvSpPr>
         <p:spPr>
           <a:xfrm>
-            <a:off x="8153400" y="5638800"/>
+            <a:off x="11430000" y="6324600"/>
             <a:ext cx="457200" cy="152400"/>
           </a:xfrm>
           <a:prstGeom prst="rect">
@@ -7008,851 +9233,6 @@
           <a:bodyPr wrap="none" lIns="45720" rIns="45720" rtlCol="0" anchor="ctr"/>
           <a:lstStyle/>
           <a:p>
-            <a:r>
-              <a:rPr lang="en-US" sz="900" dirty="0">
-                <a:solidFill>
-                  <a:srgbClr val="000000"/>
-                </a:solidFill>
-                <a:latin typeface="Courier New" panose="02070309020205020404" pitchFamily="49" charset="0"/>
-                <a:cs typeface="Courier New" panose="02070309020205020404" pitchFamily="49" charset="0"/>
-              </a:rPr>
-              <a:t>1’b0</a:t>
-            </a:r>
-            <a:endParaRPr lang="en-US" sz="900" dirty="0">
-              <a:solidFill>
-                <a:srgbClr val="000000"/>
-              </a:solidFill>
-              <a:latin typeface="Courier New" panose="02070309020205020404" pitchFamily="49" charset="0"/>
-              <a:cs typeface="Courier New" panose="02070309020205020404" pitchFamily="49" charset="0"/>
-            </a:endParaRPr>
-          </a:p>
-        </p:txBody>
-      </p:sp>
-      <p:cxnSp>
-        <p:nvCxnSpPr>
-          <p:cNvPr id="869" name="Straight Connector 868"/>
-          <p:cNvCxnSpPr/>
-          <p:nvPr/>
-        </p:nvCxnSpPr>
-        <p:spPr>
-          <a:xfrm flipV="1">
-            <a:off x="6324600" y="6400800"/>
-            <a:ext cx="152400" cy="152400"/>
-          </a:xfrm>
-          <a:prstGeom prst="line">
-            <a:avLst/>
-          </a:prstGeom>
-          <a:ln w="12700">
-            <a:solidFill>
-              <a:srgbClr val="000000"/>
-            </a:solidFill>
-            <a:headEnd type="none" w="med" len="med"/>
-            <a:tailEnd type="none" w="med" len="med"/>
-          </a:ln>
-        </p:spPr>
-        <p:style>
-          <a:lnRef idx="1">
-            <a:schemeClr val="accent1"/>
-          </a:lnRef>
-          <a:fillRef idx="0">
-            <a:schemeClr val="accent1"/>
-          </a:fillRef>
-          <a:effectRef idx="0">
-            <a:schemeClr val="accent1"/>
-          </a:effectRef>
-          <a:fontRef idx="minor">
-            <a:schemeClr val="tx1"/>
-          </a:fontRef>
-        </p:style>
-      </p:cxnSp>
-      <p:sp>
-        <p:nvSpPr>
-          <p:cNvPr id="870" name="Rectangle 869"/>
-          <p:cNvSpPr/>
-          <p:nvPr/>
-        </p:nvSpPr>
-        <p:spPr>
-          <a:xfrm>
-            <a:off x="6324600" y="6324600"/>
-            <a:ext cx="152400" cy="76200"/>
-          </a:xfrm>
-          <a:prstGeom prst="rect">
-            <a:avLst/>
-          </a:prstGeom>
-          <a:noFill/>
-          <a:ln>
-            <a:noFill/>
-          </a:ln>
-        </p:spPr>
-        <p:style>
-          <a:lnRef idx="2">
-            <a:schemeClr val="accent1">
-              <a:shade val="50000"/>
-            </a:schemeClr>
-          </a:lnRef>
-          <a:fillRef idx="1">
-            <a:schemeClr val="accent1"/>
-          </a:fillRef>
-          <a:effectRef idx="0">
-            <a:schemeClr val="accent1"/>
-          </a:effectRef>
-          <a:fontRef idx="minor">
-            <a:schemeClr val="lt1"/>
-          </a:fontRef>
-        </p:style>
-        <p:txBody>
-          <a:bodyPr wrap="none" lIns="45720" rIns="45720" rtlCol="0" anchor="ctr"/>
-          <a:lstStyle/>
-          <a:p>
-            <a:pPr algn="ctr"/>
-            <a:r>
-              <a:rPr lang="en-US" sz="900" dirty="0">
-                <a:solidFill>
-                  <a:srgbClr val="000000"/>
-                </a:solidFill>
-                <a:latin typeface="Courier New" panose="02070309020205020404" pitchFamily="49" charset="0"/>
-                <a:cs typeface="Courier New" panose="02070309020205020404" pitchFamily="49" charset="0"/>
-              </a:rPr>
-              <a:t>7</a:t>
-            </a:r>
-          </a:p>
-        </p:txBody>
-      </p:sp>
-      <p:cxnSp>
-        <p:nvCxnSpPr>
-          <p:cNvPr id="871" name="Straight Connector 870"/>
-          <p:cNvCxnSpPr/>
-          <p:nvPr/>
-        </p:nvCxnSpPr>
-        <p:spPr>
-          <a:xfrm flipV="1">
-            <a:off x="6324600" y="5943600"/>
-            <a:ext cx="152400" cy="152400"/>
-          </a:xfrm>
-          <a:prstGeom prst="line">
-            <a:avLst/>
-          </a:prstGeom>
-          <a:ln w="12700">
-            <a:solidFill>
-              <a:srgbClr val="000000"/>
-            </a:solidFill>
-            <a:headEnd type="none" w="med" len="med"/>
-            <a:tailEnd type="none" w="med" len="med"/>
-          </a:ln>
-        </p:spPr>
-        <p:style>
-          <a:lnRef idx="1">
-            <a:schemeClr val="accent1"/>
-          </a:lnRef>
-          <a:fillRef idx="0">
-            <a:schemeClr val="accent1"/>
-          </a:fillRef>
-          <a:effectRef idx="0">
-            <a:schemeClr val="accent1"/>
-          </a:effectRef>
-          <a:fontRef idx="minor">
-            <a:schemeClr val="tx1"/>
-          </a:fontRef>
-        </p:style>
-      </p:cxnSp>
-      <p:sp>
-        <p:nvSpPr>
-          <p:cNvPr id="872" name="Rectangle 871"/>
-          <p:cNvSpPr/>
-          <p:nvPr/>
-        </p:nvSpPr>
-        <p:spPr>
-          <a:xfrm>
-            <a:off x="6324600" y="5867400"/>
-            <a:ext cx="152400" cy="76200"/>
-          </a:xfrm>
-          <a:prstGeom prst="rect">
-            <a:avLst/>
-          </a:prstGeom>
-          <a:noFill/>
-          <a:ln>
-            <a:noFill/>
-          </a:ln>
-        </p:spPr>
-        <p:style>
-          <a:lnRef idx="2">
-            <a:schemeClr val="accent1">
-              <a:shade val="50000"/>
-            </a:schemeClr>
-          </a:lnRef>
-          <a:fillRef idx="1">
-            <a:schemeClr val="accent1"/>
-          </a:fillRef>
-          <a:effectRef idx="0">
-            <a:schemeClr val="accent1"/>
-          </a:effectRef>
-          <a:fontRef idx="minor">
-            <a:schemeClr val="lt1"/>
-          </a:fontRef>
-        </p:style>
-        <p:txBody>
-          <a:bodyPr wrap="none" lIns="45720" rIns="45720" rtlCol="0" anchor="ctr"/>
-          <a:lstStyle/>
-          <a:p>
-            <a:pPr algn="ctr"/>
-            <a:r>
-              <a:rPr lang="en-US" sz="900" dirty="0">
-                <a:solidFill>
-                  <a:srgbClr val="000000"/>
-                </a:solidFill>
-                <a:latin typeface="Courier New" panose="02070309020205020404" pitchFamily="49" charset="0"/>
-                <a:cs typeface="Courier New" panose="02070309020205020404" pitchFamily="49" charset="0"/>
-              </a:rPr>
-              <a:t>7</a:t>
-            </a:r>
-          </a:p>
-        </p:txBody>
-      </p:sp>
-      <p:sp>
-        <p:nvSpPr>
-          <p:cNvPr id="873" name="Rectangle 872"/>
-          <p:cNvSpPr/>
-          <p:nvPr/>
-        </p:nvSpPr>
-        <p:spPr>
-          <a:xfrm>
-            <a:off x="6553200" y="5867400"/>
-            <a:ext cx="457200" cy="152400"/>
-          </a:xfrm>
-          <a:prstGeom prst="rect">
-            <a:avLst/>
-          </a:prstGeom>
-          <a:noFill/>
-          <a:ln>
-            <a:noFill/>
-          </a:ln>
-        </p:spPr>
-        <p:style>
-          <a:lnRef idx="2">
-            <a:schemeClr val="accent1">
-              <a:shade val="50000"/>
-            </a:schemeClr>
-          </a:lnRef>
-          <a:fillRef idx="1">
-            <a:schemeClr val="accent1"/>
-          </a:fillRef>
-          <a:effectRef idx="0">
-            <a:schemeClr val="accent1"/>
-          </a:effectRef>
-          <a:fontRef idx="minor">
-            <a:schemeClr val="lt1"/>
-          </a:fontRef>
-        </p:style>
-        <p:txBody>
-          <a:bodyPr wrap="none" lIns="45720" rIns="45720" rtlCol="0" anchor="ctr"/>
-          <a:lstStyle/>
-          <a:p>
-            <a:r>
-              <a:rPr lang="en-US" sz="900" dirty="0">
-                <a:solidFill>
-                  <a:srgbClr val="000000"/>
-                </a:solidFill>
-                <a:latin typeface="Courier New" panose="02070309020205020404" pitchFamily="49" charset="0"/>
-                <a:cs typeface="Courier New" panose="02070309020205020404" pitchFamily="49" charset="0"/>
-              </a:rPr>
-              <a:t>digit1</a:t>
-            </a:r>
-          </a:p>
-        </p:txBody>
-      </p:sp>
-      <p:sp>
-        <p:nvSpPr>
-          <p:cNvPr id="874" name="Rectangle 873"/>
-          <p:cNvSpPr/>
-          <p:nvPr/>
-        </p:nvSpPr>
-        <p:spPr>
-          <a:xfrm>
-            <a:off x="6553200" y="6324600"/>
-            <a:ext cx="457200" cy="152400"/>
-          </a:xfrm>
-          <a:prstGeom prst="rect">
-            <a:avLst/>
-          </a:prstGeom>
-          <a:noFill/>
-          <a:ln>
-            <a:noFill/>
-          </a:ln>
-        </p:spPr>
-        <p:style>
-          <a:lnRef idx="2">
-            <a:schemeClr val="accent1">
-              <a:shade val="50000"/>
-            </a:schemeClr>
-          </a:lnRef>
-          <a:fillRef idx="1">
-            <a:schemeClr val="accent1"/>
-          </a:fillRef>
-          <a:effectRef idx="0">
-            <a:schemeClr val="accent1"/>
-          </a:effectRef>
-          <a:fontRef idx="minor">
-            <a:schemeClr val="lt1"/>
-          </a:fontRef>
-        </p:style>
-        <p:txBody>
-          <a:bodyPr wrap="none" lIns="45720" rIns="45720" rtlCol="0" anchor="ctr"/>
-          <a:lstStyle/>
-          <a:p>
-            <a:r>
-              <a:rPr lang="en-US" sz="900" dirty="0">
-                <a:solidFill>
-                  <a:srgbClr val="000000"/>
-                </a:solidFill>
-                <a:latin typeface="Courier New" panose="02070309020205020404" pitchFamily="49" charset="0"/>
-                <a:cs typeface="Courier New" panose="02070309020205020404" pitchFamily="49" charset="0"/>
-              </a:rPr>
-              <a:t>digit0</a:t>
-            </a:r>
-          </a:p>
-        </p:txBody>
-      </p:sp>
-      <p:sp>
-        <p:nvSpPr>
-          <p:cNvPr id="875" name="Rectangle 874"/>
-          <p:cNvSpPr/>
-          <p:nvPr/>
-        </p:nvSpPr>
-        <p:spPr>
-          <a:xfrm>
-            <a:off x="8991600" y="5257800"/>
-            <a:ext cx="457200" cy="152400"/>
-          </a:xfrm>
-          <a:prstGeom prst="rect">
-            <a:avLst/>
-          </a:prstGeom>
-          <a:noFill/>
-          <a:ln>
-            <a:noFill/>
-          </a:ln>
-        </p:spPr>
-        <p:style>
-          <a:lnRef idx="2">
-            <a:schemeClr val="accent1">
-              <a:shade val="50000"/>
-            </a:schemeClr>
-          </a:lnRef>
-          <a:fillRef idx="1">
-            <a:schemeClr val="accent1"/>
-          </a:fillRef>
-          <a:effectRef idx="0">
-            <a:schemeClr val="accent1"/>
-          </a:effectRef>
-          <a:fontRef idx="minor">
-            <a:schemeClr val="lt1"/>
-          </a:fontRef>
-        </p:style>
-        <p:txBody>
-          <a:bodyPr wrap="none" lIns="45720" rIns="45720" rtlCol="0" anchor="ctr"/>
-          <a:lstStyle/>
-          <a:p>
-            <a:r>
-              <a:rPr lang="en-US" sz="900" dirty="0">
-                <a:solidFill>
-                  <a:srgbClr val="000000"/>
-                </a:solidFill>
-                <a:latin typeface="Courier New" panose="02070309020205020404" pitchFamily="49" charset="0"/>
-                <a:cs typeface="Courier New" panose="02070309020205020404" pitchFamily="49" charset="0"/>
-              </a:rPr>
-              <a:t>DIGIT3</a:t>
-            </a:r>
-          </a:p>
-        </p:txBody>
-      </p:sp>
-      <p:sp>
-        <p:nvSpPr>
-          <p:cNvPr id="876" name="Rectangle 875"/>
-          <p:cNvSpPr/>
-          <p:nvPr/>
-        </p:nvSpPr>
-        <p:spPr>
-          <a:xfrm>
-            <a:off x="8991600" y="5486400"/>
-            <a:ext cx="457200" cy="152400"/>
-          </a:xfrm>
-          <a:prstGeom prst="rect">
-            <a:avLst/>
-          </a:prstGeom>
-          <a:noFill/>
-          <a:ln>
-            <a:noFill/>
-          </a:ln>
-        </p:spPr>
-        <p:style>
-          <a:lnRef idx="2">
-            <a:schemeClr val="accent1">
-              <a:shade val="50000"/>
-            </a:schemeClr>
-          </a:lnRef>
-          <a:fillRef idx="1">
-            <a:schemeClr val="accent1"/>
-          </a:fillRef>
-          <a:effectRef idx="0">
-            <a:schemeClr val="accent1"/>
-          </a:effectRef>
-          <a:fontRef idx="minor">
-            <a:schemeClr val="lt1"/>
-          </a:fontRef>
-        </p:style>
-        <p:txBody>
-          <a:bodyPr wrap="none" lIns="45720" rIns="45720" rtlCol="0" anchor="ctr"/>
-          <a:lstStyle/>
-          <a:p>
-            <a:r>
-              <a:rPr lang="en-US" sz="900" dirty="0">
-                <a:solidFill>
-                  <a:srgbClr val="000000"/>
-                </a:solidFill>
-                <a:latin typeface="Courier New" panose="02070309020205020404" pitchFamily="49" charset="0"/>
-                <a:cs typeface="Courier New" panose="02070309020205020404" pitchFamily="49" charset="0"/>
-              </a:rPr>
-              <a:t>DIGIT2</a:t>
-            </a:r>
-          </a:p>
-        </p:txBody>
-      </p:sp>
-      <p:cxnSp>
-        <p:nvCxnSpPr>
-          <p:cNvPr id="877" name="Straight Connector 876"/>
-          <p:cNvCxnSpPr>
-            <a:stCxn id="878" idx="3"/>
-            <a:endCxn id="876" idx="1"/>
-          </p:cNvCxnSpPr>
-          <p:nvPr/>
-        </p:nvCxnSpPr>
-        <p:spPr>
-          <a:xfrm>
-            <a:off x="8686800" y="5562600"/>
-            <a:ext cx="304800" cy="0"/>
-          </a:xfrm>
-          <a:prstGeom prst="line">
-            <a:avLst/>
-          </a:prstGeom>
-          <a:ln w="12700">
-            <a:solidFill>
-              <a:srgbClr val="000000"/>
-            </a:solidFill>
-            <a:headEnd type="none" w="med" len="med"/>
-            <a:tailEnd type="triangle" w="med" len="med"/>
-          </a:ln>
-        </p:spPr>
-        <p:style>
-          <a:lnRef idx="1">
-            <a:schemeClr val="accent1"/>
-          </a:lnRef>
-          <a:fillRef idx="0">
-            <a:schemeClr val="accent1"/>
-          </a:fillRef>
-          <a:effectRef idx="0">
-            <a:schemeClr val="accent1"/>
-          </a:effectRef>
-          <a:fontRef idx="minor">
-            <a:schemeClr val="tx1"/>
-          </a:fontRef>
-        </p:style>
-      </p:cxnSp>
-      <p:sp>
-        <p:nvSpPr>
-          <p:cNvPr id="878" name="Rectangle 877"/>
-          <p:cNvSpPr/>
-          <p:nvPr/>
-        </p:nvSpPr>
-        <p:spPr>
-          <a:xfrm>
-            <a:off x="8229600" y="5486400"/>
-            <a:ext cx="457200" cy="152400"/>
-          </a:xfrm>
-          <a:prstGeom prst="rect">
-            <a:avLst/>
-          </a:prstGeom>
-          <a:noFill/>
-          <a:ln>
-            <a:noFill/>
-          </a:ln>
-        </p:spPr>
-        <p:style>
-          <a:lnRef idx="2">
-            <a:schemeClr val="accent1">
-              <a:shade val="50000"/>
-            </a:schemeClr>
-          </a:lnRef>
-          <a:fillRef idx="1">
-            <a:schemeClr val="accent1"/>
-          </a:fillRef>
-          <a:effectRef idx="0">
-            <a:schemeClr val="accent1"/>
-          </a:effectRef>
-          <a:fontRef idx="minor">
-            <a:schemeClr val="lt1"/>
-          </a:fontRef>
-        </p:style>
-        <p:txBody>
-          <a:bodyPr wrap="none" lIns="45720" rIns="45720" rtlCol="0" anchor="ctr"/>
-          <a:lstStyle/>
-          <a:p>
-            <a:pPr algn="r"/>
-            <a:r>
-              <a:rPr lang="en-US" sz="900" dirty="0">
-                <a:solidFill>
-                  <a:srgbClr val="000000"/>
-                </a:solidFill>
-                <a:latin typeface="Courier New" panose="02070309020205020404" pitchFamily="49" charset="0"/>
-                <a:cs typeface="Courier New" panose="02070309020205020404" pitchFamily="49" charset="0"/>
-              </a:rPr>
-              <a:t>8’d0</a:t>
-            </a:r>
-            <a:endParaRPr lang="en-US" sz="900" dirty="0">
-              <a:solidFill>
-                <a:srgbClr val="000000"/>
-              </a:solidFill>
-              <a:latin typeface="Courier New" panose="02070309020205020404" pitchFamily="49" charset="0"/>
-              <a:cs typeface="Courier New" panose="02070309020205020404" pitchFamily="49" charset="0"/>
-            </a:endParaRPr>
-          </a:p>
-        </p:txBody>
-      </p:sp>
-      <p:cxnSp>
-        <p:nvCxnSpPr>
-          <p:cNvPr id="879" name="Straight Connector 878"/>
-          <p:cNvCxnSpPr>
-            <a:stCxn id="880" idx="3"/>
-            <a:endCxn id="875" idx="1"/>
-          </p:cNvCxnSpPr>
-          <p:nvPr/>
-        </p:nvCxnSpPr>
-        <p:spPr>
-          <a:xfrm>
-            <a:off x="8686800" y="5334000"/>
-            <a:ext cx="304800" cy="0"/>
-          </a:xfrm>
-          <a:prstGeom prst="line">
-            <a:avLst/>
-          </a:prstGeom>
-          <a:ln w="12700">
-            <a:solidFill>
-              <a:srgbClr val="000000"/>
-            </a:solidFill>
-            <a:headEnd type="none" w="med" len="med"/>
-            <a:tailEnd type="triangle" w="med" len="med"/>
-          </a:ln>
-        </p:spPr>
-        <p:style>
-          <a:lnRef idx="1">
-            <a:schemeClr val="accent1"/>
-          </a:lnRef>
-          <a:fillRef idx="0">
-            <a:schemeClr val="accent1"/>
-          </a:fillRef>
-          <a:effectRef idx="0">
-            <a:schemeClr val="accent1"/>
-          </a:effectRef>
-          <a:fontRef idx="minor">
-            <a:schemeClr val="tx1"/>
-          </a:fontRef>
-        </p:style>
-      </p:cxnSp>
-      <p:sp>
-        <p:nvSpPr>
-          <p:cNvPr id="880" name="Rectangle 879"/>
-          <p:cNvSpPr/>
-          <p:nvPr/>
-        </p:nvSpPr>
-        <p:spPr>
-          <a:xfrm>
-            <a:off x="8229600" y="5257800"/>
-            <a:ext cx="457200" cy="152400"/>
-          </a:xfrm>
-          <a:prstGeom prst="rect">
-            <a:avLst/>
-          </a:prstGeom>
-          <a:noFill/>
-          <a:ln>
-            <a:noFill/>
-          </a:ln>
-        </p:spPr>
-        <p:style>
-          <a:lnRef idx="2">
-            <a:schemeClr val="accent1">
-              <a:shade val="50000"/>
-            </a:schemeClr>
-          </a:lnRef>
-          <a:fillRef idx="1">
-            <a:schemeClr val="accent1"/>
-          </a:fillRef>
-          <a:effectRef idx="0">
-            <a:schemeClr val="accent1"/>
-          </a:effectRef>
-          <a:fontRef idx="minor">
-            <a:schemeClr val="lt1"/>
-          </a:fontRef>
-        </p:style>
-        <p:txBody>
-          <a:bodyPr wrap="none" lIns="45720" rIns="45720" rtlCol="0" anchor="ctr"/>
-          <a:lstStyle/>
-          <a:p>
-            <a:pPr algn="r"/>
-            <a:r>
-              <a:rPr lang="en-US" sz="900" dirty="0">
-                <a:solidFill>
-                  <a:srgbClr val="000000"/>
-                </a:solidFill>
-                <a:latin typeface="Courier New" panose="02070309020205020404" pitchFamily="49" charset="0"/>
-                <a:cs typeface="Courier New" panose="02070309020205020404" pitchFamily="49" charset="0"/>
-              </a:rPr>
-              <a:t>8’d0</a:t>
-            </a:r>
-            <a:endParaRPr lang="en-US" sz="900" dirty="0">
-              <a:solidFill>
-                <a:srgbClr val="000000"/>
-              </a:solidFill>
-              <a:latin typeface="Courier New" panose="02070309020205020404" pitchFamily="49" charset="0"/>
-              <a:cs typeface="Courier New" panose="02070309020205020404" pitchFamily="49" charset="0"/>
-            </a:endParaRPr>
-          </a:p>
-        </p:txBody>
-      </p:sp>
-      <p:sp>
-        <p:nvSpPr>
-          <p:cNvPr id="881" name="Rectangle 880"/>
-          <p:cNvSpPr/>
-          <p:nvPr/>
-        </p:nvSpPr>
-        <p:spPr>
-          <a:xfrm>
-            <a:off x="8991600" y="4343400"/>
-            <a:ext cx="457200" cy="152400"/>
-          </a:xfrm>
-          <a:prstGeom prst="rect">
-            <a:avLst/>
-          </a:prstGeom>
-          <a:noFill/>
-          <a:ln>
-            <a:noFill/>
-          </a:ln>
-        </p:spPr>
-        <p:style>
-          <a:lnRef idx="2">
-            <a:schemeClr val="accent1">
-              <a:shade val="50000"/>
-            </a:schemeClr>
-          </a:lnRef>
-          <a:fillRef idx="1">
-            <a:schemeClr val="accent1"/>
-          </a:fillRef>
-          <a:effectRef idx="0">
-            <a:schemeClr val="accent1"/>
-          </a:effectRef>
-          <a:fontRef idx="minor">
-            <a:schemeClr val="lt1"/>
-          </a:fontRef>
-        </p:style>
-        <p:txBody>
-          <a:bodyPr wrap="none" lIns="45720" rIns="45720" rtlCol="0" anchor="ctr"/>
-          <a:lstStyle/>
-          <a:p>
-            <a:r>
-              <a:rPr lang="en-US" sz="900" dirty="0">
-                <a:solidFill>
-                  <a:srgbClr val="000000"/>
-                </a:solidFill>
-                <a:latin typeface="Courier New" panose="02070309020205020404" pitchFamily="49" charset="0"/>
-                <a:cs typeface="Courier New" panose="02070309020205020404" pitchFamily="49" charset="0"/>
-              </a:rPr>
-              <a:t>#(.BW(6)) i_blink_7seg</a:t>
-            </a:r>
-          </a:p>
-        </p:txBody>
-      </p:sp>
-      <p:sp>
-        <p:nvSpPr>
-          <p:cNvPr id="882" name="Rectangle 881"/>
-          <p:cNvSpPr/>
-          <p:nvPr/>
-        </p:nvSpPr>
-        <p:spPr>
-          <a:xfrm>
-            <a:off x="8991600" y="4876800"/>
-            <a:ext cx="457200" cy="152400"/>
-          </a:xfrm>
-          <a:prstGeom prst="rect">
-            <a:avLst/>
-          </a:prstGeom>
-          <a:noFill/>
-          <a:ln>
-            <a:noFill/>
-          </a:ln>
-        </p:spPr>
-        <p:style>
-          <a:lnRef idx="2">
-            <a:schemeClr val="accent1">
-              <a:shade val="50000"/>
-            </a:schemeClr>
-          </a:lnRef>
-          <a:fillRef idx="1">
-            <a:schemeClr val="accent1"/>
-          </a:fillRef>
-          <a:effectRef idx="0">
-            <a:schemeClr val="accent1"/>
-          </a:effectRef>
-          <a:fontRef idx="minor">
-            <a:schemeClr val="lt1"/>
-          </a:fontRef>
-        </p:style>
-        <p:txBody>
-          <a:bodyPr wrap="none" lIns="45720" rIns="45720" rtlCol="0" anchor="ctr"/>
-          <a:lstStyle/>
-          <a:p>
-            <a:r>
-              <a:rPr lang="en-US" sz="900" dirty="0">
-                <a:solidFill>
-                  <a:srgbClr val="000000"/>
-                </a:solidFill>
-                <a:latin typeface="Courier New" panose="02070309020205020404" pitchFamily="49" charset="0"/>
-                <a:cs typeface="Courier New" panose="02070309020205020404" pitchFamily="49" charset="0"/>
-              </a:rPr>
-              <a:t>TIMEOUT</a:t>
-            </a:r>
-          </a:p>
-        </p:txBody>
-      </p:sp>
-      <p:cxnSp>
-        <p:nvCxnSpPr>
-          <p:cNvPr id="883" name="Straight Connector 882"/>
-          <p:cNvCxnSpPr>
-            <a:stCxn id="884" idx="3"/>
-            <a:endCxn id="882" idx="1"/>
-          </p:cNvCxnSpPr>
-          <p:nvPr/>
-        </p:nvCxnSpPr>
-        <p:spPr>
-          <a:xfrm>
-            <a:off x="8686800" y="4953000"/>
-            <a:ext cx="304800" cy="0"/>
-          </a:xfrm>
-          <a:prstGeom prst="line">
-            <a:avLst/>
-          </a:prstGeom>
-          <a:ln w="12700">
-            <a:solidFill>
-              <a:srgbClr val="000000"/>
-            </a:solidFill>
-            <a:headEnd type="none" w="med" len="med"/>
-            <a:tailEnd type="triangle" w="med" len="med"/>
-          </a:ln>
-        </p:spPr>
-        <p:style>
-          <a:lnRef idx="1">
-            <a:schemeClr val="accent1"/>
-          </a:lnRef>
-          <a:fillRef idx="0">
-            <a:schemeClr val="accent1"/>
-          </a:fillRef>
-          <a:effectRef idx="0">
-            <a:schemeClr val="accent1"/>
-          </a:effectRef>
-          <a:fontRef idx="minor">
-            <a:schemeClr val="tx1"/>
-          </a:fontRef>
-        </p:style>
-      </p:cxnSp>
-      <p:sp>
-        <p:nvSpPr>
-          <p:cNvPr id="884" name="Rectangle 883"/>
-          <p:cNvSpPr/>
-          <p:nvPr/>
-        </p:nvSpPr>
-        <p:spPr>
-          <a:xfrm>
-            <a:off x="8229600" y="4876800"/>
-            <a:ext cx="457200" cy="152400"/>
-          </a:xfrm>
-          <a:prstGeom prst="rect">
-            <a:avLst/>
-          </a:prstGeom>
-          <a:noFill/>
-          <a:ln>
-            <a:noFill/>
-          </a:ln>
-        </p:spPr>
-        <p:style>
-          <a:lnRef idx="2">
-            <a:schemeClr val="accent1">
-              <a:shade val="50000"/>
-            </a:schemeClr>
-          </a:lnRef>
-          <a:fillRef idx="1">
-            <a:schemeClr val="accent1"/>
-          </a:fillRef>
-          <a:effectRef idx="0">
-            <a:schemeClr val="accent1"/>
-          </a:effectRef>
-          <a:fontRef idx="minor">
-            <a:schemeClr val="lt1"/>
-          </a:fontRef>
-        </p:style>
-        <p:txBody>
-          <a:bodyPr wrap="none" lIns="45720" rIns="45720" rtlCol="0" anchor="ctr"/>
-          <a:lstStyle/>
-          <a:p>
-            <a:pPr algn="r"/>
-            <a:r>
-              <a:rPr lang="en-US" sz="900" dirty="0">
-                <a:solidFill>
-                  <a:srgbClr val="000000"/>
-                </a:solidFill>
-                <a:latin typeface="Courier New" panose="02070309020205020404" pitchFamily="49" charset="0"/>
-                <a:cs typeface="Courier New" panose="02070309020205020404" pitchFamily="49" charset="0"/>
-              </a:rPr>
-              <a:t>6’d49</a:t>
-            </a:r>
-          </a:p>
-        </p:txBody>
-      </p:sp>
-      <p:sp>
-        <p:nvSpPr>
-          <p:cNvPr id="885" name="Rectangle 884"/>
-          <p:cNvSpPr/>
-          <p:nvPr/>
-        </p:nvSpPr>
-        <p:spPr>
-          <a:xfrm>
-            <a:off x="9906000" y="6400800"/>
-            <a:ext cx="457200" cy="152400"/>
-          </a:xfrm>
-          <a:prstGeom prst="rect">
-            <a:avLst/>
-          </a:prstGeom>
-          <a:noFill/>
-          <a:ln>
-            <a:noFill/>
-          </a:ln>
-        </p:spPr>
-        <p:style>
-          <a:lnRef idx="2">
-            <a:schemeClr val="accent1">
-              <a:shade val="50000"/>
-            </a:schemeClr>
-          </a:lnRef>
-          <a:fillRef idx="1">
-            <a:schemeClr val="accent1"/>
-          </a:fillRef>
-          <a:effectRef idx="0">
-            <a:schemeClr val="accent1"/>
-          </a:effectRef>
-          <a:fontRef idx="minor">
-            <a:schemeClr val="lt1"/>
-          </a:fontRef>
-        </p:style>
-        <p:txBody>
-          <a:bodyPr wrap="none" lIns="45720" rIns="45720" rtlCol="0" anchor="ctr"/>
-          <a:lstStyle/>
-          <a:p>
-            <a:pPr algn="r"/>
             <a:r>
               <a:rPr lang="en-US" sz="900" dirty="0">
                 <a:solidFill>
@@ -7868,21 +9248,23 @@
       </p:sp>
       <p:sp>
         <p:nvSpPr>
-          <p:cNvPr id="886" name="Rectangle 885"/>
+          <p:cNvPr id="921" name="Pentagon 920"/>
           <p:cNvSpPr/>
           <p:nvPr/>
         </p:nvSpPr>
         <p:spPr>
           <a:xfrm>
-            <a:off x="9906000" y="5943600"/>
-            <a:ext cx="457200" cy="152400"/>
-          </a:xfrm>
-          <a:prstGeom prst="rect">
+            <a:off x="228600" y="8229600"/>
+            <a:ext cx="228600" cy="152400"/>
+          </a:xfrm>
+          <a:prstGeom prst="homePlate">
             <a:avLst/>
           </a:prstGeom>
           <a:noFill/>
-          <a:ln>
-            <a:noFill/>
+          <a:ln w="12700">
+            <a:solidFill>
+              <a:schemeClr val="tx1"/>
+            </a:solidFill>
           </a:ln>
         </p:spPr>
         <p:style>
@@ -7902,10 +9284,96 @@
           </a:fontRef>
         </p:style>
         <p:txBody>
+          <a:bodyPr rot="0" spcFirstLastPara="0" vertOverflow="overflow" horzOverflow="overflow" vert="horz" wrap="square" lIns="91440" tIns="45720" rIns="91440" bIns="45720" numCol="1" spcCol="0" rtlCol="0" fromWordArt="0" anchor="ctr" anchorCtr="0" forceAA="0" compatLnSpc="1">
+            <a:prstTxWarp prst="textNoShape">
+              <a:avLst/>
+            </a:prstTxWarp>
+            <a:noAutofit/>
+          </a:bodyPr>
+          <a:lstStyle/>
+          <a:p>
+            <a:pPr algn="ctr"/>
+            <a:endParaRPr lang="en-US" sz="3730"/>
+          </a:p>
+        </p:txBody>
+      </p:sp>
+      <p:cxnSp>
+        <p:nvCxnSpPr>
+          <p:cNvPr id="922" name="Straight Connector 921"/>
+          <p:cNvCxnSpPr/>
+          <p:nvPr/>
+        </p:nvCxnSpPr>
+        <p:spPr>
+          <a:xfrm flipV="1">
+            <a:off x="533400" y="8229600"/>
+            <a:ext cx="152400" cy="152400"/>
+          </a:xfrm>
+          <a:prstGeom prst="line">
+            <a:avLst/>
+          </a:prstGeom>
+          <a:ln w="12700">
+            <a:solidFill>
+              <a:srgbClr val="000000"/>
+            </a:solidFill>
+            <a:headEnd type="none" w="med" len="med"/>
+            <a:tailEnd type="none" w="med" len="med"/>
+          </a:ln>
+        </p:spPr>
+        <p:style>
+          <a:lnRef idx="1">
+            <a:schemeClr val="accent1"/>
+          </a:lnRef>
+          <a:fillRef idx="0">
+            <a:schemeClr val="accent1"/>
+          </a:fillRef>
+          <a:effectRef idx="0">
+            <a:schemeClr val="accent1"/>
+          </a:effectRef>
+          <a:fontRef idx="minor">
+            <a:schemeClr val="tx1"/>
+          </a:fontRef>
+        </p:style>
+      </p:cxnSp>
+      <p:sp>
+        <p:nvSpPr>
+          <p:cNvPr id="923" name="Rectangle 922"/>
+          <p:cNvSpPr/>
+          <p:nvPr/>
+        </p:nvSpPr>
+        <p:spPr>
+          <a:xfrm>
+            <a:off x="533400" y="8153400"/>
+            <a:ext cx="152400" cy="76200"/>
+          </a:xfrm>
+          <a:prstGeom prst="rect">
+            <a:avLst/>
+          </a:prstGeom>
+          <a:noFill/>
+          <a:ln>
+            <a:noFill/>
+          </a:ln>
+        </p:spPr>
+        <p:style>
+          <a:lnRef idx="2">
+            <a:schemeClr val="accent1">
+              <a:shade val="50000"/>
+            </a:schemeClr>
+          </a:lnRef>
+          <a:fillRef idx="1">
+            <a:schemeClr val="accent1"/>
+          </a:fillRef>
+          <a:effectRef idx="0">
+            <a:schemeClr val="accent1"/>
+          </a:effectRef>
+          <a:fontRef idx="minor">
+            <a:schemeClr val="lt1"/>
+          </a:fontRef>
+        </p:style>
+        <p:txBody>
           <a:bodyPr wrap="none" lIns="45720" rIns="45720" rtlCol="0" anchor="ctr"/>
           <a:lstStyle/>
           <a:p>
-            <a:pPr algn="r"/>
+            <a:pPr algn="ctr"/>
             <a:r>
               <a:rPr lang="en-US" sz="900" dirty="0">
                 <a:solidFill>
@@ -7914,20 +9382,20 @@
                 <a:latin typeface="Courier New" panose="02070309020205020404" pitchFamily="49" charset="0"/>
                 <a:cs typeface="Courier New" panose="02070309020205020404" pitchFamily="49" charset="0"/>
               </a:rPr>
-              <a:t>DIGIT_SEL</a:t>
-            </a:r>
-          </a:p>
-        </p:txBody>
-      </p:sp>
-      <p:sp>
-        <p:nvSpPr>
-          <p:cNvPr id="887" name="Rectangle 886"/>
+              <a:t>1</a:t>
+            </a:r>
+          </a:p>
+        </p:txBody>
+      </p:sp>
+      <p:sp>
+        <p:nvSpPr>
+          <p:cNvPr id="924" name="Rectangle 923"/>
           <p:cNvSpPr/>
           <p:nvPr/>
         </p:nvSpPr>
         <p:spPr>
           <a:xfrm>
-            <a:off x="8991600" y="6858000"/>
+            <a:off x="838200" y="8153400"/>
             <a:ext cx="457200" cy="152400"/>
           </a:xfrm>
           <a:prstGeom prst="rect">
@@ -7971,15 +9439,1346 @@
           </a:p>
         </p:txBody>
       </p:sp>
-      <p:sp>
-        <p:nvSpPr>
-          <p:cNvPr id="888" name="Rectangle 887"/>
+      <p:cxnSp>
+        <p:nvCxnSpPr>
+          <p:cNvPr id="925" name="Straight Connector 924"/>
+          <p:cNvCxnSpPr/>
+          <p:nvPr/>
+        </p:nvCxnSpPr>
+        <p:spPr>
+          <a:xfrm>
+            <a:off x="4267200" y="6934200"/>
+            <a:ext cx="609600" cy="0"/>
+          </a:xfrm>
+          <a:prstGeom prst="line">
+            <a:avLst/>
+          </a:prstGeom>
+          <a:ln w="12700">
+            <a:solidFill>
+              <a:srgbClr val="000000"/>
+            </a:solidFill>
+            <a:headEnd type="none" w="med" len="med"/>
+            <a:tailEnd type="triangle" w="med" len="med"/>
+          </a:ln>
+        </p:spPr>
+        <p:style>
+          <a:lnRef idx="1">
+            <a:schemeClr val="accent1"/>
+          </a:lnRef>
+          <a:fillRef idx="0">
+            <a:schemeClr val="accent1"/>
+          </a:fillRef>
+          <a:effectRef idx="0">
+            <a:schemeClr val="accent1"/>
+          </a:effectRef>
+          <a:fontRef idx="minor">
+            <a:schemeClr val="tx1"/>
+          </a:fontRef>
+        </p:style>
+      </p:cxnSp>
+      <p:cxnSp>
+        <p:nvCxnSpPr>
+          <p:cNvPr id="926" name="Straight Connector 925"/>
+          <p:cNvCxnSpPr/>
+          <p:nvPr/>
+        </p:nvCxnSpPr>
+        <p:spPr>
+          <a:xfrm>
+            <a:off x="4267200" y="6934200"/>
+            <a:ext cx="0" cy="1371600"/>
+          </a:xfrm>
+          <a:prstGeom prst="line">
+            <a:avLst/>
+          </a:prstGeom>
+          <a:ln w="12700">
+            <a:solidFill>
+              <a:srgbClr val="000000"/>
+            </a:solidFill>
+            <a:headEnd type="none" w="med" len="med"/>
+            <a:tailEnd type="none" w="med" len="med"/>
+          </a:ln>
+        </p:spPr>
+        <p:style>
+          <a:lnRef idx="1">
+            <a:schemeClr val="accent1"/>
+          </a:lnRef>
+          <a:fillRef idx="0">
+            <a:schemeClr val="accent1"/>
+          </a:fillRef>
+          <a:effectRef idx="0">
+            <a:schemeClr val="accent1"/>
+          </a:effectRef>
+          <a:fontRef idx="minor">
+            <a:schemeClr val="tx1"/>
+          </a:fontRef>
+        </p:style>
+      </p:cxnSp>
+      <p:cxnSp>
+        <p:nvCxnSpPr>
+          <p:cNvPr id="927" name="Straight Connector 926"/>
+          <p:cNvCxnSpPr>
+            <a:endCxn id="921" idx="3"/>
+          </p:cNvCxnSpPr>
+          <p:nvPr/>
+        </p:nvCxnSpPr>
+        <p:spPr>
+          <a:xfrm flipH="1">
+            <a:off x="457200" y="8305800"/>
+            <a:ext cx="3810000" cy="0"/>
+          </a:xfrm>
+          <a:prstGeom prst="line">
+            <a:avLst/>
+          </a:prstGeom>
+          <a:ln w="12700">
+            <a:solidFill>
+              <a:srgbClr val="000000"/>
+            </a:solidFill>
+            <a:headEnd type="none" w="med" len="med"/>
+            <a:tailEnd type="none" w="med" len="med"/>
+          </a:ln>
+        </p:spPr>
+        <p:style>
+          <a:lnRef idx="1">
+            <a:schemeClr val="accent1"/>
+          </a:lnRef>
+          <a:fillRef idx="0">
+            <a:schemeClr val="accent1"/>
+          </a:fillRef>
+          <a:effectRef idx="0">
+            <a:schemeClr val="accent1"/>
+          </a:effectRef>
+          <a:fontRef idx="minor">
+            <a:schemeClr val="tx1"/>
+          </a:fontRef>
+        </p:style>
+      </p:cxnSp>
+      <p:sp>
+        <p:nvSpPr>
+          <p:cNvPr id="133" name="Rectangle 132"/>
           <p:cNvSpPr/>
           <p:nvPr/>
         </p:nvSpPr>
         <p:spPr>
           <a:xfrm>
-            <a:off x="8991600" y="7086600"/>
+            <a:off x="8991600" y="609600"/>
+            <a:ext cx="1371600" cy="2667000"/>
+          </a:xfrm>
+          <a:prstGeom prst="rect">
+            <a:avLst/>
+          </a:prstGeom>
+          <a:noFill/>
+          <a:ln w="12700">
+            <a:solidFill>
+              <a:srgbClr val="000000"/>
+            </a:solidFill>
+          </a:ln>
+        </p:spPr>
+        <p:style>
+          <a:lnRef idx="2">
+            <a:schemeClr val="accent1">
+              <a:shade val="50000"/>
+            </a:schemeClr>
+          </a:lnRef>
+          <a:fillRef idx="1">
+            <a:schemeClr val="accent1"/>
+          </a:fillRef>
+          <a:effectRef idx="0">
+            <a:schemeClr val="accent1"/>
+          </a:effectRef>
+          <a:fontRef idx="minor">
+            <a:schemeClr val="lt1"/>
+          </a:fontRef>
+        </p:style>
+        <p:txBody>
+          <a:bodyPr lIns="45720" rIns="45720" rtlCol="0" anchor="t"/>
+          <a:lstStyle/>
+          <a:p>
+            <a:r>
+              <a:rPr lang="en-US" sz="900" dirty="0">
+                <a:solidFill>
+                  <a:schemeClr val="tx1"/>
+                </a:solidFill>
+                <a:latin typeface="Courier New" panose="02070309020205020404" pitchFamily="49" charset="0"/>
+                <a:cs typeface="Courier New" panose="02070309020205020404" pitchFamily="49" charset="0"/>
+              </a:rPr>
+              <a:t>lvds1</a:t>
+            </a:r>
+          </a:p>
+        </p:txBody>
+      </p:sp>
+      <p:sp>
+        <p:nvSpPr>
+          <p:cNvPr id="136" name="Rectangle 135"/>
+          <p:cNvSpPr/>
+          <p:nvPr/>
+        </p:nvSpPr>
+        <p:spPr>
+          <a:xfrm>
+            <a:off x="8991600" y="1676400"/>
+            <a:ext cx="457200" cy="152400"/>
+          </a:xfrm>
+          <a:prstGeom prst="rect">
+            <a:avLst/>
+          </a:prstGeom>
+          <a:noFill/>
+          <a:ln>
+            <a:noFill/>
+          </a:ln>
+        </p:spPr>
+        <p:style>
+          <a:lnRef idx="2">
+            <a:schemeClr val="accent1">
+              <a:shade val="50000"/>
+            </a:schemeClr>
+          </a:lnRef>
+          <a:fillRef idx="1">
+            <a:schemeClr val="accent1"/>
+          </a:fillRef>
+          <a:effectRef idx="0">
+            <a:schemeClr val="accent1"/>
+          </a:effectRef>
+          <a:fontRef idx="minor">
+            <a:schemeClr val="lt1"/>
+          </a:fontRef>
+        </p:style>
+        <p:txBody>
+          <a:bodyPr wrap="none" lIns="45720" rIns="45720" rtlCol="0" anchor="ctr"/>
+          <a:lstStyle/>
+          <a:p>
+            <a:r>
+              <a:rPr lang="en-US" sz="900" dirty="0">
+                <a:solidFill>
+                  <a:srgbClr val="000000"/>
+                </a:solidFill>
+                <a:latin typeface="Courier New" panose="02070309020205020404" pitchFamily="49" charset="0"/>
+                <a:cs typeface="Courier New" panose="02070309020205020404" pitchFamily="49" charset="0"/>
+              </a:rPr>
+              <a:t>CLKP</a:t>
+            </a:r>
+          </a:p>
+        </p:txBody>
+      </p:sp>
+      <p:cxnSp>
+        <p:nvCxnSpPr>
+          <p:cNvPr id="137" name="Straight Connector 136"/>
+          <p:cNvCxnSpPr/>
+          <p:nvPr/>
+        </p:nvCxnSpPr>
+        <p:spPr>
+          <a:xfrm flipH="1" flipV="1">
+            <a:off x="8991600" y="1752600"/>
+            <a:ext cx="76200" cy="76200"/>
+          </a:xfrm>
+          <a:prstGeom prst="line">
+            <a:avLst/>
+          </a:prstGeom>
+          <a:ln w="12700">
+            <a:solidFill>
+              <a:srgbClr val="000000"/>
+            </a:solidFill>
+            <a:headEnd type="none" w="med" len="med"/>
+            <a:tailEnd type="none" w="med" len="med"/>
+          </a:ln>
+        </p:spPr>
+        <p:style>
+          <a:lnRef idx="1">
+            <a:schemeClr val="accent1"/>
+          </a:lnRef>
+          <a:fillRef idx="0">
+            <a:schemeClr val="accent1"/>
+          </a:fillRef>
+          <a:effectRef idx="0">
+            <a:schemeClr val="accent1"/>
+          </a:effectRef>
+          <a:fontRef idx="minor">
+            <a:schemeClr val="tx1"/>
+          </a:fontRef>
+        </p:style>
+      </p:cxnSp>
+      <p:cxnSp>
+        <p:nvCxnSpPr>
+          <p:cNvPr id="138" name="Straight Connector 137"/>
+          <p:cNvCxnSpPr/>
+          <p:nvPr/>
+        </p:nvCxnSpPr>
+        <p:spPr>
+          <a:xfrm flipH="1">
+            <a:off x="8991600" y="1828800"/>
+            <a:ext cx="76200" cy="76200"/>
+          </a:xfrm>
+          <a:prstGeom prst="line">
+            <a:avLst/>
+          </a:prstGeom>
+          <a:ln w="12700">
+            <a:solidFill>
+              <a:srgbClr val="000000"/>
+            </a:solidFill>
+            <a:headEnd type="none" w="med" len="med"/>
+            <a:tailEnd type="none" w="med" len="med"/>
+          </a:ln>
+        </p:spPr>
+        <p:style>
+          <a:lnRef idx="1">
+            <a:schemeClr val="accent1"/>
+          </a:lnRef>
+          <a:fillRef idx="0">
+            <a:schemeClr val="accent1"/>
+          </a:fillRef>
+          <a:effectRef idx="0">
+            <a:schemeClr val="accent1"/>
+          </a:effectRef>
+          <a:fontRef idx="minor">
+            <a:schemeClr val="tx1"/>
+          </a:fontRef>
+        </p:style>
+      </p:cxnSp>
+      <p:sp>
+        <p:nvSpPr>
+          <p:cNvPr id="139" name="Rectangle 138"/>
+          <p:cNvSpPr/>
+          <p:nvPr/>
+        </p:nvSpPr>
+        <p:spPr>
+          <a:xfrm>
+            <a:off x="8991600" y="1447800"/>
+            <a:ext cx="457200" cy="152400"/>
+          </a:xfrm>
+          <a:prstGeom prst="rect">
+            <a:avLst/>
+          </a:prstGeom>
+          <a:noFill/>
+          <a:ln>
+            <a:noFill/>
+          </a:ln>
+        </p:spPr>
+        <p:style>
+          <a:lnRef idx="2">
+            <a:schemeClr val="accent1">
+              <a:shade val="50000"/>
+            </a:schemeClr>
+          </a:lnRef>
+          <a:fillRef idx="1">
+            <a:schemeClr val="accent1"/>
+          </a:fillRef>
+          <a:effectRef idx="0">
+            <a:schemeClr val="accent1"/>
+          </a:effectRef>
+          <a:fontRef idx="minor">
+            <a:schemeClr val="lt1"/>
+          </a:fontRef>
+        </p:style>
+        <p:txBody>
+          <a:bodyPr wrap="none" lIns="45720" rIns="45720" rtlCol="0" anchor="ctr"/>
+          <a:lstStyle/>
+          <a:p>
+            <a:r>
+              <a:rPr lang="en-US" sz="900" dirty="0" smtClean="0">
+                <a:solidFill>
+                  <a:srgbClr val="000000"/>
+                </a:solidFill>
+                <a:latin typeface="Courier New" panose="02070309020205020404" pitchFamily="49" charset="0"/>
+                <a:cs typeface="Courier New" panose="02070309020205020404" pitchFamily="49" charset="0"/>
+              </a:rPr>
+              <a:t>RSTXP</a:t>
+            </a:r>
+            <a:endParaRPr lang="en-US" sz="900" dirty="0">
+              <a:solidFill>
+                <a:srgbClr val="000000"/>
+              </a:solidFill>
+              <a:latin typeface="Courier New" panose="02070309020205020404" pitchFamily="49" charset="0"/>
+              <a:cs typeface="Courier New" panose="02070309020205020404" pitchFamily="49" charset="0"/>
+            </a:endParaRPr>
+          </a:p>
+        </p:txBody>
+      </p:sp>
+      <p:sp>
+        <p:nvSpPr>
+          <p:cNvPr id="140" name="Rectangle 139"/>
+          <p:cNvSpPr/>
+          <p:nvPr/>
+        </p:nvSpPr>
+        <p:spPr>
+          <a:xfrm>
+            <a:off x="9906000" y="1143000"/>
+            <a:ext cx="457200" cy="152400"/>
+          </a:xfrm>
+          <a:prstGeom prst="rect">
+            <a:avLst/>
+          </a:prstGeom>
+          <a:noFill/>
+          <a:ln>
+            <a:noFill/>
+          </a:ln>
+        </p:spPr>
+        <p:style>
+          <a:lnRef idx="2">
+            <a:schemeClr val="accent1">
+              <a:shade val="50000"/>
+            </a:schemeClr>
+          </a:lnRef>
+          <a:fillRef idx="1">
+            <a:schemeClr val="accent1"/>
+          </a:fillRef>
+          <a:effectRef idx="0">
+            <a:schemeClr val="accent1"/>
+          </a:effectRef>
+          <a:fontRef idx="minor">
+            <a:schemeClr val="lt1"/>
+          </a:fontRef>
+        </p:style>
+        <p:txBody>
+          <a:bodyPr wrap="none" lIns="45720" rIns="45720" rtlCol="0" anchor="ctr"/>
+          <a:lstStyle/>
+          <a:p>
+            <a:pPr algn="r"/>
+            <a:r>
+              <a:rPr lang="en-US" sz="900" dirty="0">
+                <a:solidFill>
+                  <a:srgbClr val="000000"/>
+                </a:solidFill>
+                <a:latin typeface="Courier New" panose="02070309020205020404" pitchFamily="49" charset="0"/>
+                <a:cs typeface="Courier New" panose="02070309020205020404" pitchFamily="49" charset="0"/>
+              </a:rPr>
+              <a:t>DIN</a:t>
+            </a:r>
+          </a:p>
+        </p:txBody>
+      </p:sp>
+      <p:sp>
+        <p:nvSpPr>
+          <p:cNvPr id="141" name="Rectangle 140"/>
+          <p:cNvSpPr/>
+          <p:nvPr/>
+        </p:nvSpPr>
+        <p:spPr>
+          <a:xfrm>
+            <a:off x="8991600" y="457200"/>
+            <a:ext cx="457200" cy="152400"/>
+          </a:xfrm>
+          <a:prstGeom prst="rect">
+            <a:avLst/>
+          </a:prstGeom>
+          <a:noFill/>
+          <a:ln>
+            <a:noFill/>
+          </a:ln>
+        </p:spPr>
+        <p:style>
+          <a:lnRef idx="2">
+            <a:schemeClr val="accent1">
+              <a:shade val="50000"/>
+            </a:schemeClr>
+          </a:lnRef>
+          <a:fillRef idx="1">
+            <a:schemeClr val="accent1"/>
+          </a:fillRef>
+          <a:effectRef idx="0">
+            <a:schemeClr val="accent1"/>
+          </a:effectRef>
+          <a:fontRef idx="minor">
+            <a:schemeClr val="lt1"/>
+          </a:fontRef>
+        </p:style>
+        <p:txBody>
+          <a:bodyPr wrap="none" lIns="45720" rIns="45720" rtlCol="0" anchor="ctr"/>
+          <a:lstStyle/>
+          <a:p>
+            <a:r>
+              <a:rPr lang="en-US" sz="900" dirty="0">
+                <a:solidFill>
+                  <a:srgbClr val="000000"/>
+                </a:solidFill>
+                <a:latin typeface="Courier New" panose="02070309020205020404" pitchFamily="49" charset="0"/>
+                <a:cs typeface="Courier New" panose="02070309020205020404" pitchFamily="49" charset="0"/>
+              </a:rPr>
+              <a:t>i_lvds1</a:t>
+            </a:r>
+          </a:p>
+        </p:txBody>
+      </p:sp>
+      <p:sp>
+        <p:nvSpPr>
+          <p:cNvPr id="142" name="Rectangle 141"/>
+          <p:cNvSpPr/>
+          <p:nvPr/>
+        </p:nvSpPr>
+        <p:spPr>
+          <a:xfrm>
+            <a:off x="9906000" y="1447800"/>
+            <a:ext cx="457200" cy="152400"/>
+          </a:xfrm>
+          <a:prstGeom prst="rect">
+            <a:avLst/>
+          </a:prstGeom>
+          <a:noFill/>
+          <a:ln>
+            <a:noFill/>
+          </a:ln>
+        </p:spPr>
+        <p:style>
+          <a:lnRef idx="2">
+            <a:schemeClr val="accent1">
+              <a:shade val="50000"/>
+            </a:schemeClr>
+          </a:lnRef>
+          <a:fillRef idx="1">
+            <a:schemeClr val="accent1"/>
+          </a:fillRef>
+          <a:effectRef idx="0">
+            <a:schemeClr val="accent1"/>
+          </a:effectRef>
+          <a:fontRef idx="minor">
+            <a:schemeClr val="lt1"/>
+          </a:fontRef>
+        </p:style>
+        <p:txBody>
+          <a:bodyPr wrap="none" lIns="45720" rIns="45720" rtlCol="0" anchor="ctr"/>
+          <a:lstStyle/>
+          <a:p>
+            <a:pPr algn="r"/>
+            <a:r>
+              <a:rPr lang="en-US" sz="900" dirty="0">
+                <a:solidFill>
+                  <a:srgbClr val="000000"/>
+                </a:solidFill>
+                <a:latin typeface="Courier New" panose="02070309020205020404" pitchFamily="49" charset="0"/>
+                <a:cs typeface="Courier New" panose="02070309020205020404" pitchFamily="49" charset="0"/>
+              </a:rPr>
+              <a:t>ERR_CNT</a:t>
+            </a:r>
+          </a:p>
+        </p:txBody>
+      </p:sp>
+      <p:sp>
+        <p:nvSpPr>
+          <p:cNvPr id="144" name="Rectangle 143"/>
+          <p:cNvSpPr/>
+          <p:nvPr/>
+        </p:nvSpPr>
+        <p:spPr>
+          <a:xfrm>
+            <a:off x="9906000" y="838200"/>
+            <a:ext cx="457200" cy="152400"/>
+          </a:xfrm>
+          <a:prstGeom prst="rect">
+            <a:avLst/>
+          </a:prstGeom>
+          <a:noFill/>
+          <a:ln>
+            <a:noFill/>
+          </a:ln>
+        </p:spPr>
+        <p:style>
+          <a:lnRef idx="2">
+            <a:schemeClr val="accent1">
+              <a:shade val="50000"/>
+            </a:schemeClr>
+          </a:lnRef>
+          <a:fillRef idx="1">
+            <a:schemeClr val="accent1"/>
+          </a:fillRef>
+          <a:effectRef idx="0">
+            <a:schemeClr val="accent1"/>
+          </a:effectRef>
+          <a:fontRef idx="minor">
+            <a:schemeClr val="lt1"/>
+          </a:fontRef>
+        </p:style>
+        <p:txBody>
+          <a:bodyPr wrap="none" lIns="45720" rIns="45720" rtlCol="0" anchor="ctr"/>
+          <a:lstStyle/>
+          <a:p>
+            <a:pPr algn="r"/>
+            <a:r>
+              <a:rPr lang="en-US" sz="900" dirty="0">
+                <a:solidFill>
+                  <a:srgbClr val="000000"/>
+                </a:solidFill>
+                <a:latin typeface="Courier New" panose="02070309020205020404" pitchFamily="49" charset="0"/>
+                <a:cs typeface="Courier New" panose="02070309020205020404" pitchFamily="49" charset="0"/>
+              </a:rPr>
+              <a:t>DOUT</a:t>
+            </a:r>
+          </a:p>
+        </p:txBody>
+      </p:sp>
+      <p:sp>
+        <p:nvSpPr>
+          <p:cNvPr id="145" name="Pentagon 144"/>
+          <p:cNvSpPr/>
+          <p:nvPr/>
+        </p:nvSpPr>
+        <p:spPr>
+          <a:xfrm>
+            <a:off x="12496800" y="838200"/>
+            <a:ext cx="228600" cy="152400"/>
+          </a:xfrm>
+          <a:prstGeom prst="homePlate">
+            <a:avLst/>
+          </a:prstGeom>
+          <a:noFill/>
+          <a:ln w="12700">
+            <a:solidFill>
+              <a:schemeClr val="tx1"/>
+            </a:solidFill>
+          </a:ln>
+        </p:spPr>
+        <p:style>
+          <a:lnRef idx="2">
+            <a:schemeClr val="accent1">
+              <a:shade val="50000"/>
+            </a:schemeClr>
+          </a:lnRef>
+          <a:fillRef idx="1">
+            <a:schemeClr val="accent1"/>
+          </a:fillRef>
+          <a:effectRef idx="0">
+            <a:schemeClr val="accent1"/>
+          </a:effectRef>
+          <a:fontRef idx="minor">
+            <a:schemeClr val="lt1"/>
+          </a:fontRef>
+        </p:style>
+        <p:txBody>
+          <a:bodyPr rot="0" spcFirstLastPara="0" vertOverflow="overflow" horzOverflow="overflow" vert="horz" wrap="square" lIns="91440" tIns="45720" rIns="91440" bIns="45720" numCol="1" spcCol="0" rtlCol="0" fromWordArt="0" anchor="ctr" anchorCtr="0" forceAA="0" compatLnSpc="1">
+            <a:prstTxWarp prst="textNoShape">
+              <a:avLst/>
+            </a:prstTxWarp>
+            <a:noAutofit/>
+          </a:bodyPr>
+          <a:lstStyle/>
+          <a:p>
+            <a:pPr algn="ctr"/>
+            <a:endParaRPr lang="en-US" sz="3730"/>
+          </a:p>
+        </p:txBody>
+      </p:sp>
+      <p:cxnSp>
+        <p:nvCxnSpPr>
+          <p:cNvPr id="146" name="Straight Connector 145"/>
+          <p:cNvCxnSpPr>
+            <a:stCxn id="145" idx="1"/>
+            <a:endCxn id="144" idx="3"/>
+          </p:cNvCxnSpPr>
+          <p:nvPr/>
+        </p:nvCxnSpPr>
+        <p:spPr>
+          <a:xfrm flipH="1">
+            <a:off x="10363200" y="914400"/>
+            <a:ext cx="2133600" cy="0"/>
+          </a:xfrm>
+          <a:prstGeom prst="line">
+            <a:avLst/>
+          </a:prstGeom>
+          <a:ln w="12700">
+            <a:solidFill>
+              <a:srgbClr val="000000"/>
+            </a:solidFill>
+            <a:headEnd type="none" w="med" len="med"/>
+            <a:tailEnd type="none" w="med" len="med"/>
+          </a:ln>
+        </p:spPr>
+        <p:style>
+          <a:lnRef idx="1">
+            <a:schemeClr val="accent1"/>
+          </a:lnRef>
+          <a:fillRef idx="0">
+            <a:schemeClr val="accent1"/>
+          </a:fillRef>
+          <a:effectRef idx="0">
+            <a:schemeClr val="accent1"/>
+          </a:effectRef>
+          <a:fontRef idx="minor">
+            <a:schemeClr val="tx1"/>
+          </a:fontRef>
+        </p:style>
+      </p:cxnSp>
+      <p:cxnSp>
+        <p:nvCxnSpPr>
+          <p:cNvPr id="147" name="Straight Connector 146"/>
+          <p:cNvCxnSpPr/>
+          <p:nvPr/>
+        </p:nvCxnSpPr>
+        <p:spPr>
+          <a:xfrm flipV="1">
+            <a:off x="12268200" y="838200"/>
+            <a:ext cx="152400" cy="152400"/>
+          </a:xfrm>
+          <a:prstGeom prst="line">
+            <a:avLst/>
+          </a:prstGeom>
+          <a:ln w="12700">
+            <a:solidFill>
+              <a:srgbClr val="000000"/>
+            </a:solidFill>
+            <a:headEnd type="none" w="med" len="med"/>
+            <a:tailEnd type="none" w="med" len="med"/>
+          </a:ln>
+        </p:spPr>
+        <p:style>
+          <a:lnRef idx="1">
+            <a:schemeClr val="accent1"/>
+          </a:lnRef>
+          <a:fillRef idx="0">
+            <a:schemeClr val="accent1"/>
+          </a:fillRef>
+          <a:effectRef idx="0">
+            <a:schemeClr val="accent1"/>
+          </a:effectRef>
+          <a:fontRef idx="minor">
+            <a:schemeClr val="tx1"/>
+          </a:fontRef>
+        </p:style>
+      </p:cxnSp>
+      <p:sp>
+        <p:nvSpPr>
+          <p:cNvPr id="148" name="Rectangle 147"/>
+          <p:cNvSpPr/>
+          <p:nvPr/>
+        </p:nvSpPr>
+        <p:spPr>
+          <a:xfrm>
+            <a:off x="12268200" y="762000"/>
+            <a:ext cx="152400" cy="76200"/>
+          </a:xfrm>
+          <a:prstGeom prst="rect">
+            <a:avLst/>
+          </a:prstGeom>
+          <a:noFill/>
+          <a:ln>
+            <a:noFill/>
+          </a:ln>
+        </p:spPr>
+        <p:style>
+          <a:lnRef idx="2">
+            <a:schemeClr val="accent1">
+              <a:shade val="50000"/>
+            </a:schemeClr>
+          </a:lnRef>
+          <a:fillRef idx="1">
+            <a:schemeClr val="accent1"/>
+          </a:fillRef>
+          <a:effectRef idx="0">
+            <a:schemeClr val="accent1"/>
+          </a:effectRef>
+          <a:fontRef idx="minor">
+            <a:schemeClr val="lt1"/>
+          </a:fontRef>
+        </p:style>
+        <p:txBody>
+          <a:bodyPr wrap="none" lIns="45720" rIns="45720" rtlCol="0" anchor="ctr"/>
+          <a:lstStyle/>
+          <a:p>
+            <a:pPr algn="ctr"/>
+            <a:r>
+              <a:rPr lang="en-US" sz="900" dirty="0">
+                <a:solidFill>
+                  <a:srgbClr val="000000"/>
+                </a:solidFill>
+                <a:latin typeface="Courier New" panose="02070309020205020404" pitchFamily="49" charset="0"/>
+                <a:cs typeface="Courier New" panose="02070309020205020404" pitchFamily="49" charset="0"/>
+              </a:rPr>
+              <a:t>2</a:t>
+            </a:r>
+          </a:p>
+        </p:txBody>
+      </p:sp>
+      <p:sp>
+        <p:nvSpPr>
+          <p:cNvPr id="149" name="Rectangle 148"/>
+          <p:cNvSpPr/>
+          <p:nvPr/>
+        </p:nvSpPr>
+        <p:spPr>
+          <a:xfrm>
+            <a:off x="11430000" y="762000"/>
+            <a:ext cx="457200" cy="152400"/>
+          </a:xfrm>
+          <a:prstGeom prst="rect">
+            <a:avLst/>
+          </a:prstGeom>
+          <a:noFill/>
+          <a:ln>
+            <a:noFill/>
+          </a:ln>
+        </p:spPr>
+        <p:style>
+          <a:lnRef idx="2">
+            <a:schemeClr val="accent1">
+              <a:shade val="50000"/>
+            </a:schemeClr>
+          </a:lnRef>
+          <a:fillRef idx="1">
+            <a:schemeClr val="accent1"/>
+          </a:fillRef>
+          <a:effectRef idx="0">
+            <a:schemeClr val="accent1"/>
+          </a:effectRef>
+          <a:fontRef idx="minor">
+            <a:schemeClr val="lt1"/>
+          </a:fontRef>
+        </p:style>
+        <p:txBody>
+          <a:bodyPr wrap="none" lIns="45720" rIns="45720" rtlCol="0" anchor="ctr"/>
+          <a:lstStyle/>
+          <a:p>
+            <a:r>
+              <a:rPr lang="en-US" sz="900" dirty="0">
+                <a:solidFill>
+                  <a:srgbClr val="000000"/>
+                </a:solidFill>
+                <a:latin typeface="Courier New" panose="02070309020205020404" pitchFamily="49" charset="0"/>
+                <a:cs typeface="Courier New" panose="02070309020205020404" pitchFamily="49" charset="0"/>
+              </a:rPr>
+              <a:t>DOUT</a:t>
+            </a:r>
+          </a:p>
+        </p:txBody>
+      </p:sp>
+      <p:sp>
+        <p:nvSpPr>
+          <p:cNvPr id="150" name="Pentagon 149"/>
+          <p:cNvSpPr/>
+          <p:nvPr/>
+        </p:nvSpPr>
+        <p:spPr>
+          <a:xfrm rot="10800000">
+            <a:off x="12496800" y="1143000"/>
+            <a:ext cx="228600" cy="152400"/>
+          </a:xfrm>
+          <a:prstGeom prst="homePlate">
+            <a:avLst/>
+          </a:prstGeom>
+          <a:noFill/>
+          <a:ln w="12700">
+            <a:solidFill>
+              <a:schemeClr val="tx1"/>
+            </a:solidFill>
+          </a:ln>
+        </p:spPr>
+        <p:style>
+          <a:lnRef idx="2">
+            <a:schemeClr val="accent1">
+              <a:shade val="50000"/>
+            </a:schemeClr>
+          </a:lnRef>
+          <a:fillRef idx="1">
+            <a:schemeClr val="accent1"/>
+          </a:fillRef>
+          <a:effectRef idx="0">
+            <a:schemeClr val="accent1"/>
+          </a:effectRef>
+          <a:fontRef idx="minor">
+            <a:schemeClr val="lt1"/>
+          </a:fontRef>
+        </p:style>
+        <p:txBody>
+          <a:bodyPr rot="0" spcFirstLastPara="0" vertOverflow="overflow" horzOverflow="overflow" vert="horz" wrap="square" lIns="91440" tIns="45720" rIns="91440" bIns="45720" numCol="1" spcCol="0" rtlCol="0" fromWordArt="0" anchor="ctr" anchorCtr="0" forceAA="0" compatLnSpc="1">
+            <a:prstTxWarp prst="textNoShape">
+              <a:avLst/>
+            </a:prstTxWarp>
+            <a:noAutofit/>
+          </a:bodyPr>
+          <a:lstStyle/>
+          <a:p>
+            <a:pPr algn="ctr"/>
+            <a:endParaRPr lang="en-US" sz="3730"/>
+          </a:p>
+        </p:txBody>
+      </p:sp>
+      <p:cxnSp>
+        <p:nvCxnSpPr>
+          <p:cNvPr id="151" name="Straight Connector 150"/>
+          <p:cNvCxnSpPr>
+            <a:stCxn id="150" idx="3"/>
+          </p:cNvCxnSpPr>
+          <p:nvPr/>
+        </p:nvCxnSpPr>
+        <p:spPr>
+          <a:xfrm flipH="1">
+            <a:off x="10363200" y="1219200"/>
+            <a:ext cx="2133600" cy="0"/>
+          </a:xfrm>
+          <a:prstGeom prst="line">
+            <a:avLst/>
+          </a:prstGeom>
+          <a:ln w="12700">
+            <a:solidFill>
+              <a:srgbClr val="000000"/>
+            </a:solidFill>
+            <a:headEnd type="none" w="med" len="med"/>
+            <a:tailEnd type="none" w="med" len="med"/>
+          </a:ln>
+        </p:spPr>
+        <p:style>
+          <a:lnRef idx="1">
+            <a:schemeClr val="accent1"/>
+          </a:lnRef>
+          <a:fillRef idx="0">
+            <a:schemeClr val="accent1"/>
+          </a:fillRef>
+          <a:effectRef idx="0">
+            <a:schemeClr val="accent1"/>
+          </a:effectRef>
+          <a:fontRef idx="minor">
+            <a:schemeClr val="tx1"/>
+          </a:fontRef>
+        </p:style>
+      </p:cxnSp>
+      <p:cxnSp>
+        <p:nvCxnSpPr>
+          <p:cNvPr id="152" name="Straight Connector 151"/>
+          <p:cNvCxnSpPr/>
+          <p:nvPr/>
+        </p:nvCxnSpPr>
+        <p:spPr>
+          <a:xfrm flipV="1">
+            <a:off x="12268200" y="1143000"/>
+            <a:ext cx="152400" cy="152400"/>
+          </a:xfrm>
+          <a:prstGeom prst="line">
+            <a:avLst/>
+          </a:prstGeom>
+          <a:ln w="12700">
+            <a:solidFill>
+              <a:srgbClr val="000000"/>
+            </a:solidFill>
+            <a:headEnd type="none" w="med" len="med"/>
+            <a:tailEnd type="none" w="med" len="med"/>
+          </a:ln>
+        </p:spPr>
+        <p:style>
+          <a:lnRef idx="1">
+            <a:schemeClr val="accent1"/>
+          </a:lnRef>
+          <a:fillRef idx="0">
+            <a:schemeClr val="accent1"/>
+          </a:fillRef>
+          <a:effectRef idx="0">
+            <a:schemeClr val="accent1"/>
+          </a:effectRef>
+          <a:fontRef idx="minor">
+            <a:schemeClr val="tx1"/>
+          </a:fontRef>
+        </p:style>
+      </p:cxnSp>
+      <p:sp>
+        <p:nvSpPr>
+          <p:cNvPr id="153" name="Rectangle 152"/>
+          <p:cNvSpPr/>
+          <p:nvPr/>
+        </p:nvSpPr>
+        <p:spPr>
+          <a:xfrm>
+            <a:off x="12268200" y="1066800"/>
+            <a:ext cx="152400" cy="76200"/>
+          </a:xfrm>
+          <a:prstGeom prst="rect">
+            <a:avLst/>
+          </a:prstGeom>
+          <a:noFill/>
+          <a:ln>
+            <a:noFill/>
+          </a:ln>
+        </p:spPr>
+        <p:style>
+          <a:lnRef idx="2">
+            <a:schemeClr val="accent1">
+              <a:shade val="50000"/>
+            </a:schemeClr>
+          </a:lnRef>
+          <a:fillRef idx="1">
+            <a:schemeClr val="accent1"/>
+          </a:fillRef>
+          <a:effectRef idx="0">
+            <a:schemeClr val="accent1"/>
+          </a:effectRef>
+          <a:fontRef idx="minor">
+            <a:schemeClr val="lt1"/>
+          </a:fontRef>
+        </p:style>
+        <p:txBody>
+          <a:bodyPr wrap="none" lIns="45720" rIns="45720" rtlCol="0" anchor="ctr"/>
+          <a:lstStyle/>
+          <a:p>
+            <a:pPr algn="ctr"/>
+            <a:r>
+              <a:rPr lang="en-US" sz="900" dirty="0">
+                <a:solidFill>
+                  <a:srgbClr val="000000"/>
+                </a:solidFill>
+                <a:latin typeface="Courier New" panose="02070309020205020404" pitchFamily="49" charset="0"/>
+                <a:cs typeface="Courier New" panose="02070309020205020404" pitchFamily="49" charset="0"/>
+              </a:rPr>
+              <a:t>2</a:t>
+            </a:r>
+          </a:p>
+        </p:txBody>
+      </p:sp>
+      <p:sp>
+        <p:nvSpPr>
+          <p:cNvPr id="154" name="Rectangle 153"/>
+          <p:cNvSpPr/>
+          <p:nvPr/>
+        </p:nvSpPr>
+        <p:spPr>
+          <a:xfrm>
+            <a:off x="11430000" y="1066800"/>
+            <a:ext cx="457200" cy="152400"/>
+          </a:xfrm>
+          <a:prstGeom prst="rect">
+            <a:avLst/>
+          </a:prstGeom>
+          <a:noFill/>
+          <a:ln>
+            <a:noFill/>
+          </a:ln>
+        </p:spPr>
+        <p:style>
+          <a:lnRef idx="2">
+            <a:schemeClr val="accent1">
+              <a:shade val="50000"/>
+            </a:schemeClr>
+          </a:lnRef>
+          <a:fillRef idx="1">
+            <a:schemeClr val="accent1"/>
+          </a:fillRef>
+          <a:effectRef idx="0">
+            <a:schemeClr val="accent1"/>
+          </a:effectRef>
+          <a:fontRef idx="minor">
+            <a:schemeClr val="lt1"/>
+          </a:fontRef>
+        </p:style>
+        <p:txBody>
+          <a:bodyPr wrap="none" lIns="45720" rIns="45720" rtlCol="0" anchor="ctr"/>
+          <a:lstStyle/>
+          <a:p>
+            <a:r>
+              <a:rPr lang="en-US" sz="900" dirty="0">
+                <a:solidFill>
+                  <a:srgbClr val="000000"/>
+                </a:solidFill>
+                <a:latin typeface="Courier New" panose="02070309020205020404" pitchFamily="49" charset="0"/>
+                <a:cs typeface="Courier New" panose="02070309020205020404" pitchFamily="49" charset="0"/>
+              </a:rPr>
+              <a:t>DIN</a:t>
+            </a:r>
+          </a:p>
+        </p:txBody>
+      </p:sp>
+      <p:cxnSp>
+        <p:nvCxnSpPr>
+          <p:cNvPr id="157" name="Straight Connector 156"/>
+          <p:cNvCxnSpPr/>
+          <p:nvPr/>
+        </p:nvCxnSpPr>
+        <p:spPr>
+          <a:xfrm flipH="1">
+            <a:off x="10363200" y="1524000"/>
+            <a:ext cx="609600" cy="0"/>
+          </a:xfrm>
+          <a:prstGeom prst="line">
+            <a:avLst/>
+          </a:prstGeom>
+          <a:ln w="12700">
+            <a:solidFill>
+              <a:srgbClr val="000000"/>
+            </a:solidFill>
+            <a:headEnd type="none" w="med" len="med"/>
+            <a:tailEnd type="none" w="med" len="med"/>
+          </a:ln>
+        </p:spPr>
+        <p:style>
+          <a:lnRef idx="1">
+            <a:schemeClr val="accent1"/>
+          </a:lnRef>
+          <a:fillRef idx="0">
+            <a:schemeClr val="accent1"/>
+          </a:fillRef>
+          <a:effectRef idx="0">
+            <a:schemeClr val="accent1"/>
+          </a:effectRef>
+          <a:fontRef idx="minor">
+            <a:schemeClr val="tx1"/>
+          </a:fontRef>
+        </p:style>
+      </p:cxnSp>
+      <p:cxnSp>
+        <p:nvCxnSpPr>
+          <p:cNvPr id="159" name="Straight Connector 158"/>
+          <p:cNvCxnSpPr/>
+          <p:nvPr/>
+        </p:nvCxnSpPr>
+        <p:spPr>
+          <a:xfrm flipH="1">
+            <a:off x="10896600" y="1447800"/>
+            <a:ext cx="152400" cy="152400"/>
+          </a:xfrm>
+          <a:prstGeom prst="line">
+            <a:avLst/>
+          </a:prstGeom>
+          <a:ln w="12700">
+            <a:solidFill>
+              <a:srgbClr val="000000"/>
+            </a:solidFill>
+            <a:headEnd type="none" w="med" len="med"/>
+            <a:tailEnd type="none" w="med" len="med"/>
+          </a:ln>
+        </p:spPr>
+        <p:style>
+          <a:lnRef idx="1">
+            <a:schemeClr val="accent1"/>
+          </a:lnRef>
+          <a:fillRef idx="0">
+            <a:schemeClr val="accent1"/>
+          </a:fillRef>
+          <a:effectRef idx="0">
+            <a:schemeClr val="accent1"/>
+          </a:effectRef>
+          <a:fontRef idx="minor">
+            <a:schemeClr val="tx1"/>
+          </a:fontRef>
+        </p:style>
+      </p:cxnSp>
+      <p:cxnSp>
+        <p:nvCxnSpPr>
+          <p:cNvPr id="161" name="Straight Connector 160"/>
+          <p:cNvCxnSpPr/>
+          <p:nvPr/>
+        </p:nvCxnSpPr>
+        <p:spPr>
+          <a:xfrm flipH="1" flipV="1">
+            <a:off x="10896600" y="1447800"/>
+            <a:ext cx="152400" cy="152400"/>
+          </a:xfrm>
+          <a:prstGeom prst="line">
+            <a:avLst/>
+          </a:prstGeom>
+          <a:ln w="12700">
+            <a:solidFill>
+              <a:srgbClr val="000000"/>
+            </a:solidFill>
+            <a:headEnd type="none" w="med" len="med"/>
+            <a:tailEnd type="none" w="med" len="med"/>
+          </a:ln>
+        </p:spPr>
+        <p:style>
+          <a:lnRef idx="1">
+            <a:schemeClr val="accent1"/>
+          </a:lnRef>
+          <a:fillRef idx="0">
+            <a:schemeClr val="accent1"/>
+          </a:fillRef>
+          <a:effectRef idx="0">
+            <a:schemeClr val="accent1"/>
+          </a:effectRef>
+          <a:fontRef idx="minor">
+            <a:schemeClr val="tx1"/>
+          </a:fontRef>
+        </p:style>
+      </p:cxnSp>
+      <p:sp>
+        <p:nvSpPr>
+          <p:cNvPr id="163" name="Rectangle 162"/>
+          <p:cNvSpPr/>
+          <p:nvPr/>
+        </p:nvSpPr>
+        <p:spPr>
+          <a:xfrm>
+            <a:off x="8991600" y="2286000"/>
+            <a:ext cx="457200" cy="152400"/>
+          </a:xfrm>
+          <a:prstGeom prst="rect">
+            <a:avLst/>
+          </a:prstGeom>
+          <a:noFill/>
+          <a:ln>
+            <a:noFill/>
+          </a:ln>
+        </p:spPr>
+        <p:style>
+          <a:lnRef idx="2">
+            <a:schemeClr val="accent1">
+              <a:shade val="50000"/>
+            </a:schemeClr>
+          </a:lnRef>
+          <a:fillRef idx="1">
+            <a:schemeClr val="accent1"/>
+          </a:fillRef>
+          <a:effectRef idx="0">
+            <a:schemeClr val="accent1"/>
+          </a:effectRef>
+          <a:fontRef idx="minor">
+            <a:schemeClr val="lt1"/>
+          </a:fontRef>
+        </p:style>
+        <p:txBody>
+          <a:bodyPr wrap="none" lIns="45720" rIns="45720" rtlCol="0" anchor="ctr"/>
+          <a:lstStyle/>
+          <a:p>
+            <a:r>
+              <a:rPr lang="en-US" sz="900" dirty="0" smtClean="0">
+                <a:solidFill>
+                  <a:srgbClr val="000000"/>
+                </a:solidFill>
+                <a:latin typeface="Courier New" panose="02070309020205020404" pitchFamily="49" charset="0"/>
+                <a:cs typeface="Courier New" panose="02070309020205020404" pitchFamily="49" charset="0"/>
+              </a:rPr>
+              <a:t>CLKD</a:t>
+            </a:r>
+            <a:endParaRPr lang="en-US" sz="900" dirty="0">
+              <a:solidFill>
+                <a:srgbClr val="000000"/>
+              </a:solidFill>
+              <a:latin typeface="Courier New" panose="02070309020205020404" pitchFamily="49" charset="0"/>
+              <a:cs typeface="Courier New" panose="02070309020205020404" pitchFamily="49" charset="0"/>
+            </a:endParaRPr>
+          </a:p>
+        </p:txBody>
+      </p:sp>
+      <p:cxnSp>
+        <p:nvCxnSpPr>
+          <p:cNvPr id="164" name="Straight Connector 163"/>
+          <p:cNvCxnSpPr/>
+          <p:nvPr/>
+        </p:nvCxnSpPr>
+        <p:spPr>
+          <a:xfrm flipH="1" flipV="1">
+            <a:off x="8991600" y="2362200"/>
+            <a:ext cx="76200" cy="76200"/>
+          </a:xfrm>
+          <a:prstGeom prst="line">
+            <a:avLst/>
+          </a:prstGeom>
+          <a:ln w="12700">
+            <a:solidFill>
+              <a:srgbClr val="000000"/>
+            </a:solidFill>
+            <a:headEnd type="none" w="med" len="med"/>
+            <a:tailEnd type="none" w="med" len="med"/>
+          </a:ln>
+        </p:spPr>
+        <p:style>
+          <a:lnRef idx="1">
+            <a:schemeClr val="accent1"/>
+          </a:lnRef>
+          <a:fillRef idx="0">
+            <a:schemeClr val="accent1"/>
+          </a:fillRef>
+          <a:effectRef idx="0">
+            <a:schemeClr val="accent1"/>
+          </a:effectRef>
+          <a:fontRef idx="minor">
+            <a:schemeClr val="tx1"/>
+          </a:fontRef>
+        </p:style>
+      </p:cxnSp>
+      <p:cxnSp>
+        <p:nvCxnSpPr>
+          <p:cNvPr id="165" name="Straight Connector 164"/>
+          <p:cNvCxnSpPr/>
+          <p:nvPr/>
+        </p:nvCxnSpPr>
+        <p:spPr>
+          <a:xfrm flipH="1">
+            <a:off x="8991600" y="2438400"/>
+            <a:ext cx="76200" cy="76200"/>
+          </a:xfrm>
+          <a:prstGeom prst="line">
+            <a:avLst/>
+          </a:prstGeom>
+          <a:ln w="12700">
+            <a:solidFill>
+              <a:srgbClr val="000000"/>
+            </a:solidFill>
+            <a:headEnd type="none" w="med" len="med"/>
+            <a:tailEnd type="none" w="med" len="med"/>
+          </a:ln>
+        </p:spPr>
+        <p:style>
+          <a:lnRef idx="1">
+            <a:schemeClr val="accent1"/>
+          </a:lnRef>
+          <a:fillRef idx="0">
+            <a:schemeClr val="accent1"/>
+          </a:fillRef>
+          <a:effectRef idx="0">
+            <a:schemeClr val="accent1"/>
+          </a:effectRef>
+          <a:fontRef idx="minor">
+            <a:schemeClr val="tx1"/>
+          </a:fontRef>
+        </p:style>
+      </p:cxnSp>
+      <p:sp>
+        <p:nvSpPr>
+          <p:cNvPr id="166" name="Rectangle 165"/>
+          <p:cNvSpPr/>
+          <p:nvPr/>
+        </p:nvSpPr>
+        <p:spPr>
+          <a:xfrm>
+            <a:off x="8991600" y="2057400"/>
+            <a:ext cx="457200" cy="152400"/>
+          </a:xfrm>
+          <a:prstGeom prst="rect">
+            <a:avLst/>
+          </a:prstGeom>
+          <a:noFill/>
+          <a:ln>
+            <a:noFill/>
+          </a:ln>
+        </p:spPr>
+        <p:style>
+          <a:lnRef idx="2">
+            <a:schemeClr val="accent1">
+              <a:shade val="50000"/>
+            </a:schemeClr>
+          </a:lnRef>
+          <a:fillRef idx="1">
+            <a:schemeClr val="accent1"/>
+          </a:fillRef>
+          <a:effectRef idx="0">
+            <a:schemeClr val="accent1"/>
+          </a:effectRef>
+          <a:fontRef idx="minor">
+            <a:schemeClr val="lt1"/>
+          </a:fontRef>
+        </p:style>
+        <p:txBody>
+          <a:bodyPr wrap="none" lIns="45720" rIns="45720" rtlCol="0" anchor="ctr"/>
+          <a:lstStyle/>
+          <a:p>
+            <a:r>
+              <a:rPr lang="en-US" sz="900" dirty="0" smtClean="0">
+                <a:solidFill>
+                  <a:srgbClr val="000000"/>
+                </a:solidFill>
+                <a:latin typeface="Courier New" panose="02070309020205020404" pitchFamily="49" charset="0"/>
+                <a:cs typeface="Courier New" panose="02070309020205020404" pitchFamily="49" charset="0"/>
+              </a:rPr>
+              <a:t>RSTXD</a:t>
+            </a:r>
+            <a:endParaRPr lang="en-US" sz="900" dirty="0">
+              <a:solidFill>
+                <a:srgbClr val="000000"/>
+              </a:solidFill>
+              <a:latin typeface="Courier New" panose="02070309020205020404" pitchFamily="49" charset="0"/>
+              <a:cs typeface="Courier New" panose="02070309020205020404" pitchFamily="49" charset="0"/>
+            </a:endParaRPr>
+          </a:p>
+        </p:txBody>
+      </p:sp>
+      <p:sp>
+        <p:nvSpPr>
+          <p:cNvPr id="167" name="Rectangle 166"/>
+          <p:cNvSpPr/>
+          <p:nvPr/>
+        </p:nvSpPr>
+        <p:spPr>
+          <a:xfrm>
+            <a:off x="8991600" y="2895600"/>
             <a:ext cx="457200" cy="152400"/>
           </a:xfrm>
           <a:prstGeom prst="rect">
@@ -8025,13 +10824,13 @@
       </p:sp>
       <p:cxnSp>
         <p:nvCxnSpPr>
-          <p:cNvPr id="889" name="Straight Connector 888"/>
+          <p:cNvPr id="168" name="Straight Connector 167"/>
           <p:cNvCxnSpPr/>
           <p:nvPr/>
         </p:nvCxnSpPr>
         <p:spPr>
           <a:xfrm flipH="1" flipV="1">
-            <a:off x="8991600" y="7162800"/>
+            <a:off x="8991600" y="2971800"/>
             <a:ext cx="76200" cy="76200"/>
           </a:xfrm>
           <a:prstGeom prst="line">
@@ -8062,13 +10861,13 @@
       </p:cxnSp>
       <p:cxnSp>
         <p:nvCxnSpPr>
-          <p:cNvPr id="890" name="Straight Connector 889"/>
+          <p:cNvPr id="169" name="Straight Connector 168"/>
           <p:cNvCxnSpPr/>
           <p:nvPr/>
         </p:nvCxnSpPr>
         <p:spPr>
           <a:xfrm flipH="1">
-            <a:off x="8991600" y="7239000"/>
+            <a:off x="8991600" y="3048000"/>
             <a:ext cx="76200" cy="76200"/>
           </a:xfrm>
           <a:prstGeom prst="line">
@@ -8099,1344 +10898,13 @@
       </p:cxnSp>
       <p:sp>
         <p:nvSpPr>
-          <p:cNvPr id="894" name="Pentagon 893"/>
+          <p:cNvPr id="170" name="Rectangle 169"/>
           <p:cNvSpPr/>
           <p:nvPr/>
         </p:nvSpPr>
         <p:spPr>
           <a:xfrm>
-            <a:off x="228600" y="8534400"/>
-            <a:ext cx="228600" cy="152400"/>
-          </a:xfrm>
-          <a:prstGeom prst="homePlate">
-            <a:avLst/>
-          </a:prstGeom>
-          <a:noFill/>
-          <a:ln w="12700">
-            <a:solidFill>
-              <a:schemeClr val="tx1"/>
-            </a:solidFill>
-          </a:ln>
-        </p:spPr>
-        <p:style>
-          <a:lnRef idx="2">
-            <a:schemeClr val="accent1">
-              <a:shade val="50000"/>
-            </a:schemeClr>
-          </a:lnRef>
-          <a:fillRef idx="1">
-            <a:schemeClr val="accent1"/>
-          </a:fillRef>
-          <a:effectRef idx="0">
-            <a:schemeClr val="accent1"/>
-          </a:effectRef>
-          <a:fontRef idx="minor">
-            <a:schemeClr val="lt1"/>
-          </a:fontRef>
-        </p:style>
-        <p:txBody>
-          <a:bodyPr rot="0" spcFirstLastPara="0" vertOverflow="overflow" horzOverflow="overflow" vert="horz" wrap="square" lIns="91440" tIns="45720" rIns="91440" bIns="45720" numCol="1" spcCol="0" rtlCol="0" fromWordArt="0" anchor="ctr" anchorCtr="0" forceAA="0" compatLnSpc="1">
-            <a:prstTxWarp prst="textNoShape">
-              <a:avLst/>
-            </a:prstTxWarp>
-            <a:noAutofit/>
-          </a:bodyPr>
-          <a:lstStyle/>
-          <a:p>
-            <a:pPr algn="ctr"/>
-            <a:endParaRPr lang="en-US" sz="3730"/>
-          </a:p>
-        </p:txBody>
-      </p:sp>
-      <p:cxnSp>
-        <p:nvCxnSpPr>
-          <p:cNvPr id="895" name="Straight Connector 894"/>
-          <p:cNvCxnSpPr/>
-          <p:nvPr/>
-        </p:nvCxnSpPr>
-        <p:spPr>
-          <a:xfrm flipV="1">
-            <a:off x="533400" y="8534400"/>
-            <a:ext cx="152400" cy="152400"/>
-          </a:xfrm>
-          <a:prstGeom prst="line">
-            <a:avLst/>
-          </a:prstGeom>
-          <a:ln w="12700">
-            <a:solidFill>
-              <a:srgbClr val="000000"/>
-            </a:solidFill>
-            <a:headEnd type="none" w="med" len="med"/>
-            <a:tailEnd type="none" w="med" len="med"/>
-          </a:ln>
-        </p:spPr>
-        <p:style>
-          <a:lnRef idx="1">
-            <a:schemeClr val="accent1"/>
-          </a:lnRef>
-          <a:fillRef idx="0">
-            <a:schemeClr val="accent1"/>
-          </a:fillRef>
-          <a:effectRef idx="0">
-            <a:schemeClr val="accent1"/>
-          </a:effectRef>
-          <a:fontRef idx="minor">
-            <a:schemeClr val="tx1"/>
-          </a:fontRef>
-        </p:style>
-      </p:cxnSp>
-      <p:sp>
-        <p:nvSpPr>
-          <p:cNvPr id="896" name="Rectangle 895"/>
-          <p:cNvSpPr/>
-          <p:nvPr/>
-        </p:nvSpPr>
-        <p:spPr>
-          <a:xfrm>
-            <a:off x="533400" y="8458200"/>
-            <a:ext cx="152400" cy="76200"/>
-          </a:xfrm>
-          <a:prstGeom prst="rect">
-            <a:avLst/>
-          </a:prstGeom>
-          <a:noFill/>
-          <a:ln>
-            <a:noFill/>
-          </a:ln>
-        </p:spPr>
-        <p:style>
-          <a:lnRef idx="2">
-            <a:schemeClr val="accent1">
-              <a:shade val="50000"/>
-            </a:schemeClr>
-          </a:lnRef>
-          <a:fillRef idx="1">
-            <a:schemeClr val="accent1"/>
-          </a:fillRef>
-          <a:effectRef idx="0">
-            <a:schemeClr val="accent1"/>
-          </a:effectRef>
-          <a:fontRef idx="minor">
-            <a:schemeClr val="lt1"/>
-          </a:fontRef>
-        </p:style>
-        <p:txBody>
-          <a:bodyPr wrap="none" lIns="45720" rIns="45720" rtlCol="0" anchor="ctr"/>
-          <a:lstStyle/>
-          <a:p>
-            <a:pPr algn="ctr"/>
-            <a:r>
-              <a:rPr lang="en-US" sz="900" dirty="0">
-                <a:solidFill>
-                  <a:srgbClr val="000000"/>
-                </a:solidFill>
-                <a:latin typeface="Courier New" panose="02070309020205020404" pitchFamily="49" charset="0"/>
-                <a:cs typeface="Courier New" panose="02070309020205020404" pitchFamily="49" charset="0"/>
-              </a:rPr>
-              <a:t>1</a:t>
-            </a:r>
-          </a:p>
-        </p:txBody>
-      </p:sp>
-      <p:cxnSp>
-        <p:nvCxnSpPr>
-          <p:cNvPr id="897" name="Straight Connector 896"/>
-          <p:cNvCxnSpPr>
-            <a:endCxn id="894" idx="3"/>
-          </p:cNvCxnSpPr>
-          <p:nvPr/>
-        </p:nvCxnSpPr>
-        <p:spPr>
-          <a:xfrm flipH="1">
-            <a:off x="457200" y="8610600"/>
-            <a:ext cx="7315200" cy="0"/>
-          </a:xfrm>
-          <a:prstGeom prst="line">
-            <a:avLst/>
-          </a:prstGeom>
-          <a:ln w="12700">
-            <a:solidFill>
-              <a:srgbClr val="000000"/>
-            </a:solidFill>
-            <a:headEnd type="none" w="med" len="med"/>
-            <a:tailEnd type="none" w="med" len="med"/>
-          </a:ln>
-        </p:spPr>
-        <p:style>
-          <a:lnRef idx="1">
-            <a:schemeClr val="accent1"/>
-          </a:lnRef>
-          <a:fillRef idx="0">
-            <a:schemeClr val="accent1"/>
-          </a:fillRef>
-          <a:effectRef idx="0">
-            <a:schemeClr val="accent1"/>
-          </a:effectRef>
-          <a:fontRef idx="minor">
-            <a:schemeClr val="tx1"/>
-          </a:fontRef>
-        </p:style>
-      </p:cxnSp>
-      <p:cxnSp>
-        <p:nvCxnSpPr>
-          <p:cNvPr id="898" name="Straight Connector 897"/>
-          <p:cNvCxnSpPr/>
-          <p:nvPr/>
-        </p:nvCxnSpPr>
-        <p:spPr>
-          <a:xfrm flipH="1">
-            <a:off x="7772400" y="3048000"/>
-            <a:ext cx="1219200" cy="0"/>
-          </a:xfrm>
-          <a:prstGeom prst="line">
-            <a:avLst/>
-          </a:prstGeom>
-          <a:ln w="12700">
-            <a:solidFill>
-              <a:srgbClr val="000000"/>
-            </a:solidFill>
-            <a:headEnd type="none" w="med" len="med"/>
-            <a:tailEnd type="none" w="med" len="med"/>
-          </a:ln>
-        </p:spPr>
-        <p:style>
-          <a:lnRef idx="1">
-            <a:schemeClr val="accent1"/>
-          </a:lnRef>
-          <a:fillRef idx="0">
-            <a:schemeClr val="accent1"/>
-          </a:fillRef>
-          <a:effectRef idx="0">
-            <a:schemeClr val="accent1"/>
-          </a:effectRef>
-          <a:fontRef idx="minor">
-            <a:schemeClr val="tx1"/>
-          </a:fontRef>
-        </p:style>
-      </p:cxnSp>
-      <p:cxnSp>
-        <p:nvCxnSpPr>
-          <p:cNvPr id="899" name="Straight Connector 898"/>
-          <p:cNvCxnSpPr/>
-          <p:nvPr/>
-        </p:nvCxnSpPr>
-        <p:spPr>
-          <a:xfrm>
-            <a:off x="7772400" y="3048000"/>
-            <a:ext cx="0" cy="5562600"/>
-          </a:xfrm>
-          <a:prstGeom prst="line">
-            <a:avLst/>
-          </a:prstGeom>
-          <a:ln w="12700">
-            <a:solidFill>
-              <a:srgbClr val="000000"/>
-            </a:solidFill>
-            <a:headEnd type="none" w="med" len="med"/>
-            <a:tailEnd type="none" w="med" len="med"/>
-          </a:ln>
-        </p:spPr>
-        <p:style>
-          <a:lnRef idx="1">
-            <a:schemeClr val="accent1"/>
-          </a:lnRef>
-          <a:fillRef idx="0">
-            <a:schemeClr val="accent1"/>
-          </a:fillRef>
-          <a:effectRef idx="0">
-            <a:schemeClr val="accent1"/>
-          </a:effectRef>
-          <a:fontRef idx="minor">
-            <a:schemeClr val="tx1"/>
-          </a:fontRef>
-        </p:style>
-      </p:cxnSp>
-      <p:cxnSp>
-        <p:nvCxnSpPr>
-          <p:cNvPr id="900" name="Straight Connector 899"/>
-          <p:cNvCxnSpPr/>
-          <p:nvPr/>
-        </p:nvCxnSpPr>
-        <p:spPr>
-          <a:xfrm flipH="1">
-            <a:off x="4572000" y="7239000"/>
-            <a:ext cx="304800" cy="0"/>
-          </a:xfrm>
-          <a:prstGeom prst="line">
-            <a:avLst/>
-          </a:prstGeom>
-          <a:ln w="12700">
-            <a:solidFill>
-              <a:srgbClr val="000000"/>
-            </a:solidFill>
-            <a:headEnd type="none" w="med" len="med"/>
-            <a:tailEnd type="none" w="med" len="med"/>
-          </a:ln>
-        </p:spPr>
-        <p:style>
-          <a:lnRef idx="1">
-            <a:schemeClr val="accent1"/>
-          </a:lnRef>
-          <a:fillRef idx="0">
-            <a:schemeClr val="accent1"/>
-          </a:fillRef>
-          <a:effectRef idx="0">
-            <a:schemeClr val="accent1"/>
-          </a:effectRef>
-          <a:fontRef idx="minor">
-            <a:schemeClr val="tx1"/>
-          </a:fontRef>
-        </p:style>
-      </p:cxnSp>
-      <p:cxnSp>
-        <p:nvCxnSpPr>
-          <p:cNvPr id="901" name="Straight Connector 900"/>
-          <p:cNvCxnSpPr/>
-          <p:nvPr/>
-        </p:nvCxnSpPr>
-        <p:spPr>
-          <a:xfrm flipV="1">
-            <a:off x="4572000" y="7239000"/>
-            <a:ext cx="0" cy="762000"/>
-          </a:xfrm>
-          <a:prstGeom prst="line">
-            <a:avLst/>
-          </a:prstGeom>
-          <a:ln w="12700">
-            <a:solidFill>
-              <a:srgbClr val="000000"/>
-            </a:solidFill>
-            <a:headEnd type="oval" w="med" len="med"/>
-            <a:tailEnd type="none" w="med" len="med"/>
-          </a:ln>
-        </p:spPr>
-        <p:style>
-          <a:lnRef idx="1">
-            <a:schemeClr val="accent1"/>
-          </a:lnRef>
-          <a:fillRef idx="0">
-            <a:schemeClr val="accent1"/>
-          </a:fillRef>
-          <a:effectRef idx="0">
-            <a:schemeClr val="accent1"/>
-          </a:effectRef>
-          <a:fontRef idx="minor">
-            <a:schemeClr val="tx1"/>
-          </a:fontRef>
-        </p:style>
-      </p:cxnSp>
-      <p:cxnSp>
-        <p:nvCxnSpPr>
-          <p:cNvPr id="902" name="Straight Connector 901"/>
-          <p:cNvCxnSpPr/>
-          <p:nvPr/>
-        </p:nvCxnSpPr>
-        <p:spPr>
-          <a:xfrm flipH="1">
-            <a:off x="1524000" y="5638800"/>
-            <a:ext cx="152400" cy="0"/>
-          </a:xfrm>
-          <a:prstGeom prst="line">
-            <a:avLst/>
-          </a:prstGeom>
-          <a:ln w="12700">
-            <a:solidFill>
-              <a:srgbClr val="000000"/>
-            </a:solidFill>
-            <a:headEnd type="none" w="med" len="med"/>
-            <a:tailEnd type="none" w="med" len="med"/>
-          </a:ln>
-        </p:spPr>
-        <p:style>
-          <a:lnRef idx="1">
-            <a:schemeClr val="accent1"/>
-          </a:lnRef>
-          <a:fillRef idx="0">
-            <a:schemeClr val="accent1"/>
-          </a:fillRef>
-          <a:effectRef idx="0">
-            <a:schemeClr val="accent1"/>
-          </a:effectRef>
-          <a:fontRef idx="minor">
-            <a:schemeClr val="tx1"/>
-          </a:fontRef>
-        </p:style>
-      </p:cxnSp>
-      <p:cxnSp>
-        <p:nvCxnSpPr>
-          <p:cNvPr id="903" name="Straight Connector 902"/>
-          <p:cNvCxnSpPr/>
-          <p:nvPr/>
-        </p:nvCxnSpPr>
-        <p:spPr>
-          <a:xfrm flipV="1">
-            <a:off x="1524000" y="5638800"/>
-            <a:ext cx="0" cy="2971800"/>
-          </a:xfrm>
-          <a:prstGeom prst="line">
-            <a:avLst/>
-          </a:prstGeom>
-          <a:ln w="12700">
-            <a:solidFill>
-              <a:srgbClr val="000000"/>
-            </a:solidFill>
-            <a:headEnd type="oval" w="med" len="med"/>
-            <a:tailEnd type="none" w="med" len="med"/>
-          </a:ln>
-        </p:spPr>
-        <p:style>
-          <a:lnRef idx="1">
-            <a:schemeClr val="accent1"/>
-          </a:lnRef>
-          <a:fillRef idx="0">
-            <a:schemeClr val="accent1"/>
-          </a:fillRef>
-          <a:effectRef idx="0">
-            <a:schemeClr val="accent1"/>
-          </a:effectRef>
-          <a:fontRef idx="minor">
-            <a:schemeClr val="tx1"/>
-          </a:fontRef>
-        </p:style>
-      </p:cxnSp>
-      <p:cxnSp>
-        <p:nvCxnSpPr>
-          <p:cNvPr id="904" name="Straight Connector 903"/>
-          <p:cNvCxnSpPr/>
-          <p:nvPr/>
-        </p:nvCxnSpPr>
-        <p:spPr>
-          <a:xfrm>
-            <a:off x="1524000" y="7467600"/>
-            <a:ext cx="152400" cy="0"/>
-          </a:xfrm>
-          <a:prstGeom prst="line">
-            <a:avLst/>
-          </a:prstGeom>
-          <a:ln w="12700">
-            <a:solidFill>
-              <a:srgbClr val="000000"/>
-            </a:solidFill>
-            <a:headEnd type="oval" w="med" len="med"/>
-            <a:tailEnd type="none" w="med" len="med"/>
-          </a:ln>
-        </p:spPr>
-        <p:style>
-          <a:lnRef idx="1">
-            <a:schemeClr val="accent1"/>
-          </a:lnRef>
-          <a:fillRef idx="0">
-            <a:schemeClr val="accent1"/>
-          </a:fillRef>
-          <a:effectRef idx="0">
-            <a:schemeClr val="accent1"/>
-          </a:effectRef>
-          <a:fontRef idx="minor">
-            <a:schemeClr val="tx1"/>
-          </a:fontRef>
-        </p:style>
-      </p:cxnSp>
-      <p:sp>
-        <p:nvSpPr>
-          <p:cNvPr id="905" name="Rectangle 904"/>
-          <p:cNvSpPr/>
-          <p:nvPr/>
-        </p:nvSpPr>
-        <p:spPr>
-          <a:xfrm>
-            <a:off x="838200" y="8458200"/>
-            <a:ext cx="457200" cy="152400"/>
-          </a:xfrm>
-          <a:prstGeom prst="rect">
-            <a:avLst/>
-          </a:prstGeom>
-          <a:noFill/>
-          <a:ln>
-            <a:noFill/>
-          </a:ln>
-        </p:spPr>
-        <p:style>
-          <a:lnRef idx="2">
-            <a:schemeClr val="accent1">
-              <a:shade val="50000"/>
-            </a:schemeClr>
-          </a:lnRef>
-          <a:fillRef idx="1">
-            <a:schemeClr val="accent1"/>
-          </a:fillRef>
-          <a:effectRef idx="0">
-            <a:schemeClr val="accent1"/>
-          </a:effectRef>
-          <a:fontRef idx="minor">
-            <a:schemeClr val="lt1"/>
-          </a:fontRef>
-        </p:style>
-        <p:txBody>
-          <a:bodyPr wrap="none" lIns="45720" rIns="45720" rtlCol="0" anchor="ctr"/>
-          <a:lstStyle/>
-          <a:p>
-            <a:r>
-              <a:rPr lang="en-US" sz="900" dirty="0">
-                <a:solidFill>
-                  <a:srgbClr val="000000"/>
-                </a:solidFill>
-                <a:latin typeface="Courier New" panose="02070309020205020404" pitchFamily="49" charset="0"/>
-                <a:cs typeface="Courier New" panose="02070309020205020404" pitchFamily="49" charset="0"/>
-              </a:rPr>
-              <a:t>CLK</a:t>
-            </a:r>
-          </a:p>
-        </p:txBody>
-      </p:sp>
-      <p:sp>
-        <p:nvSpPr>
-          <p:cNvPr id="906" name="Pentagon 905"/>
-          <p:cNvSpPr/>
-          <p:nvPr/>
-        </p:nvSpPr>
-        <p:spPr>
-          <a:xfrm>
-            <a:off x="12496800" y="4038600"/>
-            <a:ext cx="228600" cy="152400"/>
-          </a:xfrm>
-          <a:prstGeom prst="homePlate">
-            <a:avLst/>
-          </a:prstGeom>
-          <a:noFill/>
-          <a:ln w="12700">
-            <a:solidFill>
-              <a:schemeClr val="tx1"/>
-            </a:solidFill>
-          </a:ln>
-        </p:spPr>
-        <p:style>
-          <a:lnRef idx="2">
-            <a:schemeClr val="accent1">
-              <a:shade val="50000"/>
-            </a:schemeClr>
-          </a:lnRef>
-          <a:fillRef idx="1">
-            <a:schemeClr val="accent1"/>
-          </a:fillRef>
-          <a:effectRef idx="0">
-            <a:schemeClr val="accent1"/>
-          </a:effectRef>
-          <a:fontRef idx="minor">
-            <a:schemeClr val="lt1"/>
-          </a:fontRef>
-        </p:style>
-        <p:txBody>
-          <a:bodyPr rot="0" spcFirstLastPara="0" vertOverflow="overflow" horzOverflow="overflow" vert="horz" wrap="square" lIns="91440" tIns="45720" rIns="91440" bIns="45720" numCol="1" spcCol="0" rtlCol="0" fromWordArt="0" anchor="ctr" anchorCtr="0" forceAA="0" compatLnSpc="1">
-            <a:prstTxWarp prst="textNoShape">
-              <a:avLst/>
-            </a:prstTxWarp>
-            <a:noAutofit/>
-          </a:bodyPr>
-          <a:lstStyle/>
-          <a:p>
-            <a:pPr algn="ctr"/>
-            <a:endParaRPr lang="en-US" sz="3730"/>
-          </a:p>
-        </p:txBody>
-      </p:sp>
-      <p:cxnSp>
-        <p:nvCxnSpPr>
-          <p:cNvPr id="907" name="Straight Connector 906"/>
-          <p:cNvCxnSpPr>
-            <a:stCxn id="906" idx="1"/>
-            <a:endCxn id="811" idx="3"/>
-          </p:cNvCxnSpPr>
-          <p:nvPr/>
-        </p:nvCxnSpPr>
-        <p:spPr>
-          <a:xfrm flipH="1">
-            <a:off x="6248400" y="4114800"/>
-            <a:ext cx="6248400" cy="0"/>
-          </a:xfrm>
-          <a:prstGeom prst="line">
-            <a:avLst/>
-          </a:prstGeom>
-          <a:ln w="12700">
-            <a:solidFill>
-              <a:srgbClr val="000000"/>
-            </a:solidFill>
-            <a:headEnd type="none" w="med" len="med"/>
-            <a:tailEnd type="none" w="med" len="med"/>
-          </a:ln>
-        </p:spPr>
-        <p:style>
-          <a:lnRef idx="1">
-            <a:schemeClr val="accent1"/>
-          </a:lnRef>
-          <a:fillRef idx="0">
-            <a:schemeClr val="accent1"/>
-          </a:fillRef>
-          <a:effectRef idx="0">
-            <a:schemeClr val="accent1"/>
-          </a:effectRef>
-          <a:fontRef idx="minor">
-            <a:schemeClr val="tx1"/>
-          </a:fontRef>
-        </p:style>
-      </p:cxnSp>
-      <p:cxnSp>
-        <p:nvCxnSpPr>
-          <p:cNvPr id="908" name="Straight Connector 907"/>
-          <p:cNvCxnSpPr/>
-          <p:nvPr/>
-        </p:nvCxnSpPr>
-        <p:spPr>
-          <a:xfrm flipV="1">
-            <a:off x="12268200" y="4038600"/>
-            <a:ext cx="152400" cy="152400"/>
-          </a:xfrm>
-          <a:prstGeom prst="line">
-            <a:avLst/>
-          </a:prstGeom>
-          <a:ln w="12700">
-            <a:solidFill>
-              <a:srgbClr val="000000"/>
-            </a:solidFill>
-            <a:headEnd type="none" w="med" len="med"/>
-            <a:tailEnd type="none" w="med" len="med"/>
-          </a:ln>
-        </p:spPr>
-        <p:style>
-          <a:lnRef idx="1">
-            <a:schemeClr val="accent1"/>
-          </a:lnRef>
-          <a:fillRef idx="0">
-            <a:schemeClr val="accent1"/>
-          </a:fillRef>
-          <a:effectRef idx="0">
-            <a:schemeClr val="accent1"/>
-          </a:effectRef>
-          <a:fontRef idx="minor">
-            <a:schemeClr val="tx1"/>
-          </a:fontRef>
-        </p:style>
-      </p:cxnSp>
-      <p:sp>
-        <p:nvSpPr>
-          <p:cNvPr id="909" name="Rectangle 908"/>
-          <p:cNvSpPr/>
-          <p:nvPr/>
-        </p:nvSpPr>
-        <p:spPr>
-          <a:xfrm>
-            <a:off x="12268200" y="3962400"/>
-            <a:ext cx="152400" cy="76200"/>
-          </a:xfrm>
-          <a:prstGeom prst="rect">
-            <a:avLst/>
-          </a:prstGeom>
-          <a:noFill/>
-          <a:ln>
-            <a:noFill/>
-          </a:ln>
-        </p:spPr>
-        <p:style>
-          <a:lnRef idx="2">
-            <a:schemeClr val="accent1">
-              <a:shade val="50000"/>
-            </a:schemeClr>
-          </a:lnRef>
-          <a:fillRef idx="1">
-            <a:schemeClr val="accent1"/>
-          </a:fillRef>
-          <a:effectRef idx="0">
-            <a:schemeClr val="accent1"/>
-          </a:effectRef>
-          <a:fontRef idx="minor">
-            <a:schemeClr val="lt1"/>
-          </a:fontRef>
-        </p:style>
-        <p:txBody>
-          <a:bodyPr wrap="none" lIns="45720" rIns="45720" rtlCol="0" anchor="ctr"/>
-          <a:lstStyle/>
-          <a:p>
-            <a:pPr algn="ctr"/>
-            <a:r>
-              <a:rPr lang="en-US" sz="900" dirty="0">
-                <a:solidFill>
-                  <a:srgbClr val="000000"/>
-                </a:solidFill>
-                <a:latin typeface="Courier New" panose="02070309020205020404" pitchFamily="49" charset="0"/>
-                <a:cs typeface="Courier New" panose="02070309020205020404" pitchFamily="49" charset="0"/>
-              </a:rPr>
-              <a:t>1</a:t>
-            </a:r>
-          </a:p>
-        </p:txBody>
-      </p:sp>
-      <p:sp>
-        <p:nvSpPr>
-          <p:cNvPr id="910" name="Rectangle 909"/>
-          <p:cNvSpPr/>
-          <p:nvPr/>
-        </p:nvSpPr>
-        <p:spPr>
-          <a:xfrm>
-            <a:off x="11430000" y="3962400"/>
-            <a:ext cx="457200" cy="152400"/>
-          </a:xfrm>
-          <a:prstGeom prst="rect">
-            <a:avLst/>
-          </a:prstGeom>
-          <a:noFill/>
-          <a:ln>
-            <a:noFill/>
-          </a:ln>
-        </p:spPr>
-        <p:style>
-          <a:lnRef idx="2">
-            <a:schemeClr val="accent1">
-              <a:shade val="50000"/>
-            </a:schemeClr>
-          </a:lnRef>
-          <a:fillRef idx="1">
-            <a:schemeClr val="accent1"/>
-          </a:fillRef>
-          <a:effectRef idx="0">
-            <a:schemeClr val="accent1"/>
-          </a:effectRef>
-          <a:fontRef idx="minor">
-            <a:schemeClr val="lt1"/>
-          </a:fontRef>
-        </p:style>
-        <p:txBody>
-          <a:bodyPr wrap="none" lIns="45720" rIns="45720" rtlCol="0" anchor="ctr"/>
-          <a:lstStyle/>
-          <a:p>
-            <a:r>
-              <a:rPr lang="en-US" sz="900" dirty="0">
-                <a:solidFill>
-                  <a:srgbClr val="000000"/>
-                </a:solidFill>
-                <a:latin typeface="Courier New" panose="02070309020205020404" pitchFamily="49" charset="0"/>
-                <a:cs typeface="Courier New" panose="02070309020205020404" pitchFamily="49" charset="0"/>
-              </a:rPr>
-              <a:t>DIV32</a:t>
-            </a:r>
-          </a:p>
-        </p:txBody>
-      </p:sp>
-      <p:sp>
-        <p:nvSpPr>
-          <p:cNvPr id="911" name="Pentagon 910"/>
-          <p:cNvSpPr/>
-          <p:nvPr/>
-        </p:nvSpPr>
-        <p:spPr>
-          <a:xfrm>
-            <a:off x="12496800" y="5943600"/>
-            <a:ext cx="228600" cy="152400"/>
-          </a:xfrm>
-          <a:prstGeom prst="homePlate">
-            <a:avLst/>
-          </a:prstGeom>
-          <a:noFill/>
-          <a:ln w="12700">
-            <a:solidFill>
-              <a:schemeClr val="tx1"/>
-            </a:solidFill>
-          </a:ln>
-        </p:spPr>
-        <p:style>
-          <a:lnRef idx="2">
-            <a:schemeClr val="accent1">
-              <a:shade val="50000"/>
-            </a:schemeClr>
-          </a:lnRef>
-          <a:fillRef idx="1">
-            <a:schemeClr val="accent1"/>
-          </a:fillRef>
-          <a:effectRef idx="0">
-            <a:schemeClr val="accent1"/>
-          </a:effectRef>
-          <a:fontRef idx="minor">
-            <a:schemeClr val="lt1"/>
-          </a:fontRef>
-        </p:style>
-        <p:txBody>
-          <a:bodyPr rot="0" spcFirstLastPara="0" vertOverflow="overflow" horzOverflow="overflow" vert="horz" wrap="square" lIns="91440" tIns="45720" rIns="91440" bIns="45720" numCol="1" spcCol="0" rtlCol="0" fromWordArt="0" anchor="ctr" anchorCtr="0" forceAA="0" compatLnSpc="1">
-            <a:prstTxWarp prst="textNoShape">
-              <a:avLst/>
-            </a:prstTxWarp>
-            <a:noAutofit/>
-          </a:bodyPr>
-          <a:lstStyle/>
-          <a:p>
-            <a:pPr algn="ctr"/>
-            <a:endParaRPr lang="en-US" sz="3730"/>
-          </a:p>
-        </p:txBody>
-      </p:sp>
-      <p:cxnSp>
-        <p:nvCxnSpPr>
-          <p:cNvPr id="912" name="Straight Connector 911"/>
-          <p:cNvCxnSpPr>
-            <a:stCxn id="911" idx="1"/>
-            <a:endCxn id="886" idx="3"/>
-          </p:cNvCxnSpPr>
-          <p:nvPr/>
-        </p:nvCxnSpPr>
-        <p:spPr>
-          <a:xfrm flipH="1">
-            <a:off x="10363200" y="6019800"/>
-            <a:ext cx="2133600" cy="0"/>
-          </a:xfrm>
-          <a:prstGeom prst="line">
-            <a:avLst/>
-          </a:prstGeom>
-          <a:ln w="12700">
-            <a:solidFill>
-              <a:srgbClr val="000000"/>
-            </a:solidFill>
-            <a:headEnd type="none" w="med" len="med"/>
-            <a:tailEnd type="none" w="med" len="med"/>
-          </a:ln>
-        </p:spPr>
-        <p:style>
-          <a:lnRef idx="1">
-            <a:schemeClr val="accent1"/>
-          </a:lnRef>
-          <a:fillRef idx="0">
-            <a:schemeClr val="accent1"/>
-          </a:fillRef>
-          <a:effectRef idx="0">
-            <a:schemeClr val="accent1"/>
-          </a:effectRef>
-          <a:fontRef idx="minor">
-            <a:schemeClr val="tx1"/>
-          </a:fontRef>
-        </p:style>
-      </p:cxnSp>
-      <p:cxnSp>
-        <p:nvCxnSpPr>
-          <p:cNvPr id="913" name="Straight Connector 912"/>
-          <p:cNvCxnSpPr/>
-          <p:nvPr/>
-        </p:nvCxnSpPr>
-        <p:spPr>
-          <a:xfrm flipV="1">
-            <a:off x="12268200" y="5943600"/>
-            <a:ext cx="152400" cy="152400"/>
-          </a:xfrm>
-          <a:prstGeom prst="line">
-            <a:avLst/>
-          </a:prstGeom>
-          <a:ln w="12700">
-            <a:solidFill>
-              <a:srgbClr val="000000"/>
-            </a:solidFill>
-            <a:headEnd type="none" w="med" len="med"/>
-            <a:tailEnd type="none" w="med" len="med"/>
-          </a:ln>
-        </p:spPr>
-        <p:style>
-          <a:lnRef idx="1">
-            <a:schemeClr val="accent1"/>
-          </a:lnRef>
-          <a:fillRef idx="0">
-            <a:schemeClr val="accent1"/>
-          </a:fillRef>
-          <a:effectRef idx="0">
-            <a:schemeClr val="accent1"/>
-          </a:effectRef>
-          <a:fontRef idx="minor">
-            <a:schemeClr val="tx1"/>
-          </a:fontRef>
-        </p:style>
-      </p:cxnSp>
-      <p:sp>
-        <p:nvSpPr>
-          <p:cNvPr id="914" name="Rectangle 913"/>
-          <p:cNvSpPr/>
-          <p:nvPr/>
-        </p:nvSpPr>
-        <p:spPr>
-          <a:xfrm>
-            <a:off x="12268200" y="5867400"/>
-            <a:ext cx="152400" cy="76200"/>
-          </a:xfrm>
-          <a:prstGeom prst="rect">
-            <a:avLst/>
-          </a:prstGeom>
-          <a:noFill/>
-          <a:ln>
-            <a:noFill/>
-          </a:ln>
-        </p:spPr>
-        <p:style>
-          <a:lnRef idx="2">
-            <a:schemeClr val="accent1">
-              <a:shade val="50000"/>
-            </a:schemeClr>
-          </a:lnRef>
-          <a:fillRef idx="1">
-            <a:schemeClr val="accent1"/>
-          </a:fillRef>
-          <a:effectRef idx="0">
-            <a:schemeClr val="accent1"/>
-          </a:effectRef>
-          <a:fontRef idx="minor">
-            <a:schemeClr val="lt1"/>
-          </a:fontRef>
-        </p:style>
-        <p:txBody>
-          <a:bodyPr wrap="none" lIns="45720" rIns="45720" rtlCol="0" anchor="ctr"/>
-          <a:lstStyle/>
-          <a:p>
-            <a:pPr algn="ctr"/>
-            <a:r>
-              <a:rPr lang="en-US" sz="900" dirty="0">
-                <a:solidFill>
-                  <a:srgbClr val="000000"/>
-                </a:solidFill>
-                <a:latin typeface="Courier New" panose="02070309020205020404" pitchFamily="49" charset="0"/>
-                <a:cs typeface="Courier New" panose="02070309020205020404" pitchFamily="49" charset="0"/>
-              </a:rPr>
-              <a:t>4</a:t>
-            </a:r>
-          </a:p>
-        </p:txBody>
-      </p:sp>
-      <p:sp>
-        <p:nvSpPr>
-          <p:cNvPr id="915" name="Rectangle 914"/>
-          <p:cNvSpPr/>
-          <p:nvPr/>
-        </p:nvSpPr>
-        <p:spPr>
-          <a:xfrm>
-            <a:off x="11430000" y="5867400"/>
-            <a:ext cx="457200" cy="152400"/>
-          </a:xfrm>
-          <a:prstGeom prst="rect">
-            <a:avLst/>
-          </a:prstGeom>
-          <a:noFill/>
-          <a:ln>
-            <a:noFill/>
-          </a:ln>
-        </p:spPr>
-        <p:style>
-          <a:lnRef idx="2">
-            <a:schemeClr val="accent1">
-              <a:shade val="50000"/>
-            </a:schemeClr>
-          </a:lnRef>
-          <a:fillRef idx="1">
-            <a:schemeClr val="accent1"/>
-          </a:fillRef>
-          <a:effectRef idx="0">
-            <a:schemeClr val="accent1"/>
-          </a:effectRef>
-          <a:fontRef idx="minor">
-            <a:schemeClr val="lt1"/>
-          </a:fontRef>
-        </p:style>
-        <p:txBody>
-          <a:bodyPr wrap="none" lIns="45720" rIns="45720" rtlCol="0" anchor="ctr"/>
-          <a:lstStyle/>
-          <a:p>
-            <a:r>
-              <a:rPr lang="en-US" sz="900" dirty="0">
-                <a:solidFill>
-                  <a:srgbClr val="000000"/>
-                </a:solidFill>
-                <a:latin typeface="Courier New" panose="02070309020205020404" pitchFamily="49" charset="0"/>
-                <a:cs typeface="Courier New" panose="02070309020205020404" pitchFamily="49" charset="0"/>
-              </a:rPr>
-              <a:t>DIGIT_SEL</a:t>
-            </a:r>
-          </a:p>
-        </p:txBody>
-      </p:sp>
-      <p:sp>
-        <p:nvSpPr>
-          <p:cNvPr id="916" name="Pentagon 915"/>
-          <p:cNvSpPr/>
-          <p:nvPr/>
-        </p:nvSpPr>
-        <p:spPr>
-          <a:xfrm>
-            <a:off x="12496800" y="6400800"/>
-            <a:ext cx="228600" cy="152400"/>
-          </a:xfrm>
-          <a:prstGeom prst="homePlate">
-            <a:avLst/>
-          </a:prstGeom>
-          <a:noFill/>
-          <a:ln w="12700">
-            <a:solidFill>
-              <a:schemeClr val="tx1"/>
-            </a:solidFill>
-          </a:ln>
-        </p:spPr>
-        <p:style>
-          <a:lnRef idx="2">
-            <a:schemeClr val="accent1">
-              <a:shade val="50000"/>
-            </a:schemeClr>
-          </a:lnRef>
-          <a:fillRef idx="1">
-            <a:schemeClr val="accent1"/>
-          </a:fillRef>
-          <a:effectRef idx="0">
-            <a:schemeClr val="accent1"/>
-          </a:effectRef>
-          <a:fontRef idx="minor">
-            <a:schemeClr val="lt1"/>
-          </a:fontRef>
-        </p:style>
-        <p:txBody>
-          <a:bodyPr rot="0" spcFirstLastPara="0" vertOverflow="overflow" horzOverflow="overflow" vert="horz" wrap="square" lIns="91440" tIns="45720" rIns="91440" bIns="45720" numCol="1" spcCol="0" rtlCol="0" fromWordArt="0" anchor="ctr" anchorCtr="0" forceAA="0" compatLnSpc="1">
-            <a:prstTxWarp prst="textNoShape">
-              <a:avLst/>
-            </a:prstTxWarp>
-            <a:noAutofit/>
-          </a:bodyPr>
-          <a:lstStyle/>
-          <a:p>
-            <a:pPr algn="ctr"/>
-            <a:endParaRPr lang="en-US" sz="3730"/>
-          </a:p>
-        </p:txBody>
-      </p:sp>
-      <p:cxnSp>
-        <p:nvCxnSpPr>
-          <p:cNvPr id="917" name="Straight Connector 916"/>
-          <p:cNvCxnSpPr>
-            <a:stCxn id="916" idx="1"/>
-            <a:endCxn id="885" idx="3"/>
-          </p:cNvCxnSpPr>
-          <p:nvPr/>
-        </p:nvCxnSpPr>
-        <p:spPr>
-          <a:xfrm flipH="1">
-            <a:off x="10363200" y="6477000"/>
-            <a:ext cx="2133600" cy="0"/>
-          </a:xfrm>
-          <a:prstGeom prst="line">
-            <a:avLst/>
-          </a:prstGeom>
-          <a:ln w="12700">
-            <a:solidFill>
-              <a:srgbClr val="000000"/>
-            </a:solidFill>
-            <a:headEnd type="none" w="med" len="med"/>
-            <a:tailEnd type="none" w="med" len="med"/>
-          </a:ln>
-        </p:spPr>
-        <p:style>
-          <a:lnRef idx="1">
-            <a:schemeClr val="accent1"/>
-          </a:lnRef>
-          <a:fillRef idx="0">
-            <a:schemeClr val="accent1"/>
-          </a:fillRef>
-          <a:effectRef idx="0">
-            <a:schemeClr val="accent1"/>
-          </a:effectRef>
-          <a:fontRef idx="minor">
-            <a:schemeClr val="tx1"/>
-          </a:fontRef>
-        </p:style>
-      </p:cxnSp>
-      <p:cxnSp>
-        <p:nvCxnSpPr>
-          <p:cNvPr id="918" name="Straight Connector 917"/>
-          <p:cNvCxnSpPr/>
-          <p:nvPr/>
-        </p:nvCxnSpPr>
-        <p:spPr>
-          <a:xfrm flipV="1">
-            <a:off x="12268200" y="6400800"/>
-            <a:ext cx="152400" cy="152400"/>
-          </a:xfrm>
-          <a:prstGeom prst="line">
-            <a:avLst/>
-          </a:prstGeom>
-          <a:ln w="12700">
-            <a:solidFill>
-              <a:srgbClr val="000000"/>
-            </a:solidFill>
-            <a:headEnd type="none" w="med" len="med"/>
-            <a:tailEnd type="none" w="med" len="med"/>
-          </a:ln>
-        </p:spPr>
-        <p:style>
-          <a:lnRef idx="1">
-            <a:schemeClr val="accent1"/>
-          </a:lnRef>
-          <a:fillRef idx="0">
-            <a:schemeClr val="accent1"/>
-          </a:fillRef>
-          <a:effectRef idx="0">
-            <a:schemeClr val="accent1"/>
-          </a:effectRef>
-          <a:fontRef idx="minor">
-            <a:schemeClr val="tx1"/>
-          </a:fontRef>
-        </p:style>
-      </p:cxnSp>
-      <p:sp>
-        <p:nvSpPr>
-          <p:cNvPr id="919" name="Rectangle 918"/>
-          <p:cNvSpPr/>
-          <p:nvPr/>
-        </p:nvSpPr>
-        <p:spPr>
-          <a:xfrm>
-            <a:off x="12268200" y="6324600"/>
-            <a:ext cx="152400" cy="76200"/>
-          </a:xfrm>
-          <a:prstGeom prst="rect">
-            <a:avLst/>
-          </a:prstGeom>
-          <a:noFill/>
-          <a:ln>
-            <a:noFill/>
-          </a:ln>
-        </p:spPr>
-        <p:style>
-          <a:lnRef idx="2">
-            <a:schemeClr val="accent1">
-              <a:shade val="50000"/>
-            </a:schemeClr>
-          </a:lnRef>
-          <a:fillRef idx="1">
-            <a:schemeClr val="accent1"/>
-          </a:fillRef>
-          <a:effectRef idx="0">
-            <a:schemeClr val="accent1"/>
-          </a:effectRef>
-          <a:fontRef idx="minor">
-            <a:schemeClr val="lt1"/>
-          </a:fontRef>
-        </p:style>
-        <p:txBody>
-          <a:bodyPr wrap="none" lIns="45720" rIns="45720" rtlCol="0" anchor="ctr"/>
-          <a:lstStyle/>
-          <a:p>
-            <a:pPr algn="ctr"/>
-            <a:r>
-              <a:rPr lang="en-US" sz="900" dirty="0">
-                <a:solidFill>
-                  <a:srgbClr val="000000"/>
-                </a:solidFill>
-                <a:latin typeface="Courier New" panose="02070309020205020404" pitchFamily="49" charset="0"/>
-                <a:cs typeface="Courier New" panose="02070309020205020404" pitchFamily="49" charset="0"/>
-              </a:rPr>
-              <a:t>8</a:t>
-            </a:r>
-          </a:p>
-        </p:txBody>
-      </p:sp>
-      <p:sp>
-        <p:nvSpPr>
-          <p:cNvPr id="920" name="Rectangle 919"/>
-          <p:cNvSpPr/>
-          <p:nvPr/>
-        </p:nvSpPr>
-        <p:spPr>
-          <a:xfrm>
-            <a:off x="11430000" y="6324600"/>
-            <a:ext cx="457200" cy="152400"/>
-          </a:xfrm>
-          <a:prstGeom prst="rect">
-            <a:avLst/>
-          </a:prstGeom>
-          <a:noFill/>
-          <a:ln>
-            <a:noFill/>
-          </a:ln>
-        </p:spPr>
-        <p:style>
-          <a:lnRef idx="2">
-            <a:schemeClr val="accent1">
-              <a:shade val="50000"/>
-            </a:schemeClr>
-          </a:lnRef>
-          <a:fillRef idx="1">
-            <a:schemeClr val="accent1"/>
-          </a:fillRef>
-          <a:effectRef idx="0">
-            <a:schemeClr val="accent1"/>
-          </a:effectRef>
-          <a:fontRef idx="minor">
-            <a:schemeClr val="lt1"/>
-          </a:fontRef>
-        </p:style>
-        <p:txBody>
-          <a:bodyPr wrap="none" lIns="45720" rIns="45720" rtlCol="0" anchor="ctr"/>
-          <a:lstStyle/>
-          <a:p>
-            <a:r>
-              <a:rPr lang="en-US" sz="900" dirty="0">
-                <a:solidFill>
-                  <a:srgbClr val="000000"/>
-                </a:solidFill>
-                <a:latin typeface="Courier New" panose="02070309020205020404" pitchFamily="49" charset="0"/>
-                <a:cs typeface="Courier New" panose="02070309020205020404" pitchFamily="49" charset="0"/>
-              </a:rPr>
-              <a:t>DIGIT</a:t>
-            </a:r>
-          </a:p>
-        </p:txBody>
-      </p:sp>
-      <p:sp>
-        <p:nvSpPr>
-          <p:cNvPr id="921" name="Pentagon 920"/>
-          <p:cNvSpPr/>
-          <p:nvPr/>
-        </p:nvSpPr>
-        <p:spPr>
-          <a:xfrm>
-            <a:off x="228600" y="8229600"/>
-            <a:ext cx="228600" cy="152400"/>
-          </a:xfrm>
-          <a:prstGeom prst="homePlate">
-            <a:avLst/>
-          </a:prstGeom>
-          <a:noFill/>
-          <a:ln w="12700">
-            <a:solidFill>
-              <a:schemeClr val="tx1"/>
-            </a:solidFill>
-          </a:ln>
-        </p:spPr>
-        <p:style>
-          <a:lnRef idx="2">
-            <a:schemeClr val="accent1">
-              <a:shade val="50000"/>
-            </a:schemeClr>
-          </a:lnRef>
-          <a:fillRef idx="1">
-            <a:schemeClr val="accent1"/>
-          </a:fillRef>
-          <a:effectRef idx="0">
-            <a:schemeClr val="accent1"/>
-          </a:effectRef>
-          <a:fontRef idx="minor">
-            <a:schemeClr val="lt1"/>
-          </a:fontRef>
-        </p:style>
-        <p:txBody>
-          <a:bodyPr rot="0" spcFirstLastPara="0" vertOverflow="overflow" horzOverflow="overflow" vert="horz" wrap="square" lIns="91440" tIns="45720" rIns="91440" bIns="45720" numCol="1" spcCol="0" rtlCol="0" fromWordArt="0" anchor="ctr" anchorCtr="0" forceAA="0" compatLnSpc="1">
-            <a:prstTxWarp prst="textNoShape">
-              <a:avLst/>
-            </a:prstTxWarp>
-            <a:noAutofit/>
-          </a:bodyPr>
-          <a:lstStyle/>
-          <a:p>
-            <a:pPr algn="ctr"/>
-            <a:endParaRPr lang="en-US" sz="3730"/>
-          </a:p>
-        </p:txBody>
-      </p:sp>
-      <p:cxnSp>
-        <p:nvCxnSpPr>
-          <p:cNvPr id="922" name="Straight Connector 921"/>
-          <p:cNvCxnSpPr/>
-          <p:nvPr/>
-        </p:nvCxnSpPr>
-        <p:spPr>
-          <a:xfrm flipV="1">
-            <a:off x="533400" y="8229600"/>
-            <a:ext cx="152400" cy="152400"/>
-          </a:xfrm>
-          <a:prstGeom prst="line">
-            <a:avLst/>
-          </a:prstGeom>
-          <a:ln w="12700">
-            <a:solidFill>
-              <a:srgbClr val="000000"/>
-            </a:solidFill>
-            <a:headEnd type="none" w="med" len="med"/>
-            <a:tailEnd type="none" w="med" len="med"/>
-          </a:ln>
-        </p:spPr>
-        <p:style>
-          <a:lnRef idx="1">
-            <a:schemeClr val="accent1"/>
-          </a:lnRef>
-          <a:fillRef idx="0">
-            <a:schemeClr val="accent1"/>
-          </a:fillRef>
-          <a:effectRef idx="0">
-            <a:schemeClr val="accent1"/>
-          </a:effectRef>
-          <a:fontRef idx="minor">
-            <a:schemeClr val="tx1"/>
-          </a:fontRef>
-        </p:style>
-      </p:cxnSp>
-      <p:sp>
-        <p:nvSpPr>
-          <p:cNvPr id="923" name="Rectangle 922"/>
-          <p:cNvSpPr/>
-          <p:nvPr/>
-        </p:nvSpPr>
-        <p:spPr>
-          <a:xfrm>
-            <a:off x="533400" y="8153400"/>
-            <a:ext cx="152400" cy="76200"/>
-          </a:xfrm>
-          <a:prstGeom prst="rect">
-            <a:avLst/>
-          </a:prstGeom>
-          <a:noFill/>
-          <a:ln>
-            <a:noFill/>
-          </a:ln>
-        </p:spPr>
-        <p:style>
-          <a:lnRef idx="2">
-            <a:schemeClr val="accent1">
-              <a:shade val="50000"/>
-            </a:schemeClr>
-          </a:lnRef>
-          <a:fillRef idx="1">
-            <a:schemeClr val="accent1"/>
-          </a:fillRef>
-          <a:effectRef idx="0">
-            <a:schemeClr val="accent1"/>
-          </a:effectRef>
-          <a:fontRef idx="minor">
-            <a:schemeClr val="lt1"/>
-          </a:fontRef>
-        </p:style>
-        <p:txBody>
-          <a:bodyPr wrap="none" lIns="45720" rIns="45720" rtlCol="0" anchor="ctr"/>
-          <a:lstStyle/>
-          <a:p>
-            <a:pPr algn="ctr"/>
-            <a:r>
-              <a:rPr lang="en-US" sz="900" dirty="0">
-                <a:solidFill>
-                  <a:srgbClr val="000000"/>
-                </a:solidFill>
-                <a:latin typeface="Courier New" panose="02070309020205020404" pitchFamily="49" charset="0"/>
-                <a:cs typeface="Courier New" panose="02070309020205020404" pitchFamily="49" charset="0"/>
-              </a:rPr>
-              <a:t>1</a:t>
-            </a:r>
-          </a:p>
-        </p:txBody>
-      </p:sp>
-      <p:sp>
-        <p:nvSpPr>
-          <p:cNvPr id="924" name="Rectangle 923"/>
-          <p:cNvSpPr/>
-          <p:nvPr/>
-        </p:nvSpPr>
-        <p:spPr>
-          <a:xfrm>
-            <a:off x="838200" y="8153400"/>
+            <a:off x="8991600" y="2667000"/>
             <a:ext cx="457200" cy="152400"/>
           </a:xfrm>
           <a:prstGeom prst="rect">
@@ -9480,138 +10948,23 @@
           </a:p>
         </p:txBody>
       </p:sp>
-      <p:cxnSp>
-        <p:nvCxnSpPr>
-          <p:cNvPr id="925" name="Straight Connector 924"/>
-          <p:cNvCxnSpPr/>
-          <p:nvPr/>
-        </p:nvCxnSpPr>
-        <p:spPr>
-          <a:xfrm>
-            <a:off x="4267200" y="6934200"/>
-            <a:ext cx="609600" cy="0"/>
-          </a:xfrm>
-          <a:prstGeom prst="line">
-            <a:avLst/>
-          </a:prstGeom>
-          <a:ln w="12700">
-            <a:solidFill>
-              <a:srgbClr val="000000"/>
-            </a:solidFill>
-            <a:headEnd type="none" w="med" len="med"/>
-            <a:tailEnd type="triangle" w="med" len="med"/>
-          </a:ln>
-        </p:spPr>
-        <p:style>
-          <a:lnRef idx="1">
-            <a:schemeClr val="accent1"/>
-          </a:lnRef>
-          <a:fillRef idx="0">
-            <a:schemeClr val="accent1"/>
-          </a:fillRef>
-          <a:effectRef idx="0">
-            <a:schemeClr val="accent1"/>
-          </a:effectRef>
-          <a:fontRef idx="minor">
-            <a:schemeClr val="tx1"/>
-          </a:fontRef>
-        </p:style>
-      </p:cxnSp>
-      <p:cxnSp>
-        <p:nvCxnSpPr>
-          <p:cNvPr id="926" name="Straight Connector 925"/>
-          <p:cNvCxnSpPr/>
-          <p:nvPr/>
-        </p:nvCxnSpPr>
-        <p:spPr>
-          <a:xfrm>
-            <a:off x="4267200" y="6934200"/>
-            <a:ext cx="0" cy="1371600"/>
-          </a:xfrm>
-          <a:prstGeom prst="line">
-            <a:avLst/>
-          </a:prstGeom>
-          <a:ln w="12700">
-            <a:solidFill>
-              <a:srgbClr val="000000"/>
-            </a:solidFill>
-            <a:headEnd type="none" w="med" len="med"/>
-            <a:tailEnd type="none" w="med" len="med"/>
-          </a:ln>
-        </p:spPr>
-        <p:style>
-          <a:lnRef idx="1">
-            <a:schemeClr val="accent1"/>
-          </a:lnRef>
-          <a:fillRef idx="0">
-            <a:schemeClr val="accent1"/>
-          </a:fillRef>
-          <a:effectRef idx="0">
-            <a:schemeClr val="accent1"/>
-          </a:effectRef>
-          <a:fontRef idx="minor">
-            <a:schemeClr val="tx1"/>
-          </a:fontRef>
-        </p:style>
-      </p:cxnSp>
-      <p:cxnSp>
-        <p:nvCxnSpPr>
-          <p:cNvPr id="927" name="Straight Connector 926"/>
-          <p:cNvCxnSpPr>
-            <a:endCxn id="921" idx="3"/>
-          </p:cNvCxnSpPr>
-          <p:nvPr/>
-        </p:nvCxnSpPr>
-        <p:spPr>
-          <a:xfrm flipH="1">
-            <a:off x="457200" y="8305800"/>
-            <a:ext cx="3810000" cy="0"/>
-          </a:xfrm>
-          <a:prstGeom prst="line">
-            <a:avLst/>
-          </a:prstGeom>
-          <a:ln w="12700">
-            <a:solidFill>
-              <a:srgbClr val="000000"/>
-            </a:solidFill>
-            <a:headEnd type="none" w="med" len="med"/>
-            <a:tailEnd type="none" w="med" len="med"/>
-          </a:ln>
-        </p:spPr>
-        <p:style>
-          <a:lnRef idx="1">
-            <a:schemeClr val="accent1"/>
-          </a:lnRef>
-          <a:fillRef idx="0">
-            <a:schemeClr val="accent1"/>
-          </a:fillRef>
-          <a:effectRef idx="0">
-            <a:schemeClr val="accent1"/>
-          </a:effectRef>
-          <a:fontRef idx="minor">
-            <a:schemeClr val="tx1"/>
-          </a:fontRef>
-        </p:style>
-      </p:cxnSp>
-      <p:sp>
-        <p:nvSpPr>
-          <p:cNvPr id="133" name="Rectangle 132"/>
+      <p:sp>
+        <p:nvSpPr>
+          <p:cNvPr id="171" name="Rectangle 170"/>
           <p:cNvSpPr/>
           <p:nvPr/>
         </p:nvSpPr>
         <p:spPr>
           <a:xfrm>
-            <a:off x="8991600" y="609600"/>
-            <a:ext cx="1371600" cy="2667000"/>
+            <a:off x="5791200" y="1447800"/>
+            <a:ext cx="457200" cy="152400"/>
           </a:xfrm>
           <a:prstGeom prst="rect">
             <a:avLst/>
           </a:prstGeom>
           <a:noFill/>
-          <a:ln w="12700">
-            <a:solidFill>
-              <a:srgbClr val="000000"/>
-            </a:solidFill>
+          <a:ln>
+            <a:noFill/>
           </a:ln>
         </p:spPr>
         <p:style>
@@ -9631,22 +10984,23 @@
           </a:fontRef>
         </p:style>
         <p:txBody>
-          <a:bodyPr lIns="45720" rIns="45720" rtlCol="0" anchor="t"/>
-          <a:lstStyle/>
-          <a:p>
-            <a:r>
-              <a:rPr lang="en-US" sz="900" dirty="0">
+          <a:bodyPr wrap="none" lIns="45720" rIns="45720" rtlCol="0" anchor="ctr"/>
+          <a:lstStyle/>
+          <a:p>
+            <a:pPr algn="r"/>
+            <a:r>
+              <a:rPr lang="en-US" sz="900" dirty="0" smtClean="0">
                 <a:solidFill>
-                  <a:schemeClr val="tx1"/>
+                  <a:srgbClr val="000000"/>
                 </a:solidFill>
                 <a:latin typeface="Courier New" panose="02070309020205020404" pitchFamily="49" charset="0"/>
                 <a:cs typeface="Courier New" panose="02070309020205020404" pitchFamily="49" charset="0"/>
               </a:rPr>
-              <a:t>lvds1</a:t>
+              <a:t>RSTXP</a:t>
             </a:r>
             <a:endParaRPr lang="en-US" sz="900" dirty="0">
               <a:solidFill>
-                <a:schemeClr val="tx1"/>
+                <a:srgbClr val="000000"/>
               </a:solidFill>
               <a:latin typeface="Courier New" panose="02070309020205020404" pitchFamily="49" charset="0"/>
               <a:cs typeface="Courier New" panose="02070309020205020404" pitchFamily="49" charset="0"/>
@@ -9656,13 +11010,13 @@
       </p:sp>
       <p:sp>
         <p:nvSpPr>
-          <p:cNvPr id="136" name="Rectangle 135"/>
+          <p:cNvPr id="172" name="Rectangle 171"/>
           <p:cNvSpPr/>
           <p:nvPr/>
         </p:nvSpPr>
         <p:spPr>
           <a:xfrm>
-            <a:off x="8991600" y="1676400"/>
+            <a:off x="5791200" y="1752600"/>
             <a:ext cx="457200" cy="152400"/>
           </a:xfrm>
           <a:prstGeom prst="rect">
@@ -9693,6 +11047,7 @@
           <a:bodyPr wrap="none" lIns="45720" rIns="45720" rtlCol="0" anchor="ctr"/>
           <a:lstStyle/>
           <a:p>
+            <a:pPr algn="r"/>
             <a:r>
               <a:rPr lang="en-US" sz="900" dirty="0">
                 <a:solidFill>
@@ -9703,1493 +11058,6 @@
               </a:rPr>
               <a:t>CLKP</a:t>
             </a:r>
-            <a:endParaRPr lang="en-US" sz="900" dirty="0">
-              <a:solidFill>
-                <a:srgbClr val="000000"/>
-              </a:solidFill>
-              <a:latin typeface="Courier New" panose="02070309020205020404" pitchFamily="49" charset="0"/>
-              <a:cs typeface="Courier New" panose="02070309020205020404" pitchFamily="49" charset="0"/>
-            </a:endParaRPr>
-          </a:p>
-        </p:txBody>
-      </p:sp>
-      <p:cxnSp>
-        <p:nvCxnSpPr>
-          <p:cNvPr id="137" name="Straight Connector 136"/>
-          <p:cNvCxnSpPr/>
-          <p:nvPr/>
-        </p:nvCxnSpPr>
-        <p:spPr>
-          <a:xfrm flipH="1" flipV="1">
-            <a:off x="8991600" y="1752600"/>
-            <a:ext cx="76200" cy="76200"/>
-          </a:xfrm>
-          <a:prstGeom prst="line">
-            <a:avLst/>
-          </a:prstGeom>
-          <a:ln w="12700">
-            <a:solidFill>
-              <a:srgbClr val="000000"/>
-            </a:solidFill>
-            <a:headEnd type="none" w="med" len="med"/>
-            <a:tailEnd type="none" w="med" len="med"/>
-          </a:ln>
-        </p:spPr>
-        <p:style>
-          <a:lnRef idx="1">
-            <a:schemeClr val="accent1"/>
-          </a:lnRef>
-          <a:fillRef idx="0">
-            <a:schemeClr val="accent1"/>
-          </a:fillRef>
-          <a:effectRef idx="0">
-            <a:schemeClr val="accent1"/>
-          </a:effectRef>
-          <a:fontRef idx="minor">
-            <a:schemeClr val="tx1"/>
-          </a:fontRef>
-        </p:style>
-      </p:cxnSp>
-      <p:cxnSp>
-        <p:nvCxnSpPr>
-          <p:cNvPr id="138" name="Straight Connector 137"/>
-          <p:cNvCxnSpPr/>
-          <p:nvPr/>
-        </p:nvCxnSpPr>
-        <p:spPr>
-          <a:xfrm flipH="1">
-            <a:off x="8991600" y="1828800"/>
-            <a:ext cx="76200" cy="76200"/>
-          </a:xfrm>
-          <a:prstGeom prst="line">
-            <a:avLst/>
-          </a:prstGeom>
-          <a:ln w="12700">
-            <a:solidFill>
-              <a:srgbClr val="000000"/>
-            </a:solidFill>
-            <a:headEnd type="none" w="med" len="med"/>
-            <a:tailEnd type="none" w="med" len="med"/>
-          </a:ln>
-        </p:spPr>
-        <p:style>
-          <a:lnRef idx="1">
-            <a:schemeClr val="accent1"/>
-          </a:lnRef>
-          <a:fillRef idx="0">
-            <a:schemeClr val="accent1"/>
-          </a:fillRef>
-          <a:effectRef idx="0">
-            <a:schemeClr val="accent1"/>
-          </a:effectRef>
-          <a:fontRef idx="minor">
-            <a:schemeClr val="tx1"/>
-          </a:fontRef>
-        </p:style>
-      </p:cxnSp>
-      <p:sp>
-        <p:nvSpPr>
-          <p:cNvPr id="139" name="Rectangle 138"/>
-          <p:cNvSpPr/>
-          <p:nvPr/>
-        </p:nvSpPr>
-        <p:spPr>
-          <a:xfrm>
-            <a:off x="8991600" y="1447800"/>
-            <a:ext cx="457200" cy="152400"/>
-          </a:xfrm>
-          <a:prstGeom prst="rect">
-            <a:avLst/>
-          </a:prstGeom>
-          <a:noFill/>
-          <a:ln>
-            <a:noFill/>
-          </a:ln>
-        </p:spPr>
-        <p:style>
-          <a:lnRef idx="2">
-            <a:schemeClr val="accent1">
-              <a:shade val="50000"/>
-            </a:schemeClr>
-          </a:lnRef>
-          <a:fillRef idx="1">
-            <a:schemeClr val="accent1"/>
-          </a:fillRef>
-          <a:effectRef idx="0">
-            <a:schemeClr val="accent1"/>
-          </a:effectRef>
-          <a:fontRef idx="minor">
-            <a:schemeClr val="lt1"/>
-          </a:fontRef>
-        </p:style>
-        <p:txBody>
-          <a:bodyPr wrap="none" lIns="45720" rIns="45720" rtlCol="0" anchor="ctr"/>
-          <a:lstStyle/>
-          <a:p>
-            <a:r>
-              <a:rPr lang="en-US" sz="900" dirty="0">
-                <a:solidFill>
-                  <a:srgbClr val="000000"/>
-                </a:solidFill>
-                <a:latin typeface="Courier New" panose="02070309020205020404" pitchFamily="49" charset="0"/>
-                <a:cs typeface="Courier New" panose="02070309020205020404" pitchFamily="49" charset="0"/>
-              </a:rPr>
-              <a:t>RSTX_CLKP</a:t>
-            </a:r>
-            <a:endParaRPr lang="en-US" sz="900" dirty="0">
-              <a:solidFill>
-                <a:srgbClr val="000000"/>
-              </a:solidFill>
-              <a:latin typeface="Courier New" panose="02070309020205020404" pitchFamily="49" charset="0"/>
-              <a:cs typeface="Courier New" panose="02070309020205020404" pitchFamily="49" charset="0"/>
-            </a:endParaRPr>
-          </a:p>
-        </p:txBody>
-      </p:sp>
-      <p:sp>
-        <p:nvSpPr>
-          <p:cNvPr id="140" name="Rectangle 139"/>
-          <p:cNvSpPr/>
-          <p:nvPr/>
-        </p:nvSpPr>
-        <p:spPr>
-          <a:xfrm>
-            <a:off x="9906000" y="1143000"/>
-            <a:ext cx="457200" cy="152400"/>
-          </a:xfrm>
-          <a:prstGeom prst="rect">
-            <a:avLst/>
-          </a:prstGeom>
-          <a:noFill/>
-          <a:ln>
-            <a:noFill/>
-          </a:ln>
-        </p:spPr>
-        <p:style>
-          <a:lnRef idx="2">
-            <a:schemeClr val="accent1">
-              <a:shade val="50000"/>
-            </a:schemeClr>
-          </a:lnRef>
-          <a:fillRef idx="1">
-            <a:schemeClr val="accent1"/>
-          </a:fillRef>
-          <a:effectRef idx="0">
-            <a:schemeClr val="accent1"/>
-          </a:effectRef>
-          <a:fontRef idx="minor">
-            <a:schemeClr val="lt1"/>
-          </a:fontRef>
-        </p:style>
-        <p:txBody>
-          <a:bodyPr wrap="none" lIns="45720" rIns="45720" rtlCol="0" anchor="ctr"/>
-          <a:lstStyle/>
-          <a:p>
-            <a:pPr algn="r"/>
-            <a:r>
-              <a:rPr lang="en-US" sz="900" dirty="0">
-                <a:solidFill>
-                  <a:srgbClr val="000000"/>
-                </a:solidFill>
-                <a:latin typeface="Courier New" panose="02070309020205020404" pitchFamily="49" charset="0"/>
-                <a:cs typeface="Courier New" panose="02070309020205020404" pitchFamily="49" charset="0"/>
-              </a:rPr>
-              <a:t>DIN</a:t>
-            </a:r>
-            <a:endParaRPr lang="en-US" sz="900" dirty="0">
-              <a:solidFill>
-                <a:srgbClr val="000000"/>
-              </a:solidFill>
-              <a:latin typeface="Courier New" panose="02070309020205020404" pitchFamily="49" charset="0"/>
-              <a:cs typeface="Courier New" panose="02070309020205020404" pitchFamily="49" charset="0"/>
-            </a:endParaRPr>
-          </a:p>
-        </p:txBody>
-      </p:sp>
-      <p:sp>
-        <p:nvSpPr>
-          <p:cNvPr id="141" name="Rectangle 140"/>
-          <p:cNvSpPr/>
-          <p:nvPr/>
-        </p:nvSpPr>
-        <p:spPr>
-          <a:xfrm>
-            <a:off x="8991600" y="457200"/>
-            <a:ext cx="457200" cy="152400"/>
-          </a:xfrm>
-          <a:prstGeom prst="rect">
-            <a:avLst/>
-          </a:prstGeom>
-          <a:noFill/>
-          <a:ln>
-            <a:noFill/>
-          </a:ln>
-        </p:spPr>
-        <p:style>
-          <a:lnRef idx="2">
-            <a:schemeClr val="accent1">
-              <a:shade val="50000"/>
-            </a:schemeClr>
-          </a:lnRef>
-          <a:fillRef idx="1">
-            <a:schemeClr val="accent1"/>
-          </a:fillRef>
-          <a:effectRef idx="0">
-            <a:schemeClr val="accent1"/>
-          </a:effectRef>
-          <a:fontRef idx="minor">
-            <a:schemeClr val="lt1"/>
-          </a:fontRef>
-        </p:style>
-        <p:txBody>
-          <a:bodyPr wrap="none" lIns="45720" rIns="45720" rtlCol="0" anchor="ctr"/>
-          <a:lstStyle/>
-          <a:p>
-            <a:r>
-              <a:rPr lang="en-US" sz="900" dirty="0">
-                <a:solidFill>
-                  <a:srgbClr val="000000"/>
-                </a:solidFill>
-                <a:latin typeface="Courier New" panose="02070309020205020404" pitchFamily="49" charset="0"/>
-                <a:cs typeface="Courier New" panose="02070309020205020404" pitchFamily="49" charset="0"/>
-              </a:rPr>
-              <a:t>i_lvds1</a:t>
-            </a:r>
-            <a:endParaRPr lang="en-US" sz="900" dirty="0">
-              <a:solidFill>
-                <a:srgbClr val="000000"/>
-              </a:solidFill>
-              <a:latin typeface="Courier New" panose="02070309020205020404" pitchFamily="49" charset="0"/>
-              <a:cs typeface="Courier New" panose="02070309020205020404" pitchFamily="49" charset="0"/>
-            </a:endParaRPr>
-          </a:p>
-        </p:txBody>
-      </p:sp>
-      <p:sp>
-        <p:nvSpPr>
-          <p:cNvPr id="142" name="Rectangle 141"/>
-          <p:cNvSpPr/>
-          <p:nvPr/>
-        </p:nvSpPr>
-        <p:spPr>
-          <a:xfrm>
-            <a:off x="9906000" y="1447800"/>
-            <a:ext cx="457200" cy="152400"/>
-          </a:xfrm>
-          <a:prstGeom prst="rect">
-            <a:avLst/>
-          </a:prstGeom>
-          <a:noFill/>
-          <a:ln>
-            <a:noFill/>
-          </a:ln>
-        </p:spPr>
-        <p:style>
-          <a:lnRef idx="2">
-            <a:schemeClr val="accent1">
-              <a:shade val="50000"/>
-            </a:schemeClr>
-          </a:lnRef>
-          <a:fillRef idx="1">
-            <a:schemeClr val="accent1"/>
-          </a:fillRef>
-          <a:effectRef idx="0">
-            <a:schemeClr val="accent1"/>
-          </a:effectRef>
-          <a:fontRef idx="minor">
-            <a:schemeClr val="lt1"/>
-          </a:fontRef>
-        </p:style>
-        <p:txBody>
-          <a:bodyPr wrap="none" lIns="45720" rIns="45720" rtlCol="0" anchor="ctr"/>
-          <a:lstStyle/>
-          <a:p>
-            <a:pPr algn="r"/>
-            <a:r>
-              <a:rPr lang="en-US" sz="900" dirty="0">
-                <a:solidFill>
-                  <a:srgbClr val="000000"/>
-                </a:solidFill>
-                <a:latin typeface="Courier New" panose="02070309020205020404" pitchFamily="49" charset="0"/>
-                <a:cs typeface="Courier New" panose="02070309020205020404" pitchFamily="49" charset="0"/>
-              </a:rPr>
-              <a:t>ERR_CNT</a:t>
-            </a:r>
-            <a:endParaRPr lang="en-US" sz="900" dirty="0">
-              <a:solidFill>
-                <a:srgbClr val="000000"/>
-              </a:solidFill>
-              <a:latin typeface="Courier New" panose="02070309020205020404" pitchFamily="49" charset="0"/>
-              <a:cs typeface="Courier New" panose="02070309020205020404" pitchFamily="49" charset="0"/>
-            </a:endParaRPr>
-          </a:p>
-        </p:txBody>
-      </p:sp>
-      <p:sp>
-        <p:nvSpPr>
-          <p:cNvPr id="144" name="Rectangle 143"/>
-          <p:cNvSpPr/>
-          <p:nvPr/>
-        </p:nvSpPr>
-        <p:spPr>
-          <a:xfrm>
-            <a:off x="9906000" y="838200"/>
-            <a:ext cx="457200" cy="152400"/>
-          </a:xfrm>
-          <a:prstGeom prst="rect">
-            <a:avLst/>
-          </a:prstGeom>
-          <a:noFill/>
-          <a:ln>
-            <a:noFill/>
-          </a:ln>
-        </p:spPr>
-        <p:style>
-          <a:lnRef idx="2">
-            <a:schemeClr val="accent1">
-              <a:shade val="50000"/>
-            </a:schemeClr>
-          </a:lnRef>
-          <a:fillRef idx="1">
-            <a:schemeClr val="accent1"/>
-          </a:fillRef>
-          <a:effectRef idx="0">
-            <a:schemeClr val="accent1"/>
-          </a:effectRef>
-          <a:fontRef idx="minor">
-            <a:schemeClr val="lt1"/>
-          </a:fontRef>
-        </p:style>
-        <p:txBody>
-          <a:bodyPr wrap="none" lIns="45720" rIns="45720" rtlCol="0" anchor="ctr"/>
-          <a:lstStyle/>
-          <a:p>
-            <a:pPr algn="r"/>
-            <a:r>
-              <a:rPr lang="en-US" sz="900" dirty="0">
-                <a:solidFill>
-                  <a:srgbClr val="000000"/>
-                </a:solidFill>
-                <a:latin typeface="Courier New" panose="02070309020205020404" pitchFamily="49" charset="0"/>
-                <a:cs typeface="Courier New" panose="02070309020205020404" pitchFamily="49" charset="0"/>
-              </a:rPr>
-              <a:t>DOUT</a:t>
-            </a:r>
-            <a:endParaRPr lang="en-US" sz="900" dirty="0">
-              <a:solidFill>
-                <a:srgbClr val="000000"/>
-              </a:solidFill>
-              <a:latin typeface="Courier New" panose="02070309020205020404" pitchFamily="49" charset="0"/>
-              <a:cs typeface="Courier New" panose="02070309020205020404" pitchFamily="49" charset="0"/>
-            </a:endParaRPr>
-          </a:p>
-        </p:txBody>
-      </p:sp>
-      <p:sp>
-        <p:nvSpPr>
-          <p:cNvPr id="145" name="Pentagon 144"/>
-          <p:cNvSpPr/>
-          <p:nvPr/>
-        </p:nvSpPr>
-        <p:spPr>
-          <a:xfrm>
-            <a:off x="12496800" y="838200"/>
-            <a:ext cx="228600" cy="152400"/>
-          </a:xfrm>
-          <a:prstGeom prst="homePlate">
-            <a:avLst/>
-          </a:prstGeom>
-          <a:noFill/>
-          <a:ln w="12700">
-            <a:solidFill>
-              <a:schemeClr val="tx1"/>
-            </a:solidFill>
-          </a:ln>
-        </p:spPr>
-        <p:style>
-          <a:lnRef idx="2">
-            <a:schemeClr val="accent1">
-              <a:shade val="50000"/>
-            </a:schemeClr>
-          </a:lnRef>
-          <a:fillRef idx="1">
-            <a:schemeClr val="accent1"/>
-          </a:fillRef>
-          <a:effectRef idx="0">
-            <a:schemeClr val="accent1"/>
-          </a:effectRef>
-          <a:fontRef idx="minor">
-            <a:schemeClr val="lt1"/>
-          </a:fontRef>
-        </p:style>
-        <p:txBody>
-          <a:bodyPr rot="0" spcFirstLastPara="0" vertOverflow="overflow" horzOverflow="overflow" vert="horz" wrap="square" lIns="91440" tIns="45720" rIns="91440" bIns="45720" numCol="1" spcCol="0" rtlCol="0" fromWordArt="0" anchor="ctr" anchorCtr="0" forceAA="0" compatLnSpc="1">
-            <a:prstTxWarp prst="textNoShape">
-              <a:avLst/>
-            </a:prstTxWarp>
-            <a:noAutofit/>
-          </a:bodyPr>
-          <a:lstStyle/>
-          <a:p>
-            <a:pPr algn="ctr"/>
-            <a:endParaRPr lang="en-US" sz="3730"/>
-          </a:p>
-        </p:txBody>
-      </p:sp>
-      <p:cxnSp>
-        <p:nvCxnSpPr>
-          <p:cNvPr id="146" name="Straight Connector 145"/>
-          <p:cNvCxnSpPr>
-            <a:stCxn id="145" idx="1"/>
-            <a:endCxn id="144" idx="3"/>
-          </p:cNvCxnSpPr>
-          <p:nvPr/>
-        </p:nvCxnSpPr>
-        <p:spPr>
-          <a:xfrm flipH="1">
-            <a:off x="10363200" y="914400"/>
-            <a:ext cx="2133600" cy="0"/>
-          </a:xfrm>
-          <a:prstGeom prst="line">
-            <a:avLst/>
-          </a:prstGeom>
-          <a:ln w="12700">
-            <a:solidFill>
-              <a:srgbClr val="000000"/>
-            </a:solidFill>
-            <a:headEnd type="none" w="med" len="med"/>
-            <a:tailEnd type="none" w="med" len="med"/>
-          </a:ln>
-        </p:spPr>
-        <p:style>
-          <a:lnRef idx="1">
-            <a:schemeClr val="accent1"/>
-          </a:lnRef>
-          <a:fillRef idx="0">
-            <a:schemeClr val="accent1"/>
-          </a:fillRef>
-          <a:effectRef idx="0">
-            <a:schemeClr val="accent1"/>
-          </a:effectRef>
-          <a:fontRef idx="minor">
-            <a:schemeClr val="tx1"/>
-          </a:fontRef>
-        </p:style>
-      </p:cxnSp>
-      <p:cxnSp>
-        <p:nvCxnSpPr>
-          <p:cNvPr id="147" name="Straight Connector 146"/>
-          <p:cNvCxnSpPr/>
-          <p:nvPr/>
-        </p:nvCxnSpPr>
-        <p:spPr>
-          <a:xfrm flipV="1">
-            <a:off x="12268200" y="838200"/>
-            <a:ext cx="152400" cy="152400"/>
-          </a:xfrm>
-          <a:prstGeom prst="line">
-            <a:avLst/>
-          </a:prstGeom>
-          <a:ln w="12700">
-            <a:solidFill>
-              <a:srgbClr val="000000"/>
-            </a:solidFill>
-            <a:headEnd type="none" w="med" len="med"/>
-            <a:tailEnd type="none" w="med" len="med"/>
-          </a:ln>
-        </p:spPr>
-        <p:style>
-          <a:lnRef idx="1">
-            <a:schemeClr val="accent1"/>
-          </a:lnRef>
-          <a:fillRef idx="0">
-            <a:schemeClr val="accent1"/>
-          </a:fillRef>
-          <a:effectRef idx="0">
-            <a:schemeClr val="accent1"/>
-          </a:effectRef>
-          <a:fontRef idx="minor">
-            <a:schemeClr val="tx1"/>
-          </a:fontRef>
-        </p:style>
-      </p:cxnSp>
-      <p:sp>
-        <p:nvSpPr>
-          <p:cNvPr id="148" name="Rectangle 147"/>
-          <p:cNvSpPr/>
-          <p:nvPr/>
-        </p:nvSpPr>
-        <p:spPr>
-          <a:xfrm>
-            <a:off x="12268200" y="762000"/>
-            <a:ext cx="152400" cy="76200"/>
-          </a:xfrm>
-          <a:prstGeom prst="rect">
-            <a:avLst/>
-          </a:prstGeom>
-          <a:noFill/>
-          <a:ln>
-            <a:noFill/>
-          </a:ln>
-        </p:spPr>
-        <p:style>
-          <a:lnRef idx="2">
-            <a:schemeClr val="accent1">
-              <a:shade val="50000"/>
-            </a:schemeClr>
-          </a:lnRef>
-          <a:fillRef idx="1">
-            <a:schemeClr val="accent1"/>
-          </a:fillRef>
-          <a:effectRef idx="0">
-            <a:schemeClr val="accent1"/>
-          </a:effectRef>
-          <a:fontRef idx="minor">
-            <a:schemeClr val="lt1"/>
-          </a:fontRef>
-        </p:style>
-        <p:txBody>
-          <a:bodyPr wrap="none" lIns="45720" rIns="45720" rtlCol="0" anchor="ctr"/>
-          <a:lstStyle/>
-          <a:p>
-            <a:pPr algn="ctr"/>
-            <a:r>
-              <a:rPr lang="en-US" sz="900" dirty="0">
-                <a:solidFill>
-                  <a:srgbClr val="000000"/>
-                </a:solidFill>
-                <a:latin typeface="Courier New" panose="02070309020205020404" pitchFamily="49" charset="0"/>
-                <a:cs typeface="Courier New" panose="02070309020205020404" pitchFamily="49" charset="0"/>
-              </a:rPr>
-              <a:t>2</a:t>
-            </a:r>
-            <a:endParaRPr lang="en-US" sz="900" dirty="0">
-              <a:solidFill>
-                <a:srgbClr val="000000"/>
-              </a:solidFill>
-              <a:latin typeface="Courier New" panose="02070309020205020404" pitchFamily="49" charset="0"/>
-              <a:cs typeface="Courier New" panose="02070309020205020404" pitchFamily="49" charset="0"/>
-            </a:endParaRPr>
-          </a:p>
-        </p:txBody>
-      </p:sp>
-      <p:sp>
-        <p:nvSpPr>
-          <p:cNvPr id="149" name="Rectangle 148"/>
-          <p:cNvSpPr/>
-          <p:nvPr/>
-        </p:nvSpPr>
-        <p:spPr>
-          <a:xfrm>
-            <a:off x="11430000" y="762000"/>
-            <a:ext cx="457200" cy="152400"/>
-          </a:xfrm>
-          <a:prstGeom prst="rect">
-            <a:avLst/>
-          </a:prstGeom>
-          <a:noFill/>
-          <a:ln>
-            <a:noFill/>
-          </a:ln>
-        </p:spPr>
-        <p:style>
-          <a:lnRef idx="2">
-            <a:schemeClr val="accent1">
-              <a:shade val="50000"/>
-            </a:schemeClr>
-          </a:lnRef>
-          <a:fillRef idx="1">
-            <a:schemeClr val="accent1"/>
-          </a:fillRef>
-          <a:effectRef idx="0">
-            <a:schemeClr val="accent1"/>
-          </a:effectRef>
-          <a:fontRef idx="minor">
-            <a:schemeClr val="lt1"/>
-          </a:fontRef>
-        </p:style>
-        <p:txBody>
-          <a:bodyPr wrap="none" lIns="45720" rIns="45720" rtlCol="0" anchor="ctr"/>
-          <a:lstStyle/>
-          <a:p>
-            <a:r>
-              <a:rPr lang="en-US" sz="900" dirty="0">
-                <a:solidFill>
-                  <a:srgbClr val="000000"/>
-                </a:solidFill>
-                <a:latin typeface="Courier New" panose="02070309020205020404" pitchFamily="49" charset="0"/>
-                <a:cs typeface="Courier New" panose="02070309020205020404" pitchFamily="49" charset="0"/>
-              </a:rPr>
-              <a:t>DOUT</a:t>
-            </a:r>
-            <a:endParaRPr lang="en-US" sz="900" dirty="0">
-              <a:solidFill>
-                <a:srgbClr val="000000"/>
-              </a:solidFill>
-              <a:latin typeface="Courier New" panose="02070309020205020404" pitchFamily="49" charset="0"/>
-              <a:cs typeface="Courier New" panose="02070309020205020404" pitchFamily="49" charset="0"/>
-            </a:endParaRPr>
-          </a:p>
-        </p:txBody>
-      </p:sp>
-      <p:sp>
-        <p:nvSpPr>
-          <p:cNvPr id="150" name="Pentagon 149"/>
-          <p:cNvSpPr/>
-          <p:nvPr/>
-        </p:nvSpPr>
-        <p:spPr>
-          <a:xfrm rot="10800000">
-            <a:off x="12496800" y="1143000"/>
-            <a:ext cx="228600" cy="152400"/>
-          </a:xfrm>
-          <a:prstGeom prst="homePlate">
-            <a:avLst/>
-          </a:prstGeom>
-          <a:noFill/>
-          <a:ln w="12700">
-            <a:solidFill>
-              <a:schemeClr val="tx1"/>
-            </a:solidFill>
-          </a:ln>
-        </p:spPr>
-        <p:style>
-          <a:lnRef idx="2">
-            <a:schemeClr val="accent1">
-              <a:shade val="50000"/>
-            </a:schemeClr>
-          </a:lnRef>
-          <a:fillRef idx="1">
-            <a:schemeClr val="accent1"/>
-          </a:fillRef>
-          <a:effectRef idx="0">
-            <a:schemeClr val="accent1"/>
-          </a:effectRef>
-          <a:fontRef idx="minor">
-            <a:schemeClr val="lt1"/>
-          </a:fontRef>
-        </p:style>
-        <p:txBody>
-          <a:bodyPr rot="0" spcFirstLastPara="0" vertOverflow="overflow" horzOverflow="overflow" vert="horz" wrap="square" lIns="91440" tIns="45720" rIns="91440" bIns="45720" numCol="1" spcCol="0" rtlCol="0" fromWordArt="0" anchor="ctr" anchorCtr="0" forceAA="0" compatLnSpc="1">
-            <a:prstTxWarp prst="textNoShape">
-              <a:avLst/>
-            </a:prstTxWarp>
-            <a:noAutofit/>
-          </a:bodyPr>
-          <a:lstStyle/>
-          <a:p>
-            <a:pPr algn="ctr"/>
-            <a:endParaRPr lang="en-US" sz="3730"/>
-          </a:p>
-        </p:txBody>
-      </p:sp>
-      <p:cxnSp>
-        <p:nvCxnSpPr>
-          <p:cNvPr id="151" name="Straight Connector 150"/>
-          <p:cNvCxnSpPr>
-            <a:stCxn id="150" idx="3"/>
-          </p:cNvCxnSpPr>
-          <p:nvPr/>
-        </p:nvCxnSpPr>
-        <p:spPr>
-          <a:xfrm flipH="1">
-            <a:off x="10363200" y="1219200"/>
-            <a:ext cx="2133600" cy="0"/>
-          </a:xfrm>
-          <a:prstGeom prst="line">
-            <a:avLst/>
-          </a:prstGeom>
-          <a:ln w="12700">
-            <a:solidFill>
-              <a:srgbClr val="000000"/>
-            </a:solidFill>
-            <a:headEnd type="none" w="med" len="med"/>
-            <a:tailEnd type="none" w="med" len="med"/>
-          </a:ln>
-        </p:spPr>
-        <p:style>
-          <a:lnRef idx="1">
-            <a:schemeClr val="accent1"/>
-          </a:lnRef>
-          <a:fillRef idx="0">
-            <a:schemeClr val="accent1"/>
-          </a:fillRef>
-          <a:effectRef idx="0">
-            <a:schemeClr val="accent1"/>
-          </a:effectRef>
-          <a:fontRef idx="minor">
-            <a:schemeClr val="tx1"/>
-          </a:fontRef>
-        </p:style>
-      </p:cxnSp>
-      <p:cxnSp>
-        <p:nvCxnSpPr>
-          <p:cNvPr id="152" name="Straight Connector 151"/>
-          <p:cNvCxnSpPr/>
-          <p:nvPr/>
-        </p:nvCxnSpPr>
-        <p:spPr>
-          <a:xfrm flipV="1">
-            <a:off x="12268200" y="1143000"/>
-            <a:ext cx="152400" cy="152400"/>
-          </a:xfrm>
-          <a:prstGeom prst="line">
-            <a:avLst/>
-          </a:prstGeom>
-          <a:ln w="12700">
-            <a:solidFill>
-              <a:srgbClr val="000000"/>
-            </a:solidFill>
-            <a:headEnd type="none" w="med" len="med"/>
-            <a:tailEnd type="none" w="med" len="med"/>
-          </a:ln>
-        </p:spPr>
-        <p:style>
-          <a:lnRef idx="1">
-            <a:schemeClr val="accent1"/>
-          </a:lnRef>
-          <a:fillRef idx="0">
-            <a:schemeClr val="accent1"/>
-          </a:fillRef>
-          <a:effectRef idx="0">
-            <a:schemeClr val="accent1"/>
-          </a:effectRef>
-          <a:fontRef idx="minor">
-            <a:schemeClr val="tx1"/>
-          </a:fontRef>
-        </p:style>
-      </p:cxnSp>
-      <p:sp>
-        <p:nvSpPr>
-          <p:cNvPr id="153" name="Rectangle 152"/>
-          <p:cNvSpPr/>
-          <p:nvPr/>
-        </p:nvSpPr>
-        <p:spPr>
-          <a:xfrm>
-            <a:off x="12268200" y="1066800"/>
-            <a:ext cx="152400" cy="76200"/>
-          </a:xfrm>
-          <a:prstGeom prst="rect">
-            <a:avLst/>
-          </a:prstGeom>
-          <a:noFill/>
-          <a:ln>
-            <a:noFill/>
-          </a:ln>
-        </p:spPr>
-        <p:style>
-          <a:lnRef idx="2">
-            <a:schemeClr val="accent1">
-              <a:shade val="50000"/>
-            </a:schemeClr>
-          </a:lnRef>
-          <a:fillRef idx="1">
-            <a:schemeClr val="accent1"/>
-          </a:fillRef>
-          <a:effectRef idx="0">
-            <a:schemeClr val="accent1"/>
-          </a:effectRef>
-          <a:fontRef idx="minor">
-            <a:schemeClr val="lt1"/>
-          </a:fontRef>
-        </p:style>
-        <p:txBody>
-          <a:bodyPr wrap="none" lIns="45720" rIns="45720" rtlCol="0" anchor="ctr"/>
-          <a:lstStyle/>
-          <a:p>
-            <a:pPr algn="ctr"/>
-            <a:r>
-              <a:rPr lang="en-US" sz="900" dirty="0">
-                <a:solidFill>
-                  <a:srgbClr val="000000"/>
-                </a:solidFill>
-                <a:latin typeface="Courier New" panose="02070309020205020404" pitchFamily="49" charset="0"/>
-                <a:cs typeface="Courier New" panose="02070309020205020404" pitchFamily="49" charset="0"/>
-              </a:rPr>
-              <a:t>2</a:t>
-            </a:r>
-            <a:endParaRPr lang="en-US" sz="900" dirty="0">
-              <a:solidFill>
-                <a:srgbClr val="000000"/>
-              </a:solidFill>
-              <a:latin typeface="Courier New" panose="02070309020205020404" pitchFamily="49" charset="0"/>
-              <a:cs typeface="Courier New" panose="02070309020205020404" pitchFamily="49" charset="0"/>
-            </a:endParaRPr>
-          </a:p>
-        </p:txBody>
-      </p:sp>
-      <p:sp>
-        <p:nvSpPr>
-          <p:cNvPr id="154" name="Rectangle 153"/>
-          <p:cNvSpPr/>
-          <p:nvPr/>
-        </p:nvSpPr>
-        <p:spPr>
-          <a:xfrm>
-            <a:off x="11430000" y="1066800"/>
-            <a:ext cx="457200" cy="152400"/>
-          </a:xfrm>
-          <a:prstGeom prst="rect">
-            <a:avLst/>
-          </a:prstGeom>
-          <a:noFill/>
-          <a:ln>
-            <a:noFill/>
-          </a:ln>
-        </p:spPr>
-        <p:style>
-          <a:lnRef idx="2">
-            <a:schemeClr val="accent1">
-              <a:shade val="50000"/>
-            </a:schemeClr>
-          </a:lnRef>
-          <a:fillRef idx="1">
-            <a:schemeClr val="accent1"/>
-          </a:fillRef>
-          <a:effectRef idx="0">
-            <a:schemeClr val="accent1"/>
-          </a:effectRef>
-          <a:fontRef idx="minor">
-            <a:schemeClr val="lt1"/>
-          </a:fontRef>
-        </p:style>
-        <p:txBody>
-          <a:bodyPr wrap="none" lIns="45720" rIns="45720" rtlCol="0" anchor="ctr"/>
-          <a:lstStyle/>
-          <a:p>
-            <a:r>
-              <a:rPr lang="en-US" sz="900" dirty="0">
-                <a:solidFill>
-                  <a:srgbClr val="000000"/>
-                </a:solidFill>
-                <a:latin typeface="Courier New" panose="02070309020205020404" pitchFamily="49" charset="0"/>
-                <a:cs typeface="Courier New" panose="02070309020205020404" pitchFamily="49" charset="0"/>
-              </a:rPr>
-              <a:t>DIN</a:t>
-            </a:r>
-            <a:endParaRPr lang="en-US" sz="900" dirty="0">
-              <a:solidFill>
-                <a:srgbClr val="000000"/>
-              </a:solidFill>
-              <a:latin typeface="Courier New" panose="02070309020205020404" pitchFamily="49" charset="0"/>
-              <a:cs typeface="Courier New" panose="02070309020205020404" pitchFamily="49" charset="0"/>
-            </a:endParaRPr>
-          </a:p>
-        </p:txBody>
-      </p:sp>
-      <p:cxnSp>
-        <p:nvCxnSpPr>
-          <p:cNvPr id="157" name="Straight Connector 156"/>
-          <p:cNvCxnSpPr/>
-          <p:nvPr/>
-        </p:nvCxnSpPr>
-        <p:spPr>
-          <a:xfrm flipH="1">
-            <a:off x="10363200" y="1524000"/>
-            <a:ext cx="609600" cy="0"/>
-          </a:xfrm>
-          <a:prstGeom prst="line">
-            <a:avLst/>
-          </a:prstGeom>
-          <a:ln w="12700">
-            <a:solidFill>
-              <a:srgbClr val="000000"/>
-            </a:solidFill>
-            <a:headEnd type="none" w="med" len="med"/>
-            <a:tailEnd type="none" w="med" len="med"/>
-          </a:ln>
-        </p:spPr>
-        <p:style>
-          <a:lnRef idx="1">
-            <a:schemeClr val="accent1"/>
-          </a:lnRef>
-          <a:fillRef idx="0">
-            <a:schemeClr val="accent1"/>
-          </a:fillRef>
-          <a:effectRef idx="0">
-            <a:schemeClr val="accent1"/>
-          </a:effectRef>
-          <a:fontRef idx="minor">
-            <a:schemeClr val="tx1"/>
-          </a:fontRef>
-        </p:style>
-      </p:cxnSp>
-      <p:cxnSp>
-        <p:nvCxnSpPr>
-          <p:cNvPr id="159" name="Straight Connector 158"/>
-          <p:cNvCxnSpPr/>
-          <p:nvPr/>
-        </p:nvCxnSpPr>
-        <p:spPr>
-          <a:xfrm flipH="1">
-            <a:off x="10896600" y="1447800"/>
-            <a:ext cx="152400" cy="152400"/>
-          </a:xfrm>
-          <a:prstGeom prst="line">
-            <a:avLst/>
-          </a:prstGeom>
-          <a:ln w="12700">
-            <a:solidFill>
-              <a:srgbClr val="000000"/>
-            </a:solidFill>
-            <a:headEnd type="none" w="med" len="med"/>
-            <a:tailEnd type="none" w="med" len="med"/>
-          </a:ln>
-        </p:spPr>
-        <p:style>
-          <a:lnRef idx="1">
-            <a:schemeClr val="accent1"/>
-          </a:lnRef>
-          <a:fillRef idx="0">
-            <a:schemeClr val="accent1"/>
-          </a:fillRef>
-          <a:effectRef idx="0">
-            <a:schemeClr val="accent1"/>
-          </a:effectRef>
-          <a:fontRef idx="minor">
-            <a:schemeClr val="tx1"/>
-          </a:fontRef>
-        </p:style>
-      </p:cxnSp>
-      <p:cxnSp>
-        <p:nvCxnSpPr>
-          <p:cNvPr id="161" name="Straight Connector 160"/>
-          <p:cNvCxnSpPr/>
-          <p:nvPr/>
-        </p:nvCxnSpPr>
-        <p:spPr>
-          <a:xfrm flipH="1" flipV="1">
-            <a:off x="10896600" y="1447800"/>
-            <a:ext cx="152400" cy="152400"/>
-          </a:xfrm>
-          <a:prstGeom prst="line">
-            <a:avLst/>
-          </a:prstGeom>
-          <a:ln w="12700">
-            <a:solidFill>
-              <a:srgbClr val="000000"/>
-            </a:solidFill>
-            <a:headEnd type="none" w="med" len="med"/>
-            <a:tailEnd type="none" w="med" len="med"/>
-          </a:ln>
-        </p:spPr>
-        <p:style>
-          <a:lnRef idx="1">
-            <a:schemeClr val="accent1"/>
-          </a:lnRef>
-          <a:fillRef idx="0">
-            <a:schemeClr val="accent1"/>
-          </a:fillRef>
-          <a:effectRef idx="0">
-            <a:schemeClr val="accent1"/>
-          </a:effectRef>
-          <a:fontRef idx="minor">
-            <a:schemeClr val="tx1"/>
-          </a:fontRef>
-        </p:style>
-      </p:cxnSp>
-      <p:sp>
-        <p:nvSpPr>
-          <p:cNvPr id="163" name="Rectangle 162"/>
-          <p:cNvSpPr/>
-          <p:nvPr/>
-        </p:nvSpPr>
-        <p:spPr>
-          <a:xfrm>
-            <a:off x="8991600" y="2286000"/>
-            <a:ext cx="457200" cy="152400"/>
-          </a:xfrm>
-          <a:prstGeom prst="rect">
-            <a:avLst/>
-          </a:prstGeom>
-          <a:noFill/>
-          <a:ln>
-            <a:noFill/>
-          </a:ln>
-        </p:spPr>
-        <p:style>
-          <a:lnRef idx="2">
-            <a:schemeClr val="accent1">
-              <a:shade val="50000"/>
-            </a:schemeClr>
-          </a:lnRef>
-          <a:fillRef idx="1">
-            <a:schemeClr val="accent1"/>
-          </a:fillRef>
-          <a:effectRef idx="0">
-            <a:schemeClr val="accent1"/>
-          </a:effectRef>
-          <a:fontRef idx="minor">
-            <a:schemeClr val="lt1"/>
-          </a:fontRef>
-        </p:style>
-        <p:txBody>
-          <a:bodyPr wrap="none" lIns="45720" rIns="45720" rtlCol="0" anchor="ctr"/>
-          <a:lstStyle/>
-          <a:p>
-            <a:r>
-              <a:rPr lang="en-US" sz="900" dirty="0">
-                <a:solidFill>
-                  <a:srgbClr val="000000"/>
-                </a:solidFill>
-                <a:latin typeface="Courier New" panose="02070309020205020404" pitchFamily="49" charset="0"/>
-                <a:cs typeface="Courier New" panose="02070309020205020404" pitchFamily="49" charset="0"/>
-              </a:rPr>
-              <a:t>CLKP_DIV</a:t>
-            </a:r>
-            <a:endParaRPr lang="en-US" sz="900" dirty="0">
-              <a:solidFill>
-                <a:srgbClr val="000000"/>
-              </a:solidFill>
-              <a:latin typeface="Courier New" panose="02070309020205020404" pitchFamily="49" charset="0"/>
-              <a:cs typeface="Courier New" panose="02070309020205020404" pitchFamily="49" charset="0"/>
-            </a:endParaRPr>
-          </a:p>
-        </p:txBody>
-      </p:sp>
-      <p:cxnSp>
-        <p:nvCxnSpPr>
-          <p:cNvPr id="164" name="Straight Connector 163"/>
-          <p:cNvCxnSpPr/>
-          <p:nvPr/>
-        </p:nvCxnSpPr>
-        <p:spPr>
-          <a:xfrm flipH="1" flipV="1">
-            <a:off x="8991600" y="2362200"/>
-            <a:ext cx="76200" cy="76200"/>
-          </a:xfrm>
-          <a:prstGeom prst="line">
-            <a:avLst/>
-          </a:prstGeom>
-          <a:ln w="12700">
-            <a:solidFill>
-              <a:srgbClr val="000000"/>
-            </a:solidFill>
-            <a:headEnd type="none" w="med" len="med"/>
-            <a:tailEnd type="none" w="med" len="med"/>
-          </a:ln>
-        </p:spPr>
-        <p:style>
-          <a:lnRef idx="1">
-            <a:schemeClr val="accent1"/>
-          </a:lnRef>
-          <a:fillRef idx="0">
-            <a:schemeClr val="accent1"/>
-          </a:fillRef>
-          <a:effectRef idx="0">
-            <a:schemeClr val="accent1"/>
-          </a:effectRef>
-          <a:fontRef idx="minor">
-            <a:schemeClr val="tx1"/>
-          </a:fontRef>
-        </p:style>
-      </p:cxnSp>
-      <p:cxnSp>
-        <p:nvCxnSpPr>
-          <p:cNvPr id="165" name="Straight Connector 164"/>
-          <p:cNvCxnSpPr/>
-          <p:nvPr/>
-        </p:nvCxnSpPr>
-        <p:spPr>
-          <a:xfrm flipH="1">
-            <a:off x="8991600" y="2438400"/>
-            <a:ext cx="76200" cy="76200"/>
-          </a:xfrm>
-          <a:prstGeom prst="line">
-            <a:avLst/>
-          </a:prstGeom>
-          <a:ln w="12700">
-            <a:solidFill>
-              <a:srgbClr val="000000"/>
-            </a:solidFill>
-            <a:headEnd type="none" w="med" len="med"/>
-            <a:tailEnd type="none" w="med" len="med"/>
-          </a:ln>
-        </p:spPr>
-        <p:style>
-          <a:lnRef idx="1">
-            <a:schemeClr val="accent1"/>
-          </a:lnRef>
-          <a:fillRef idx="0">
-            <a:schemeClr val="accent1"/>
-          </a:fillRef>
-          <a:effectRef idx="0">
-            <a:schemeClr val="accent1"/>
-          </a:effectRef>
-          <a:fontRef idx="minor">
-            <a:schemeClr val="tx1"/>
-          </a:fontRef>
-        </p:style>
-      </p:cxnSp>
-      <p:sp>
-        <p:nvSpPr>
-          <p:cNvPr id="166" name="Rectangle 165"/>
-          <p:cNvSpPr/>
-          <p:nvPr/>
-        </p:nvSpPr>
-        <p:spPr>
-          <a:xfrm>
-            <a:off x="8991600" y="2057400"/>
-            <a:ext cx="457200" cy="152400"/>
-          </a:xfrm>
-          <a:prstGeom prst="rect">
-            <a:avLst/>
-          </a:prstGeom>
-          <a:noFill/>
-          <a:ln>
-            <a:noFill/>
-          </a:ln>
-        </p:spPr>
-        <p:style>
-          <a:lnRef idx="2">
-            <a:schemeClr val="accent1">
-              <a:shade val="50000"/>
-            </a:schemeClr>
-          </a:lnRef>
-          <a:fillRef idx="1">
-            <a:schemeClr val="accent1"/>
-          </a:fillRef>
-          <a:effectRef idx="0">
-            <a:schemeClr val="accent1"/>
-          </a:effectRef>
-          <a:fontRef idx="minor">
-            <a:schemeClr val="lt1"/>
-          </a:fontRef>
-        </p:style>
-        <p:txBody>
-          <a:bodyPr wrap="none" lIns="45720" rIns="45720" rtlCol="0" anchor="ctr"/>
-          <a:lstStyle/>
-          <a:p>
-            <a:r>
-              <a:rPr lang="en-US" sz="900" dirty="0">
-                <a:solidFill>
-                  <a:srgbClr val="000000"/>
-                </a:solidFill>
-                <a:latin typeface="Courier New" panose="02070309020205020404" pitchFamily="49" charset="0"/>
-                <a:cs typeface="Courier New" panose="02070309020205020404" pitchFamily="49" charset="0"/>
-              </a:rPr>
-              <a:t>RSTX_CLKP_DIV</a:t>
-            </a:r>
-            <a:endParaRPr lang="en-US" sz="900" dirty="0">
-              <a:solidFill>
-                <a:srgbClr val="000000"/>
-              </a:solidFill>
-              <a:latin typeface="Courier New" panose="02070309020205020404" pitchFamily="49" charset="0"/>
-              <a:cs typeface="Courier New" panose="02070309020205020404" pitchFamily="49" charset="0"/>
-            </a:endParaRPr>
-          </a:p>
-        </p:txBody>
-      </p:sp>
-      <p:sp>
-        <p:nvSpPr>
-          <p:cNvPr id="167" name="Rectangle 166"/>
-          <p:cNvSpPr/>
-          <p:nvPr/>
-        </p:nvSpPr>
-        <p:spPr>
-          <a:xfrm>
-            <a:off x="8991600" y="2895600"/>
-            <a:ext cx="457200" cy="152400"/>
-          </a:xfrm>
-          <a:prstGeom prst="rect">
-            <a:avLst/>
-          </a:prstGeom>
-          <a:noFill/>
-          <a:ln>
-            <a:noFill/>
-          </a:ln>
-        </p:spPr>
-        <p:style>
-          <a:lnRef idx="2">
-            <a:schemeClr val="accent1">
-              <a:shade val="50000"/>
-            </a:schemeClr>
-          </a:lnRef>
-          <a:fillRef idx="1">
-            <a:schemeClr val="accent1"/>
-          </a:fillRef>
-          <a:effectRef idx="0">
-            <a:schemeClr val="accent1"/>
-          </a:effectRef>
-          <a:fontRef idx="minor">
-            <a:schemeClr val="lt1"/>
-          </a:fontRef>
-        </p:style>
-        <p:txBody>
-          <a:bodyPr wrap="none" lIns="45720" rIns="45720" rtlCol="0" anchor="ctr"/>
-          <a:lstStyle/>
-          <a:p>
-            <a:r>
-              <a:rPr lang="en-US" sz="900" dirty="0">
-                <a:solidFill>
-                  <a:srgbClr val="000000"/>
-                </a:solidFill>
-                <a:latin typeface="Courier New" panose="02070309020205020404" pitchFamily="49" charset="0"/>
-                <a:cs typeface="Courier New" panose="02070309020205020404" pitchFamily="49" charset="0"/>
-              </a:rPr>
-              <a:t>CLK</a:t>
-            </a:r>
-            <a:endParaRPr lang="en-US" sz="900" dirty="0">
-              <a:solidFill>
-                <a:srgbClr val="000000"/>
-              </a:solidFill>
-              <a:latin typeface="Courier New" panose="02070309020205020404" pitchFamily="49" charset="0"/>
-              <a:cs typeface="Courier New" panose="02070309020205020404" pitchFamily="49" charset="0"/>
-            </a:endParaRPr>
-          </a:p>
-        </p:txBody>
-      </p:sp>
-      <p:cxnSp>
-        <p:nvCxnSpPr>
-          <p:cNvPr id="168" name="Straight Connector 167"/>
-          <p:cNvCxnSpPr/>
-          <p:nvPr/>
-        </p:nvCxnSpPr>
-        <p:spPr>
-          <a:xfrm flipH="1" flipV="1">
-            <a:off x="8991600" y="2971800"/>
-            <a:ext cx="76200" cy="76200"/>
-          </a:xfrm>
-          <a:prstGeom prst="line">
-            <a:avLst/>
-          </a:prstGeom>
-          <a:ln w="12700">
-            <a:solidFill>
-              <a:srgbClr val="000000"/>
-            </a:solidFill>
-            <a:headEnd type="none" w="med" len="med"/>
-            <a:tailEnd type="none" w="med" len="med"/>
-          </a:ln>
-        </p:spPr>
-        <p:style>
-          <a:lnRef idx="1">
-            <a:schemeClr val="accent1"/>
-          </a:lnRef>
-          <a:fillRef idx="0">
-            <a:schemeClr val="accent1"/>
-          </a:fillRef>
-          <a:effectRef idx="0">
-            <a:schemeClr val="accent1"/>
-          </a:effectRef>
-          <a:fontRef idx="minor">
-            <a:schemeClr val="tx1"/>
-          </a:fontRef>
-        </p:style>
-      </p:cxnSp>
-      <p:cxnSp>
-        <p:nvCxnSpPr>
-          <p:cNvPr id="169" name="Straight Connector 168"/>
-          <p:cNvCxnSpPr/>
-          <p:nvPr/>
-        </p:nvCxnSpPr>
-        <p:spPr>
-          <a:xfrm flipH="1">
-            <a:off x="8991600" y="3048000"/>
-            <a:ext cx="76200" cy="76200"/>
-          </a:xfrm>
-          <a:prstGeom prst="line">
-            <a:avLst/>
-          </a:prstGeom>
-          <a:ln w="12700">
-            <a:solidFill>
-              <a:srgbClr val="000000"/>
-            </a:solidFill>
-            <a:headEnd type="none" w="med" len="med"/>
-            <a:tailEnd type="none" w="med" len="med"/>
-          </a:ln>
-        </p:spPr>
-        <p:style>
-          <a:lnRef idx="1">
-            <a:schemeClr val="accent1"/>
-          </a:lnRef>
-          <a:fillRef idx="0">
-            <a:schemeClr val="accent1"/>
-          </a:fillRef>
-          <a:effectRef idx="0">
-            <a:schemeClr val="accent1"/>
-          </a:effectRef>
-          <a:fontRef idx="minor">
-            <a:schemeClr val="tx1"/>
-          </a:fontRef>
-        </p:style>
-      </p:cxnSp>
-      <p:sp>
-        <p:nvSpPr>
-          <p:cNvPr id="170" name="Rectangle 169"/>
-          <p:cNvSpPr/>
-          <p:nvPr/>
-        </p:nvSpPr>
-        <p:spPr>
-          <a:xfrm>
-            <a:off x="8991600" y="2667000"/>
-            <a:ext cx="457200" cy="152400"/>
-          </a:xfrm>
-          <a:prstGeom prst="rect">
-            <a:avLst/>
-          </a:prstGeom>
-          <a:noFill/>
-          <a:ln>
-            <a:noFill/>
-          </a:ln>
-        </p:spPr>
-        <p:style>
-          <a:lnRef idx="2">
-            <a:schemeClr val="accent1">
-              <a:shade val="50000"/>
-            </a:schemeClr>
-          </a:lnRef>
-          <a:fillRef idx="1">
-            <a:schemeClr val="accent1"/>
-          </a:fillRef>
-          <a:effectRef idx="0">
-            <a:schemeClr val="accent1"/>
-          </a:effectRef>
-          <a:fontRef idx="minor">
-            <a:schemeClr val="lt1"/>
-          </a:fontRef>
-        </p:style>
-        <p:txBody>
-          <a:bodyPr wrap="none" lIns="45720" rIns="45720" rtlCol="0" anchor="ctr"/>
-          <a:lstStyle/>
-          <a:p>
-            <a:r>
-              <a:rPr lang="en-US" sz="900" dirty="0">
-                <a:solidFill>
-                  <a:srgbClr val="000000"/>
-                </a:solidFill>
-                <a:latin typeface="Courier New" panose="02070309020205020404" pitchFamily="49" charset="0"/>
-                <a:cs typeface="Courier New" panose="02070309020205020404" pitchFamily="49" charset="0"/>
-              </a:rPr>
-              <a:t>RSTX</a:t>
-            </a:r>
-            <a:endParaRPr lang="en-US" sz="900" dirty="0">
-              <a:solidFill>
-                <a:srgbClr val="000000"/>
-              </a:solidFill>
-              <a:latin typeface="Courier New" panose="02070309020205020404" pitchFamily="49" charset="0"/>
-              <a:cs typeface="Courier New" panose="02070309020205020404" pitchFamily="49" charset="0"/>
-            </a:endParaRPr>
-          </a:p>
-        </p:txBody>
-      </p:sp>
-      <p:sp>
-        <p:nvSpPr>
-          <p:cNvPr id="171" name="Rectangle 170"/>
-          <p:cNvSpPr/>
-          <p:nvPr/>
-        </p:nvSpPr>
-        <p:spPr>
-          <a:xfrm>
-            <a:off x="5791200" y="1447800"/>
-            <a:ext cx="457200" cy="152400"/>
-          </a:xfrm>
-          <a:prstGeom prst="rect">
-            <a:avLst/>
-          </a:prstGeom>
-          <a:noFill/>
-          <a:ln>
-            <a:noFill/>
-          </a:ln>
-        </p:spPr>
-        <p:style>
-          <a:lnRef idx="2">
-            <a:schemeClr val="accent1">
-              <a:shade val="50000"/>
-            </a:schemeClr>
-          </a:lnRef>
-          <a:fillRef idx="1">
-            <a:schemeClr val="accent1"/>
-          </a:fillRef>
-          <a:effectRef idx="0">
-            <a:schemeClr val="accent1"/>
-          </a:effectRef>
-          <a:fontRef idx="minor">
-            <a:schemeClr val="lt1"/>
-          </a:fontRef>
-        </p:style>
-        <p:txBody>
-          <a:bodyPr wrap="none" lIns="45720" rIns="45720" rtlCol="0" anchor="ctr"/>
-          <a:lstStyle/>
-          <a:p>
-            <a:pPr algn="r"/>
-            <a:r>
-              <a:rPr lang="en-US" sz="900" dirty="0">
-                <a:solidFill>
-                  <a:srgbClr val="000000"/>
-                </a:solidFill>
-                <a:latin typeface="Courier New" panose="02070309020205020404" pitchFamily="49" charset="0"/>
-                <a:cs typeface="Courier New" panose="02070309020205020404" pitchFamily="49" charset="0"/>
-              </a:rPr>
-              <a:t>RSTX_CLKP</a:t>
-            </a:r>
-            <a:endParaRPr lang="en-US" sz="900" dirty="0">
-              <a:solidFill>
-                <a:srgbClr val="000000"/>
-              </a:solidFill>
-              <a:latin typeface="Courier New" panose="02070309020205020404" pitchFamily="49" charset="0"/>
-              <a:cs typeface="Courier New" panose="02070309020205020404" pitchFamily="49" charset="0"/>
-            </a:endParaRPr>
-          </a:p>
-        </p:txBody>
-      </p:sp>
-      <p:sp>
-        <p:nvSpPr>
-          <p:cNvPr id="172" name="Rectangle 171"/>
-          <p:cNvSpPr/>
-          <p:nvPr/>
-        </p:nvSpPr>
-        <p:spPr>
-          <a:xfrm>
-            <a:off x="5791200" y="1752600"/>
-            <a:ext cx="457200" cy="152400"/>
-          </a:xfrm>
-          <a:prstGeom prst="rect">
-            <a:avLst/>
-          </a:prstGeom>
-          <a:noFill/>
-          <a:ln>
-            <a:noFill/>
-          </a:ln>
-        </p:spPr>
-        <p:style>
-          <a:lnRef idx="2">
-            <a:schemeClr val="accent1">
-              <a:shade val="50000"/>
-            </a:schemeClr>
-          </a:lnRef>
-          <a:fillRef idx="1">
-            <a:schemeClr val="accent1"/>
-          </a:fillRef>
-          <a:effectRef idx="0">
-            <a:schemeClr val="accent1"/>
-          </a:effectRef>
-          <a:fontRef idx="minor">
-            <a:schemeClr val="lt1"/>
-          </a:fontRef>
-        </p:style>
-        <p:txBody>
-          <a:bodyPr wrap="none" lIns="45720" rIns="45720" rtlCol="0" anchor="ctr"/>
-          <a:lstStyle/>
-          <a:p>
-            <a:pPr algn="r"/>
-            <a:r>
-              <a:rPr lang="en-US" sz="900" dirty="0">
-                <a:solidFill>
-                  <a:srgbClr val="000000"/>
-                </a:solidFill>
-                <a:latin typeface="Courier New" panose="02070309020205020404" pitchFamily="49" charset="0"/>
-                <a:cs typeface="Courier New" panose="02070309020205020404" pitchFamily="49" charset="0"/>
-              </a:rPr>
-              <a:t>CLKP</a:t>
-            </a:r>
-            <a:endParaRPr lang="en-US" sz="900" dirty="0">
-              <a:solidFill>
-                <a:srgbClr val="000000"/>
-              </a:solidFill>
-              <a:latin typeface="Courier New" panose="02070309020205020404" pitchFamily="49" charset="0"/>
-              <a:cs typeface="Courier New" panose="02070309020205020404" pitchFamily="49" charset="0"/>
-            </a:endParaRPr>
           </a:p>
         </p:txBody>
       </p:sp>
@@ -11313,14 +11181,14 @@
           <a:p>
             <a:pPr algn="r"/>
             <a:r>
-              <a:rPr lang="en-US" sz="900" dirty="0">
+              <a:rPr lang="en-US" sz="900" dirty="0" smtClean="0">
                 <a:solidFill>
                   <a:srgbClr val="000000"/>
                 </a:solidFill>
                 <a:latin typeface="Courier New" panose="02070309020205020404" pitchFamily="49" charset="0"/>
                 <a:cs typeface="Courier New" panose="02070309020205020404" pitchFamily="49" charset="0"/>
               </a:rPr>
-              <a:t>RSTX_CLKP_DIV</a:t>
+              <a:t>RSTXD</a:t>
             </a:r>
             <a:endParaRPr lang="en-US" sz="900" dirty="0">
               <a:solidFill>

--- a/0060_serial/rtl/schematic/pll_test.pptx
+++ b/0060_serial/rtl/schematic/pll_test.pptx
@@ -6326,7 +6326,7 @@
         </p:nvSpPr>
         <p:spPr>
           <a:xfrm>
-            <a:off x="6477000" y="6781800"/>
+            <a:off x="6553200" y="6781800"/>
             <a:ext cx="457200" cy="152400"/>
           </a:xfrm>
           <a:prstGeom prst="rect">
@@ -6425,7 +6425,7 @@
                 <a:latin typeface="Courier New" panose="02070309020205020404" pitchFamily="49" charset="0"/>
                 <a:cs typeface="Courier New" panose="02070309020205020404" pitchFamily="49" charset="0"/>
               </a:rPr>
-              <a:t>CLKD</a:t>
+              <a:t>CLKF</a:t>
             </a:r>
             <a:endParaRPr lang="en-US" sz="900" dirty="0">
               <a:solidFill>
@@ -9646,6 +9646,199 @@
           <a:lstStyle/>
           <a:p>
             <a:r>
+              <a:rPr lang="en-US" sz="900" dirty="0" smtClean="0">
+                <a:solidFill>
+                  <a:srgbClr val="000000"/>
+                </a:solidFill>
+                <a:latin typeface="Courier New" panose="02070309020205020404" pitchFamily="49" charset="0"/>
+                <a:cs typeface="Courier New" panose="02070309020205020404" pitchFamily="49" charset="0"/>
+              </a:rPr>
+              <a:t>CLKS</a:t>
+            </a:r>
+            <a:endParaRPr lang="en-US" sz="900" dirty="0">
+              <a:solidFill>
+                <a:srgbClr val="000000"/>
+              </a:solidFill>
+              <a:latin typeface="Courier New" panose="02070309020205020404" pitchFamily="49" charset="0"/>
+              <a:cs typeface="Courier New" panose="02070309020205020404" pitchFamily="49" charset="0"/>
+            </a:endParaRPr>
+          </a:p>
+        </p:txBody>
+      </p:sp>
+      <p:cxnSp>
+        <p:nvCxnSpPr>
+          <p:cNvPr id="137" name="Straight Connector 136"/>
+          <p:cNvCxnSpPr/>
+          <p:nvPr/>
+        </p:nvCxnSpPr>
+        <p:spPr>
+          <a:xfrm flipH="1" flipV="1">
+            <a:off x="8991600" y="1752600"/>
+            <a:ext cx="76200" cy="76200"/>
+          </a:xfrm>
+          <a:prstGeom prst="line">
+            <a:avLst/>
+          </a:prstGeom>
+          <a:ln w="12700">
+            <a:solidFill>
+              <a:srgbClr val="000000"/>
+            </a:solidFill>
+            <a:headEnd type="none" w="med" len="med"/>
+            <a:tailEnd type="none" w="med" len="med"/>
+          </a:ln>
+        </p:spPr>
+        <p:style>
+          <a:lnRef idx="1">
+            <a:schemeClr val="accent1"/>
+          </a:lnRef>
+          <a:fillRef idx="0">
+            <a:schemeClr val="accent1"/>
+          </a:fillRef>
+          <a:effectRef idx="0">
+            <a:schemeClr val="accent1"/>
+          </a:effectRef>
+          <a:fontRef idx="minor">
+            <a:schemeClr val="tx1"/>
+          </a:fontRef>
+        </p:style>
+      </p:cxnSp>
+      <p:cxnSp>
+        <p:nvCxnSpPr>
+          <p:cNvPr id="138" name="Straight Connector 137"/>
+          <p:cNvCxnSpPr/>
+          <p:nvPr/>
+        </p:nvCxnSpPr>
+        <p:spPr>
+          <a:xfrm flipH="1">
+            <a:off x="8991600" y="1828800"/>
+            <a:ext cx="76200" cy="76200"/>
+          </a:xfrm>
+          <a:prstGeom prst="line">
+            <a:avLst/>
+          </a:prstGeom>
+          <a:ln w="12700">
+            <a:solidFill>
+              <a:srgbClr val="000000"/>
+            </a:solidFill>
+            <a:headEnd type="none" w="med" len="med"/>
+            <a:tailEnd type="none" w="med" len="med"/>
+          </a:ln>
+        </p:spPr>
+        <p:style>
+          <a:lnRef idx="1">
+            <a:schemeClr val="accent1"/>
+          </a:lnRef>
+          <a:fillRef idx="0">
+            <a:schemeClr val="accent1"/>
+          </a:fillRef>
+          <a:effectRef idx="0">
+            <a:schemeClr val="accent1"/>
+          </a:effectRef>
+          <a:fontRef idx="minor">
+            <a:schemeClr val="tx1"/>
+          </a:fontRef>
+        </p:style>
+      </p:cxnSp>
+      <p:sp>
+        <p:nvSpPr>
+          <p:cNvPr id="139" name="Rectangle 138"/>
+          <p:cNvSpPr/>
+          <p:nvPr/>
+        </p:nvSpPr>
+        <p:spPr>
+          <a:xfrm>
+            <a:off x="8991600" y="1447800"/>
+            <a:ext cx="457200" cy="152400"/>
+          </a:xfrm>
+          <a:prstGeom prst="rect">
+            <a:avLst/>
+          </a:prstGeom>
+          <a:noFill/>
+          <a:ln>
+            <a:noFill/>
+          </a:ln>
+        </p:spPr>
+        <p:style>
+          <a:lnRef idx="2">
+            <a:schemeClr val="accent1">
+              <a:shade val="50000"/>
+            </a:schemeClr>
+          </a:lnRef>
+          <a:fillRef idx="1">
+            <a:schemeClr val="accent1"/>
+          </a:fillRef>
+          <a:effectRef idx="0">
+            <a:schemeClr val="accent1"/>
+          </a:effectRef>
+          <a:fontRef idx="minor">
+            <a:schemeClr val="lt1"/>
+          </a:fontRef>
+        </p:style>
+        <p:txBody>
+          <a:bodyPr wrap="none" lIns="45720" rIns="45720" rtlCol="0" anchor="ctr"/>
+          <a:lstStyle/>
+          <a:p>
+            <a:r>
+              <a:rPr lang="en-US" sz="900" dirty="0" smtClean="0">
+                <a:solidFill>
+                  <a:srgbClr val="000000"/>
+                </a:solidFill>
+                <a:latin typeface="Courier New" panose="02070309020205020404" pitchFamily="49" charset="0"/>
+                <a:cs typeface="Courier New" panose="02070309020205020404" pitchFamily="49" charset="0"/>
+              </a:rPr>
+              <a:t>RSTXS</a:t>
+            </a:r>
+            <a:endParaRPr lang="en-US" sz="900" dirty="0">
+              <a:solidFill>
+                <a:srgbClr val="000000"/>
+              </a:solidFill>
+              <a:latin typeface="Courier New" panose="02070309020205020404" pitchFamily="49" charset="0"/>
+              <a:cs typeface="Courier New" panose="02070309020205020404" pitchFamily="49" charset="0"/>
+            </a:endParaRPr>
+          </a:p>
+        </p:txBody>
+      </p:sp>
+      <p:sp>
+        <p:nvSpPr>
+          <p:cNvPr id="140" name="Rectangle 139"/>
+          <p:cNvSpPr/>
+          <p:nvPr/>
+        </p:nvSpPr>
+        <p:spPr>
+          <a:xfrm>
+            <a:off x="9906000" y="1143000"/>
+            <a:ext cx="457200" cy="152400"/>
+          </a:xfrm>
+          <a:prstGeom prst="rect">
+            <a:avLst/>
+          </a:prstGeom>
+          <a:noFill/>
+          <a:ln>
+            <a:noFill/>
+          </a:ln>
+        </p:spPr>
+        <p:style>
+          <a:lnRef idx="2">
+            <a:schemeClr val="accent1">
+              <a:shade val="50000"/>
+            </a:schemeClr>
+          </a:lnRef>
+          <a:fillRef idx="1">
+            <a:schemeClr val="accent1"/>
+          </a:fillRef>
+          <a:effectRef idx="0">
+            <a:schemeClr val="accent1"/>
+          </a:effectRef>
+          <a:fontRef idx="minor">
+            <a:schemeClr val="lt1"/>
+          </a:fontRef>
+        </p:style>
+        <p:txBody>
+          <a:bodyPr wrap="none" lIns="45720" rIns="45720" rtlCol="0" anchor="ctr"/>
+          <a:lstStyle/>
+          <a:p>
+            <a:pPr algn="r"/>
+            <a:r>
               <a:rPr lang="en-US" sz="900" dirty="0">
                 <a:solidFill>
                   <a:srgbClr val="000000"/>
@@ -9653,21 +9846,233 @@
                 <a:latin typeface="Courier New" panose="02070309020205020404" pitchFamily="49" charset="0"/>
                 <a:cs typeface="Courier New" panose="02070309020205020404" pitchFamily="49" charset="0"/>
               </a:rPr>
-              <a:t>CLKP</a:t>
-            </a:r>
+              <a:t>DIN</a:t>
+            </a:r>
+          </a:p>
+        </p:txBody>
+      </p:sp>
+      <p:sp>
+        <p:nvSpPr>
+          <p:cNvPr id="141" name="Rectangle 140"/>
+          <p:cNvSpPr/>
+          <p:nvPr/>
+        </p:nvSpPr>
+        <p:spPr>
+          <a:xfrm>
+            <a:off x="8991600" y="457200"/>
+            <a:ext cx="457200" cy="152400"/>
+          </a:xfrm>
+          <a:prstGeom prst="rect">
+            <a:avLst/>
+          </a:prstGeom>
+          <a:noFill/>
+          <a:ln>
+            <a:noFill/>
+          </a:ln>
+        </p:spPr>
+        <p:style>
+          <a:lnRef idx="2">
+            <a:schemeClr val="accent1">
+              <a:shade val="50000"/>
+            </a:schemeClr>
+          </a:lnRef>
+          <a:fillRef idx="1">
+            <a:schemeClr val="accent1"/>
+          </a:fillRef>
+          <a:effectRef idx="0">
+            <a:schemeClr val="accent1"/>
+          </a:effectRef>
+          <a:fontRef idx="minor">
+            <a:schemeClr val="lt1"/>
+          </a:fontRef>
+        </p:style>
+        <p:txBody>
+          <a:bodyPr wrap="none" lIns="45720" rIns="45720" rtlCol="0" anchor="ctr"/>
+          <a:lstStyle/>
+          <a:p>
+            <a:r>
+              <a:rPr lang="en-US" sz="900" dirty="0">
+                <a:solidFill>
+                  <a:srgbClr val="000000"/>
+                </a:solidFill>
+                <a:latin typeface="Courier New" panose="02070309020205020404" pitchFamily="49" charset="0"/>
+                <a:cs typeface="Courier New" panose="02070309020205020404" pitchFamily="49" charset="0"/>
+              </a:rPr>
+              <a:t>i_lvds1</a:t>
+            </a:r>
+          </a:p>
+        </p:txBody>
+      </p:sp>
+      <p:sp>
+        <p:nvSpPr>
+          <p:cNvPr id="142" name="Rectangle 141"/>
+          <p:cNvSpPr/>
+          <p:nvPr/>
+        </p:nvSpPr>
+        <p:spPr>
+          <a:xfrm>
+            <a:off x="9906000" y="1447800"/>
+            <a:ext cx="457200" cy="152400"/>
+          </a:xfrm>
+          <a:prstGeom prst="rect">
+            <a:avLst/>
+          </a:prstGeom>
+          <a:noFill/>
+          <a:ln>
+            <a:noFill/>
+          </a:ln>
+        </p:spPr>
+        <p:style>
+          <a:lnRef idx="2">
+            <a:schemeClr val="accent1">
+              <a:shade val="50000"/>
+            </a:schemeClr>
+          </a:lnRef>
+          <a:fillRef idx="1">
+            <a:schemeClr val="accent1"/>
+          </a:fillRef>
+          <a:effectRef idx="0">
+            <a:schemeClr val="accent1"/>
+          </a:effectRef>
+          <a:fontRef idx="minor">
+            <a:schemeClr val="lt1"/>
+          </a:fontRef>
+        </p:style>
+        <p:txBody>
+          <a:bodyPr wrap="none" lIns="45720" rIns="45720" rtlCol="0" anchor="ctr"/>
+          <a:lstStyle/>
+          <a:p>
+            <a:pPr algn="r"/>
+            <a:r>
+              <a:rPr lang="en-US" sz="900" dirty="0">
+                <a:solidFill>
+                  <a:srgbClr val="000000"/>
+                </a:solidFill>
+                <a:latin typeface="Courier New" panose="02070309020205020404" pitchFamily="49" charset="0"/>
+                <a:cs typeface="Courier New" panose="02070309020205020404" pitchFamily="49" charset="0"/>
+              </a:rPr>
+              <a:t>ERR_CNT</a:t>
+            </a:r>
+          </a:p>
+        </p:txBody>
+      </p:sp>
+      <p:sp>
+        <p:nvSpPr>
+          <p:cNvPr id="144" name="Rectangle 143"/>
+          <p:cNvSpPr/>
+          <p:nvPr/>
+        </p:nvSpPr>
+        <p:spPr>
+          <a:xfrm>
+            <a:off x="9906000" y="838200"/>
+            <a:ext cx="457200" cy="152400"/>
+          </a:xfrm>
+          <a:prstGeom prst="rect">
+            <a:avLst/>
+          </a:prstGeom>
+          <a:noFill/>
+          <a:ln>
+            <a:noFill/>
+          </a:ln>
+        </p:spPr>
+        <p:style>
+          <a:lnRef idx="2">
+            <a:schemeClr val="accent1">
+              <a:shade val="50000"/>
+            </a:schemeClr>
+          </a:lnRef>
+          <a:fillRef idx="1">
+            <a:schemeClr val="accent1"/>
+          </a:fillRef>
+          <a:effectRef idx="0">
+            <a:schemeClr val="accent1"/>
+          </a:effectRef>
+          <a:fontRef idx="minor">
+            <a:schemeClr val="lt1"/>
+          </a:fontRef>
+        </p:style>
+        <p:txBody>
+          <a:bodyPr wrap="none" lIns="45720" rIns="45720" rtlCol="0" anchor="ctr"/>
+          <a:lstStyle/>
+          <a:p>
+            <a:pPr algn="r"/>
+            <a:r>
+              <a:rPr lang="en-US" sz="900" dirty="0">
+                <a:solidFill>
+                  <a:srgbClr val="000000"/>
+                </a:solidFill>
+                <a:latin typeface="Courier New" panose="02070309020205020404" pitchFamily="49" charset="0"/>
+                <a:cs typeface="Courier New" panose="02070309020205020404" pitchFamily="49" charset="0"/>
+              </a:rPr>
+              <a:t>DOUT</a:t>
+            </a:r>
+          </a:p>
+        </p:txBody>
+      </p:sp>
+      <p:sp>
+        <p:nvSpPr>
+          <p:cNvPr id="145" name="Pentagon 144"/>
+          <p:cNvSpPr/>
+          <p:nvPr/>
+        </p:nvSpPr>
+        <p:spPr>
+          <a:xfrm>
+            <a:off x="12496800" y="838200"/>
+            <a:ext cx="228600" cy="152400"/>
+          </a:xfrm>
+          <a:prstGeom prst="homePlate">
+            <a:avLst/>
+          </a:prstGeom>
+          <a:noFill/>
+          <a:ln w="12700">
+            <a:solidFill>
+              <a:schemeClr val="tx1"/>
+            </a:solidFill>
+          </a:ln>
+        </p:spPr>
+        <p:style>
+          <a:lnRef idx="2">
+            <a:schemeClr val="accent1">
+              <a:shade val="50000"/>
+            </a:schemeClr>
+          </a:lnRef>
+          <a:fillRef idx="1">
+            <a:schemeClr val="accent1"/>
+          </a:fillRef>
+          <a:effectRef idx="0">
+            <a:schemeClr val="accent1"/>
+          </a:effectRef>
+          <a:fontRef idx="minor">
+            <a:schemeClr val="lt1"/>
+          </a:fontRef>
+        </p:style>
+        <p:txBody>
+          <a:bodyPr rot="0" spcFirstLastPara="0" vertOverflow="overflow" horzOverflow="overflow" vert="horz" wrap="square" lIns="91440" tIns="45720" rIns="91440" bIns="45720" numCol="1" spcCol="0" rtlCol="0" fromWordArt="0" anchor="ctr" anchorCtr="0" forceAA="0" compatLnSpc="1">
+            <a:prstTxWarp prst="textNoShape">
+              <a:avLst/>
+            </a:prstTxWarp>
+            <a:noAutofit/>
+          </a:bodyPr>
+          <a:lstStyle/>
+          <a:p>
+            <a:pPr algn="ctr"/>
+            <a:endParaRPr lang="en-US" sz="3730"/>
           </a:p>
         </p:txBody>
       </p:sp>
       <p:cxnSp>
         <p:nvCxnSpPr>
-          <p:cNvPr id="137" name="Straight Connector 136"/>
-          <p:cNvCxnSpPr/>
+          <p:cNvPr id="146" name="Straight Connector 145"/>
+          <p:cNvCxnSpPr>
+            <a:stCxn id="145" idx="1"/>
+            <a:endCxn id="144" idx="3"/>
+          </p:cNvCxnSpPr>
           <p:nvPr/>
         </p:nvCxnSpPr>
         <p:spPr>
-          <a:xfrm flipH="1" flipV="1">
-            <a:off x="8991600" y="1752600"/>
-            <a:ext cx="76200" cy="76200"/>
+          <a:xfrm flipH="1">
+            <a:off x="10363200" y="914400"/>
+            <a:ext cx="2133600" cy="0"/>
           </a:xfrm>
           <a:prstGeom prst="line">
             <a:avLst/>
@@ -9697,14 +10102,14 @@
       </p:cxnSp>
       <p:cxnSp>
         <p:nvCxnSpPr>
-          <p:cNvPr id="138" name="Straight Connector 137"/>
+          <p:cNvPr id="147" name="Straight Connector 146"/>
           <p:cNvCxnSpPr/>
           <p:nvPr/>
         </p:nvCxnSpPr>
         <p:spPr>
-          <a:xfrm flipH="1">
-            <a:off x="8991600" y="1828800"/>
-            <a:ext cx="76200" cy="76200"/>
+          <a:xfrm flipV="1">
+            <a:off x="12268200" y="838200"/>
+            <a:ext cx="152400" cy="152400"/>
           </a:xfrm>
           <a:prstGeom prst="line">
             <a:avLst/>
@@ -9734,13 +10139,786 @@
       </p:cxnSp>
       <p:sp>
         <p:nvSpPr>
-          <p:cNvPr id="139" name="Rectangle 138"/>
+          <p:cNvPr id="148" name="Rectangle 147"/>
           <p:cNvSpPr/>
           <p:nvPr/>
         </p:nvSpPr>
         <p:spPr>
           <a:xfrm>
-            <a:off x="8991600" y="1447800"/>
+            <a:off x="12268200" y="762000"/>
+            <a:ext cx="152400" cy="76200"/>
+          </a:xfrm>
+          <a:prstGeom prst="rect">
+            <a:avLst/>
+          </a:prstGeom>
+          <a:noFill/>
+          <a:ln>
+            <a:noFill/>
+          </a:ln>
+        </p:spPr>
+        <p:style>
+          <a:lnRef idx="2">
+            <a:schemeClr val="accent1">
+              <a:shade val="50000"/>
+            </a:schemeClr>
+          </a:lnRef>
+          <a:fillRef idx="1">
+            <a:schemeClr val="accent1"/>
+          </a:fillRef>
+          <a:effectRef idx="0">
+            <a:schemeClr val="accent1"/>
+          </a:effectRef>
+          <a:fontRef idx="minor">
+            <a:schemeClr val="lt1"/>
+          </a:fontRef>
+        </p:style>
+        <p:txBody>
+          <a:bodyPr wrap="none" lIns="45720" rIns="45720" rtlCol="0" anchor="ctr"/>
+          <a:lstStyle/>
+          <a:p>
+            <a:pPr algn="ctr"/>
+            <a:r>
+              <a:rPr lang="en-US" sz="900" dirty="0">
+                <a:solidFill>
+                  <a:srgbClr val="000000"/>
+                </a:solidFill>
+                <a:latin typeface="Courier New" panose="02070309020205020404" pitchFamily="49" charset="0"/>
+                <a:cs typeface="Courier New" panose="02070309020205020404" pitchFamily="49" charset="0"/>
+              </a:rPr>
+              <a:t>2</a:t>
+            </a:r>
+          </a:p>
+        </p:txBody>
+      </p:sp>
+      <p:sp>
+        <p:nvSpPr>
+          <p:cNvPr id="149" name="Rectangle 148"/>
+          <p:cNvSpPr/>
+          <p:nvPr/>
+        </p:nvSpPr>
+        <p:spPr>
+          <a:xfrm>
+            <a:off x="11430000" y="762000"/>
+            <a:ext cx="457200" cy="152400"/>
+          </a:xfrm>
+          <a:prstGeom prst="rect">
+            <a:avLst/>
+          </a:prstGeom>
+          <a:noFill/>
+          <a:ln>
+            <a:noFill/>
+          </a:ln>
+        </p:spPr>
+        <p:style>
+          <a:lnRef idx="2">
+            <a:schemeClr val="accent1">
+              <a:shade val="50000"/>
+            </a:schemeClr>
+          </a:lnRef>
+          <a:fillRef idx="1">
+            <a:schemeClr val="accent1"/>
+          </a:fillRef>
+          <a:effectRef idx="0">
+            <a:schemeClr val="accent1"/>
+          </a:effectRef>
+          <a:fontRef idx="minor">
+            <a:schemeClr val="lt1"/>
+          </a:fontRef>
+        </p:style>
+        <p:txBody>
+          <a:bodyPr wrap="none" lIns="45720" rIns="45720" rtlCol="0" anchor="ctr"/>
+          <a:lstStyle/>
+          <a:p>
+            <a:r>
+              <a:rPr lang="en-US" sz="900" dirty="0">
+                <a:solidFill>
+                  <a:srgbClr val="000000"/>
+                </a:solidFill>
+                <a:latin typeface="Courier New" panose="02070309020205020404" pitchFamily="49" charset="0"/>
+                <a:cs typeface="Courier New" panose="02070309020205020404" pitchFamily="49" charset="0"/>
+              </a:rPr>
+              <a:t>DOUT</a:t>
+            </a:r>
+          </a:p>
+        </p:txBody>
+      </p:sp>
+      <p:sp>
+        <p:nvSpPr>
+          <p:cNvPr id="150" name="Pentagon 149"/>
+          <p:cNvSpPr/>
+          <p:nvPr/>
+        </p:nvSpPr>
+        <p:spPr>
+          <a:xfrm rot="10800000">
+            <a:off x="12496800" y="1143000"/>
+            <a:ext cx="228600" cy="152400"/>
+          </a:xfrm>
+          <a:prstGeom prst="homePlate">
+            <a:avLst/>
+          </a:prstGeom>
+          <a:noFill/>
+          <a:ln w="12700">
+            <a:solidFill>
+              <a:schemeClr val="tx1"/>
+            </a:solidFill>
+          </a:ln>
+        </p:spPr>
+        <p:style>
+          <a:lnRef idx="2">
+            <a:schemeClr val="accent1">
+              <a:shade val="50000"/>
+            </a:schemeClr>
+          </a:lnRef>
+          <a:fillRef idx="1">
+            <a:schemeClr val="accent1"/>
+          </a:fillRef>
+          <a:effectRef idx="0">
+            <a:schemeClr val="accent1"/>
+          </a:effectRef>
+          <a:fontRef idx="minor">
+            <a:schemeClr val="lt1"/>
+          </a:fontRef>
+        </p:style>
+        <p:txBody>
+          <a:bodyPr rot="0" spcFirstLastPara="0" vertOverflow="overflow" horzOverflow="overflow" vert="horz" wrap="square" lIns="91440" tIns="45720" rIns="91440" bIns="45720" numCol="1" spcCol="0" rtlCol="0" fromWordArt="0" anchor="ctr" anchorCtr="0" forceAA="0" compatLnSpc="1">
+            <a:prstTxWarp prst="textNoShape">
+              <a:avLst/>
+            </a:prstTxWarp>
+            <a:noAutofit/>
+          </a:bodyPr>
+          <a:lstStyle/>
+          <a:p>
+            <a:pPr algn="ctr"/>
+            <a:endParaRPr lang="en-US" sz="3730"/>
+          </a:p>
+        </p:txBody>
+      </p:sp>
+      <p:cxnSp>
+        <p:nvCxnSpPr>
+          <p:cNvPr id="151" name="Straight Connector 150"/>
+          <p:cNvCxnSpPr>
+            <a:stCxn id="150" idx="3"/>
+          </p:cNvCxnSpPr>
+          <p:nvPr/>
+        </p:nvCxnSpPr>
+        <p:spPr>
+          <a:xfrm flipH="1">
+            <a:off x="10363200" y="1219200"/>
+            <a:ext cx="2133600" cy="0"/>
+          </a:xfrm>
+          <a:prstGeom prst="line">
+            <a:avLst/>
+          </a:prstGeom>
+          <a:ln w="12700">
+            <a:solidFill>
+              <a:srgbClr val="000000"/>
+            </a:solidFill>
+            <a:headEnd type="none" w="med" len="med"/>
+            <a:tailEnd type="none" w="med" len="med"/>
+          </a:ln>
+        </p:spPr>
+        <p:style>
+          <a:lnRef idx="1">
+            <a:schemeClr val="accent1"/>
+          </a:lnRef>
+          <a:fillRef idx="0">
+            <a:schemeClr val="accent1"/>
+          </a:fillRef>
+          <a:effectRef idx="0">
+            <a:schemeClr val="accent1"/>
+          </a:effectRef>
+          <a:fontRef idx="minor">
+            <a:schemeClr val="tx1"/>
+          </a:fontRef>
+        </p:style>
+      </p:cxnSp>
+      <p:cxnSp>
+        <p:nvCxnSpPr>
+          <p:cNvPr id="152" name="Straight Connector 151"/>
+          <p:cNvCxnSpPr/>
+          <p:nvPr/>
+        </p:nvCxnSpPr>
+        <p:spPr>
+          <a:xfrm flipV="1">
+            <a:off x="12268200" y="1143000"/>
+            <a:ext cx="152400" cy="152400"/>
+          </a:xfrm>
+          <a:prstGeom prst="line">
+            <a:avLst/>
+          </a:prstGeom>
+          <a:ln w="12700">
+            <a:solidFill>
+              <a:srgbClr val="000000"/>
+            </a:solidFill>
+            <a:headEnd type="none" w="med" len="med"/>
+            <a:tailEnd type="none" w="med" len="med"/>
+          </a:ln>
+        </p:spPr>
+        <p:style>
+          <a:lnRef idx="1">
+            <a:schemeClr val="accent1"/>
+          </a:lnRef>
+          <a:fillRef idx="0">
+            <a:schemeClr val="accent1"/>
+          </a:fillRef>
+          <a:effectRef idx="0">
+            <a:schemeClr val="accent1"/>
+          </a:effectRef>
+          <a:fontRef idx="minor">
+            <a:schemeClr val="tx1"/>
+          </a:fontRef>
+        </p:style>
+      </p:cxnSp>
+      <p:sp>
+        <p:nvSpPr>
+          <p:cNvPr id="153" name="Rectangle 152"/>
+          <p:cNvSpPr/>
+          <p:nvPr/>
+        </p:nvSpPr>
+        <p:spPr>
+          <a:xfrm>
+            <a:off x="12268200" y="1066800"/>
+            <a:ext cx="152400" cy="76200"/>
+          </a:xfrm>
+          <a:prstGeom prst="rect">
+            <a:avLst/>
+          </a:prstGeom>
+          <a:noFill/>
+          <a:ln>
+            <a:noFill/>
+          </a:ln>
+        </p:spPr>
+        <p:style>
+          <a:lnRef idx="2">
+            <a:schemeClr val="accent1">
+              <a:shade val="50000"/>
+            </a:schemeClr>
+          </a:lnRef>
+          <a:fillRef idx="1">
+            <a:schemeClr val="accent1"/>
+          </a:fillRef>
+          <a:effectRef idx="0">
+            <a:schemeClr val="accent1"/>
+          </a:effectRef>
+          <a:fontRef idx="minor">
+            <a:schemeClr val="lt1"/>
+          </a:fontRef>
+        </p:style>
+        <p:txBody>
+          <a:bodyPr wrap="none" lIns="45720" rIns="45720" rtlCol="0" anchor="ctr"/>
+          <a:lstStyle/>
+          <a:p>
+            <a:pPr algn="ctr"/>
+            <a:r>
+              <a:rPr lang="en-US" sz="900" dirty="0">
+                <a:solidFill>
+                  <a:srgbClr val="000000"/>
+                </a:solidFill>
+                <a:latin typeface="Courier New" panose="02070309020205020404" pitchFamily="49" charset="0"/>
+                <a:cs typeface="Courier New" panose="02070309020205020404" pitchFamily="49" charset="0"/>
+              </a:rPr>
+              <a:t>2</a:t>
+            </a:r>
+          </a:p>
+        </p:txBody>
+      </p:sp>
+      <p:sp>
+        <p:nvSpPr>
+          <p:cNvPr id="154" name="Rectangle 153"/>
+          <p:cNvSpPr/>
+          <p:nvPr/>
+        </p:nvSpPr>
+        <p:spPr>
+          <a:xfrm>
+            <a:off x="11430000" y="1066800"/>
+            <a:ext cx="457200" cy="152400"/>
+          </a:xfrm>
+          <a:prstGeom prst="rect">
+            <a:avLst/>
+          </a:prstGeom>
+          <a:noFill/>
+          <a:ln>
+            <a:noFill/>
+          </a:ln>
+        </p:spPr>
+        <p:style>
+          <a:lnRef idx="2">
+            <a:schemeClr val="accent1">
+              <a:shade val="50000"/>
+            </a:schemeClr>
+          </a:lnRef>
+          <a:fillRef idx="1">
+            <a:schemeClr val="accent1"/>
+          </a:fillRef>
+          <a:effectRef idx="0">
+            <a:schemeClr val="accent1"/>
+          </a:effectRef>
+          <a:fontRef idx="minor">
+            <a:schemeClr val="lt1"/>
+          </a:fontRef>
+        </p:style>
+        <p:txBody>
+          <a:bodyPr wrap="none" lIns="45720" rIns="45720" rtlCol="0" anchor="ctr"/>
+          <a:lstStyle/>
+          <a:p>
+            <a:r>
+              <a:rPr lang="en-US" sz="900" dirty="0">
+                <a:solidFill>
+                  <a:srgbClr val="000000"/>
+                </a:solidFill>
+                <a:latin typeface="Courier New" panose="02070309020205020404" pitchFamily="49" charset="0"/>
+                <a:cs typeface="Courier New" panose="02070309020205020404" pitchFamily="49" charset="0"/>
+              </a:rPr>
+              <a:t>DIN</a:t>
+            </a:r>
+          </a:p>
+        </p:txBody>
+      </p:sp>
+      <p:cxnSp>
+        <p:nvCxnSpPr>
+          <p:cNvPr id="157" name="Straight Connector 156"/>
+          <p:cNvCxnSpPr/>
+          <p:nvPr/>
+        </p:nvCxnSpPr>
+        <p:spPr>
+          <a:xfrm flipH="1">
+            <a:off x="10363200" y="1524000"/>
+            <a:ext cx="609600" cy="0"/>
+          </a:xfrm>
+          <a:prstGeom prst="line">
+            <a:avLst/>
+          </a:prstGeom>
+          <a:ln w="12700">
+            <a:solidFill>
+              <a:srgbClr val="000000"/>
+            </a:solidFill>
+            <a:headEnd type="none" w="med" len="med"/>
+            <a:tailEnd type="none" w="med" len="med"/>
+          </a:ln>
+        </p:spPr>
+        <p:style>
+          <a:lnRef idx="1">
+            <a:schemeClr val="accent1"/>
+          </a:lnRef>
+          <a:fillRef idx="0">
+            <a:schemeClr val="accent1"/>
+          </a:fillRef>
+          <a:effectRef idx="0">
+            <a:schemeClr val="accent1"/>
+          </a:effectRef>
+          <a:fontRef idx="minor">
+            <a:schemeClr val="tx1"/>
+          </a:fontRef>
+        </p:style>
+      </p:cxnSp>
+      <p:cxnSp>
+        <p:nvCxnSpPr>
+          <p:cNvPr id="159" name="Straight Connector 158"/>
+          <p:cNvCxnSpPr/>
+          <p:nvPr/>
+        </p:nvCxnSpPr>
+        <p:spPr>
+          <a:xfrm flipH="1">
+            <a:off x="10896600" y="1447800"/>
+            <a:ext cx="152400" cy="152400"/>
+          </a:xfrm>
+          <a:prstGeom prst="line">
+            <a:avLst/>
+          </a:prstGeom>
+          <a:ln w="12700">
+            <a:solidFill>
+              <a:srgbClr val="000000"/>
+            </a:solidFill>
+            <a:headEnd type="none" w="med" len="med"/>
+            <a:tailEnd type="none" w="med" len="med"/>
+          </a:ln>
+        </p:spPr>
+        <p:style>
+          <a:lnRef idx="1">
+            <a:schemeClr val="accent1"/>
+          </a:lnRef>
+          <a:fillRef idx="0">
+            <a:schemeClr val="accent1"/>
+          </a:fillRef>
+          <a:effectRef idx="0">
+            <a:schemeClr val="accent1"/>
+          </a:effectRef>
+          <a:fontRef idx="minor">
+            <a:schemeClr val="tx1"/>
+          </a:fontRef>
+        </p:style>
+      </p:cxnSp>
+      <p:cxnSp>
+        <p:nvCxnSpPr>
+          <p:cNvPr id="161" name="Straight Connector 160"/>
+          <p:cNvCxnSpPr/>
+          <p:nvPr/>
+        </p:nvCxnSpPr>
+        <p:spPr>
+          <a:xfrm flipH="1" flipV="1">
+            <a:off x="10896600" y="1447800"/>
+            <a:ext cx="152400" cy="152400"/>
+          </a:xfrm>
+          <a:prstGeom prst="line">
+            <a:avLst/>
+          </a:prstGeom>
+          <a:ln w="12700">
+            <a:solidFill>
+              <a:srgbClr val="000000"/>
+            </a:solidFill>
+            <a:headEnd type="none" w="med" len="med"/>
+            <a:tailEnd type="none" w="med" len="med"/>
+          </a:ln>
+        </p:spPr>
+        <p:style>
+          <a:lnRef idx="1">
+            <a:schemeClr val="accent1"/>
+          </a:lnRef>
+          <a:fillRef idx="0">
+            <a:schemeClr val="accent1"/>
+          </a:fillRef>
+          <a:effectRef idx="0">
+            <a:schemeClr val="accent1"/>
+          </a:effectRef>
+          <a:fontRef idx="minor">
+            <a:schemeClr val="tx1"/>
+          </a:fontRef>
+        </p:style>
+      </p:cxnSp>
+      <p:sp>
+        <p:nvSpPr>
+          <p:cNvPr id="163" name="Rectangle 162"/>
+          <p:cNvSpPr/>
+          <p:nvPr/>
+        </p:nvSpPr>
+        <p:spPr>
+          <a:xfrm>
+            <a:off x="8991600" y="2286000"/>
+            <a:ext cx="457200" cy="152400"/>
+          </a:xfrm>
+          <a:prstGeom prst="rect">
+            <a:avLst/>
+          </a:prstGeom>
+          <a:noFill/>
+          <a:ln>
+            <a:noFill/>
+          </a:ln>
+        </p:spPr>
+        <p:style>
+          <a:lnRef idx="2">
+            <a:schemeClr val="accent1">
+              <a:shade val="50000"/>
+            </a:schemeClr>
+          </a:lnRef>
+          <a:fillRef idx="1">
+            <a:schemeClr val="accent1"/>
+          </a:fillRef>
+          <a:effectRef idx="0">
+            <a:schemeClr val="accent1"/>
+          </a:effectRef>
+          <a:fontRef idx="minor">
+            <a:schemeClr val="lt1"/>
+          </a:fontRef>
+        </p:style>
+        <p:txBody>
+          <a:bodyPr wrap="none" lIns="45720" rIns="45720" rtlCol="0" anchor="ctr"/>
+          <a:lstStyle/>
+          <a:p>
+            <a:r>
+              <a:rPr lang="en-US" sz="900" dirty="0" smtClean="0">
+                <a:solidFill>
+                  <a:srgbClr val="000000"/>
+                </a:solidFill>
+                <a:latin typeface="Courier New" panose="02070309020205020404" pitchFamily="49" charset="0"/>
+                <a:cs typeface="Courier New" panose="02070309020205020404" pitchFamily="49" charset="0"/>
+              </a:rPr>
+              <a:t>CLKF</a:t>
+            </a:r>
+            <a:endParaRPr lang="en-US" sz="900" dirty="0">
+              <a:solidFill>
+                <a:srgbClr val="000000"/>
+              </a:solidFill>
+              <a:latin typeface="Courier New" panose="02070309020205020404" pitchFamily="49" charset="0"/>
+              <a:cs typeface="Courier New" panose="02070309020205020404" pitchFamily="49" charset="0"/>
+            </a:endParaRPr>
+          </a:p>
+        </p:txBody>
+      </p:sp>
+      <p:cxnSp>
+        <p:nvCxnSpPr>
+          <p:cNvPr id="164" name="Straight Connector 163"/>
+          <p:cNvCxnSpPr/>
+          <p:nvPr/>
+        </p:nvCxnSpPr>
+        <p:spPr>
+          <a:xfrm flipH="1" flipV="1">
+            <a:off x="8991600" y="2362200"/>
+            <a:ext cx="76200" cy="76200"/>
+          </a:xfrm>
+          <a:prstGeom prst="line">
+            <a:avLst/>
+          </a:prstGeom>
+          <a:ln w="12700">
+            <a:solidFill>
+              <a:srgbClr val="000000"/>
+            </a:solidFill>
+            <a:headEnd type="none" w="med" len="med"/>
+            <a:tailEnd type="none" w="med" len="med"/>
+          </a:ln>
+        </p:spPr>
+        <p:style>
+          <a:lnRef idx="1">
+            <a:schemeClr val="accent1"/>
+          </a:lnRef>
+          <a:fillRef idx="0">
+            <a:schemeClr val="accent1"/>
+          </a:fillRef>
+          <a:effectRef idx="0">
+            <a:schemeClr val="accent1"/>
+          </a:effectRef>
+          <a:fontRef idx="minor">
+            <a:schemeClr val="tx1"/>
+          </a:fontRef>
+        </p:style>
+      </p:cxnSp>
+      <p:cxnSp>
+        <p:nvCxnSpPr>
+          <p:cNvPr id="165" name="Straight Connector 164"/>
+          <p:cNvCxnSpPr/>
+          <p:nvPr/>
+        </p:nvCxnSpPr>
+        <p:spPr>
+          <a:xfrm flipH="1">
+            <a:off x="8991600" y="2438400"/>
+            <a:ext cx="76200" cy="76200"/>
+          </a:xfrm>
+          <a:prstGeom prst="line">
+            <a:avLst/>
+          </a:prstGeom>
+          <a:ln w="12700">
+            <a:solidFill>
+              <a:srgbClr val="000000"/>
+            </a:solidFill>
+            <a:headEnd type="none" w="med" len="med"/>
+            <a:tailEnd type="none" w="med" len="med"/>
+          </a:ln>
+        </p:spPr>
+        <p:style>
+          <a:lnRef idx="1">
+            <a:schemeClr val="accent1"/>
+          </a:lnRef>
+          <a:fillRef idx="0">
+            <a:schemeClr val="accent1"/>
+          </a:fillRef>
+          <a:effectRef idx="0">
+            <a:schemeClr val="accent1"/>
+          </a:effectRef>
+          <a:fontRef idx="minor">
+            <a:schemeClr val="tx1"/>
+          </a:fontRef>
+        </p:style>
+      </p:cxnSp>
+      <p:sp>
+        <p:nvSpPr>
+          <p:cNvPr id="166" name="Rectangle 165"/>
+          <p:cNvSpPr/>
+          <p:nvPr/>
+        </p:nvSpPr>
+        <p:spPr>
+          <a:xfrm>
+            <a:off x="8991600" y="2057400"/>
+            <a:ext cx="457200" cy="152400"/>
+          </a:xfrm>
+          <a:prstGeom prst="rect">
+            <a:avLst/>
+          </a:prstGeom>
+          <a:noFill/>
+          <a:ln>
+            <a:noFill/>
+          </a:ln>
+        </p:spPr>
+        <p:style>
+          <a:lnRef idx="2">
+            <a:schemeClr val="accent1">
+              <a:shade val="50000"/>
+            </a:schemeClr>
+          </a:lnRef>
+          <a:fillRef idx="1">
+            <a:schemeClr val="accent1"/>
+          </a:fillRef>
+          <a:effectRef idx="0">
+            <a:schemeClr val="accent1"/>
+          </a:effectRef>
+          <a:fontRef idx="minor">
+            <a:schemeClr val="lt1"/>
+          </a:fontRef>
+        </p:style>
+        <p:txBody>
+          <a:bodyPr wrap="none" lIns="45720" rIns="45720" rtlCol="0" anchor="ctr"/>
+          <a:lstStyle/>
+          <a:p>
+            <a:r>
+              <a:rPr lang="en-US" sz="900" dirty="0" smtClean="0">
+                <a:solidFill>
+                  <a:srgbClr val="000000"/>
+                </a:solidFill>
+                <a:latin typeface="Courier New" panose="02070309020205020404" pitchFamily="49" charset="0"/>
+                <a:cs typeface="Courier New" panose="02070309020205020404" pitchFamily="49" charset="0"/>
+              </a:rPr>
+              <a:t>RSTXF</a:t>
+            </a:r>
+            <a:endParaRPr lang="en-US" sz="900" dirty="0">
+              <a:solidFill>
+                <a:srgbClr val="000000"/>
+              </a:solidFill>
+              <a:latin typeface="Courier New" panose="02070309020205020404" pitchFamily="49" charset="0"/>
+              <a:cs typeface="Courier New" panose="02070309020205020404" pitchFamily="49" charset="0"/>
+            </a:endParaRPr>
+          </a:p>
+        </p:txBody>
+      </p:sp>
+      <p:sp>
+        <p:nvSpPr>
+          <p:cNvPr id="167" name="Rectangle 166"/>
+          <p:cNvSpPr/>
+          <p:nvPr/>
+        </p:nvSpPr>
+        <p:spPr>
+          <a:xfrm>
+            <a:off x="8991600" y="2895600"/>
+            <a:ext cx="457200" cy="152400"/>
+          </a:xfrm>
+          <a:prstGeom prst="rect">
+            <a:avLst/>
+          </a:prstGeom>
+          <a:noFill/>
+          <a:ln>
+            <a:noFill/>
+          </a:ln>
+        </p:spPr>
+        <p:style>
+          <a:lnRef idx="2">
+            <a:schemeClr val="accent1">
+              <a:shade val="50000"/>
+            </a:schemeClr>
+          </a:lnRef>
+          <a:fillRef idx="1">
+            <a:schemeClr val="accent1"/>
+          </a:fillRef>
+          <a:effectRef idx="0">
+            <a:schemeClr val="accent1"/>
+          </a:effectRef>
+          <a:fontRef idx="minor">
+            <a:schemeClr val="lt1"/>
+          </a:fontRef>
+        </p:style>
+        <p:txBody>
+          <a:bodyPr wrap="none" lIns="45720" rIns="45720" rtlCol="0" anchor="ctr"/>
+          <a:lstStyle/>
+          <a:p>
+            <a:r>
+              <a:rPr lang="en-US" sz="900" dirty="0" smtClean="0">
+                <a:solidFill>
+                  <a:srgbClr val="000000"/>
+                </a:solidFill>
+                <a:latin typeface="Courier New" panose="02070309020205020404" pitchFamily="49" charset="0"/>
+                <a:cs typeface="Courier New" panose="02070309020205020404" pitchFamily="49" charset="0"/>
+              </a:rPr>
+              <a:t>CLKP</a:t>
+            </a:r>
+            <a:endParaRPr lang="en-US" sz="900" dirty="0">
+              <a:solidFill>
+                <a:srgbClr val="000000"/>
+              </a:solidFill>
+              <a:latin typeface="Courier New" panose="02070309020205020404" pitchFamily="49" charset="0"/>
+              <a:cs typeface="Courier New" panose="02070309020205020404" pitchFamily="49" charset="0"/>
+            </a:endParaRPr>
+          </a:p>
+        </p:txBody>
+      </p:sp>
+      <p:cxnSp>
+        <p:nvCxnSpPr>
+          <p:cNvPr id="168" name="Straight Connector 167"/>
+          <p:cNvCxnSpPr/>
+          <p:nvPr/>
+        </p:nvCxnSpPr>
+        <p:spPr>
+          <a:xfrm flipH="1" flipV="1">
+            <a:off x="8991600" y="2971800"/>
+            <a:ext cx="76200" cy="76200"/>
+          </a:xfrm>
+          <a:prstGeom prst="line">
+            <a:avLst/>
+          </a:prstGeom>
+          <a:ln w="12700">
+            <a:solidFill>
+              <a:srgbClr val="000000"/>
+            </a:solidFill>
+            <a:headEnd type="none" w="med" len="med"/>
+            <a:tailEnd type="none" w="med" len="med"/>
+          </a:ln>
+        </p:spPr>
+        <p:style>
+          <a:lnRef idx="1">
+            <a:schemeClr val="accent1"/>
+          </a:lnRef>
+          <a:fillRef idx="0">
+            <a:schemeClr val="accent1"/>
+          </a:fillRef>
+          <a:effectRef idx="0">
+            <a:schemeClr val="accent1"/>
+          </a:effectRef>
+          <a:fontRef idx="minor">
+            <a:schemeClr val="tx1"/>
+          </a:fontRef>
+        </p:style>
+      </p:cxnSp>
+      <p:cxnSp>
+        <p:nvCxnSpPr>
+          <p:cNvPr id="169" name="Straight Connector 168"/>
+          <p:cNvCxnSpPr/>
+          <p:nvPr/>
+        </p:nvCxnSpPr>
+        <p:spPr>
+          <a:xfrm flipH="1">
+            <a:off x="8991600" y="3048000"/>
+            <a:ext cx="76200" cy="76200"/>
+          </a:xfrm>
+          <a:prstGeom prst="line">
+            <a:avLst/>
+          </a:prstGeom>
+          <a:ln w="12700">
+            <a:solidFill>
+              <a:srgbClr val="000000"/>
+            </a:solidFill>
+            <a:headEnd type="none" w="med" len="med"/>
+            <a:tailEnd type="none" w="med" len="med"/>
+          </a:ln>
+        </p:spPr>
+        <p:style>
+          <a:lnRef idx="1">
+            <a:schemeClr val="accent1"/>
+          </a:lnRef>
+          <a:fillRef idx="0">
+            <a:schemeClr val="accent1"/>
+          </a:fillRef>
+          <a:effectRef idx="0">
+            <a:schemeClr val="accent1"/>
+          </a:effectRef>
+          <a:fontRef idx="minor">
+            <a:schemeClr val="tx1"/>
+          </a:fontRef>
+        </p:style>
+      </p:cxnSp>
+      <p:sp>
+        <p:nvSpPr>
+          <p:cNvPr id="170" name="Rectangle 169"/>
+          <p:cNvSpPr/>
+          <p:nvPr/>
+        </p:nvSpPr>
+        <p:spPr>
+          <a:xfrm>
+            <a:off x="8991600" y="2667000"/>
             <a:ext cx="457200" cy="152400"/>
           </a:xfrm>
           <a:prstGeom prst="rect">
@@ -9793,13 +10971,13 @@
       </p:sp>
       <p:sp>
         <p:nvSpPr>
-          <p:cNvPr id="140" name="Rectangle 139"/>
+          <p:cNvPr id="171" name="Rectangle 170"/>
           <p:cNvSpPr/>
           <p:nvPr/>
         </p:nvSpPr>
         <p:spPr>
           <a:xfrm>
-            <a:off x="9906000" y="1143000"/>
+            <a:off x="5791200" y="1447800"/>
             <a:ext cx="457200" cy="152400"/>
           </a:xfrm>
           <a:prstGeom prst="rect">
@@ -9831,792 +11009,6 @@
           <a:lstStyle/>
           <a:p>
             <a:pPr algn="r"/>
-            <a:r>
-              <a:rPr lang="en-US" sz="900" dirty="0">
-                <a:solidFill>
-                  <a:srgbClr val="000000"/>
-                </a:solidFill>
-                <a:latin typeface="Courier New" panose="02070309020205020404" pitchFamily="49" charset="0"/>
-                <a:cs typeface="Courier New" panose="02070309020205020404" pitchFamily="49" charset="0"/>
-              </a:rPr>
-              <a:t>DIN</a:t>
-            </a:r>
-          </a:p>
-        </p:txBody>
-      </p:sp>
-      <p:sp>
-        <p:nvSpPr>
-          <p:cNvPr id="141" name="Rectangle 140"/>
-          <p:cNvSpPr/>
-          <p:nvPr/>
-        </p:nvSpPr>
-        <p:spPr>
-          <a:xfrm>
-            <a:off x="8991600" y="457200"/>
-            <a:ext cx="457200" cy="152400"/>
-          </a:xfrm>
-          <a:prstGeom prst="rect">
-            <a:avLst/>
-          </a:prstGeom>
-          <a:noFill/>
-          <a:ln>
-            <a:noFill/>
-          </a:ln>
-        </p:spPr>
-        <p:style>
-          <a:lnRef idx="2">
-            <a:schemeClr val="accent1">
-              <a:shade val="50000"/>
-            </a:schemeClr>
-          </a:lnRef>
-          <a:fillRef idx="1">
-            <a:schemeClr val="accent1"/>
-          </a:fillRef>
-          <a:effectRef idx="0">
-            <a:schemeClr val="accent1"/>
-          </a:effectRef>
-          <a:fontRef idx="minor">
-            <a:schemeClr val="lt1"/>
-          </a:fontRef>
-        </p:style>
-        <p:txBody>
-          <a:bodyPr wrap="none" lIns="45720" rIns="45720" rtlCol="0" anchor="ctr"/>
-          <a:lstStyle/>
-          <a:p>
-            <a:r>
-              <a:rPr lang="en-US" sz="900" dirty="0">
-                <a:solidFill>
-                  <a:srgbClr val="000000"/>
-                </a:solidFill>
-                <a:latin typeface="Courier New" panose="02070309020205020404" pitchFamily="49" charset="0"/>
-                <a:cs typeface="Courier New" panose="02070309020205020404" pitchFamily="49" charset="0"/>
-              </a:rPr>
-              <a:t>i_lvds1</a:t>
-            </a:r>
-          </a:p>
-        </p:txBody>
-      </p:sp>
-      <p:sp>
-        <p:nvSpPr>
-          <p:cNvPr id="142" name="Rectangle 141"/>
-          <p:cNvSpPr/>
-          <p:nvPr/>
-        </p:nvSpPr>
-        <p:spPr>
-          <a:xfrm>
-            <a:off x="9906000" y="1447800"/>
-            <a:ext cx="457200" cy="152400"/>
-          </a:xfrm>
-          <a:prstGeom prst="rect">
-            <a:avLst/>
-          </a:prstGeom>
-          <a:noFill/>
-          <a:ln>
-            <a:noFill/>
-          </a:ln>
-        </p:spPr>
-        <p:style>
-          <a:lnRef idx="2">
-            <a:schemeClr val="accent1">
-              <a:shade val="50000"/>
-            </a:schemeClr>
-          </a:lnRef>
-          <a:fillRef idx="1">
-            <a:schemeClr val="accent1"/>
-          </a:fillRef>
-          <a:effectRef idx="0">
-            <a:schemeClr val="accent1"/>
-          </a:effectRef>
-          <a:fontRef idx="minor">
-            <a:schemeClr val="lt1"/>
-          </a:fontRef>
-        </p:style>
-        <p:txBody>
-          <a:bodyPr wrap="none" lIns="45720" rIns="45720" rtlCol="0" anchor="ctr"/>
-          <a:lstStyle/>
-          <a:p>
-            <a:pPr algn="r"/>
-            <a:r>
-              <a:rPr lang="en-US" sz="900" dirty="0">
-                <a:solidFill>
-                  <a:srgbClr val="000000"/>
-                </a:solidFill>
-                <a:latin typeface="Courier New" panose="02070309020205020404" pitchFamily="49" charset="0"/>
-                <a:cs typeface="Courier New" panose="02070309020205020404" pitchFamily="49" charset="0"/>
-              </a:rPr>
-              <a:t>ERR_CNT</a:t>
-            </a:r>
-          </a:p>
-        </p:txBody>
-      </p:sp>
-      <p:sp>
-        <p:nvSpPr>
-          <p:cNvPr id="144" name="Rectangle 143"/>
-          <p:cNvSpPr/>
-          <p:nvPr/>
-        </p:nvSpPr>
-        <p:spPr>
-          <a:xfrm>
-            <a:off x="9906000" y="838200"/>
-            <a:ext cx="457200" cy="152400"/>
-          </a:xfrm>
-          <a:prstGeom prst="rect">
-            <a:avLst/>
-          </a:prstGeom>
-          <a:noFill/>
-          <a:ln>
-            <a:noFill/>
-          </a:ln>
-        </p:spPr>
-        <p:style>
-          <a:lnRef idx="2">
-            <a:schemeClr val="accent1">
-              <a:shade val="50000"/>
-            </a:schemeClr>
-          </a:lnRef>
-          <a:fillRef idx="1">
-            <a:schemeClr val="accent1"/>
-          </a:fillRef>
-          <a:effectRef idx="0">
-            <a:schemeClr val="accent1"/>
-          </a:effectRef>
-          <a:fontRef idx="minor">
-            <a:schemeClr val="lt1"/>
-          </a:fontRef>
-        </p:style>
-        <p:txBody>
-          <a:bodyPr wrap="none" lIns="45720" rIns="45720" rtlCol="0" anchor="ctr"/>
-          <a:lstStyle/>
-          <a:p>
-            <a:pPr algn="r"/>
-            <a:r>
-              <a:rPr lang="en-US" sz="900" dirty="0">
-                <a:solidFill>
-                  <a:srgbClr val="000000"/>
-                </a:solidFill>
-                <a:latin typeface="Courier New" panose="02070309020205020404" pitchFamily="49" charset="0"/>
-                <a:cs typeface="Courier New" panose="02070309020205020404" pitchFamily="49" charset="0"/>
-              </a:rPr>
-              <a:t>DOUT</a:t>
-            </a:r>
-          </a:p>
-        </p:txBody>
-      </p:sp>
-      <p:sp>
-        <p:nvSpPr>
-          <p:cNvPr id="145" name="Pentagon 144"/>
-          <p:cNvSpPr/>
-          <p:nvPr/>
-        </p:nvSpPr>
-        <p:spPr>
-          <a:xfrm>
-            <a:off x="12496800" y="838200"/>
-            <a:ext cx="228600" cy="152400"/>
-          </a:xfrm>
-          <a:prstGeom prst="homePlate">
-            <a:avLst/>
-          </a:prstGeom>
-          <a:noFill/>
-          <a:ln w="12700">
-            <a:solidFill>
-              <a:schemeClr val="tx1"/>
-            </a:solidFill>
-          </a:ln>
-        </p:spPr>
-        <p:style>
-          <a:lnRef idx="2">
-            <a:schemeClr val="accent1">
-              <a:shade val="50000"/>
-            </a:schemeClr>
-          </a:lnRef>
-          <a:fillRef idx="1">
-            <a:schemeClr val="accent1"/>
-          </a:fillRef>
-          <a:effectRef idx="0">
-            <a:schemeClr val="accent1"/>
-          </a:effectRef>
-          <a:fontRef idx="minor">
-            <a:schemeClr val="lt1"/>
-          </a:fontRef>
-        </p:style>
-        <p:txBody>
-          <a:bodyPr rot="0" spcFirstLastPara="0" vertOverflow="overflow" horzOverflow="overflow" vert="horz" wrap="square" lIns="91440" tIns="45720" rIns="91440" bIns="45720" numCol="1" spcCol="0" rtlCol="0" fromWordArt="0" anchor="ctr" anchorCtr="0" forceAA="0" compatLnSpc="1">
-            <a:prstTxWarp prst="textNoShape">
-              <a:avLst/>
-            </a:prstTxWarp>
-            <a:noAutofit/>
-          </a:bodyPr>
-          <a:lstStyle/>
-          <a:p>
-            <a:pPr algn="ctr"/>
-            <a:endParaRPr lang="en-US" sz="3730"/>
-          </a:p>
-        </p:txBody>
-      </p:sp>
-      <p:cxnSp>
-        <p:nvCxnSpPr>
-          <p:cNvPr id="146" name="Straight Connector 145"/>
-          <p:cNvCxnSpPr>
-            <a:stCxn id="145" idx="1"/>
-            <a:endCxn id="144" idx="3"/>
-          </p:cNvCxnSpPr>
-          <p:nvPr/>
-        </p:nvCxnSpPr>
-        <p:spPr>
-          <a:xfrm flipH="1">
-            <a:off x="10363200" y="914400"/>
-            <a:ext cx="2133600" cy="0"/>
-          </a:xfrm>
-          <a:prstGeom prst="line">
-            <a:avLst/>
-          </a:prstGeom>
-          <a:ln w="12700">
-            <a:solidFill>
-              <a:srgbClr val="000000"/>
-            </a:solidFill>
-            <a:headEnd type="none" w="med" len="med"/>
-            <a:tailEnd type="none" w="med" len="med"/>
-          </a:ln>
-        </p:spPr>
-        <p:style>
-          <a:lnRef idx="1">
-            <a:schemeClr val="accent1"/>
-          </a:lnRef>
-          <a:fillRef idx="0">
-            <a:schemeClr val="accent1"/>
-          </a:fillRef>
-          <a:effectRef idx="0">
-            <a:schemeClr val="accent1"/>
-          </a:effectRef>
-          <a:fontRef idx="minor">
-            <a:schemeClr val="tx1"/>
-          </a:fontRef>
-        </p:style>
-      </p:cxnSp>
-      <p:cxnSp>
-        <p:nvCxnSpPr>
-          <p:cNvPr id="147" name="Straight Connector 146"/>
-          <p:cNvCxnSpPr/>
-          <p:nvPr/>
-        </p:nvCxnSpPr>
-        <p:spPr>
-          <a:xfrm flipV="1">
-            <a:off x="12268200" y="838200"/>
-            <a:ext cx="152400" cy="152400"/>
-          </a:xfrm>
-          <a:prstGeom prst="line">
-            <a:avLst/>
-          </a:prstGeom>
-          <a:ln w="12700">
-            <a:solidFill>
-              <a:srgbClr val="000000"/>
-            </a:solidFill>
-            <a:headEnd type="none" w="med" len="med"/>
-            <a:tailEnd type="none" w="med" len="med"/>
-          </a:ln>
-        </p:spPr>
-        <p:style>
-          <a:lnRef idx="1">
-            <a:schemeClr val="accent1"/>
-          </a:lnRef>
-          <a:fillRef idx="0">
-            <a:schemeClr val="accent1"/>
-          </a:fillRef>
-          <a:effectRef idx="0">
-            <a:schemeClr val="accent1"/>
-          </a:effectRef>
-          <a:fontRef idx="minor">
-            <a:schemeClr val="tx1"/>
-          </a:fontRef>
-        </p:style>
-      </p:cxnSp>
-      <p:sp>
-        <p:nvSpPr>
-          <p:cNvPr id="148" name="Rectangle 147"/>
-          <p:cNvSpPr/>
-          <p:nvPr/>
-        </p:nvSpPr>
-        <p:spPr>
-          <a:xfrm>
-            <a:off x="12268200" y="762000"/>
-            <a:ext cx="152400" cy="76200"/>
-          </a:xfrm>
-          <a:prstGeom prst="rect">
-            <a:avLst/>
-          </a:prstGeom>
-          <a:noFill/>
-          <a:ln>
-            <a:noFill/>
-          </a:ln>
-        </p:spPr>
-        <p:style>
-          <a:lnRef idx="2">
-            <a:schemeClr val="accent1">
-              <a:shade val="50000"/>
-            </a:schemeClr>
-          </a:lnRef>
-          <a:fillRef idx="1">
-            <a:schemeClr val="accent1"/>
-          </a:fillRef>
-          <a:effectRef idx="0">
-            <a:schemeClr val="accent1"/>
-          </a:effectRef>
-          <a:fontRef idx="minor">
-            <a:schemeClr val="lt1"/>
-          </a:fontRef>
-        </p:style>
-        <p:txBody>
-          <a:bodyPr wrap="none" lIns="45720" rIns="45720" rtlCol="0" anchor="ctr"/>
-          <a:lstStyle/>
-          <a:p>
-            <a:pPr algn="ctr"/>
-            <a:r>
-              <a:rPr lang="en-US" sz="900" dirty="0">
-                <a:solidFill>
-                  <a:srgbClr val="000000"/>
-                </a:solidFill>
-                <a:latin typeface="Courier New" panose="02070309020205020404" pitchFamily="49" charset="0"/>
-                <a:cs typeface="Courier New" panose="02070309020205020404" pitchFamily="49" charset="0"/>
-              </a:rPr>
-              <a:t>2</a:t>
-            </a:r>
-          </a:p>
-        </p:txBody>
-      </p:sp>
-      <p:sp>
-        <p:nvSpPr>
-          <p:cNvPr id="149" name="Rectangle 148"/>
-          <p:cNvSpPr/>
-          <p:nvPr/>
-        </p:nvSpPr>
-        <p:spPr>
-          <a:xfrm>
-            <a:off x="11430000" y="762000"/>
-            <a:ext cx="457200" cy="152400"/>
-          </a:xfrm>
-          <a:prstGeom prst="rect">
-            <a:avLst/>
-          </a:prstGeom>
-          <a:noFill/>
-          <a:ln>
-            <a:noFill/>
-          </a:ln>
-        </p:spPr>
-        <p:style>
-          <a:lnRef idx="2">
-            <a:schemeClr val="accent1">
-              <a:shade val="50000"/>
-            </a:schemeClr>
-          </a:lnRef>
-          <a:fillRef idx="1">
-            <a:schemeClr val="accent1"/>
-          </a:fillRef>
-          <a:effectRef idx="0">
-            <a:schemeClr val="accent1"/>
-          </a:effectRef>
-          <a:fontRef idx="minor">
-            <a:schemeClr val="lt1"/>
-          </a:fontRef>
-        </p:style>
-        <p:txBody>
-          <a:bodyPr wrap="none" lIns="45720" rIns="45720" rtlCol="0" anchor="ctr"/>
-          <a:lstStyle/>
-          <a:p>
-            <a:r>
-              <a:rPr lang="en-US" sz="900" dirty="0">
-                <a:solidFill>
-                  <a:srgbClr val="000000"/>
-                </a:solidFill>
-                <a:latin typeface="Courier New" panose="02070309020205020404" pitchFamily="49" charset="0"/>
-                <a:cs typeface="Courier New" panose="02070309020205020404" pitchFamily="49" charset="0"/>
-              </a:rPr>
-              <a:t>DOUT</a:t>
-            </a:r>
-          </a:p>
-        </p:txBody>
-      </p:sp>
-      <p:sp>
-        <p:nvSpPr>
-          <p:cNvPr id="150" name="Pentagon 149"/>
-          <p:cNvSpPr/>
-          <p:nvPr/>
-        </p:nvSpPr>
-        <p:spPr>
-          <a:xfrm rot="10800000">
-            <a:off x="12496800" y="1143000"/>
-            <a:ext cx="228600" cy="152400"/>
-          </a:xfrm>
-          <a:prstGeom prst="homePlate">
-            <a:avLst/>
-          </a:prstGeom>
-          <a:noFill/>
-          <a:ln w="12700">
-            <a:solidFill>
-              <a:schemeClr val="tx1"/>
-            </a:solidFill>
-          </a:ln>
-        </p:spPr>
-        <p:style>
-          <a:lnRef idx="2">
-            <a:schemeClr val="accent1">
-              <a:shade val="50000"/>
-            </a:schemeClr>
-          </a:lnRef>
-          <a:fillRef idx="1">
-            <a:schemeClr val="accent1"/>
-          </a:fillRef>
-          <a:effectRef idx="0">
-            <a:schemeClr val="accent1"/>
-          </a:effectRef>
-          <a:fontRef idx="minor">
-            <a:schemeClr val="lt1"/>
-          </a:fontRef>
-        </p:style>
-        <p:txBody>
-          <a:bodyPr rot="0" spcFirstLastPara="0" vertOverflow="overflow" horzOverflow="overflow" vert="horz" wrap="square" lIns="91440" tIns="45720" rIns="91440" bIns="45720" numCol="1" spcCol="0" rtlCol="0" fromWordArt="0" anchor="ctr" anchorCtr="0" forceAA="0" compatLnSpc="1">
-            <a:prstTxWarp prst="textNoShape">
-              <a:avLst/>
-            </a:prstTxWarp>
-            <a:noAutofit/>
-          </a:bodyPr>
-          <a:lstStyle/>
-          <a:p>
-            <a:pPr algn="ctr"/>
-            <a:endParaRPr lang="en-US" sz="3730"/>
-          </a:p>
-        </p:txBody>
-      </p:sp>
-      <p:cxnSp>
-        <p:nvCxnSpPr>
-          <p:cNvPr id="151" name="Straight Connector 150"/>
-          <p:cNvCxnSpPr>
-            <a:stCxn id="150" idx="3"/>
-          </p:cNvCxnSpPr>
-          <p:nvPr/>
-        </p:nvCxnSpPr>
-        <p:spPr>
-          <a:xfrm flipH="1">
-            <a:off x="10363200" y="1219200"/>
-            <a:ext cx="2133600" cy="0"/>
-          </a:xfrm>
-          <a:prstGeom prst="line">
-            <a:avLst/>
-          </a:prstGeom>
-          <a:ln w="12700">
-            <a:solidFill>
-              <a:srgbClr val="000000"/>
-            </a:solidFill>
-            <a:headEnd type="none" w="med" len="med"/>
-            <a:tailEnd type="none" w="med" len="med"/>
-          </a:ln>
-        </p:spPr>
-        <p:style>
-          <a:lnRef idx="1">
-            <a:schemeClr val="accent1"/>
-          </a:lnRef>
-          <a:fillRef idx="0">
-            <a:schemeClr val="accent1"/>
-          </a:fillRef>
-          <a:effectRef idx="0">
-            <a:schemeClr val="accent1"/>
-          </a:effectRef>
-          <a:fontRef idx="minor">
-            <a:schemeClr val="tx1"/>
-          </a:fontRef>
-        </p:style>
-      </p:cxnSp>
-      <p:cxnSp>
-        <p:nvCxnSpPr>
-          <p:cNvPr id="152" name="Straight Connector 151"/>
-          <p:cNvCxnSpPr/>
-          <p:nvPr/>
-        </p:nvCxnSpPr>
-        <p:spPr>
-          <a:xfrm flipV="1">
-            <a:off x="12268200" y="1143000"/>
-            <a:ext cx="152400" cy="152400"/>
-          </a:xfrm>
-          <a:prstGeom prst="line">
-            <a:avLst/>
-          </a:prstGeom>
-          <a:ln w="12700">
-            <a:solidFill>
-              <a:srgbClr val="000000"/>
-            </a:solidFill>
-            <a:headEnd type="none" w="med" len="med"/>
-            <a:tailEnd type="none" w="med" len="med"/>
-          </a:ln>
-        </p:spPr>
-        <p:style>
-          <a:lnRef idx="1">
-            <a:schemeClr val="accent1"/>
-          </a:lnRef>
-          <a:fillRef idx="0">
-            <a:schemeClr val="accent1"/>
-          </a:fillRef>
-          <a:effectRef idx="0">
-            <a:schemeClr val="accent1"/>
-          </a:effectRef>
-          <a:fontRef idx="minor">
-            <a:schemeClr val="tx1"/>
-          </a:fontRef>
-        </p:style>
-      </p:cxnSp>
-      <p:sp>
-        <p:nvSpPr>
-          <p:cNvPr id="153" name="Rectangle 152"/>
-          <p:cNvSpPr/>
-          <p:nvPr/>
-        </p:nvSpPr>
-        <p:spPr>
-          <a:xfrm>
-            <a:off x="12268200" y="1066800"/>
-            <a:ext cx="152400" cy="76200"/>
-          </a:xfrm>
-          <a:prstGeom prst="rect">
-            <a:avLst/>
-          </a:prstGeom>
-          <a:noFill/>
-          <a:ln>
-            <a:noFill/>
-          </a:ln>
-        </p:spPr>
-        <p:style>
-          <a:lnRef idx="2">
-            <a:schemeClr val="accent1">
-              <a:shade val="50000"/>
-            </a:schemeClr>
-          </a:lnRef>
-          <a:fillRef idx="1">
-            <a:schemeClr val="accent1"/>
-          </a:fillRef>
-          <a:effectRef idx="0">
-            <a:schemeClr val="accent1"/>
-          </a:effectRef>
-          <a:fontRef idx="minor">
-            <a:schemeClr val="lt1"/>
-          </a:fontRef>
-        </p:style>
-        <p:txBody>
-          <a:bodyPr wrap="none" lIns="45720" rIns="45720" rtlCol="0" anchor="ctr"/>
-          <a:lstStyle/>
-          <a:p>
-            <a:pPr algn="ctr"/>
-            <a:r>
-              <a:rPr lang="en-US" sz="900" dirty="0">
-                <a:solidFill>
-                  <a:srgbClr val="000000"/>
-                </a:solidFill>
-                <a:latin typeface="Courier New" panose="02070309020205020404" pitchFamily="49" charset="0"/>
-                <a:cs typeface="Courier New" panose="02070309020205020404" pitchFamily="49" charset="0"/>
-              </a:rPr>
-              <a:t>2</a:t>
-            </a:r>
-          </a:p>
-        </p:txBody>
-      </p:sp>
-      <p:sp>
-        <p:nvSpPr>
-          <p:cNvPr id="154" name="Rectangle 153"/>
-          <p:cNvSpPr/>
-          <p:nvPr/>
-        </p:nvSpPr>
-        <p:spPr>
-          <a:xfrm>
-            <a:off x="11430000" y="1066800"/>
-            <a:ext cx="457200" cy="152400"/>
-          </a:xfrm>
-          <a:prstGeom prst="rect">
-            <a:avLst/>
-          </a:prstGeom>
-          <a:noFill/>
-          <a:ln>
-            <a:noFill/>
-          </a:ln>
-        </p:spPr>
-        <p:style>
-          <a:lnRef idx="2">
-            <a:schemeClr val="accent1">
-              <a:shade val="50000"/>
-            </a:schemeClr>
-          </a:lnRef>
-          <a:fillRef idx="1">
-            <a:schemeClr val="accent1"/>
-          </a:fillRef>
-          <a:effectRef idx="0">
-            <a:schemeClr val="accent1"/>
-          </a:effectRef>
-          <a:fontRef idx="minor">
-            <a:schemeClr val="lt1"/>
-          </a:fontRef>
-        </p:style>
-        <p:txBody>
-          <a:bodyPr wrap="none" lIns="45720" rIns="45720" rtlCol="0" anchor="ctr"/>
-          <a:lstStyle/>
-          <a:p>
-            <a:r>
-              <a:rPr lang="en-US" sz="900" dirty="0">
-                <a:solidFill>
-                  <a:srgbClr val="000000"/>
-                </a:solidFill>
-                <a:latin typeface="Courier New" panose="02070309020205020404" pitchFamily="49" charset="0"/>
-                <a:cs typeface="Courier New" panose="02070309020205020404" pitchFamily="49" charset="0"/>
-              </a:rPr>
-              <a:t>DIN</a:t>
-            </a:r>
-          </a:p>
-        </p:txBody>
-      </p:sp>
-      <p:cxnSp>
-        <p:nvCxnSpPr>
-          <p:cNvPr id="157" name="Straight Connector 156"/>
-          <p:cNvCxnSpPr/>
-          <p:nvPr/>
-        </p:nvCxnSpPr>
-        <p:spPr>
-          <a:xfrm flipH="1">
-            <a:off x="10363200" y="1524000"/>
-            <a:ext cx="609600" cy="0"/>
-          </a:xfrm>
-          <a:prstGeom prst="line">
-            <a:avLst/>
-          </a:prstGeom>
-          <a:ln w="12700">
-            <a:solidFill>
-              <a:srgbClr val="000000"/>
-            </a:solidFill>
-            <a:headEnd type="none" w="med" len="med"/>
-            <a:tailEnd type="none" w="med" len="med"/>
-          </a:ln>
-        </p:spPr>
-        <p:style>
-          <a:lnRef idx="1">
-            <a:schemeClr val="accent1"/>
-          </a:lnRef>
-          <a:fillRef idx="0">
-            <a:schemeClr val="accent1"/>
-          </a:fillRef>
-          <a:effectRef idx="0">
-            <a:schemeClr val="accent1"/>
-          </a:effectRef>
-          <a:fontRef idx="minor">
-            <a:schemeClr val="tx1"/>
-          </a:fontRef>
-        </p:style>
-      </p:cxnSp>
-      <p:cxnSp>
-        <p:nvCxnSpPr>
-          <p:cNvPr id="159" name="Straight Connector 158"/>
-          <p:cNvCxnSpPr/>
-          <p:nvPr/>
-        </p:nvCxnSpPr>
-        <p:spPr>
-          <a:xfrm flipH="1">
-            <a:off x="10896600" y="1447800"/>
-            <a:ext cx="152400" cy="152400"/>
-          </a:xfrm>
-          <a:prstGeom prst="line">
-            <a:avLst/>
-          </a:prstGeom>
-          <a:ln w="12700">
-            <a:solidFill>
-              <a:srgbClr val="000000"/>
-            </a:solidFill>
-            <a:headEnd type="none" w="med" len="med"/>
-            <a:tailEnd type="none" w="med" len="med"/>
-          </a:ln>
-        </p:spPr>
-        <p:style>
-          <a:lnRef idx="1">
-            <a:schemeClr val="accent1"/>
-          </a:lnRef>
-          <a:fillRef idx="0">
-            <a:schemeClr val="accent1"/>
-          </a:fillRef>
-          <a:effectRef idx="0">
-            <a:schemeClr val="accent1"/>
-          </a:effectRef>
-          <a:fontRef idx="minor">
-            <a:schemeClr val="tx1"/>
-          </a:fontRef>
-        </p:style>
-      </p:cxnSp>
-      <p:cxnSp>
-        <p:nvCxnSpPr>
-          <p:cNvPr id="161" name="Straight Connector 160"/>
-          <p:cNvCxnSpPr/>
-          <p:nvPr/>
-        </p:nvCxnSpPr>
-        <p:spPr>
-          <a:xfrm flipH="1" flipV="1">
-            <a:off x="10896600" y="1447800"/>
-            <a:ext cx="152400" cy="152400"/>
-          </a:xfrm>
-          <a:prstGeom prst="line">
-            <a:avLst/>
-          </a:prstGeom>
-          <a:ln w="12700">
-            <a:solidFill>
-              <a:srgbClr val="000000"/>
-            </a:solidFill>
-            <a:headEnd type="none" w="med" len="med"/>
-            <a:tailEnd type="none" w="med" len="med"/>
-          </a:ln>
-        </p:spPr>
-        <p:style>
-          <a:lnRef idx="1">
-            <a:schemeClr val="accent1"/>
-          </a:lnRef>
-          <a:fillRef idx="0">
-            <a:schemeClr val="accent1"/>
-          </a:fillRef>
-          <a:effectRef idx="0">
-            <a:schemeClr val="accent1"/>
-          </a:effectRef>
-          <a:fontRef idx="minor">
-            <a:schemeClr val="tx1"/>
-          </a:fontRef>
-        </p:style>
-      </p:cxnSp>
-      <p:sp>
-        <p:nvSpPr>
-          <p:cNvPr id="163" name="Rectangle 162"/>
-          <p:cNvSpPr/>
-          <p:nvPr/>
-        </p:nvSpPr>
-        <p:spPr>
-          <a:xfrm>
-            <a:off x="8991600" y="2286000"/>
-            <a:ext cx="457200" cy="152400"/>
-          </a:xfrm>
-          <a:prstGeom prst="rect">
-            <a:avLst/>
-          </a:prstGeom>
-          <a:noFill/>
-          <a:ln>
-            <a:noFill/>
-          </a:ln>
-        </p:spPr>
-        <p:style>
-          <a:lnRef idx="2">
-            <a:schemeClr val="accent1">
-              <a:shade val="50000"/>
-            </a:schemeClr>
-          </a:lnRef>
-          <a:fillRef idx="1">
-            <a:schemeClr val="accent1"/>
-          </a:fillRef>
-          <a:effectRef idx="0">
-            <a:schemeClr val="accent1"/>
-          </a:effectRef>
-          <a:fontRef idx="minor">
-            <a:schemeClr val="lt1"/>
-          </a:fontRef>
-        </p:style>
-        <p:txBody>
-          <a:bodyPr wrap="none" lIns="45720" rIns="45720" rtlCol="0" anchor="ctr"/>
-          <a:lstStyle/>
-          <a:p>
             <a:r>
               <a:rPr lang="en-US" sz="900" dirty="0" smtClean="0">
                 <a:solidFill>
@@ -10625,7 +11017,7 @@
                 <a:latin typeface="Courier New" panose="02070309020205020404" pitchFamily="49" charset="0"/>
                 <a:cs typeface="Courier New" panose="02070309020205020404" pitchFamily="49" charset="0"/>
               </a:rPr>
-              <a:t>CLKD</a:t>
+              <a:t>RSTXS</a:t>
             </a:r>
             <a:endParaRPr lang="en-US" sz="900" dirty="0">
               <a:solidFill>
@@ -10637,89 +11029,15 @@
           </a:p>
         </p:txBody>
       </p:sp>
-      <p:cxnSp>
-        <p:nvCxnSpPr>
-          <p:cNvPr id="164" name="Straight Connector 163"/>
-          <p:cNvCxnSpPr/>
-          <p:nvPr/>
-        </p:nvCxnSpPr>
-        <p:spPr>
-          <a:xfrm flipH="1" flipV="1">
-            <a:off x="8991600" y="2362200"/>
-            <a:ext cx="76200" cy="76200"/>
-          </a:xfrm>
-          <a:prstGeom prst="line">
-            <a:avLst/>
-          </a:prstGeom>
-          <a:ln w="12700">
-            <a:solidFill>
-              <a:srgbClr val="000000"/>
-            </a:solidFill>
-            <a:headEnd type="none" w="med" len="med"/>
-            <a:tailEnd type="none" w="med" len="med"/>
-          </a:ln>
-        </p:spPr>
-        <p:style>
-          <a:lnRef idx="1">
-            <a:schemeClr val="accent1"/>
-          </a:lnRef>
-          <a:fillRef idx="0">
-            <a:schemeClr val="accent1"/>
-          </a:fillRef>
-          <a:effectRef idx="0">
-            <a:schemeClr val="accent1"/>
-          </a:effectRef>
-          <a:fontRef idx="minor">
-            <a:schemeClr val="tx1"/>
-          </a:fontRef>
-        </p:style>
-      </p:cxnSp>
-      <p:cxnSp>
-        <p:nvCxnSpPr>
-          <p:cNvPr id="165" name="Straight Connector 164"/>
-          <p:cNvCxnSpPr/>
-          <p:nvPr/>
-        </p:nvCxnSpPr>
-        <p:spPr>
-          <a:xfrm flipH="1">
-            <a:off x="8991600" y="2438400"/>
-            <a:ext cx="76200" cy="76200"/>
-          </a:xfrm>
-          <a:prstGeom prst="line">
-            <a:avLst/>
-          </a:prstGeom>
-          <a:ln w="12700">
-            <a:solidFill>
-              <a:srgbClr val="000000"/>
-            </a:solidFill>
-            <a:headEnd type="none" w="med" len="med"/>
-            <a:tailEnd type="none" w="med" len="med"/>
-          </a:ln>
-        </p:spPr>
-        <p:style>
-          <a:lnRef idx="1">
-            <a:schemeClr val="accent1"/>
-          </a:lnRef>
-          <a:fillRef idx="0">
-            <a:schemeClr val="accent1"/>
-          </a:fillRef>
-          <a:effectRef idx="0">
-            <a:schemeClr val="accent1"/>
-          </a:effectRef>
-          <a:fontRef idx="minor">
-            <a:schemeClr val="tx1"/>
-          </a:fontRef>
-        </p:style>
-      </p:cxnSp>
-      <p:sp>
-        <p:nvSpPr>
-          <p:cNvPr id="166" name="Rectangle 165"/>
+      <p:sp>
+        <p:nvSpPr>
+          <p:cNvPr id="172" name="Rectangle 171"/>
           <p:cNvSpPr/>
           <p:nvPr/>
         </p:nvSpPr>
         <p:spPr>
           <a:xfrm>
-            <a:off x="8991600" y="2057400"/>
+            <a:off x="5791200" y="1752600"/>
             <a:ext cx="457200" cy="152400"/>
           </a:xfrm>
           <a:prstGeom prst="rect">
@@ -10750,6 +11068,7 @@
           <a:bodyPr wrap="none" lIns="45720" rIns="45720" rtlCol="0" anchor="ctr"/>
           <a:lstStyle/>
           <a:p>
+            <a:pPr algn="r"/>
             <a:r>
               <a:rPr lang="en-US" sz="900" dirty="0" smtClean="0">
                 <a:solidFill>
@@ -10758,7 +11077,7 @@
                 <a:latin typeface="Courier New" panose="02070309020205020404" pitchFamily="49" charset="0"/>
                 <a:cs typeface="Courier New" panose="02070309020205020404" pitchFamily="49" charset="0"/>
               </a:rPr>
-              <a:t>RSTXD</a:t>
+              <a:t>CLKS</a:t>
             </a:r>
             <a:endParaRPr lang="en-US" sz="900" dirty="0">
               <a:solidFill>
@@ -10770,68 +11089,58 @@
           </a:p>
         </p:txBody>
       </p:sp>
-      <p:sp>
-        <p:nvSpPr>
-          <p:cNvPr id="167" name="Rectangle 166"/>
-          <p:cNvSpPr/>
-          <p:nvPr/>
-        </p:nvSpPr>
-        <p:spPr>
-          <a:xfrm>
-            <a:off x="8991600" y="2895600"/>
-            <a:ext cx="457200" cy="152400"/>
-          </a:xfrm>
-          <a:prstGeom prst="rect">
-            <a:avLst/>
-          </a:prstGeom>
-          <a:noFill/>
-          <a:ln>
-            <a:noFill/>
-          </a:ln>
-        </p:spPr>
-        <p:style>
-          <a:lnRef idx="2">
-            <a:schemeClr val="accent1">
-              <a:shade val="50000"/>
-            </a:schemeClr>
-          </a:lnRef>
-          <a:fillRef idx="1">
-            <a:schemeClr val="accent1"/>
-          </a:fillRef>
-          <a:effectRef idx="0">
-            <a:schemeClr val="accent1"/>
-          </a:effectRef>
-          <a:fontRef idx="minor">
-            <a:schemeClr val="lt1"/>
-          </a:fontRef>
-        </p:style>
-        <p:txBody>
-          <a:bodyPr wrap="none" lIns="45720" rIns="45720" rtlCol="0" anchor="ctr"/>
-          <a:lstStyle/>
-          <a:p>
-            <a:r>
-              <a:rPr lang="en-US" sz="900" dirty="0">
-                <a:solidFill>
-                  <a:srgbClr val="000000"/>
-                </a:solidFill>
-                <a:latin typeface="Courier New" panose="02070309020205020404" pitchFamily="49" charset="0"/>
-                <a:cs typeface="Courier New" panose="02070309020205020404" pitchFamily="49" charset="0"/>
-              </a:rPr>
-              <a:t>CLK</a:t>
-            </a:r>
-          </a:p>
-        </p:txBody>
-      </p:sp>
       <p:cxnSp>
         <p:nvCxnSpPr>
-          <p:cNvPr id="168" name="Straight Connector 167"/>
-          <p:cNvCxnSpPr/>
+          <p:cNvPr id="173" name="Straight Connector 172"/>
+          <p:cNvCxnSpPr>
+            <a:stCxn id="171" idx="3"/>
+            <a:endCxn id="139" idx="1"/>
+          </p:cNvCxnSpPr>
           <p:nvPr/>
         </p:nvCxnSpPr>
         <p:spPr>
-          <a:xfrm flipH="1" flipV="1">
-            <a:off x="8991600" y="2971800"/>
-            <a:ext cx="76200" cy="76200"/>
+          <a:xfrm>
+            <a:off x="6248400" y="1524000"/>
+            <a:ext cx="2743200" cy="0"/>
+          </a:xfrm>
+          <a:prstGeom prst="line">
+            <a:avLst/>
+          </a:prstGeom>
+          <a:ln w="12700">
+            <a:solidFill>
+              <a:srgbClr val="000000"/>
+            </a:solidFill>
+            <a:headEnd type="none" w="med" len="med"/>
+            <a:tailEnd type="triangle" w="med" len="med"/>
+          </a:ln>
+        </p:spPr>
+        <p:style>
+          <a:lnRef idx="1">
+            <a:schemeClr val="accent1"/>
+          </a:lnRef>
+          <a:fillRef idx="0">
+            <a:schemeClr val="accent1"/>
+          </a:fillRef>
+          <a:effectRef idx="0">
+            <a:schemeClr val="accent1"/>
+          </a:effectRef>
+          <a:fontRef idx="minor">
+            <a:schemeClr val="tx1"/>
+          </a:fontRef>
+        </p:style>
+      </p:cxnSp>
+      <p:cxnSp>
+        <p:nvCxnSpPr>
+          <p:cNvPr id="176" name="Straight Connector 175"/>
+          <p:cNvCxnSpPr>
+            <a:endCxn id="172" idx="3"/>
+          </p:cNvCxnSpPr>
+          <p:nvPr/>
+        </p:nvCxnSpPr>
+        <p:spPr>
+          <a:xfrm flipH="1">
+            <a:off x="6248400" y="1828800"/>
+            <a:ext cx="2743200" cy="0"/>
           </a:xfrm>
           <a:prstGeom prst="line">
             <a:avLst/>
@@ -10859,104 +11168,15 @@
           </a:fontRef>
         </p:style>
       </p:cxnSp>
-      <p:cxnSp>
-        <p:nvCxnSpPr>
-          <p:cNvPr id="169" name="Straight Connector 168"/>
-          <p:cNvCxnSpPr/>
-          <p:nvPr/>
-        </p:nvCxnSpPr>
-        <p:spPr>
-          <a:xfrm flipH="1">
-            <a:off x="8991600" y="3048000"/>
-            <a:ext cx="76200" cy="76200"/>
-          </a:xfrm>
-          <a:prstGeom prst="line">
-            <a:avLst/>
-          </a:prstGeom>
-          <a:ln w="12700">
-            <a:solidFill>
-              <a:srgbClr val="000000"/>
-            </a:solidFill>
-            <a:headEnd type="none" w="med" len="med"/>
-            <a:tailEnd type="none" w="med" len="med"/>
-          </a:ln>
-        </p:spPr>
-        <p:style>
-          <a:lnRef idx="1">
-            <a:schemeClr val="accent1"/>
-          </a:lnRef>
-          <a:fillRef idx="0">
-            <a:schemeClr val="accent1"/>
-          </a:fillRef>
-          <a:effectRef idx="0">
-            <a:schemeClr val="accent1"/>
-          </a:effectRef>
-          <a:fontRef idx="minor">
-            <a:schemeClr val="tx1"/>
-          </a:fontRef>
-        </p:style>
-      </p:cxnSp>
-      <p:sp>
-        <p:nvSpPr>
-          <p:cNvPr id="170" name="Rectangle 169"/>
+      <p:sp>
+        <p:nvSpPr>
+          <p:cNvPr id="178" name="Rectangle 177"/>
           <p:cNvSpPr/>
           <p:nvPr/>
         </p:nvSpPr>
         <p:spPr>
           <a:xfrm>
-            <a:off x="8991600" y="2667000"/>
-            <a:ext cx="457200" cy="152400"/>
-          </a:xfrm>
-          <a:prstGeom prst="rect">
-            <a:avLst/>
-          </a:prstGeom>
-          <a:noFill/>
-          <a:ln>
-            <a:noFill/>
-          </a:ln>
-        </p:spPr>
-        <p:style>
-          <a:lnRef idx="2">
-            <a:schemeClr val="accent1">
-              <a:shade val="50000"/>
-            </a:schemeClr>
-          </a:lnRef>
-          <a:fillRef idx="1">
-            <a:schemeClr val="accent1"/>
-          </a:fillRef>
-          <a:effectRef idx="0">
-            <a:schemeClr val="accent1"/>
-          </a:effectRef>
-          <a:fontRef idx="minor">
-            <a:schemeClr val="lt1"/>
-          </a:fontRef>
-        </p:style>
-        <p:txBody>
-          <a:bodyPr wrap="none" lIns="45720" rIns="45720" rtlCol="0" anchor="ctr"/>
-          <a:lstStyle/>
-          <a:p>
-            <a:r>
-              <a:rPr lang="en-US" sz="900" dirty="0">
-                <a:solidFill>
-                  <a:srgbClr val="000000"/>
-                </a:solidFill>
-                <a:latin typeface="Courier New" panose="02070309020205020404" pitchFamily="49" charset="0"/>
-                <a:cs typeface="Courier New" panose="02070309020205020404" pitchFamily="49" charset="0"/>
-              </a:rPr>
-              <a:t>RSTX</a:t>
-            </a:r>
-          </a:p>
-        </p:txBody>
-      </p:sp>
-      <p:sp>
-        <p:nvSpPr>
-          <p:cNvPr id="171" name="Rectangle 170"/>
-          <p:cNvSpPr/>
-          <p:nvPr/>
-        </p:nvSpPr>
-        <p:spPr>
-          <a:xfrm>
-            <a:off x="5791200" y="1447800"/>
+            <a:off x="5791200" y="2057400"/>
             <a:ext cx="457200" cy="152400"/>
           </a:xfrm>
           <a:prstGeom prst="rect">
@@ -10996,7 +11216,7 @@
                 <a:latin typeface="Courier New" panose="02070309020205020404" pitchFamily="49" charset="0"/>
                 <a:cs typeface="Courier New" panose="02070309020205020404" pitchFamily="49" charset="0"/>
               </a:rPr>
-              <a:t>RSTXP</a:t>
+              <a:t>RSTXF</a:t>
             </a:r>
             <a:endParaRPr lang="en-US" sz="900" dirty="0">
               <a:solidFill>
@@ -11008,15 +11228,240 @@
           </a:p>
         </p:txBody>
       </p:sp>
-      <p:sp>
-        <p:nvSpPr>
-          <p:cNvPr id="172" name="Rectangle 171"/>
+      <p:cxnSp>
+        <p:nvCxnSpPr>
+          <p:cNvPr id="180" name="Straight Connector 179"/>
+          <p:cNvCxnSpPr>
+            <a:stCxn id="178" idx="3"/>
+            <a:endCxn id="166" idx="1"/>
+          </p:cNvCxnSpPr>
+          <p:nvPr/>
+        </p:nvCxnSpPr>
+        <p:spPr>
+          <a:xfrm>
+            <a:off x="6248400" y="2133600"/>
+            <a:ext cx="2743200" cy="0"/>
+          </a:xfrm>
+          <a:prstGeom prst="line">
+            <a:avLst/>
+          </a:prstGeom>
+          <a:ln w="12700">
+            <a:solidFill>
+              <a:srgbClr val="000000"/>
+            </a:solidFill>
+            <a:headEnd type="none" w="med" len="med"/>
+            <a:tailEnd type="triangle" w="med" len="med"/>
+          </a:ln>
+        </p:spPr>
+        <p:style>
+          <a:lnRef idx="1">
+            <a:schemeClr val="accent1"/>
+          </a:lnRef>
+          <a:fillRef idx="0">
+            <a:schemeClr val="accent1"/>
+          </a:fillRef>
+          <a:effectRef idx="0">
+            <a:schemeClr val="accent1"/>
+          </a:effectRef>
+          <a:fontRef idx="minor">
+            <a:schemeClr val="tx1"/>
+          </a:fontRef>
+        </p:style>
+      </p:cxnSp>
+      <p:cxnSp>
+        <p:nvCxnSpPr>
+          <p:cNvPr id="184" name="Straight Connector 183"/>
+          <p:cNvCxnSpPr/>
+          <p:nvPr/>
+        </p:nvCxnSpPr>
+        <p:spPr>
+          <a:xfrm flipH="1">
+            <a:off x="7467600" y="2438400"/>
+            <a:ext cx="1524000" cy="0"/>
+          </a:xfrm>
+          <a:prstGeom prst="line">
+            <a:avLst/>
+          </a:prstGeom>
+          <a:ln w="12700">
+            <a:solidFill>
+              <a:srgbClr val="000000"/>
+            </a:solidFill>
+            <a:headEnd type="none" w="med" len="med"/>
+            <a:tailEnd type="none" w="med" len="med"/>
+          </a:ln>
+        </p:spPr>
+        <p:style>
+          <a:lnRef idx="1">
+            <a:schemeClr val="accent1"/>
+          </a:lnRef>
+          <a:fillRef idx="0">
+            <a:schemeClr val="accent1"/>
+          </a:fillRef>
+          <a:effectRef idx="0">
+            <a:schemeClr val="accent1"/>
+          </a:effectRef>
+          <a:fontRef idx="minor">
+            <a:schemeClr val="tx1"/>
+          </a:fontRef>
+        </p:style>
+      </p:cxnSp>
+      <p:cxnSp>
+        <p:nvCxnSpPr>
+          <p:cNvPr id="190" name="Straight Connector 189"/>
+          <p:cNvCxnSpPr/>
+          <p:nvPr/>
+        </p:nvCxnSpPr>
+        <p:spPr>
+          <a:xfrm>
+            <a:off x="7772400" y="7239000"/>
+            <a:ext cx="1219200" cy="0"/>
+          </a:xfrm>
+          <a:prstGeom prst="line">
+            <a:avLst/>
+          </a:prstGeom>
+          <a:ln w="12700">
+            <a:solidFill>
+              <a:srgbClr val="000000"/>
+            </a:solidFill>
+            <a:headEnd type="oval" w="med" len="med"/>
+            <a:tailEnd type="none" w="med" len="med"/>
+          </a:ln>
+        </p:spPr>
+        <p:style>
+          <a:lnRef idx="1">
+            <a:schemeClr val="accent1"/>
+          </a:lnRef>
+          <a:fillRef idx="0">
+            <a:schemeClr val="accent1"/>
+          </a:fillRef>
+          <a:effectRef idx="0">
+            <a:schemeClr val="accent1"/>
+          </a:effectRef>
+          <a:fontRef idx="minor">
+            <a:schemeClr val="tx1"/>
+          </a:fontRef>
+        </p:style>
+      </p:cxnSp>
+      <p:cxnSp>
+        <p:nvCxnSpPr>
+          <p:cNvPr id="194" name="Straight Connector 193"/>
+          <p:cNvCxnSpPr/>
+          <p:nvPr/>
+        </p:nvCxnSpPr>
+        <p:spPr>
+          <a:xfrm flipV="1">
+            <a:off x="7620000" y="2743200"/>
+            <a:ext cx="0" cy="4191000"/>
+          </a:xfrm>
+          <a:prstGeom prst="line">
+            <a:avLst/>
+          </a:prstGeom>
+          <a:ln w="12700">
+            <a:solidFill>
+              <a:srgbClr val="000000"/>
+            </a:solidFill>
+            <a:headEnd type="oval" w="med" len="med"/>
+            <a:tailEnd type="none" w="med" len="med"/>
+          </a:ln>
+        </p:spPr>
+        <p:style>
+          <a:lnRef idx="1">
+            <a:schemeClr val="accent1"/>
+          </a:lnRef>
+          <a:fillRef idx="0">
+            <a:schemeClr val="accent1"/>
+          </a:fillRef>
+          <a:effectRef idx="0">
+            <a:schemeClr val="accent1"/>
+          </a:effectRef>
+          <a:fontRef idx="minor">
+            <a:schemeClr val="tx1"/>
+          </a:fontRef>
+        </p:style>
+      </p:cxnSp>
+      <p:cxnSp>
+        <p:nvCxnSpPr>
+          <p:cNvPr id="196" name="Straight Connector 195"/>
+          <p:cNvCxnSpPr/>
+          <p:nvPr/>
+        </p:nvCxnSpPr>
+        <p:spPr>
+          <a:xfrm>
+            <a:off x="7620000" y="2743200"/>
+            <a:ext cx="1371600" cy="0"/>
+          </a:xfrm>
+          <a:prstGeom prst="line">
+            <a:avLst/>
+          </a:prstGeom>
+          <a:ln w="12700">
+            <a:solidFill>
+              <a:srgbClr val="000000"/>
+            </a:solidFill>
+            <a:headEnd type="none" w="med" len="med"/>
+            <a:tailEnd type="triangle" w="med" len="med"/>
+          </a:ln>
+        </p:spPr>
+        <p:style>
+          <a:lnRef idx="1">
+            <a:schemeClr val="accent1"/>
+          </a:lnRef>
+          <a:fillRef idx="0">
+            <a:schemeClr val="accent1"/>
+          </a:fillRef>
+          <a:effectRef idx="0">
+            <a:schemeClr val="accent1"/>
+          </a:effectRef>
+          <a:fontRef idx="minor">
+            <a:schemeClr val="tx1"/>
+          </a:fontRef>
+        </p:style>
+      </p:cxnSp>
+      <p:cxnSp>
+        <p:nvCxnSpPr>
+          <p:cNvPr id="198" name="Straight Connector 197"/>
+          <p:cNvCxnSpPr/>
+          <p:nvPr/>
+        </p:nvCxnSpPr>
+        <p:spPr>
+          <a:xfrm flipV="1">
+            <a:off x="7467600" y="2438400"/>
+            <a:ext cx="0" cy="1676400"/>
+          </a:xfrm>
+          <a:prstGeom prst="line">
+            <a:avLst/>
+          </a:prstGeom>
+          <a:ln w="12700">
+            <a:solidFill>
+              <a:srgbClr val="000000"/>
+            </a:solidFill>
+            <a:headEnd type="oval" w="med" len="med"/>
+            <a:tailEnd type="none" w="med" len="med"/>
+          </a:ln>
+        </p:spPr>
+        <p:style>
+          <a:lnRef idx="1">
+            <a:schemeClr val="accent1"/>
+          </a:lnRef>
+          <a:fillRef idx="0">
+            <a:schemeClr val="accent1"/>
+          </a:fillRef>
+          <a:effectRef idx="0">
+            <a:schemeClr val="accent1"/>
+          </a:effectRef>
+          <a:fontRef idx="minor">
+            <a:schemeClr val="tx1"/>
+          </a:fontRef>
+        </p:style>
+      </p:cxnSp>
+      <p:sp>
+        <p:nvSpPr>
+          <p:cNvPr id="174" name="Rectangle 173"/>
           <p:cNvSpPr/>
           <p:nvPr/>
         </p:nvSpPr>
         <p:spPr>
           <a:xfrm>
-            <a:off x="5791200" y="1752600"/>
+            <a:off x="6553200" y="1371600"/>
             <a:ext cx="457200" cy="152400"/>
           </a:xfrm>
           <a:prstGeom prst="rect">
@@ -11047,148 +11492,15 @@
           <a:bodyPr wrap="none" lIns="45720" rIns="45720" rtlCol="0" anchor="ctr"/>
           <a:lstStyle/>
           <a:p>
-            <a:pPr algn="r"/>
-            <a:r>
-              <a:rPr lang="en-US" sz="900" dirty="0">
+            <a:r>
+              <a:rPr lang="en-US" sz="900" dirty="0" err="1" smtClean="0">
                 <a:solidFill>
                   <a:srgbClr val="000000"/>
                 </a:solidFill>
                 <a:latin typeface="Courier New" panose="02070309020205020404" pitchFamily="49" charset="0"/>
                 <a:cs typeface="Courier New" panose="02070309020205020404" pitchFamily="49" charset="0"/>
               </a:rPr>
-              <a:t>CLKP</a:t>
-            </a:r>
-          </a:p>
-        </p:txBody>
-      </p:sp>
-      <p:cxnSp>
-        <p:nvCxnSpPr>
-          <p:cNvPr id="173" name="Straight Connector 172"/>
-          <p:cNvCxnSpPr>
-            <a:stCxn id="171" idx="3"/>
-            <a:endCxn id="139" idx="1"/>
-          </p:cNvCxnSpPr>
-          <p:nvPr/>
-        </p:nvCxnSpPr>
-        <p:spPr>
-          <a:xfrm>
-            <a:off x="6248400" y="1524000"/>
-            <a:ext cx="2743200" cy="0"/>
-          </a:xfrm>
-          <a:prstGeom prst="line">
-            <a:avLst/>
-          </a:prstGeom>
-          <a:ln w="12700">
-            <a:solidFill>
-              <a:srgbClr val="000000"/>
-            </a:solidFill>
-            <a:headEnd type="none" w="med" len="med"/>
-            <a:tailEnd type="triangle" w="med" len="med"/>
-          </a:ln>
-        </p:spPr>
-        <p:style>
-          <a:lnRef idx="1">
-            <a:schemeClr val="accent1"/>
-          </a:lnRef>
-          <a:fillRef idx="0">
-            <a:schemeClr val="accent1"/>
-          </a:fillRef>
-          <a:effectRef idx="0">
-            <a:schemeClr val="accent1"/>
-          </a:effectRef>
-          <a:fontRef idx="minor">
-            <a:schemeClr val="tx1"/>
-          </a:fontRef>
-        </p:style>
-      </p:cxnSp>
-      <p:cxnSp>
-        <p:nvCxnSpPr>
-          <p:cNvPr id="176" name="Straight Connector 175"/>
-          <p:cNvCxnSpPr>
-            <a:endCxn id="172" idx="3"/>
-          </p:cNvCxnSpPr>
-          <p:nvPr/>
-        </p:nvCxnSpPr>
-        <p:spPr>
-          <a:xfrm flipH="1">
-            <a:off x="6248400" y="1828800"/>
-            <a:ext cx="2743200" cy="0"/>
-          </a:xfrm>
-          <a:prstGeom prst="line">
-            <a:avLst/>
-          </a:prstGeom>
-          <a:ln w="12700">
-            <a:solidFill>
-              <a:srgbClr val="000000"/>
-            </a:solidFill>
-            <a:headEnd type="none" w="med" len="med"/>
-            <a:tailEnd type="none" w="med" len="med"/>
-          </a:ln>
-        </p:spPr>
-        <p:style>
-          <a:lnRef idx="1">
-            <a:schemeClr val="accent1"/>
-          </a:lnRef>
-          <a:fillRef idx="0">
-            <a:schemeClr val="accent1"/>
-          </a:fillRef>
-          <a:effectRef idx="0">
-            <a:schemeClr val="accent1"/>
-          </a:effectRef>
-          <a:fontRef idx="minor">
-            <a:schemeClr val="tx1"/>
-          </a:fontRef>
-        </p:style>
-      </p:cxnSp>
-      <p:sp>
-        <p:nvSpPr>
-          <p:cNvPr id="178" name="Rectangle 177"/>
-          <p:cNvSpPr/>
-          <p:nvPr/>
-        </p:nvSpPr>
-        <p:spPr>
-          <a:xfrm>
-            <a:off x="5791200" y="2057400"/>
-            <a:ext cx="457200" cy="152400"/>
-          </a:xfrm>
-          <a:prstGeom prst="rect">
-            <a:avLst/>
-          </a:prstGeom>
-          <a:noFill/>
-          <a:ln>
-            <a:noFill/>
-          </a:ln>
-        </p:spPr>
-        <p:style>
-          <a:lnRef idx="2">
-            <a:schemeClr val="accent1">
-              <a:shade val="50000"/>
-            </a:schemeClr>
-          </a:lnRef>
-          <a:fillRef idx="1">
-            <a:schemeClr val="accent1"/>
-          </a:fillRef>
-          <a:effectRef idx="0">
-            <a:schemeClr val="accent1"/>
-          </a:effectRef>
-          <a:fontRef idx="minor">
-            <a:schemeClr val="lt1"/>
-          </a:fontRef>
-        </p:style>
-        <p:txBody>
-          <a:bodyPr wrap="none" lIns="45720" rIns="45720" rtlCol="0" anchor="ctr"/>
-          <a:lstStyle/>
-          <a:p>
-            <a:pPr algn="r"/>
-            <a:r>
-              <a:rPr lang="en-US" sz="900" dirty="0" smtClean="0">
-                <a:solidFill>
-                  <a:srgbClr val="000000"/>
-                </a:solidFill>
-                <a:latin typeface="Courier New" panose="02070309020205020404" pitchFamily="49" charset="0"/>
-                <a:cs typeface="Courier New" panose="02070309020205020404" pitchFamily="49" charset="0"/>
-              </a:rPr>
-              <a:t>RSTXD</a:t>
+              <a:t>rstxs</a:t>
             </a:r>
             <a:endParaRPr lang="en-US" sz="900" dirty="0">
               <a:solidFill>
@@ -11200,231 +11512,183 @@
           </a:p>
         </p:txBody>
       </p:sp>
-      <p:cxnSp>
-        <p:nvCxnSpPr>
-          <p:cNvPr id="180" name="Straight Connector 179"/>
-          <p:cNvCxnSpPr>
-            <a:stCxn id="178" idx="3"/>
-            <a:endCxn id="166" idx="1"/>
-          </p:cNvCxnSpPr>
-          <p:nvPr/>
-        </p:nvCxnSpPr>
-        <p:spPr>
-          <a:xfrm>
-            <a:off x="6248400" y="2133600"/>
-            <a:ext cx="2743200" cy="0"/>
-          </a:xfrm>
-          <a:prstGeom prst="line">
-            <a:avLst/>
-          </a:prstGeom>
-          <a:ln w="12700">
-            <a:solidFill>
-              <a:srgbClr val="000000"/>
-            </a:solidFill>
-            <a:headEnd type="none" w="med" len="med"/>
-            <a:tailEnd type="triangle" w="med" len="med"/>
-          </a:ln>
-        </p:spPr>
-        <p:style>
-          <a:lnRef idx="1">
-            <a:schemeClr val="accent1"/>
-          </a:lnRef>
-          <a:fillRef idx="0">
-            <a:schemeClr val="accent1"/>
-          </a:fillRef>
-          <a:effectRef idx="0">
-            <a:schemeClr val="accent1"/>
-          </a:effectRef>
-          <a:fontRef idx="minor">
-            <a:schemeClr val="tx1"/>
-          </a:fontRef>
-        </p:style>
-      </p:cxnSp>
-      <p:cxnSp>
-        <p:nvCxnSpPr>
-          <p:cNvPr id="184" name="Straight Connector 183"/>
-          <p:cNvCxnSpPr/>
-          <p:nvPr/>
-        </p:nvCxnSpPr>
-        <p:spPr>
-          <a:xfrm flipH="1">
-            <a:off x="7467600" y="2438400"/>
-            <a:ext cx="1524000" cy="0"/>
-          </a:xfrm>
-          <a:prstGeom prst="line">
-            <a:avLst/>
-          </a:prstGeom>
-          <a:ln w="12700">
-            <a:solidFill>
-              <a:srgbClr val="000000"/>
-            </a:solidFill>
-            <a:headEnd type="none" w="med" len="med"/>
-            <a:tailEnd type="none" w="med" len="med"/>
-          </a:ln>
-        </p:spPr>
-        <p:style>
-          <a:lnRef idx="1">
-            <a:schemeClr val="accent1"/>
-          </a:lnRef>
-          <a:fillRef idx="0">
-            <a:schemeClr val="accent1"/>
-          </a:fillRef>
-          <a:effectRef idx="0">
-            <a:schemeClr val="accent1"/>
-          </a:effectRef>
-          <a:fontRef idx="minor">
-            <a:schemeClr val="tx1"/>
-          </a:fontRef>
-        </p:style>
-      </p:cxnSp>
-      <p:cxnSp>
-        <p:nvCxnSpPr>
-          <p:cNvPr id="190" name="Straight Connector 189"/>
-          <p:cNvCxnSpPr/>
-          <p:nvPr/>
-        </p:nvCxnSpPr>
-        <p:spPr>
-          <a:xfrm>
-            <a:off x="7772400" y="7239000"/>
-            <a:ext cx="1219200" cy="0"/>
-          </a:xfrm>
-          <a:prstGeom prst="line">
-            <a:avLst/>
-          </a:prstGeom>
-          <a:ln w="12700">
-            <a:solidFill>
-              <a:srgbClr val="000000"/>
-            </a:solidFill>
-            <a:headEnd type="oval" w="med" len="med"/>
-            <a:tailEnd type="none" w="med" len="med"/>
-          </a:ln>
-        </p:spPr>
-        <p:style>
-          <a:lnRef idx="1">
-            <a:schemeClr val="accent1"/>
-          </a:lnRef>
-          <a:fillRef idx="0">
-            <a:schemeClr val="accent1"/>
-          </a:fillRef>
-          <a:effectRef idx="0">
-            <a:schemeClr val="accent1"/>
-          </a:effectRef>
-          <a:fontRef idx="minor">
-            <a:schemeClr val="tx1"/>
-          </a:fontRef>
-        </p:style>
-      </p:cxnSp>
-      <p:cxnSp>
-        <p:nvCxnSpPr>
-          <p:cNvPr id="194" name="Straight Connector 193"/>
-          <p:cNvCxnSpPr/>
-          <p:nvPr/>
-        </p:nvCxnSpPr>
-        <p:spPr>
-          <a:xfrm flipV="1">
-            <a:off x="7620000" y="2743200"/>
-            <a:ext cx="0" cy="4191000"/>
-          </a:xfrm>
-          <a:prstGeom prst="line">
-            <a:avLst/>
-          </a:prstGeom>
-          <a:ln w="12700">
-            <a:solidFill>
-              <a:srgbClr val="000000"/>
-            </a:solidFill>
-            <a:headEnd type="oval" w="med" len="med"/>
-            <a:tailEnd type="none" w="med" len="med"/>
-          </a:ln>
-        </p:spPr>
-        <p:style>
-          <a:lnRef idx="1">
-            <a:schemeClr val="accent1"/>
-          </a:lnRef>
-          <a:fillRef idx="0">
-            <a:schemeClr val="accent1"/>
-          </a:fillRef>
-          <a:effectRef idx="0">
-            <a:schemeClr val="accent1"/>
-          </a:effectRef>
-          <a:fontRef idx="minor">
-            <a:schemeClr val="tx1"/>
-          </a:fontRef>
-        </p:style>
-      </p:cxnSp>
-      <p:cxnSp>
-        <p:nvCxnSpPr>
-          <p:cNvPr id="196" name="Straight Connector 195"/>
-          <p:cNvCxnSpPr/>
-          <p:nvPr/>
-        </p:nvCxnSpPr>
-        <p:spPr>
-          <a:xfrm>
-            <a:off x="7620000" y="2743200"/>
-            <a:ext cx="1371600" cy="0"/>
-          </a:xfrm>
-          <a:prstGeom prst="line">
-            <a:avLst/>
-          </a:prstGeom>
-          <a:ln w="12700">
-            <a:solidFill>
-              <a:srgbClr val="000000"/>
-            </a:solidFill>
-            <a:headEnd type="none" w="med" len="med"/>
-            <a:tailEnd type="triangle" w="med" len="med"/>
-          </a:ln>
-        </p:spPr>
-        <p:style>
-          <a:lnRef idx="1">
-            <a:schemeClr val="accent1"/>
-          </a:lnRef>
-          <a:fillRef idx="0">
-            <a:schemeClr val="accent1"/>
-          </a:fillRef>
-          <a:effectRef idx="0">
-            <a:schemeClr val="accent1"/>
-          </a:effectRef>
-          <a:fontRef idx="minor">
-            <a:schemeClr val="tx1"/>
-          </a:fontRef>
-        </p:style>
-      </p:cxnSp>
-      <p:cxnSp>
-        <p:nvCxnSpPr>
-          <p:cNvPr id="198" name="Straight Connector 197"/>
-          <p:cNvCxnSpPr/>
-          <p:nvPr/>
-        </p:nvCxnSpPr>
-        <p:spPr>
-          <a:xfrm flipV="1">
-            <a:off x="7467600" y="2438400"/>
-            <a:ext cx="0" cy="1676400"/>
-          </a:xfrm>
-          <a:prstGeom prst="line">
-            <a:avLst/>
-          </a:prstGeom>
-          <a:ln w="12700">
-            <a:solidFill>
-              <a:srgbClr val="000000"/>
-            </a:solidFill>
-            <a:headEnd type="oval" w="med" len="med"/>
-            <a:tailEnd type="none" w="med" len="med"/>
-          </a:ln>
-        </p:spPr>
-        <p:style>
-          <a:lnRef idx="1">
-            <a:schemeClr val="accent1"/>
-          </a:lnRef>
-          <a:fillRef idx="0">
-            <a:schemeClr val="accent1"/>
-          </a:fillRef>
-          <a:effectRef idx="0">
-            <a:schemeClr val="accent1"/>
-          </a:effectRef>
-          <a:fontRef idx="minor">
-            <a:schemeClr val="tx1"/>
-          </a:fontRef>
-        </p:style>
-      </p:cxnSp>
+      <p:sp>
+        <p:nvSpPr>
+          <p:cNvPr id="175" name="Rectangle 174"/>
+          <p:cNvSpPr/>
+          <p:nvPr/>
+        </p:nvSpPr>
+        <p:spPr>
+          <a:xfrm>
+            <a:off x="6553200" y="1981200"/>
+            <a:ext cx="457200" cy="152400"/>
+          </a:xfrm>
+          <a:prstGeom prst="rect">
+            <a:avLst/>
+          </a:prstGeom>
+          <a:noFill/>
+          <a:ln>
+            <a:noFill/>
+          </a:ln>
+        </p:spPr>
+        <p:style>
+          <a:lnRef idx="2">
+            <a:schemeClr val="accent1">
+              <a:shade val="50000"/>
+            </a:schemeClr>
+          </a:lnRef>
+          <a:fillRef idx="1">
+            <a:schemeClr val="accent1"/>
+          </a:fillRef>
+          <a:effectRef idx="0">
+            <a:schemeClr val="accent1"/>
+          </a:effectRef>
+          <a:fontRef idx="minor">
+            <a:schemeClr val="lt1"/>
+          </a:fontRef>
+        </p:style>
+        <p:txBody>
+          <a:bodyPr wrap="none" lIns="45720" rIns="45720" rtlCol="0" anchor="ctr"/>
+          <a:lstStyle/>
+          <a:p>
+            <a:r>
+              <a:rPr lang="en-US" sz="900" dirty="0" err="1" smtClean="0">
+                <a:solidFill>
+                  <a:srgbClr val="000000"/>
+                </a:solidFill>
+                <a:latin typeface="Courier New" panose="02070309020205020404" pitchFamily="49" charset="0"/>
+                <a:cs typeface="Courier New" panose="02070309020205020404" pitchFamily="49" charset="0"/>
+              </a:rPr>
+              <a:t>rstxf</a:t>
+            </a:r>
+            <a:endParaRPr lang="en-US" sz="900" dirty="0">
+              <a:solidFill>
+                <a:srgbClr val="000000"/>
+              </a:solidFill>
+              <a:latin typeface="Courier New" panose="02070309020205020404" pitchFamily="49" charset="0"/>
+              <a:cs typeface="Courier New" panose="02070309020205020404" pitchFamily="49" charset="0"/>
+            </a:endParaRPr>
+          </a:p>
+        </p:txBody>
+      </p:sp>
+      <p:sp>
+        <p:nvSpPr>
+          <p:cNvPr id="177" name="Rectangle 176"/>
+          <p:cNvSpPr/>
+          <p:nvPr/>
+        </p:nvSpPr>
+        <p:spPr>
+          <a:xfrm>
+            <a:off x="6553200" y="1676400"/>
+            <a:ext cx="457200" cy="152400"/>
+          </a:xfrm>
+          <a:prstGeom prst="rect">
+            <a:avLst/>
+          </a:prstGeom>
+          <a:noFill/>
+          <a:ln>
+            <a:noFill/>
+          </a:ln>
+        </p:spPr>
+        <p:style>
+          <a:lnRef idx="2">
+            <a:schemeClr val="accent1">
+              <a:shade val="50000"/>
+            </a:schemeClr>
+          </a:lnRef>
+          <a:fillRef idx="1">
+            <a:schemeClr val="accent1"/>
+          </a:fillRef>
+          <a:effectRef idx="0">
+            <a:schemeClr val="accent1"/>
+          </a:effectRef>
+          <a:fontRef idx="minor">
+            <a:schemeClr val="lt1"/>
+          </a:fontRef>
+        </p:style>
+        <p:txBody>
+          <a:bodyPr wrap="none" lIns="45720" rIns="45720" rtlCol="0" anchor="ctr"/>
+          <a:lstStyle/>
+          <a:p>
+            <a:r>
+              <a:rPr lang="en-US" sz="900" dirty="0" err="1" smtClean="0">
+                <a:solidFill>
+                  <a:srgbClr val="000000"/>
+                </a:solidFill>
+                <a:latin typeface="Courier New" panose="02070309020205020404" pitchFamily="49" charset="0"/>
+                <a:cs typeface="Courier New" panose="02070309020205020404" pitchFamily="49" charset="0"/>
+              </a:rPr>
+              <a:t>clks</a:t>
+            </a:r>
+            <a:endParaRPr lang="en-US" sz="900" dirty="0">
+              <a:solidFill>
+                <a:srgbClr val="000000"/>
+              </a:solidFill>
+              <a:latin typeface="Courier New" panose="02070309020205020404" pitchFamily="49" charset="0"/>
+              <a:cs typeface="Courier New" panose="02070309020205020404" pitchFamily="49" charset="0"/>
+            </a:endParaRPr>
+          </a:p>
+        </p:txBody>
+      </p:sp>
+      <p:sp>
+        <p:nvSpPr>
+          <p:cNvPr id="179" name="Rectangle 178"/>
+          <p:cNvSpPr/>
+          <p:nvPr/>
+        </p:nvSpPr>
+        <p:spPr>
+          <a:xfrm>
+            <a:off x="6553200" y="3962400"/>
+            <a:ext cx="457200" cy="152400"/>
+          </a:xfrm>
+          <a:prstGeom prst="rect">
+            <a:avLst/>
+          </a:prstGeom>
+          <a:noFill/>
+          <a:ln>
+            <a:noFill/>
+          </a:ln>
+        </p:spPr>
+        <p:style>
+          <a:lnRef idx="2">
+            <a:schemeClr val="accent1">
+              <a:shade val="50000"/>
+            </a:schemeClr>
+          </a:lnRef>
+          <a:fillRef idx="1">
+            <a:schemeClr val="accent1"/>
+          </a:fillRef>
+          <a:effectRef idx="0">
+            <a:schemeClr val="accent1"/>
+          </a:effectRef>
+          <a:fontRef idx="minor">
+            <a:schemeClr val="lt1"/>
+          </a:fontRef>
+        </p:style>
+        <p:txBody>
+          <a:bodyPr wrap="none" lIns="45720" rIns="45720" rtlCol="0" anchor="ctr"/>
+          <a:lstStyle/>
+          <a:p>
+            <a:r>
+              <a:rPr lang="en-US" sz="900" smtClean="0">
+                <a:solidFill>
+                  <a:srgbClr val="000000"/>
+                </a:solidFill>
+                <a:latin typeface="Courier New" panose="02070309020205020404" pitchFamily="49" charset="0"/>
+                <a:cs typeface="Courier New" panose="02070309020205020404" pitchFamily="49" charset="0"/>
+              </a:rPr>
+              <a:t>clkf</a:t>
+            </a:r>
+            <a:endParaRPr lang="en-US" sz="900" dirty="0">
+              <a:solidFill>
+                <a:srgbClr val="000000"/>
+              </a:solidFill>
+              <a:latin typeface="Courier New" panose="02070309020205020404" pitchFamily="49" charset="0"/>
+              <a:cs typeface="Courier New" panose="02070309020205020404" pitchFamily="49" charset="0"/>
+            </a:endParaRPr>
+          </a:p>
+        </p:txBody>
+      </p:sp>
     </p:spTree>
     <p:extLst>
       <p:ext uri="{BB962C8B-B14F-4D97-AF65-F5344CB8AC3E}">
